--- a/figures/ACGAN/画图.pptx
+++ b/figures/ACGAN/画图.pptx
@@ -8,6 +8,8 @@
     <p:sldId id="275" r:id="rId2"/>
     <p:sldId id="276" r:id="rId3"/>
     <p:sldId id="310" r:id="rId4"/>
+    <p:sldId id="311" r:id="rId5"/>
+    <p:sldId id="312" r:id="rId6"/>
   </p:sldIdLst>
   <p:sldSz cx="35661600" cy="20059650"/>
   <p:notesSz cx="6858000" cy="9144000"/>
@@ -245,7 +247,7 @@
           <a:p>
             <a:fld id="{2B0A0654-BC80-4DA9-BF84-0BEA5044695C}" type="datetimeFigureOut">
               <a:rPr lang="zh-CN" altLang="en-US" smtClean="0"/>
-              <a:t>2021/10/8</a:t>
+              <a:t>2021/10/12</a:t>
             </a:fld>
             <a:endParaRPr lang="zh-CN" altLang="en-US"/>
           </a:p>
@@ -415,7 +417,7 @@
           <a:p>
             <a:fld id="{2B0A0654-BC80-4DA9-BF84-0BEA5044695C}" type="datetimeFigureOut">
               <a:rPr lang="zh-CN" altLang="en-US" smtClean="0"/>
-              <a:t>2021/10/8</a:t>
+              <a:t>2021/10/12</a:t>
             </a:fld>
             <a:endParaRPr lang="zh-CN" altLang="en-US"/>
           </a:p>
@@ -595,7 +597,7 @@
           <a:p>
             <a:fld id="{2B0A0654-BC80-4DA9-BF84-0BEA5044695C}" type="datetimeFigureOut">
               <a:rPr lang="zh-CN" altLang="en-US" smtClean="0"/>
-              <a:t>2021/10/8</a:t>
+              <a:t>2021/10/12</a:t>
             </a:fld>
             <a:endParaRPr lang="zh-CN" altLang="en-US"/>
           </a:p>
@@ -765,7 +767,7 @@
           <a:p>
             <a:fld id="{2B0A0654-BC80-4DA9-BF84-0BEA5044695C}" type="datetimeFigureOut">
               <a:rPr lang="zh-CN" altLang="en-US" smtClean="0"/>
-              <a:t>2021/10/8</a:t>
+              <a:t>2021/10/12</a:t>
             </a:fld>
             <a:endParaRPr lang="zh-CN" altLang="en-US"/>
           </a:p>
@@ -1011,7 +1013,7 @@
           <a:p>
             <a:fld id="{2B0A0654-BC80-4DA9-BF84-0BEA5044695C}" type="datetimeFigureOut">
               <a:rPr lang="zh-CN" altLang="en-US" smtClean="0"/>
-              <a:t>2021/10/8</a:t>
+              <a:t>2021/10/12</a:t>
             </a:fld>
             <a:endParaRPr lang="zh-CN" altLang="en-US"/>
           </a:p>
@@ -1243,7 +1245,7 @@
           <a:p>
             <a:fld id="{2B0A0654-BC80-4DA9-BF84-0BEA5044695C}" type="datetimeFigureOut">
               <a:rPr lang="zh-CN" altLang="en-US" smtClean="0"/>
-              <a:t>2021/10/8</a:t>
+              <a:t>2021/10/12</a:t>
             </a:fld>
             <a:endParaRPr lang="zh-CN" altLang="en-US"/>
           </a:p>
@@ -1610,7 +1612,7 @@
           <a:p>
             <a:fld id="{2B0A0654-BC80-4DA9-BF84-0BEA5044695C}" type="datetimeFigureOut">
               <a:rPr lang="zh-CN" altLang="en-US" smtClean="0"/>
-              <a:t>2021/10/8</a:t>
+              <a:t>2021/10/12</a:t>
             </a:fld>
             <a:endParaRPr lang="zh-CN" altLang="en-US"/>
           </a:p>
@@ -1728,7 +1730,7 @@
           <a:p>
             <a:fld id="{2B0A0654-BC80-4DA9-BF84-0BEA5044695C}" type="datetimeFigureOut">
               <a:rPr lang="zh-CN" altLang="en-US" smtClean="0"/>
-              <a:t>2021/10/8</a:t>
+              <a:t>2021/10/12</a:t>
             </a:fld>
             <a:endParaRPr lang="zh-CN" altLang="en-US"/>
           </a:p>
@@ -1823,7 +1825,7 @@
           <a:p>
             <a:fld id="{2B0A0654-BC80-4DA9-BF84-0BEA5044695C}" type="datetimeFigureOut">
               <a:rPr lang="zh-CN" altLang="en-US" smtClean="0"/>
-              <a:t>2021/10/8</a:t>
+              <a:t>2021/10/12</a:t>
             </a:fld>
             <a:endParaRPr lang="zh-CN" altLang="en-US"/>
           </a:p>
@@ -2100,7 +2102,7 @@
           <a:p>
             <a:fld id="{2B0A0654-BC80-4DA9-BF84-0BEA5044695C}" type="datetimeFigureOut">
               <a:rPr lang="zh-CN" altLang="en-US" smtClean="0"/>
-              <a:t>2021/10/8</a:t>
+              <a:t>2021/10/12</a:t>
             </a:fld>
             <a:endParaRPr lang="zh-CN" altLang="en-US"/>
           </a:p>
@@ -2357,7 +2359,7 @@
           <a:p>
             <a:fld id="{2B0A0654-BC80-4DA9-BF84-0BEA5044695C}" type="datetimeFigureOut">
               <a:rPr lang="zh-CN" altLang="en-US" smtClean="0"/>
-              <a:t>2021/10/8</a:t>
+              <a:t>2021/10/12</a:t>
             </a:fld>
             <a:endParaRPr lang="zh-CN" altLang="en-US"/>
           </a:p>
@@ -2570,7 +2572,7 @@
           <a:p>
             <a:fld id="{2B0A0654-BC80-4DA9-BF84-0BEA5044695C}" type="datetimeFigureOut">
               <a:rPr lang="zh-CN" altLang="en-US" smtClean="0"/>
-              <a:t>2021/10/8</a:t>
+              <a:t>2021/10/12</a:t>
             </a:fld>
             <a:endParaRPr lang="zh-CN" altLang="en-US"/>
           </a:p>
@@ -6317,6 +6319,2844 @@
 </p:sld>
 </file>
 
+<file path=ppt/slides/slide4.xml><?xml version="1.0" encoding="utf-8"?>
+<p:sld xmlns:a="http://schemas.openxmlformats.org/drawingml/2006/main" xmlns:r="http://schemas.openxmlformats.org/officeDocument/2006/relationships" xmlns:p="http://schemas.openxmlformats.org/presentationml/2006/main">
+  <p:cSld>
+    <p:spTree>
+      <p:nvGrpSpPr>
+        <p:cNvPr id="1" name=""/>
+        <p:cNvGrpSpPr/>
+        <p:nvPr/>
+      </p:nvGrpSpPr>
+      <p:grpSpPr>
+        <a:xfrm>
+          <a:off x="0" y="0"/>
+          <a:ext cx="0" cy="0"/>
+          <a:chOff x="0" y="0"/>
+          <a:chExt cx="0" cy="0"/>
+        </a:xfrm>
+      </p:grpSpPr>
+      <p:pic>
+        <p:nvPicPr>
+          <p:cNvPr id="38" name="图片 37" descr="微笑的男人&#10;&#10;描述已自动生成">
+            <a:extLst>
+              <a:ext uri="{FF2B5EF4-FFF2-40B4-BE49-F238E27FC236}">
+                <a16:creationId xmlns:a16="http://schemas.microsoft.com/office/drawing/2014/main" id="{FBB6E8DB-A45E-42D3-8F36-203F207C0B64}"/>
+              </a:ext>
+            </a:extLst>
+          </p:cNvPr>
+          <p:cNvPicPr>
+            <a:picLocks noChangeAspect="1"/>
+          </p:cNvPicPr>
+          <p:nvPr/>
+        </p:nvPicPr>
+        <p:blipFill>
+          <a:blip r:embed="rId2" cstate="print">
+            <a:extLst>
+              <a:ext uri="{28A0092B-C50C-407E-A947-70E740481C1C}">
+                <a14:useLocalDpi xmlns:a14="http://schemas.microsoft.com/office/drawing/2010/main" val="0"/>
+              </a:ext>
+            </a:extLst>
+          </a:blip>
+          <a:stretch>
+            <a:fillRect/>
+          </a:stretch>
+        </p:blipFill>
+        <p:spPr>
+          <a:xfrm>
+            <a:off x="1723397" y="4055201"/>
+            <a:ext cx="4326362" cy="4326362"/>
+          </a:xfrm>
+          <a:prstGeom prst="rect">
+            <a:avLst/>
+          </a:prstGeom>
+        </p:spPr>
+      </p:pic>
+      <p:pic>
+        <p:nvPicPr>
+          <p:cNvPr id="39" name="图片 38" descr="微笑的男人&#10;&#10;描述已自动生成">
+            <a:extLst>
+              <a:ext uri="{FF2B5EF4-FFF2-40B4-BE49-F238E27FC236}">
+                <a16:creationId xmlns:a16="http://schemas.microsoft.com/office/drawing/2014/main" id="{E4D2F3A7-1E78-4B5B-90B8-B7184A8C5083}"/>
+              </a:ext>
+            </a:extLst>
+          </p:cNvPr>
+          <p:cNvPicPr>
+            <a:picLocks noChangeAspect="1"/>
+          </p:cNvPicPr>
+          <p:nvPr/>
+        </p:nvPicPr>
+        <p:blipFill>
+          <a:blip r:embed="rId3" cstate="print">
+            <a:extLst>
+              <a:ext uri="{28A0092B-C50C-407E-A947-70E740481C1C}">
+                <a14:useLocalDpi xmlns:a14="http://schemas.microsoft.com/office/drawing/2010/main" val="0"/>
+              </a:ext>
+            </a:extLst>
+          </a:blip>
+          <a:stretch>
+            <a:fillRect/>
+          </a:stretch>
+        </p:blipFill>
+        <p:spPr>
+          <a:xfrm>
+            <a:off x="6441391" y="4055201"/>
+            <a:ext cx="4326362" cy="4326362"/>
+          </a:xfrm>
+          <a:prstGeom prst="rect">
+            <a:avLst/>
+          </a:prstGeom>
+        </p:spPr>
+      </p:pic>
+      <p:pic>
+        <p:nvPicPr>
+          <p:cNvPr id="40" name="图片 39" descr="微笑的男人&#10;&#10;描述已自动生成">
+            <a:extLst>
+              <a:ext uri="{FF2B5EF4-FFF2-40B4-BE49-F238E27FC236}">
+                <a16:creationId xmlns:a16="http://schemas.microsoft.com/office/drawing/2014/main" id="{9D04F5E7-6DDC-4DBF-8A08-62E6A87603B8}"/>
+              </a:ext>
+            </a:extLst>
+          </p:cNvPr>
+          <p:cNvPicPr>
+            <a:picLocks noChangeAspect="1"/>
+          </p:cNvPicPr>
+          <p:nvPr/>
+        </p:nvPicPr>
+        <p:blipFill>
+          <a:blip r:embed="rId4" cstate="print">
+            <a:extLst>
+              <a:ext uri="{28A0092B-C50C-407E-A947-70E740481C1C}">
+                <a14:useLocalDpi xmlns:a14="http://schemas.microsoft.com/office/drawing/2010/main" val="0"/>
+              </a:ext>
+            </a:extLst>
+          </a:blip>
+          <a:stretch>
+            <a:fillRect/>
+          </a:stretch>
+        </p:blipFill>
+        <p:spPr>
+          <a:xfrm>
+            <a:off x="11159390" y="4055201"/>
+            <a:ext cx="4326362" cy="4326362"/>
+          </a:xfrm>
+          <a:prstGeom prst="rect">
+            <a:avLst/>
+          </a:prstGeom>
+        </p:spPr>
+      </p:pic>
+      <p:pic>
+        <p:nvPicPr>
+          <p:cNvPr id="41" name="图片 40" descr="男人戴着眼镜&#10;&#10;描述已自动生成">
+            <a:extLst>
+              <a:ext uri="{FF2B5EF4-FFF2-40B4-BE49-F238E27FC236}">
+                <a16:creationId xmlns:a16="http://schemas.microsoft.com/office/drawing/2014/main" id="{B3137F4B-B7CD-4A2D-BEDA-856553C938D9}"/>
+              </a:ext>
+            </a:extLst>
+          </p:cNvPr>
+          <p:cNvPicPr>
+            <a:picLocks noChangeAspect="1"/>
+          </p:cNvPicPr>
+          <p:nvPr/>
+        </p:nvPicPr>
+        <p:blipFill>
+          <a:blip r:embed="rId5" cstate="print">
+            <a:extLst>
+              <a:ext uri="{28A0092B-C50C-407E-A947-70E740481C1C}">
+                <a14:useLocalDpi xmlns:a14="http://schemas.microsoft.com/office/drawing/2010/main" val="0"/>
+              </a:ext>
+            </a:extLst>
+          </a:blip>
+          <a:stretch>
+            <a:fillRect/>
+          </a:stretch>
+        </p:blipFill>
+        <p:spPr>
+          <a:xfrm>
+            <a:off x="15877384" y="4082271"/>
+            <a:ext cx="4326362" cy="4326362"/>
+          </a:xfrm>
+          <a:prstGeom prst="rect">
+            <a:avLst/>
+          </a:prstGeom>
+        </p:spPr>
+      </p:pic>
+      <p:pic>
+        <p:nvPicPr>
+          <p:cNvPr id="42" name="图片 41" descr="男人戴着眼镜&#10;&#10;描述已自动生成">
+            <a:extLst>
+              <a:ext uri="{FF2B5EF4-FFF2-40B4-BE49-F238E27FC236}">
+                <a16:creationId xmlns:a16="http://schemas.microsoft.com/office/drawing/2014/main" id="{F4393FAF-A19A-4896-9D15-EB513D5003BB}"/>
+              </a:ext>
+            </a:extLst>
+          </p:cNvPr>
+          <p:cNvPicPr>
+            <a:picLocks noChangeAspect="1"/>
+          </p:cNvPicPr>
+          <p:nvPr/>
+        </p:nvPicPr>
+        <p:blipFill>
+          <a:blip r:embed="rId6" cstate="print">
+            <a:extLst>
+              <a:ext uri="{28A0092B-C50C-407E-A947-70E740481C1C}">
+                <a14:useLocalDpi xmlns:a14="http://schemas.microsoft.com/office/drawing/2010/main" val="0"/>
+              </a:ext>
+            </a:extLst>
+          </a:blip>
+          <a:stretch>
+            <a:fillRect/>
+          </a:stretch>
+        </p:blipFill>
+        <p:spPr>
+          <a:xfrm>
+            <a:off x="20595378" y="4082271"/>
+            <a:ext cx="4326362" cy="4326362"/>
+          </a:xfrm>
+          <a:prstGeom prst="rect">
+            <a:avLst/>
+          </a:prstGeom>
+        </p:spPr>
+      </p:pic>
+      <p:pic>
+        <p:nvPicPr>
+          <p:cNvPr id="43" name="图片 42" descr="男人戴着眼镜&#10;&#10;描述已自动生成">
+            <a:extLst>
+              <a:ext uri="{FF2B5EF4-FFF2-40B4-BE49-F238E27FC236}">
+                <a16:creationId xmlns:a16="http://schemas.microsoft.com/office/drawing/2014/main" id="{80F0D128-30F4-40D0-B9B2-CBC62A19E2D1}"/>
+              </a:ext>
+            </a:extLst>
+          </p:cNvPr>
+          <p:cNvPicPr>
+            <a:picLocks noChangeAspect="1"/>
+          </p:cNvPicPr>
+          <p:nvPr/>
+        </p:nvPicPr>
+        <p:blipFill>
+          <a:blip r:embed="rId7" cstate="print">
+            <a:extLst>
+              <a:ext uri="{28A0092B-C50C-407E-A947-70E740481C1C}">
+                <a14:useLocalDpi xmlns:a14="http://schemas.microsoft.com/office/drawing/2010/main" val="0"/>
+              </a:ext>
+            </a:extLst>
+          </a:blip>
+          <a:stretch>
+            <a:fillRect/>
+          </a:stretch>
+        </p:blipFill>
+        <p:spPr>
+          <a:xfrm>
+            <a:off x="25313377" y="4082271"/>
+            <a:ext cx="4326362" cy="4326362"/>
+          </a:xfrm>
+          <a:prstGeom prst="rect">
+            <a:avLst/>
+          </a:prstGeom>
+        </p:spPr>
+      </p:pic>
+      <p:pic>
+        <p:nvPicPr>
+          <p:cNvPr id="44" name="图片 43" descr="男人戴着眼镜&#10;&#10;描述已自动生成">
+            <a:extLst>
+              <a:ext uri="{FF2B5EF4-FFF2-40B4-BE49-F238E27FC236}">
+                <a16:creationId xmlns:a16="http://schemas.microsoft.com/office/drawing/2014/main" id="{AE0F997C-6B56-4460-BB17-9F3A5AB9F7AD}"/>
+              </a:ext>
+            </a:extLst>
+          </p:cNvPr>
+          <p:cNvPicPr>
+            <a:picLocks noChangeAspect="1"/>
+          </p:cNvPicPr>
+          <p:nvPr/>
+        </p:nvPicPr>
+        <p:blipFill>
+          <a:blip r:embed="rId8" cstate="print">
+            <a:extLst>
+              <a:ext uri="{28A0092B-C50C-407E-A947-70E740481C1C}">
+                <a14:useLocalDpi xmlns:a14="http://schemas.microsoft.com/office/drawing/2010/main" val="0"/>
+              </a:ext>
+            </a:extLst>
+          </a:blip>
+          <a:stretch>
+            <a:fillRect/>
+          </a:stretch>
+        </p:blipFill>
+        <p:spPr>
+          <a:xfrm>
+            <a:off x="30031366" y="4055201"/>
+            <a:ext cx="4326362" cy="4326362"/>
+          </a:xfrm>
+          <a:prstGeom prst="rect">
+            <a:avLst/>
+          </a:prstGeom>
+        </p:spPr>
+      </p:pic>
+      <p:sp>
+        <p:nvSpPr>
+          <p:cNvPr id="45" name="文本框 44">
+            <a:extLst>
+              <a:ext uri="{FF2B5EF4-FFF2-40B4-BE49-F238E27FC236}">
+                <a16:creationId xmlns:a16="http://schemas.microsoft.com/office/drawing/2014/main" id="{D4A66595-680A-4C8A-9282-9DA87449B35F}"/>
+              </a:ext>
+            </a:extLst>
+          </p:cNvPr>
+          <p:cNvSpPr txBox="1"/>
+          <p:nvPr/>
+        </p:nvSpPr>
+        <p:spPr>
+          <a:xfrm>
+            <a:off x="6808516" y="15183910"/>
+            <a:ext cx="3247191" cy="905761"/>
+          </a:xfrm>
+          <a:prstGeom prst="rect">
+            <a:avLst/>
+          </a:prstGeom>
+          <a:noFill/>
+        </p:spPr>
+        <p:txBody>
+          <a:bodyPr wrap="square">
+            <a:spAutoFit/>
+          </a:bodyPr>
+          <a:lstStyle>
+            <a:defPPr>
+              <a:defRPr lang="zh-CN"/>
+            </a:defPPr>
+            <a:lvl1pPr algn="ctr">
+              <a:defRPr sz="1400" b="0" i="0">
+                <a:effectLst/>
+                <a:latin typeface="Times New Roman" panose="02020503050405090304" pitchFamily="18" charset="0"/>
+                <a:cs typeface="Times New Roman" panose="02020503050405090304" pitchFamily="18" charset="0"/>
+              </a:defRPr>
+            </a:lvl1pPr>
+          </a:lstStyle>
+          <a:p>
+            <a:r>
+              <a:rPr lang="en-US" altLang="zh-CN" sz="5286" dirty="0"/>
+              <a:t>+ Age</a:t>
+            </a:r>
+            <a:endParaRPr lang="zh-CN" altLang="en-US" sz="5286" dirty="0"/>
+          </a:p>
+        </p:txBody>
+      </p:sp>
+      <p:sp>
+        <p:nvSpPr>
+          <p:cNvPr id="46" name="文本框 45">
+            <a:extLst>
+              <a:ext uri="{FF2B5EF4-FFF2-40B4-BE49-F238E27FC236}">
+                <a16:creationId xmlns:a16="http://schemas.microsoft.com/office/drawing/2014/main" id="{42DA9B39-77ED-454C-8E2B-9DE1F2D538F7}"/>
+              </a:ext>
+            </a:extLst>
+          </p:cNvPr>
+          <p:cNvSpPr txBox="1"/>
+          <p:nvPr/>
+        </p:nvSpPr>
+        <p:spPr>
+          <a:xfrm>
+            <a:off x="10880331" y="15183910"/>
+            <a:ext cx="4702094" cy="905761"/>
+          </a:xfrm>
+          <a:prstGeom prst="rect">
+            <a:avLst/>
+          </a:prstGeom>
+          <a:noFill/>
+        </p:spPr>
+        <p:txBody>
+          <a:bodyPr wrap="square">
+            <a:spAutoFit/>
+          </a:bodyPr>
+          <a:lstStyle>
+            <a:defPPr>
+              <a:defRPr lang="zh-CN"/>
+            </a:defPPr>
+            <a:lvl1pPr algn="ctr">
+              <a:defRPr sz="1400" b="0" i="0">
+                <a:effectLst/>
+                <a:latin typeface="Times New Roman" panose="02020503050405090304" pitchFamily="18" charset="0"/>
+                <a:cs typeface="Times New Roman" panose="02020503050405090304" pitchFamily="18" charset="0"/>
+              </a:defRPr>
+            </a:lvl1pPr>
+          </a:lstStyle>
+          <a:p>
+            <a:r>
+              <a:rPr lang="en-US" altLang="zh-CN" sz="5286" dirty="0"/>
+              <a:t>+ White Hair</a:t>
+            </a:r>
+            <a:endParaRPr lang="zh-CN" altLang="en-US" sz="5286" dirty="0"/>
+          </a:p>
+        </p:txBody>
+      </p:sp>
+      <p:sp>
+        <p:nvSpPr>
+          <p:cNvPr id="47" name="文本框 46">
+            <a:extLst>
+              <a:ext uri="{FF2B5EF4-FFF2-40B4-BE49-F238E27FC236}">
+                <a16:creationId xmlns:a16="http://schemas.microsoft.com/office/drawing/2014/main" id="{8703AA85-3CFA-4639-A1B9-BFE2FE1466F0}"/>
+              </a:ext>
+            </a:extLst>
+          </p:cNvPr>
+          <p:cNvSpPr txBox="1"/>
+          <p:nvPr/>
+        </p:nvSpPr>
+        <p:spPr>
+          <a:xfrm>
+            <a:off x="15604600" y="15183990"/>
+            <a:ext cx="4851012" cy="905761"/>
+          </a:xfrm>
+          <a:prstGeom prst="rect">
+            <a:avLst/>
+          </a:prstGeom>
+          <a:noFill/>
+        </p:spPr>
+        <p:txBody>
+          <a:bodyPr wrap="square">
+            <a:spAutoFit/>
+          </a:bodyPr>
+          <a:lstStyle>
+            <a:defPPr>
+              <a:defRPr lang="zh-CN"/>
+            </a:defPPr>
+            <a:lvl1pPr algn="ctr">
+              <a:defRPr sz="1400" b="0" i="0">
+                <a:effectLst/>
+                <a:latin typeface="Times New Roman" panose="02020503050405090304" pitchFamily="18" charset="0"/>
+                <a:cs typeface="Times New Roman" panose="02020503050405090304" pitchFamily="18" charset="0"/>
+              </a:defRPr>
+            </a:lvl1pPr>
+          </a:lstStyle>
+          <a:p>
+            <a:r>
+              <a:rPr lang="en-US" altLang="zh-CN" sz="5286" dirty="0"/>
+              <a:t>+ Eyeglasses</a:t>
+            </a:r>
+            <a:endParaRPr lang="zh-CN" altLang="en-US" sz="5286" dirty="0"/>
+          </a:p>
+        </p:txBody>
+      </p:sp>
+      <p:sp>
+        <p:nvSpPr>
+          <p:cNvPr id="48" name="文本框 47">
+            <a:extLst>
+              <a:ext uri="{FF2B5EF4-FFF2-40B4-BE49-F238E27FC236}">
+                <a16:creationId xmlns:a16="http://schemas.microsoft.com/office/drawing/2014/main" id="{831D6CD8-B122-4718-BD4F-26DCD5B81B0B}"/>
+              </a:ext>
+            </a:extLst>
+          </p:cNvPr>
+          <p:cNvSpPr txBox="1"/>
+          <p:nvPr/>
+        </p:nvSpPr>
+        <p:spPr>
+          <a:xfrm>
+            <a:off x="21131318" y="15183910"/>
+            <a:ext cx="3123459" cy="905761"/>
+          </a:xfrm>
+          <a:prstGeom prst="rect">
+            <a:avLst/>
+          </a:prstGeom>
+          <a:noFill/>
+        </p:spPr>
+        <p:txBody>
+          <a:bodyPr wrap="square">
+            <a:spAutoFit/>
+          </a:bodyPr>
+          <a:lstStyle>
+            <a:defPPr>
+              <a:defRPr lang="zh-CN"/>
+            </a:defPPr>
+            <a:lvl1pPr algn="ctr">
+              <a:defRPr sz="1400" b="0" i="0">
+                <a:effectLst/>
+                <a:latin typeface="Times New Roman" panose="02020503050405090304" pitchFamily="18" charset="0"/>
+                <a:cs typeface="Times New Roman" panose="02020503050405090304" pitchFamily="18" charset="0"/>
+              </a:defRPr>
+            </a:lvl1pPr>
+          </a:lstStyle>
+          <a:p>
+            <a:r>
+              <a:rPr lang="en-US" altLang="zh-CN" sz="5286" dirty="0"/>
+              <a:t>+ Makeup</a:t>
+            </a:r>
+            <a:endParaRPr lang="zh-CN" altLang="en-US" sz="5286" dirty="0"/>
+          </a:p>
+        </p:txBody>
+      </p:sp>
+      <p:sp>
+        <p:nvSpPr>
+          <p:cNvPr id="49" name="文本框 48">
+            <a:extLst>
+              <a:ext uri="{FF2B5EF4-FFF2-40B4-BE49-F238E27FC236}">
+                <a16:creationId xmlns:a16="http://schemas.microsoft.com/office/drawing/2014/main" id="{724A7A6A-7EB5-4F9E-A493-77A720C7C195}"/>
+              </a:ext>
+            </a:extLst>
+          </p:cNvPr>
+          <p:cNvSpPr txBox="1"/>
+          <p:nvPr/>
+        </p:nvSpPr>
+        <p:spPr>
+          <a:xfrm>
+            <a:off x="24730398" y="15164183"/>
+            <a:ext cx="5202447" cy="905761"/>
+          </a:xfrm>
+          <a:prstGeom prst="rect">
+            <a:avLst/>
+          </a:prstGeom>
+          <a:noFill/>
+        </p:spPr>
+        <p:txBody>
+          <a:bodyPr wrap="square">
+            <a:spAutoFit/>
+          </a:bodyPr>
+          <a:lstStyle>
+            <a:defPPr>
+              <a:defRPr lang="zh-CN"/>
+            </a:defPPr>
+            <a:lvl1pPr algn="ctr">
+              <a:defRPr sz="1400" b="0" i="0">
+                <a:effectLst/>
+                <a:latin typeface="Times New Roman" panose="02020503050405090304" pitchFamily="18" charset="0"/>
+                <a:cs typeface="Times New Roman" panose="02020503050405090304" pitchFamily="18" charset="0"/>
+              </a:defRPr>
+            </a:lvl1pPr>
+          </a:lstStyle>
+          <a:p>
+            <a:r>
+              <a:rPr lang="en-US" altLang="zh-CN" sz="5286" dirty="0"/>
+              <a:t>+ Thin</a:t>
+            </a:r>
+            <a:endParaRPr lang="zh-CN" altLang="en-US" sz="5286" dirty="0"/>
+          </a:p>
+        </p:txBody>
+      </p:sp>
+      <p:sp>
+        <p:nvSpPr>
+          <p:cNvPr id="50" name="文本框 49">
+            <a:extLst>
+              <a:ext uri="{FF2B5EF4-FFF2-40B4-BE49-F238E27FC236}">
+                <a16:creationId xmlns:a16="http://schemas.microsoft.com/office/drawing/2014/main" id="{F9FE6F1E-F68B-4D8F-8DC7-B5B434C5F5EC}"/>
+              </a:ext>
+            </a:extLst>
+          </p:cNvPr>
+          <p:cNvSpPr txBox="1"/>
+          <p:nvPr/>
+        </p:nvSpPr>
+        <p:spPr>
+          <a:xfrm>
+            <a:off x="30027669" y="15100334"/>
+            <a:ext cx="3915450" cy="905761"/>
+          </a:xfrm>
+          <a:prstGeom prst="rect">
+            <a:avLst/>
+          </a:prstGeom>
+          <a:noFill/>
+        </p:spPr>
+        <p:txBody>
+          <a:bodyPr wrap="square">
+            <a:spAutoFit/>
+          </a:bodyPr>
+          <a:lstStyle>
+            <a:defPPr>
+              <a:defRPr lang="zh-CN"/>
+            </a:defPPr>
+            <a:lvl1pPr algn="ctr">
+              <a:defRPr sz="1400" b="0" i="0">
+                <a:effectLst/>
+                <a:latin typeface="Times New Roman" panose="02020503050405090304" pitchFamily="18" charset="0"/>
+                <a:cs typeface="Times New Roman" panose="02020503050405090304" pitchFamily="18" charset="0"/>
+              </a:defRPr>
+            </a:lvl1pPr>
+          </a:lstStyle>
+          <a:p>
+            <a:r>
+              <a:rPr lang="en-US" altLang="zh-CN" sz="5286" dirty="0"/>
+              <a:t>+ Smiling</a:t>
+            </a:r>
+          </a:p>
+        </p:txBody>
+      </p:sp>
+      <p:sp>
+        <p:nvSpPr>
+          <p:cNvPr id="51" name="文本框 50">
+            <a:extLst>
+              <a:ext uri="{FF2B5EF4-FFF2-40B4-BE49-F238E27FC236}">
+                <a16:creationId xmlns:a16="http://schemas.microsoft.com/office/drawing/2014/main" id="{27FF94F4-DE49-4D20-B428-DFC81958DAEA}"/>
+              </a:ext>
+            </a:extLst>
+          </p:cNvPr>
+          <p:cNvSpPr txBox="1"/>
+          <p:nvPr/>
+        </p:nvSpPr>
+        <p:spPr>
+          <a:xfrm>
+            <a:off x="2160399" y="15089522"/>
+            <a:ext cx="3247191" cy="905761"/>
+          </a:xfrm>
+          <a:prstGeom prst="rect">
+            <a:avLst/>
+          </a:prstGeom>
+          <a:noFill/>
+        </p:spPr>
+        <p:txBody>
+          <a:bodyPr wrap="square">
+            <a:spAutoFit/>
+          </a:bodyPr>
+          <a:lstStyle>
+            <a:defPPr>
+              <a:defRPr lang="zh-CN"/>
+            </a:defPPr>
+            <a:lvl1pPr algn="ctr">
+              <a:defRPr sz="1400" b="0" i="0">
+                <a:effectLst/>
+                <a:latin typeface="Times New Roman" panose="02020503050405090304" pitchFamily="18" charset="0"/>
+                <a:cs typeface="Times New Roman" panose="02020503050405090304" pitchFamily="18" charset="0"/>
+              </a:defRPr>
+            </a:lvl1pPr>
+          </a:lstStyle>
+          <a:p>
+            <a:r>
+              <a:rPr lang="en-US" altLang="zh-CN" sz="5286" dirty="0"/>
+              <a:t>Original</a:t>
+            </a:r>
+            <a:endParaRPr lang="zh-CN" altLang="en-US" sz="5286" dirty="0"/>
+          </a:p>
+        </p:txBody>
+      </p:sp>
+      <p:pic>
+        <p:nvPicPr>
+          <p:cNvPr id="52" name="图片 51" descr="女人微笑的头像&#10;&#10;描述已自动生成">
+            <a:extLst>
+              <a:ext uri="{FF2B5EF4-FFF2-40B4-BE49-F238E27FC236}">
+                <a16:creationId xmlns:a16="http://schemas.microsoft.com/office/drawing/2014/main" id="{D78BA77A-D9C8-41A3-8EDB-BEA32BE55640}"/>
+              </a:ext>
+            </a:extLst>
+          </p:cNvPr>
+          <p:cNvPicPr>
+            <a:picLocks noChangeAspect="1"/>
+          </p:cNvPicPr>
+          <p:nvPr/>
+        </p:nvPicPr>
+        <p:blipFill>
+          <a:blip r:embed="rId9" cstate="print">
+            <a:extLst>
+              <a:ext uri="{28A0092B-C50C-407E-A947-70E740481C1C}">
+                <a14:useLocalDpi xmlns:a14="http://schemas.microsoft.com/office/drawing/2010/main" val="0"/>
+              </a:ext>
+            </a:extLst>
+          </a:blip>
+          <a:stretch>
+            <a:fillRect/>
+          </a:stretch>
+        </p:blipFill>
+        <p:spPr>
+          <a:xfrm>
+            <a:off x="1723397" y="10442415"/>
+            <a:ext cx="4326362" cy="4326362"/>
+          </a:xfrm>
+          <a:prstGeom prst="rect">
+            <a:avLst/>
+          </a:prstGeom>
+        </p:spPr>
+      </p:pic>
+      <p:pic>
+        <p:nvPicPr>
+          <p:cNvPr id="53" name="图片 52" descr="微笑的人&#10;&#10;描述已自动生成">
+            <a:extLst>
+              <a:ext uri="{FF2B5EF4-FFF2-40B4-BE49-F238E27FC236}">
+                <a16:creationId xmlns:a16="http://schemas.microsoft.com/office/drawing/2014/main" id="{97FBB18C-15FF-4C65-BF55-2F1B8AC01D35}"/>
+              </a:ext>
+            </a:extLst>
+          </p:cNvPr>
+          <p:cNvPicPr>
+            <a:picLocks noChangeAspect="1"/>
+          </p:cNvPicPr>
+          <p:nvPr/>
+        </p:nvPicPr>
+        <p:blipFill>
+          <a:blip r:embed="rId10" cstate="print">
+            <a:extLst>
+              <a:ext uri="{28A0092B-C50C-407E-A947-70E740481C1C}">
+                <a14:useLocalDpi xmlns:a14="http://schemas.microsoft.com/office/drawing/2010/main" val="0"/>
+              </a:ext>
+            </a:extLst>
+          </a:blip>
+          <a:stretch>
+            <a:fillRect/>
+          </a:stretch>
+        </p:blipFill>
+        <p:spPr>
+          <a:xfrm>
+            <a:off x="6441391" y="10442415"/>
+            <a:ext cx="4326362" cy="4326362"/>
+          </a:xfrm>
+          <a:prstGeom prst="rect">
+            <a:avLst/>
+          </a:prstGeom>
+        </p:spPr>
+      </p:pic>
+      <p:pic>
+        <p:nvPicPr>
+          <p:cNvPr id="54" name="图片 53" descr="微笑的人&#10;&#10;描述已自动生成">
+            <a:extLst>
+              <a:ext uri="{FF2B5EF4-FFF2-40B4-BE49-F238E27FC236}">
+                <a16:creationId xmlns:a16="http://schemas.microsoft.com/office/drawing/2014/main" id="{ABDB55B7-1E2D-4383-98EC-8EE7CE0A21ED}"/>
+              </a:ext>
+            </a:extLst>
+          </p:cNvPr>
+          <p:cNvPicPr>
+            <a:picLocks noChangeAspect="1"/>
+          </p:cNvPicPr>
+          <p:nvPr/>
+        </p:nvPicPr>
+        <p:blipFill>
+          <a:blip r:embed="rId11" cstate="print">
+            <a:extLst>
+              <a:ext uri="{28A0092B-C50C-407E-A947-70E740481C1C}">
+                <a14:useLocalDpi xmlns:a14="http://schemas.microsoft.com/office/drawing/2010/main" val="0"/>
+              </a:ext>
+            </a:extLst>
+          </a:blip>
+          <a:stretch>
+            <a:fillRect/>
+          </a:stretch>
+        </p:blipFill>
+        <p:spPr>
+          <a:xfrm>
+            <a:off x="11159395" y="10442415"/>
+            <a:ext cx="4326362" cy="4326362"/>
+          </a:xfrm>
+          <a:prstGeom prst="rect">
+            <a:avLst/>
+          </a:prstGeom>
+        </p:spPr>
+      </p:pic>
+      <p:pic>
+        <p:nvPicPr>
+          <p:cNvPr id="55" name="图片 54" descr="人戴着眼镜&#10;&#10;描述已自动生成">
+            <a:extLst>
+              <a:ext uri="{FF2B5EF4-FFF2-40B4-BE49-F238E27FC236}">
+                <a16:creationId xmlns:a16="http://schemas.microsoft.com/office/drawing/2014/main" id="{E85820BD-BBA4-45D2-BBAC-2D7EB6D20849}"/>
+              </a:ext>
+            </a:extLst>
+          </p:cNvPr>
+          <p:cNvPicPr>
+            <a:picLocks noChangeAspect="1"/>
+          </p:cNvPicPr>
+          <p:nvPr/>
+        </p:nvPicPr>
+        <p:blipFill>
+          <a:blip r:embed="rId12" cstate="print">
+            <a:extLst>
+              <a:ext uri="{28A0092B-C50C-407E-A947-70E740481C1C}">
+                <a14:useLocalDpi xmlns:a14="http://schemas.microsoft.com/office/drawing/2010/main" val="0"/>
+              </a:ext>
+            </a:extLst>
+          </a:blip>
+          <a:stretch>
+            <a:fillRect/>
+          </a:stretch>
+        </p:blipFill>
+        <p:spPr>
+          <a:xfrm>
+            <a:off x="15877389" y="10442415"/>
+            <a:ext cx="4326362" cy="4326362"/>
+          </a:xfrm>
+          <a:prstGeom prst="rect">
+            <a:avLst/>
+          </a:prstGeom>
+        </p:spPr>
+      </p:pic>
+      <p:pic>
+        <p:nvPicPr>
+          <p:cNvPr id="56" name="图片 55" descr="女人戴着眼镜&#10;&#10;描述已自动生成">
+            <a:extLst>
+              <a:ext uri="{FF2B5EF4-FFF2-40B4-BE49-F238E27FC236}">
+                <a16:creationId xmlns:a16="http://schemas.microsoft.com/office/drawing/2014/main" id="{DD77A485-627D-4882-B107-5FBFEF215888}"/>
+              </a:ext>
+            </a:extLst>
+          </p:cNvPr>
+          <p:cNvPicPr>
+            <a:picLocks noChangeAspect="1"/>
+          </p:cNvPicPr>
+          <p:nvPr/>
+        </p:nvPicPr>
+        <p:blipFill>
+          <a:blip r:embed="rId13" cstate="print">
+            <a:extLst>
+              <a:ext uri="{28A0092B-C50C-407E-A947-70E740481C1C}">
+                <a14:useLocalDpi xmlns:a14="http://schemas.microsoft.com/office/drawing/2010/main" val="0"/>
+              </a:ext>
+            </a:extLst>
+          </a:blip>
+          <a:stretch>
+            <a:fillRect/>
+          </a:stretch>
+        </p:blipFill>
+        <p:spPr>
+          <a:xfrm>
+            <a:off x="20595388" y="10442415"/>
+            <a:ext cx="4326362" cy="4326362"/>
+          </a:xfrm>
+          <a:prstGeom prst="rect">
+            <a:avLst/>
+          </a:prstGeom>
+        </p:spPr>
+      </p:pic>
+      <p:pic>
+        <p:nvPicPr>
+          <p:cNvPr id="57" name="图片 56" descr="女人戴着眼镜&#10;&#10;描述已自动生成">
+            <a:extLst>
+              <a:ext uri="{FF2B5EF4-FFF2-40B4-BE49-F238E27FC236}">
+                <a16:creationId xmlns:a16="http://schemas.microsoft.com/office/drawing/2014/main" id="{FB0FA11B-A69D-4613-9200-B338E65FAB94}"/>
+              </a:ext>
+            </a:extLst>
+          </p:cNvPr>
+          <p:cNvPicPr>
+            <a:picLocks noChangeAspect="1"/>
+          </p:cNvPicPr>
+          <p:nvPr/>
+        </p:nvPicPr>
+        <p:blipFill>
+          <a:blip r:embed="rId14" cstate="print">
+            <a:extLst>
+              <a:ext uri="{28A0092B-C50C-407E-A947-70E740481C1C}">
+                <a14:useLocalDpi xmlns:a14="http://schemas.microsoft.com/office/drawing/2010/main" val="0"/>
+              </a:ext>
+            </a:extLst>
+          </a:blip>
+          <a:stretch>
+            <a:fillRect/>
+          </a:stretch>
+        </p:blipFill>
+        <p:spPr>
+          <a:xfrm>
+            <a:off x="25313382" y="10442415"/>
+            <a:ext cx="4326362" cy="4326362"/>
+          </a:xfrm>
+          <a:prstGeom prst="rect">
+            <a:avLst/>
+          </a:prstGeom>
+        </p:spPr>
+      </p:pic>
+      <p:pic>
+        <p:nvPicPr>
+          <p:cNvPr id="58" name="图片 57" descr="戴着眼镜的女人在微笑&#10;&#10;描述已自动生成">
+            <a:extLst>
+              <a:ext uri="{FF2B5EF4-FFF2-40B4-BE49-F238E27FC236}">
+                <a16:creationId xmlns:a16="http://schemas.microsoft.com/office/drawing/2014/main" id="{33E768FF-F4F2-4E9C-B689-F37C32ECA179}"/>
+              </a:ext>
+            </a:extLst>
+          </p:cNvPr>
+          <p:cNvPicPr>
+            <a:picLocks noChangeAspect="1"/>
+          </p:cNvPicPr>
+          <p:nvPr/>
+        </p:nvPicPr>
+        <p:blipFill>
+          <a:blip r:embed="rId15" cstate="print">
+            <a:extLst>
+              <a:ext uri="{28A0092B-C50C-407E-A947-70E740481C1C}">
+                <a14:useLocalDpi xmlns:a14="http://schemas.microsoft.com/office/drawing/2010/main" val="0"/>
+              </a:ext>
+            </a:extLst>
+          </a:blip>
+          <a:stretch>
+            <a:fillRect/>
+          </a:stretch>
+        </p:blipFill>
+        <p:spPr>
+          <a:xfrm>
+            <a:off x="30031371" y="10442415"/>
+            <a:ext cx="4326362" cy="4326362"/>
+          </a:xfrm>
+          <a:prstGeom prst="rect">
+            <a:avLst/>
+          </a:prstGeom>
+        </p:spPr>
+      </p:pic>
+      <p:sp>
+        <p:nvSpPr>
+          <p:cNvPr id="59" name="等腰三角形 58">
+            <a:extLst>
+              <a:ext uri="{FF2B5EF4-FFF2-40B4-BE49-F238E27FC236}">
+                <a16:creationId xmlns:a16="http://schemas.microsoft.com/office/drawing/2014/main" id="{4658169D-81AA-4CBF-9A2F-11CB79D9F553}"/>
+              </a:ext>
+            </a:extLst>
+          </p:cNvPr>
+          <p:cNvSpPr/>
+          <p:nvPr/>
+        </p:nvSpPr>
+        <p:spPr>
+          <a:xfrm rot="16200000">
+            <a:off x="17797541" y="-551530"/>
+            <a:ext cx="384412" cy="31306975"/>
+          </a:xfrm>
+          <a:prstGeom prst="triangle">
+            <a:avLst/>
+          </a:prstGeom>
+          <a:ln>
+            <a:noFill/>
+          </a:ln>
+        </p:spPr>
+        <p:style>
+          <a:lnRef idx="2">
+            <a:schemeClr val="accent1">
+              <a:shade val="50000"/>
+            </a:schemeClr>
+          </a:lnRef>
+          <a:fillRef idx="1">
+            <a:schemeClr val="accent1"/>
+          </a:fillRef>
+          <a:effectRef idx="0">
+            <a:schemeClr val="accent1"/>
+          </a:effectRef>
+          <a:fontRef idx="minor">
+            <a:schemeClr val="lt1"/>
+          </a:fontRef>
+        </p:style>
+        <p:txBody>
+          <a:bodyPr rtlCol="0" anchor="ctr"/>
+          <a:lstStyle/>
+          <a:p>
+            <a:pPr algn="ctr"/>
+            <a:endParaRPr lang="zh-CN" altLang="en-US" sz="8651"/>
+          </a:p>
+        </p:txBody>
+      </p:sp>
+      <p:cxnSp>
+        <p:nvCxnSpPr>
+          <p:cNvPr id="60" name="直接箭头连接符 59">
+            <a:extLst>
+              <a:ext uri="{FF2B5EF4-FFF2-40B4-BE49-F238E27FC236}">
+                <a16:creationId xmlns:a16="http://schemas.microsoft.com/office/drawing/2014/main" id="{D6ACE442-58D1-403E-A0E3-0FC2F81EBD8D}"/>
+              </a:ext>
+            </a:extLst>
+          </p:cNvPr>
+          <p:cNvCxnSpPr>
+            <a:cxnSpLocks/>
+          </p:cNvCxnSpPr>
+          <p:nvPr/>
+        </p:nvCxnSpPr>
+        <p:spPr>
+          <a:xfrm>
+            <a:off x="32498494" y="15100334"/>
+            <a:ext cx="1744197" cy="0"/>
+          </a:xfrm>
+          <a:prstGeom prst="straightConnector1">
+            <a:avLst/>
+          </a:prstGeom>
+          <a:ln w="127000">
+            <a:tailEnd type="triangle" w="lg" len="lg"/>
+          </a:ln>
+        </p:spPr>
+        <p:style>
+          <a:lnRef idx="1">
+            <a:schemeClr val="accent1"/>
+          </a:lnRef>
+          <a:fillRef idx="0">
+            <a:schemeClr val="accent1"/>
+          </a:fillRef>
+          <a:effectRef idx="0">
+            <a:schemeClr val="accent1"/>
+          </a:effectRef>
+          <a:fontRef idx="minor">
+            <a:schemeClr val="tx1"/>
+          </a:fontRef>
+        </p:style>
+      </p:cxnSp>
+      <p:sp>
+        <p:nvSpPr>
+          <p:cNvPr id="61" name="文本框 60">
+            <a:extLst>
+              <a:ext uri="{FF2B5EF4-FFF2-40B4-BE49-F238E27FC236}">
+                <a16:creationId xmlns:a16="http://schemas.microsoft.com/office/drawing/2014/main" id="{5B0D3240-190D-4D3A-80DF-4309B2EBA24D}"/>
+              </a:ext>
+            </a:extLst>
+          </p:cNvPr>
+          <p:cNvSpPr txBox="1"/>
+          <p:nvPr/>
+        </p:nvSpPr>
+        <p:spPr>
+          <a:xfrm>
+            <a:off x="6960916" y="8800051"/>
+            <a:ext cx="3247191" cy="905761"/>
+          </a:xfrm>
+          <a:prstGeom prst="rect">
+            <a:avLst/>
+          </a:prstGeom>
+          <a:noFill/>
+        </p:spPr>
+        <p:txBody>
+          <a:bodyPr wrap="square">
+            <a:spAutoFit/>
+          </a:bodyPr>
+          <a:lstStyle>
+            <a:defPPr>
+              <a:defRPr lang="zh-CN"/>
+            </a:defPPr>
+            <a:lvl1pPr algn="ctr">
+              <a:defRPr sz="1400" b="0" i="0">
+                <a:effectLst/>
+                <a:latin typeface="Times New Roman" panose="02020503050405090304" pitchFamily="18" charset="0"/>
+                <a:cs typeface="Times New Roman" panose="02020503050405090304" pitchFamily="18" charset="0"/>
+              </a:defRPr>
+            </a:lvl1pPr>
+          </a:lstStyle>
+          <a:p>
+            <a:r>
+              <a:rPr lang="en-US" altLang="zh-CN" sz="5286" dirty="0"/>
+              <a:t>+ Age</a:t>
+            </a:r>
+            <a:endParaRPr lang="zh-CN" altLang="en-US" sz="5286" dirty="0"/>
+          </a:p>
+        </p:txBody>
+      </p:sp>
+      <p:sp>
+        <p:nvSpPr>
+          <p:cNvPr id="62" name="文本框 61">
+            <a:extLst>
+              <a:ext uri="{FF2B5EF4-FFF2-40B4-BE49-F238E27FC236}">
+                <a16:creationId xmlns:a16="http://schemas.microsoft.com/office/drawing/2014/main" id="{E491FBEE-9E5A-4CF1-9532-83BF5B2AECA5}"/>
+              </a:ext>
+            </a:extLst>
+          </p:cNvPr>
+          <p:cNvSpPr txBox="1"/>
+          <p:nvPr/>
+        </p:nvSpPr>
+        <p:spPr>
+          <a:xfrm>
+            <a:off x="11032731" y="8800051"/>
+            <a:ext cx="4702094" cy="905761"/>
+          </a:xfrm>
+          <a:prstGeom prst="rect">
+            <a:avLst/>
+          </a:prstGeom>
+          <a:noFill/>
+        </p:spPr>
+        <p:txBody>
+          <a:bodyPr wrap="square">
+            <a:spAutoFit/>
+          </a:bodyPr>
+          <a:lstStyle>
+            <a:defPPr>
+              <a:defRPr lang="zh-CN"/>
+            </a:defPPr>
+            <a:lvl1pPr algn="ctr">
+              <a:defRPr sz="1400" b="0" i="0">
+                <a:effectLst/>
+                <a:latin typeface="Times New Roman" panose="02020503050405090304" pitchFamily="18" charset="0"/>
+                <a:cs typeface="Times New Roman" panose="02020503050405090304" pitchFamily="18" charset="0"/>
+              </a:defRPr>
+            </a:lvl1pPr>
+          </a:lstStyle>
+          <a:p>
+            <a:r>
+              <a:rPr lang="en-US" altLang="zh-CN" sz="5286" dirty="0"/>
+              <a:t>+ White Hair</a:t>
+            </a:r>
+            <a:endParaRPr lang="zh-CN" altLang="en-US" sz="5286" dirty="0"/>
+          </a:p>
+        </p:txBody>
+      </p:sp>
+      <p:sp>
+        <p:nvSpPr>
+          <p:cNvPr id="63" name="文本框 62">
+            <a:extLst>
+              <a:ext uri="{FF2B5EF4-FFF2-40B4-BE49-F238E27FC236}">
+                <a16:creationId xmlns:a16="http://schemas.microsoft.com/office/drawing/2014/main" id="{42CA78EA-CB2F-434A-AC87-4F97B89838BD}"/>
+              </a:ext>
+            </a:extLst>
+          </p:cNvPr>
+          <p:cNvSpPr txBox="1"/>
+          <p:nvPr/>
+        </p:nvSpPr>
+        <p:spPr>
+          <a:xfrm>
+            <a:off x="15757000" y="8800131"/>
+            <a:ext cx="4851012" cy="905761"/>
+          </a:xfrm>
+          <a:prstGeom prst="rect">
+            <a:avLst/>
+          </a:prstGeom>
+          <a:noFill/>
+        </p:spPr>
+        <p:txBody>
+          <a:bodyPr wrap="square">
+            <a:spAutoFit/>
+          </a:bodyPr>
+          <a:lstStyle>
+            <a:defPPr>
+              <a:defRPr lang="zh-CN"/>
+            </a:defPPr>
+            <a:lvl1pPr algn="ctr">
+              <a:defRPr sz="1400" b="0" i="0">
+                <a:effectLst/>
+                <a:latin typeface="Times New Roman" panose="02020503050405090304" pitchFamily="18" charset="0"/>
+                <a:cs typeface="Times New Roman" panose="02020503050405090304" pitchFamily="18" charset="0"/>
+              </a:defRPr>
+            </a:lvl1pPr>
+          </a:lstStyle>
+          <a:p>
+            <a:r>
+              <a:rPr lang="en-US" altLang="zh-CN" sz="5286" dirty="0"/>
+              <a:t>+ Eyeglasses</a:t>
+            </a:r>
+            <a:endParaRPr lang="zh-CN" altLang="en-US" sz="5286" dirty="0"/>
+          </a:p>
+        </p:txBody>
+      </p:sp>
+      <p:sp>
+        <p:nvSpPr>
+          <p:cNvPr id="64" name="文本框 63">
+            <a:extLst>
+              <a:ext uri="{FF2B5EF4-FFF2-40B4-BE49-F238E27FC236}">
+                <a16:creationId xmlns:a16="http://schemas.microsoft.com/office/drawing/2014/main" id="{FF938064-E4AA-4DAD-BADF-D6BDFF1F046A}"/>
+              </a:ext>
+            </a:extLst>
+          </p:cNvPr>
+          <p:cNvSpPr txBox="1"/>
+          <p:nvPr/>
+        </p:nvSpPr>
+        <p:spPr>
+          <a:xfrm>
+            <a:off x="21097849" y="8800051"/>
+            <a:ext cx="3123459" cy="905761"/>
+          </a:xfrm>
+          <a:prstGeom prst="rect">
+            <a:avLst/>
+          </a:prstGeom>
+          <a:noFill/>
+        </p:spPr>
+        <p:txBody>
+          <a:bodyPr wrap="square">
+            <a:spAutoFit/>
+          </a:bodyPr>
+          <a:lstStyle>
+            <a:defPPr>
+              <a:defRPr lang="zh-CN"/>
+            </a:defPPr>
+            <a:lvl1pPr algn="ctr">
+              <a:defRPr sz="1400" b="0" i="0">
+                <a:effectLst/>
+                <a:latin typeface="Times New Roman" panose="02020503050405090304" pitchFamily="18" charset="0"/>
+                <a:cs typeface="Times New Roman" panose="02020503050405090304" pitchFamily="18" charset="0"/>
+              </a:defRPr>
+            </a:lvl1pPr>
+          </a:lstStyle>
+          <a:p>
+            <a:r>
+              <a:rPr lang="en-US" altLang="zh-CN" sz="5286" dirty="0"/>
+              <a:t>+ Beard</a:t>
+            </a:r>
+            <a:endParaRPr lang="zh-CN" altLang="en-US" sz="5286" dirty="0"/>
+          </a:p>
+        </p:txBody>
+      </p:sp>
+      <p:sp>
+        <p:nvSpPr>
+          <p:cNvPr id="65" name="文本框 64">
+            <a:extLst>
+              <a:ext uri="{FF2B5EF4-FFF2-40B4-BE49-F238E27FC236}">
+                <a16:creationId xmlns:a16="http://schemas.microsoft.com/office/drawing/2014/main" id="{B90A595D-A8E9-4949-A8D2-3CA217FB0DB8}"/>
+              </a:ext>
+            </a:extLst>
+          </p:cNvPr>
+          <p:cNvSpPr txBox="1"/>
+          <p:nvPr/>
+        </p:nvSpPr>
+        <p:spPr>
+          <a:xfrm>
+            <a:off x="24882798" y="8780324"/>
+            <a:ext cx="5202447" cy="905761"/>
+          </a:xfrm>
+          <a:prstGeom prst="rect">
+            <a:avLst/>
+          </a:prstGeom>
+          <a:noFill/>
+        </p:spPr>
+        <p:txBody>
+          <a:bodyPr wrap="square">
+            <a:spAutoFit/>
+          </a:bodyPr>
+          <a:lstStyle>
+            <a:defPPr>
+              <a:defRPr lang="zh-CN"/>
+            </a:defPPr>
+            <a:lvl1pPr algn="ctr">
+              <a:defRPr sz="1400" b="0" i="0">
+                <a:effectLst/>
+                <a:latin typeface="Times New Roman" panose="02020503050405090304" pitchFamily="18" charset="0"/>
+                <a:cs typeface="Times New Roman" panose="02020503050405090304" pitchFamily="18" charset="0"/>
+              </a:defRPr>
+            </a:lvl1pPr>
+          </a:lstStyle>
+          <a:p>
+            <a:r>
+              <a:rPr lang="en-US" altLang="zh-CN" sz="5286" dirty="0"/>
+              <a:t>+ Thin</a:t>
+            </a:r>
+            <a:endParaRPr lang="zh-CN" altLang="en-US" sz="5286" dirty="0"/>
+          </a:p>
+        </p:txBody>
+      </p:sp>
+      <p:sp>
+        <p:nvSpPr>
+          <p:cNvPr id="66" name="文本框 65">
+            <a:extLst>
+              <a:ext uri="{FF2B5EF4-FFF2-40B4-BE49-F238E27FC236}">
+                <a16:creationId xmlns:a16="http://schemas.microsoft.com/office/drawing/2014/main" id="{CE2E7EF5-E125-42FA-86BD-7A9A438315C5}"/>
+              </a:ext>
+            </a:extLst>
+          </p:cNvPr>
+          <p:cNvSpPr txBox="1"/>
+          <p:nvPr/>
+        </p:nvSpPr>
+        <p:spPr>
+          <a:xfrm>
+            <a:off x="30180069" y="8716475"/>
+            <a:ext cx="3915450" cy="905761"/>
+          </a:xfrm>
+          <a:prstGeom prst="rect">
+            <a:avLst/>
+          </a:prstGeom>
+          <a:noFill/>
+        </p:spPr>
+        <p:txBody>
+          <a:bodyPr wrap="square">
+            <a:spAutoFit/>
+          </a:bodyPr>
+          <a:lstStyle>
+            <a:defPPr>
+              <a:defRPr lang="zh-CN"/>
+            </a:defPPr>
+            <a:lvl1pPr algn="ctr">
+              <a:defRPr sz="1400" b="0" i="0">
+                <a:effectLst/>
+                <a:latin typeface="Times New Roman" panose="02020503050405090304" pitchFamily="18" charset="0"/>
+                <a:cs typeface="Times New Roman" panose="02020503050405090304" pitchFamily="18" charset="0"/>
+              </a:defRPr>
+            </a:lvl1pPr>
+          </a:lstStyle>
+          <a:p>
+            <a:r>
+              <a:rPr lang="en-US" altLang="zh-CN" sz="5286" dirty="0"/>
+              <a:t>+ Smiling</a:t>
+            </a:r>
+          </a:p>
+        </p:txBody>
+      </p:sp>
+      <p:sp>
+        <p:nvSpPr>
+          <p:cNvPr id="67" name="文本框 66">
+            <a:extLst>
+              <a:ext uri="{FF2B5EF4-FFF2-40B4-BE49-F238E27FC236}">
+                <a16:creationId xmlns:a16="http://schemas.microsoft.com/office/drawing/2014/main" id="{28BF5C56-95D5-4B29-B0F2-D044857C072B}"/>
+              </a:ext>
+            </a:extLst>
+          </p:cNvPr>
+          <p:cNvSpPr txBox="1"/>
+          <p:nvPr/>
+        </p:nvSpPr>
+        <p:spPr>
+          <a:xfrm>
+            <a:off x="2312799" y="8705663"/>
+            <a:ext cx="3247191" cy="905761"/>
+          </a:xfrm>
+          <a:prstGeom prst="rect">
+            <a:avLst/>
+          </a:prstGeom>
+          <a:noFill/>
+        </p:spPr>
+        <p:txBody>
+          <a:bodyPr wrap="square">
+            <a:spAutoFit/>
+          </a:bodyPr>
+          <a:lstStyle>
+            <a:defPPr>
+              <a:defRPr lang="zh-CN"/>
+            </a:defPPr>
+            <a:lvl1pPr algn="ctr">
+              <a:defRPr sz="1400" b="0" i="0">
+                <a:effectLst/>
+                <a:latin typeface="Times New Roman" panose="02020503050405090304" pitchFamily="18" charset="0"/>
+                <a:cs typeface="Times New Roman" panose="02020503050405090304" pitchFamily="18" charset="0"/>
+              </a:defRPr>
+            </a:lvl1pPr>
+          </a:lstStyle>
+          <a:p>
+            <a:r>
+              <a:rPr lang="en-US" altLang="zh-CN" sz="5286" dirty="0"/>
+              <a:t>Original</a:t>
+            </a:r>
+            <a:endParaRPr lang="zh-CN" altLang="en-US" sz="5286" dirty="0"/>
+          </a:p>
+        </p:txBody>
+      </p:sp>
+      <p:sp>
+        <p:nvSpPr>
+          <p:cNvPr id="68" name="等腰三角形 67">
+            <a:extLst>
+              <a:ext uri="{FF2B5EF4-FFF2-40B4-BE49-F238E27FC236}">
+                <a16:creationId xmlns:a16="http://schemas.microsoft.com/office/drawing/2014/main" id="{CB6F5E95-BF76-4F0E-AFAC-271FC736722C}"/>
+              </a:ext>
+            </a:extLst>
+          </p:cNvPr>
+          <p:cNvSpPr/>
+          <p:nvPr/>
+        </p:nvSpPr>
+        <p:spPr>
+          <a:xfrm rot="16200000">
+            <a:off x="17949941" y="-6935389"/>
+            <a:ext cx="384412" cy="31306975"/>
+          </a:xfrm>
+          <a:prstGeom prst="triangle">
+            <a:avLst/>
+          </a:prstGeom>
+          <a:ln>
+            <a:noFill/>
+          </a:ln>
+        </p:spPr>
+        <p:style>
+          <a:lnRef idx="2">
+            <a:schemeClr val="accent1">
+              <a:shade val="50000"/>
+            </a:schemeClr>
+          </a:lnRef>
+          <a:fillRef idx="1">
+            <a:schemeClr val="accent1"/>
+          </a:fillRef>
+          <a:effectRef idx="0">
+            <a:schemeClr val="accent1"/>
+          </a:effectRef>
+          <a:fontRef idx="minor">
+            <a:schemeClr val="lt1"/>
+          </a:fontRef>
+        </p:style>
+        <p:txBody>
+          <a:bodyPr rtlCol="0" anchor="ctr"/>
+          <a:lstStyle/>
+          <a:p>
+            <a:pPr algn="ctr"/>
+            <a:endParaRPr lang="zh-CN" altLang="en-US" sz="8651"/>
+          </a:p>
+        </p:txBody>
+      </p:sp>
+      <p:cxnSp>
+        <p:nvCxnSpPr>
+          <p:cNvPr id="69" name="直接箭头连接符 68">
+            <a:extLst>
+              <a:ext uri="{FF2B5EF4-FFF2-40B4-BE49-F238E27FC236}">
+                <a16:creationId xmlns:a16="http://schemas.microsoft.com/office/drawing/2014/main" id="{C85D708E-9BD3-4F89-9867-31FF15D60E8B}"/>
+              </a:ext>
+            </a:extLst>
+          </p:cNvPr>
+          <p:cNvCxnSpPr>
+            <a:cxnSpLocks/>
+          </p:cNvCxnSpPr>
+          <p:nvPr/>
+        </p:nvCxnSpPr>
+        <p:spPr>
+          <a:xfrm>
+            <a:off x="32650894" y="8716475"/>
+            <a:ext cx="1744197" cy="0"/>
+          </a:xfrm>
+          <a:prstGeom prst="straightConnector1">
+            <a:avLst/>
+          </a:prstGeom>
+          <a:ln w="127000">
+            <a:tailEnd type="triangle" w="lg" len="lg"/>
+          </a:ln>
+        </p:spPr>
+        <p:style>
+          <a:lnRef idx="1">
+            <a:schemeClr val="accent1"/>
+          </a:lnRef>
+          <a:fillRef idx="0">
+            <a:schemeClr val="accent1"/>
+          </a:fillRef>
+          <a:effectRef idx="0">
+            <a:schemeClr val="accent1"/>
+          </a:effectRef>
+          <a:fontRef idx="minor">
+            <a:schemeClr val="tx1"/>
+          </a:fontRef>
+        </p:style>
+      </p:cxnSp>
+    </p:spTree>
+    <p:extLst>
+      <p:ext uri="{BB962C8B-B14F-4D97-AF65-F5344CB8AC3E}">
+        <p14:creationId xmlns:p14="http://schemas.microsoft.com/office/powerpoint/2010/main" val="1633875369"/>
+      </p:ext>
+    </p:extLst>
+  </p:cSld>
+  <p:clrMapOvr>
+    <a:masterClrMapping/>
+  </p:clrMapOvr>
+</p:sld>
+</file>
+
+<file path=ppt/slides/slide5.xml><?xml version="1.0" encoding="utf-8"?>
+<p:sld xmlns:a="http://schemas.openxmlformats.org/drawingml/2006/main" xmlns:r="http://schemas.openxmlformats.org/officeDocument/2006/relationships" xmlns:p="http://schemas.openxmlformats.org/presentationml/2006/main">
+  <p:cSld>
+    <p:spTree>
+      <p:nvGrpSpPr>
+        <p:cNvPr id="1" name=""/>
+        <p:cNvGrpSpPr/>
+        <p:nvPr/>
+      </p:nvGrpSpPr>
+      <p:grpSpPr>
+        <a:xfrm>
+          <a:off x="0" y="0"/>
+          <a:ext cx="0" cy="0"/>
+          <a:chOff x="0" y="0"/>
+          <a:chExt cx="0" cy="0"/>
+        </a:xfrm>
+      </p:grpSpPr>
+      <p:pic>
+        <p:nvPicPr>
+          <p:cNvPr id="38" name="图片 37" descr="微笑的男人&#10;&#10;描述已自动生成">
+            <a:extLst>
+              <a:ext uri="{FF2B5EF4-FFF2-40B4-BE49-F238E27FC236}">
+                <a16:creationId xmlns:a16="http://schemas.microsoft.com/office/drawing/2014/main" id="{FBB6E8DB-A45E-42D3-8F36-203F207C0B64}"/>
+              </a:ext>
+            </a:extLst>
+          </p:cNvPr>
+          <p:cNvPicPr>
+            <a:picLocks noChangeAspect="1"/>
+          </p:cNvPicPr>
+          <p:nvPr/>
+        </p:nvPicPr>
+        <p:blipFill>
+          <a:blip r:embed="rId2" cstate="print">
+            <a:extLst>
+              <a:ext uri="{28A0092B-C50C-407E-A947-70E740481C1C}">
+                <a14:useLocalDpi xmlns:a14="http://schemas.microsoft.com/office/drawing/2010/main" val="0"/>
+              </a:ext>
+            </a:extLst>
+          </a:blip>
+          <a:stretch>
+            <a:fillRect/>
+          </a:stretch>
+        </p:blipFill>
+        <p:spPr>
+          <a:xfrm>
+            <a:off x="1723397" y="4055201"/>
+            <a:ext cx="4326362" cy="4326362"/>
+          </a:xfrm>
+          <a:prstGeom prst="rect">
+            <a:avLst/>
+          </a:prstGeom>
+        </p:spPr>
+      </p:pic>
+      <p:pic>
+        <p:nvPicPr>
+          <p:cNvPr id="39" name="图片 38" descr="微笑的男人&#10;&#10;描述已自动生成">
+            <a:extLst>
+              <a:ext uri="{FF2B5EF4-FFF2-40B4-BE49-F238E27FC236}">
+                <a16:creationId xmlns:a16="http://schemas.microsoft.com/office/drawing/2014/main" id="{E4D2F3A7-1E78-4B5B-90B8-B7184A8C5083}"/>
+              </a:ext>
+            </a:extLst>
+          </p:cNvPr>
+          <p:cNvPicPr>
+            <a:picLocks noChangeAspect="1"/>
+          </p:cNvPicPr>
+          <p:nvPr/>
+        </p:nvPicPr>
+        <p:blipFill>
+          <a:blip r:embed="rId3" cstate="print">
+            <a:extLst>
+              <a:ext uri="{28A0092B-C50C-407E-A947-70E740481C1C}">
+                <a14:useLocalDpi xmlns:a14="http://schemas.microsoft.com/office/drawing/2010/main" val="0"/>
+              </a:ext>
+            </a:extLst>
+          </a:blip>
+          <a:stretch>
+            <a:fillRect/>
+          </a:stretch>
+        </p:blipFill>
+        <p:spPr>
+          <a:xfrm>
+            <a:off x="6441391" y="4055201"/>
+            <a:ext cx="4326362" cy="4326362"/>
+          </a:xfrm>
+          <a:prstGeom prst="rect">
+            <a:avLst/>
+          </a:prstGeom>
+        </p:spPr>
+      </p:pic>
+      <p:pic>
+        <p:nvPicPr>
+          <p:cNvPr id="40" name="图片 39" descr="微笑的男人&#10;&#10;描述已自动生成">
+            <a:extLst>
+              <a:ext uri="{FF2B5EF4-FFF2-40B4-BE49-F238E27FC236}">
+                <a16:creationId xmlns:a16="http://schemas.microsoft.com/office/drawing/2014/main" id="{9D04F5E7-6DDC-4DBF-8A08-62E6A87603B8}"/>
+              </a:ext>
+            </a:extLst>
+          </p:cNvPr>
+          <p:cNvPicPr>
+            <a:picLocks noChangeAspect="1"/>
+          </p:cNvPicPr>
+          <p:nvPr/>
+        </p:nvPicPr>
+        <p:blipFill>
+          <a:blip r:embed="rId4" cstate="print">
+            <a:extLst>
+              <a:ext uri="{28A0092B-C50C-407E-A947-70E740481C1C}">
+                <a14:useLocalDpi xmlns:a14="http://schemas.microsoft.com/office/drawing/2010/main" val="0"/>
+              </a:ext>
+            </a:extLst>
+          </a:blip>
+          <a:stretch>
+            <a:fillRect/>
+          </a:stretch>
+        </p:blipFill>
+        <p:spPr>
+          <a:xfrm>
+            <a:off x="11159390" y="4055201"/>
+            <a:ext cx="4326362" cy="4326362"/>
+          </a:xfrm>
+          <a:prstGeom prst="rect">
+            <a:avLst/>
+          </a:prstGeom>
+        </p:spPr>
+      </p:pic>
+      <p:pic>
+        <p:nvPicPr>
+          <p:cNvPr id="41" name="图片 40" descr="男人戴着眼镜&#10;&#10;描述已自动生成">
+            <a:extLst>
+              <a:ext uri="{FF2B5EF4-FFF2-40B4-BE49-F238E27FC236}">
+                <a16:creationId xmlns:a16="http://schemas.microsoft.com/office/drawing/2014/main" id="{B3137F4B-B7CD-4A2D-BEDA-856553C938D9}"/>
+              </a:ext>
+            </a:extLst>
+          </p:cNvPr>
+          <p:cNvPicPr>
+            <a:picLocks noChangeAspect="1"/>
+          </p:cNvPicPr>
+          <p:nvPr/>
+        </p:nvPicPr>
+        <p:blipFill>
+          <a:blip r:embed="rId5" cstate="print">
+            <a:extLst>
+              <a:ext uri="{28A0092B-C50C-407E-A947-70E740481C1C}">
+                <a14:useLocalDpi xmlns:a14="http://schemas.microsoft.com/office/drawing/2010/main" val="0"/>
+              </a:ext>
+            </a:extLst>
+          </a:blip>
+          <a:stretch>
+            <a:fillRect/>
+          </a:stretch>
+        </p:blipFill>
+        <p:spPr>
+          <a:xfrm>
+            <a:off x="15877384" y="4082271"/>
+            <a:ext cx="4326362" cy="4326362"/>
+          </a:xfrm>
+          <a:prstGeom prst="rect">
+            <a:avLst/>
+          </a:prstGeom>
+        </p:spPr>
+      </p:pic>
+      <p:pic>
+        <p:nvPicPr>
+          <p:cNvPr id="42" name="图片 41" descr="男人戴着眼镜&#10;&#10;描述已自动生成">
+            <a:extLst>
+              <a:ext uri="{FF2B5EF4-FFF2-40B4-BE49-F238E27FC236}">
+                <a16:creationId xmlns:a16="http://schemas.microsoft.com/office/drawing/2014/main" id="{F4393FAF-A19A-4896-9D15-EB513D5003BB}"/>
+              </a:ext>
+            </a:extLst>
+          </p:cNvPr>
+          <p:cNvPicPr>
+            <a:picLocks noChangeAspect="1"/>
+          </p:cNvPicPr>
+          <p:nvPr/>
+        </p:nvPicPr>
+        <p:blipFill>
+          <a:blip r:embed="rId6" cstate="print">
+            <a:extLst>
+              <a:ext uri="{28A0092B-C50C-407E-A947-70E740481C1C}">
+                <a14:useLocalDpi xmlns:a14="http://schemas.microsoft.com/office/drawing/2010/main" val="0"/>
+              </a:ext>
+            </a:extLst>
+          </a:blip>
+          <a:stretch>
+            <a:fillRect/>
+          </a:stretch>
+        </p:blipFill>
+        <p:spPr>
+          <a:xfrm>
+            <a:off x="20595378" y="4082271"/>
+            <a:ext cx="4326362" cy="4326362"/>
+          </a:xfrm>
+          <a:prstGeom prst="rect">
+            <a:avLst/>
+          </a:prstGeom>
+        </p:spPr>
+      </p:pic>
+      <p:pic>
+        <p:nvPicPr>
+          <p:cNvPr id="43" name="图片 42" descr="男人戴着眼镜&#10;&#10;描述已自动生成">
+            <a:extLst>
+              <a:ext uri="{FF2B5EF4-FFF2-40B4-BE49-F238E27FC236}">
+                <a16:creationId xmlns:a16="http://schemas.microsoft.com/office/drawing/2014/main" id="{80F0D128-30F4-40D0-B9B2-CBC62A19E2D1}"/>
+              </a:ext>
+            </a:extLst>
+          </p:cNvPr>
+          <p:cNvPicPr>
+            <a:picLocks noChangeAspect="1"/>
+          </p:cNvPicPr>
+          <p:nvPr/>
+        </p:nvPicPr>
+        <p:blipFill>
+          <a:blip r:embed="rId7" cstate="print">
+            <a:extLst>
+              <a:ext uri="{28A0092B-C50C-407E-A947-70E740481C1C}">
+                <a14:useLocalDpi xmlns:a14="http://schemas.microsoft.com/office/drawing/2010/main" val="0"/>
+              </a:ext>
+            </a:extLst>
+          </a:blip>
+          <a:stretch>
+            <a:fillRect/>
+          </a:stretch>
+        </p:blipFill>
+        <p:spPr>
+          <a:xfrm>
+            <a:off x="25313377" y="4082271"/>
+            <a:ext cx="4326362" cy="4326362"/>
+          </a:xfrm>
+          <a:prstGeom prst="rect">
+            <a:avLst/>
+          </a:prstGeom>
+        </p:spPr>
+      </p:pic>
+      <p:pic>
+        <p:nvPicPr>
+          <p:cNvPr id="44" name="图片 43" descr="男人戴着眼镜&#10;&#10;描述已自动生成">
+            <a:extLst>
+              <a:ext uri="{FF2B5EF4-FFF2-40B4-BE49-F238E27FC236}">
+                <a16:creationId xmlns:a16="http://schemas.microsoft.com/office/drawing/2014/main" id="{AE0F997C-6B56-4460-BB17-9F3A5AB9F7AD}"/>
+              </a:ext>
+            </a:extLst>
+          </p:cNvPr>
+          <p:cNvPicPr>
+            <a:picLocks noChangeAspect="1"/>
+          </p:cNvPicPr>
+          <p:nvPr/>
+        </p:nvPicPr>
+        <p:blipFill>
+          <a:blip r:embed="rId8" cstate="print">
+            <a:extLst>
+              <a:ext uri="{28A0092B-C50C-407E-A947-70E740481C1C}">
+                <a14:useLocalDpi xmlns:a14="http://schemas.microsoft.com/office/drawing/2010/main" val="0"/>
+              </a:ext>
+            </a:extLst>
+          </a:blip>
+          <a:stretch>
+            <a:fillRect/>
+          </a:stretch>
+        </p:blipFill>
+        <p:spPr>
+          <a:xfrm>
+            <a:off x="30031366" y="4055201"/>
+            <a:ext cx="4326362" cy="4326362"/>
+          </a:xfrm>
+          <a:prstGeom prst="rect">
+            <a:avLst/>
+          </a:prstGeom>
+        </p:spPr>
+      </p:pic>
+      <p:pic>
+        <p:nvPicPr>
+          <p:cNvPr id="52" name="图片 51" descr="女人微笑的头像&#10;&#10;描述已自动生成">
+            <a:extLst>
+              <a:ext uri="{FF2B5EF4-FFF2-40B4-BE49-F238E27FC236}">
+                <a16:creationId xmlns:a16="http://schemas.microsoft.com/office/drawing/2014/main" id="{D78BA77A-D9C8-41A3-8EDB-BEA32BE55640}"/>
+              </a:ext>
+            </a:extLst>
+          </p:cNvPr>
+          <p:cNvPicPr>
+            <a:picLocks noChangeAspect="1"/>
+          </p:cNvPicPr>
+          <p:nvPr/>
+        </p:nvPicPr>
+        <p:blipFill>
+          <a:blip r:embed="rId9" cstate="print">
+            <a:extLst>
+              <a:ext uri="{28A0092B-C50C-407E-A947-70E740481C1C}">
+                <a14:useLocalDpi xmlns:a14="http://schemas.microsoft.com/office/drawing/2010/main" val="0"/>
+              </a:ext>
+            </a:extLst>
+          </a:blip>
+          <a:stretch>
+            <a:fillRect/>
+          </a:stretch>
+        </p:blipFill>
+        <p:spPr>
+          <a:xfrm>
+            <a:off x="1723397" y="9869305"/>
+            <a:ext cx="4326362" cy="4326362"/>
+          </a:xfrm>
+          <a:prstGeom prst="rect">
+            <a:avLst/>
+          </a:prstGeom>
+        </p:spPr>
+      </p:pic>
+      <p:pic>
+        <p:nvPicPr>
+          <p:cNvPr id="53" name="图片 52" descr="微笑的人&#10;&#10;描述已自动生成">
+            <a:extLst>
+              <a:ext uri="{FF2B5EF4-FFF2-40B4-BE49-F238E27FC236}">
+                <a16:creationId xmlns:a16="http://schemas.microsoft.com/office/drawing/2014/main" id="{97FBB18C-15FF-4C65-BF55-2F1B8AC01D35}"/>
+              </a:ext>
+            </a:extLst>
+          </p:cNvPr>
+          <p:cNvPicPr>
+            <a:picLocks noChangeAspect="1"/>
+          </p:cNvPicPr>
+          <p:nvPr/>
+        </p:nvPicPr>
+        <p:blipFill>
+          <a:blip r:embed="rId10" cstate="print">
+            <a:extLst>
+              <a:ext uri="{28A0092B-C50C-407E-A947-70E740481C1C}">
+                <a14:useLocalDpi xmlns:a14="http://schemas.microsoft.com/office/drawing/2010/main" val="0"/>
+              </a:ext>
+            </a:extLst>
+          </a:blip>
+          <a:stretch>
+            <a:fillRect/>
+          </a:stretch>
+        </p:blipFill>
+        <p:spPr>
+          <a:xfrm>
+            <a:off x="6441391" y="9869305"/>
+            <a:ext cx="4326362" cy="4326362"/>
+          </a:xfrm>
+          <a:prstGeom prst="rect">
+            <a:avLst/>
+          </a:prstGeom>
+        </p:spPr>
+      </p:pic>
+      <p:pic>
+        <p:nvPicPr>
+          <p:cNvPr id="54" name="图片 53" descr="微笑的人&#10;&#10;描述已自动生成">
+            <a:extLst>
+              <a:ext uri="{FF2B5EF4-FFF2-40B4-BE49-F238E27FC236}">
+                <a16:creationId xmlns:a16="http://schemas.microsoft.com/office/drawing/2014/main" id="{ABDB55B7-1E2D-4383-98EC-8EE7CE0A21ED}"/>
+              </a:ext>
+            </a:extLst>
+          </p:cNvPr>
+          <p:cNvPicPr>
+            <a:picLocks noChangeAspect="1"/>
+          </p:cNvPicPr>
+          <p:nvPr/>
+        </p:nvPicPr>
+        <p:blipFill>
+          <a:blip r:embed="rId11" cstate="print">
+            <a:extLst>
+              <a:ext uri="{28A0092B-C50C-407E-A947-70E740481C1C}">
+                <a14:useLocalDpi xmlns:a14="http://schemas.microsoft.com/office/drawing/2010/main" val="0"/>
+              </a:ext>
+            </a:extLst>
+          </a:blip>
+          <a:stretch>
+            <a:fillRect/>
+          </a:stretch>
+        </p:blipFill>
+        <p:spPr>
+          <a:xfrm>
+            <a:off x="11159395" y="9869305"/>
+            <a:ext cx="4326362" cy="4326362"/>
+          </a:xfrm>
+          <a:prstGeom prst="rect">
+            <a:avLst/>
+          </a:prstGeom>
+        </p:spPr>
+      </p:pic>
+      <p:pic>
+        <p:nvPicPr>
+          <p:cNvPr id="55" name="图片 54" descr="人戴着眼镜&#10;&#10;描述已自动生成">
+            <a:extLst>
+              <a:ext uri="{FF2B5EF4-FFF2-40B4-BE49-F238E27FC236}">
+                <a16:creationId xmlns:a16="http://schemas.microsoft.com/office/drawing/2014/main" id="{E85820BD-BBA4-45D2-BBAC-2D7EB6D20849}"/>
+              </a:ext>
+            </a:extLst>
+          </p:cNvPr>
+          <p:cNvPicPr>
+            <a:picLocks noChangeAspect="1"/>
+          </p:cNvPicPr>
+          <p:nvPr/>
+        </p:nvPicPr>
+        <p:blipFill>
+          <a:blip r:embed="rId12" cstate="print">
+            <a:extLst>
+              <a:ext uri="{28A0092B-C50C-407E-A947-70E740481C1C}">
+                <a14:useLocalDpi xmlns:a14="http://schemas.microsoft.com/office/drawing/2010/main" val="0"/>
+              </a:ext>
+            </a:extLst>
+          </a:blip>
+          <a:stretch>
+            <a:fillRect/>
+          </a:stretch>
+        </p:blipFill>
+        <p:spPr>
+          <a:xfrm>
+            <a:off x="15877389" y="9869305"/>
+            <a:ext cx="4326362" cy="4326362"/>
+          </a:xfrm>
+          <a:prstGeom prst="rect">
+            <a:avLst/>
+          </a:prstGeom>
+        </p:spPr>
+      </p:pic>
+      <p:pic>
+        <p:nvPicPr>
+          <p:cNvPr id="56" name="图片 55" descr="女人戴着眼镜&#10;&#10;描述已自动生成">
+            <a:extLst>
+              <a:ext uri="{FF2B5EF4-FFF2-40B4-BE49-F238E27FC236}">
+                <a16:creationId xmlns:a16="http://schemas.microsoft.com/office/drawing/2014/main" id="{DD77A485-627D-4882-B107-5FBFEF215888}"/>
+              </a:ext>
+            </a:extLst>
+          </p:cNvPr>
+          <p:cNvPicPr>
+            <a:picLocks noChangeAspect="1"/>
+          </p:cNvPicPr>
+          <p:nvPr/>
+        </p:nvPicPr>
+        <p:blipFill>
+          <a:blip r:embed="rId13" cstate="print">
+            <a:extLst>
+              <a:ext uri="{28A0092B-C50C-407E-A947-70E740481C1C}">
+                <a14:useLocalDpi xmlns:a14="http://schemas.microsoft.com/office/drawing/2010/main" val="0"/>
+              </a:ext>
+            </a:extLst>
+          </a:blip>
+          <a:stretch>
+            <a:fillRect/>
+          </a:stretch>
+        </p:blipFill>
+        <p:spPr>
+          <a:xfrm>
+            <a:off x="20595388" y="9869305"/>
+            <a:ext cx="4326362" cy="4326362"/>
+          </a:xfrm>
+          <a:prstGeom prst="rect">
+            <a:avLst/>
+          </a:prstGeom>
+        </p:spPr>
+      </p:pic>
+      <p:pic>
+        <p:nvPicPr>
+          <p:cNvPr id="57" name="图片 56" descr="女人戴着眼镜&#10;&#10;描述已自动生成">
+            <a:extLst>
+              <a:ext uri="{FF2B5EF4-FFF2-40B4-BE49-F238E27FC236}">
+                <a16:creationId xmlns:a16="http://schemas.microsoft.com/office/drawing/2014/main" id="{FB0FA11B-A69D-4613-9200-B338E65FAB94}"/>
+              </a:ext>
+            </a:extLst>
+          </p:cNvPr>
+          <p:cNvPicPr>
+            <a:picLocks noChangeAspect="1"/>
+          </p:cNvPicPr>
+          <p:nvPr/>
+        </p:nvPicPr>
+        <p:blipFill>
+          <a:blip r:embed="rId14" cstate="print">
+            <a:extLst>
+              <a:ext uri="{28A0092B-C50C-407E-A947-70E740481C1C}">
+                <a14:useLocalDpi xmlns:a14="http://schemas.microsoft.com/office/drawing/2010/main" val="0"/>
+              </a:ext>
+            </a:extLst>
+          </a:blip>
+          <a:stretch>
+            <a:fillRect/>
+          </a:stretch>
+        </p:blipFill>
+        <p:spPr>
+          <a:xfrm>
+            <a:off x="25313382" y="9869305"/>
+            <a:ext cx="4326362" cy="4326362"/>
+          </a:xfrm>
+          <a:prstGeom prst="rect">
+            <a:avLst/>
+          </a:prstGeom>
+        </p:spPr>
+      </p:pic>
+      <p:pic>
+        <p:nvPicPr>
+          <p:cNvPr id="58" name="图片 57" descr="戴着眼镜的女人在微笑&#10;&#10;描述已自动生成">
+            <a:extLst>
+              <a:ext uri="{FF2B5EF4-FFF2-40B4-BE49-F238E27FC236}">
+                <a16:creationId xmlns:a16="http://schemas.microsoft.com/office/drawing/2014/main" id="{33E768FF-F4F2-4E9C-B689-F37C32ECA179}"/>
+              </a:ext>
+            </a:extLst>
+          </p:cNvPr>
+          <p:cNvPicPr>
+            <a:picLocks noChangeAspect="1"/>
+          </p:cNvPicPr>
+          <p:nvPr/>
+        </p:nvPicPr>
+        <p:blipFill>
+          <a:blip r:embed="rId15" cstate="print">
+            <a:extLst>
+              <a:ext uri="{28A0092B-C50C-407E-A947-70E740481C1C}">
+                <a14:useLocalDpi xmlns:a14="http://schemas.microsoft.com/office/drawing/2010/main" val="0"/>
+              </a:ext>
+            </a:extLst>
+          </a:blip>
+          <a:stretch>
+            <a:fillRect/>
+          </a:stretch>
+        </p:blipFill>
+        <p:spPr>
+          <a:xfrm>
+            <a:off x="30031371" y="9869305"/>
+            <a:ext cx="4326362" cy="4326362"/>
+          </a:xfrm>
+          <a:prstGeom prst="rect">
+            <a:avLst/>
+          </a:prstGeom>
+        </p:spPr>
+      </p:pic>
+      <p:sp>
+        <p:nvSpPr>
+          <p:cNvPr id="61" name="文本框 60">
+            <a:extLst>
+              <a:ext uri="{FF2B5EF4-FFF2-40B4-BE49-F238E27FC236}">
+                <a16:creationId xmlns:a16="http://schemas.microsoft.com/office/drawing/2014/main" id="{5B0D3240-190D-4D3A-80DF-4309B2EBA24D}"/>
+              </a:ext>
+            </a:extLst>
+          </p:cNvPr>
+          <p:cNvSpPr txBox="1"/>
+          <p:nvPr/>
+        </p:nvSpPr>
+        <p:spPr>
+          <a:xfrm>
+            <a:off x="6960916" y="8837562"/>
+            <a:ext cx="3247191" cy="769441"/>
+          </a:xfrm>
+          <a:prstGeom prst="rect">
+            <a:avLst/>
+          </a:prstGeom>
+          <a:noFill/>
+        </p:spPr>
+        <p:txBody>
+          <a:bodyPr wrap="square">
+            <a:spAutoFit/>
+          </a:bodyPr>
+          <a:lstStyle>
+            <a:defPPr>
+              <a:defRPr lang="zh-CN"/>
+            </a:defPPr>
+            <a:lvl1pPr algn="ctr">
+              <a:defRPr sz="1400" b="0" i="0">
+                <a:effectLst/>
+                <a:latin typeface="Times New Roman" panose="02020503050405090304" pitchFamily="18" charset="0"/>
+                <a:cs typeface="Times New Roman" panose="02020503050405090304" pitchFamily="18" charset="0"/>
+              </a:defRPr>
+            </a:lvl1pPr>
+          </a:lstStyle>
+          <a:p>
+            <a:r>
+              <a:rPr lang="en-US" altLang="zh-CN" sz="4400" dirty="0">
+                <a:ea typeface="宋体" panose="02010600030101010101" pitchFamily="2" charset="-122"/>
+              </a:rPr>
+              <a:t>+</a:t>
+            </a:r>
+            <a:r>
+              <a:rPr lang="zh-CN" altLang="en-US" sz="4400" dirty="0">
+                <a:ea typeface="宋体" panose="02010600030101010101" pitchFamily="2" charset="-122"/>
+              </a:rPr>
+              <a:t>年龄</a:t>
+            </a:r>
+          </a:p>
+        </p:txBody>
+      </p:sp>
+      <p:sp>
+        <p:nvSpPr>
+          <p:cNvPr id="62" name="文本框 61">
+            <a:extLst>
+              <a:ext uri="{FF2B5EF4-FFF2-40B4-BE49-F238E27FC236}">
+                <a16:creationId xmlns:a16="http://schemas.microsoft.com/office/drawing/2014/main" id="{E491FBEE-9E5A-4CF1-9532-83BF5B2AECA5}"/>
+              </a:ext>
+            </a:extLst>
+          </p:cNvPr>
+          <p:cNvSpPr txBox="1"/>
+          <p:nvPr/>
+        </p:nvSpPr>
+        <p:spPr>
+          <a:xfrm>
+            <a:off x="11032731" y="8837562"/>
+            <a:ext cx="4702094" cy="769441"/>
+          </a:xfrm>
+          <a:prstGeom prst="rect">
+            <a:avLst/>
+          </a:prstGeom>
+          <a:noFill/>
+        </p:spPr>
+        <p:txBody>
+          <a:bodyPr wrap="square">
+            <a:spAutoFit/>
+          </a:bodyPr>
+          <a:lstStyle>
+            <a:defPPr>
+              <a:defRPr lang="zh-CN"/>
+            </a:defPPr>
+            <a:lvl1pPr algn="ctr">
+              <a:defRPr sz="1400" b="0" i="0">
+                <a:effectLst/>
+                <a:latin typeface="Times New Roman" panose="02020503050405090304" pitchFamily="18" charset="0"/>
+                <a:cs typeface="Times New Roman" panose="02020503050405090304" pitchFamily="18" charset="0"/>
+              </a:defRPr>
+            </a:lvl1pPr>
+          </a:lstStyle>
+          <a:p>
+            <a:r>
+              <a:rPr lang="en-US" altLang="zh-CN" sz="4400" dirty="0">
+                <a:ea typeface="宋体" panose="02010600030101010101" pitchFamily="2" charset="-122"/>
+              </a:rPr>
+              <a:t>+</a:t>
+            </a:r>
+            <a:r>
+              <a:rPr lang="zh-CN" altLang="en-US" sz="4400" dirty="0">
+                <a:ea typeface="宋体" panose="02010600030101010101" pitchFamily="2" charset="-122"/>
+              </a:rPr>
+              <a:t>白头发</a:t>
+            </a:r>
+          </a:p>
+        </p:txBody>
+      </p:sp>
+      <p:sp>
+        <p:nvSpPr>
+          <p:cNvPr id="63" name="文本框 62">
+            <a:extLst>
+              <a:ext uri="{FF2B5EF4-FFF2-40B4-BE49-F238E27FC236}">
+                <a16:creationId xmlns:a16="http://schemas.microsoft.com/office/drawing/2014/main" id="{42CA78EA-CB2F-434A-AC87-4F97B89838BD}"/>
+              </a:ext>
+            </a:extLst>
+          </p:cNvPr>
+          <p:cNvSpPr txBox="1"/>
+          <p:nvPr/>
+        </p:nvSpPr>
+        <p:spPr>
+          <a:xfrm>
+            <a:off x="15757000" y="8837562"/>
+            <a:ext cx="4851012" cy="769441"/>
+          </a:xfrm>
+          <a:prstGeom prst="rect">
+            <a:avLst/>
+          </a:prstGeom>
+          <a:noFill/>
+        </p:spPr>
+        <p:txBody>
+          <a:bodyPr wrap="square">
+            <a:spAutoFit/>
+          </a:bodyPr>
+          <a:lstStyle>
+            <a:defPPr>
+              <a:defRPr lang="zh-CN"/>
+            </a:defPPr>
+            <a:lvl1pPr algn="ctr">
+              <a:defRPr sz="1400" b="0" i="0">
+                <a:effectLst/>
+                <a:latin typeface="Times New Roman" panose="02020503050405090304" pitchFamily="18" charset="0"/>
+                <a:cs typeface="Times New Roman" panose="02020503050405090304" pitchFamily="18" charset="0"/>
+              </a:defRPr>
+            </a:lvl1pPr>
+          </a:lstStyle>
+          <a:p>
+            <a:r>
+              <a:rPr lang="en-US" altLang="zh-CN" sz="4400" dirty="0">
+                <a:ea typeface="宋体" panose="02010600030101010101" pitchFamily="2" charset="-122"/>
+              </a:rPr>
+              <a:t>+</a:t>
+            </a:r>
+            <a:r>
+              <a:rPr lang="zh-CN" altLang="en-US" sz="4400" dirty="0">
+                <a:ea typeface="宋体" panose="02010600030101010101" pitchFamily="2" charset="-122"/>
+              </a:rPr>
+              <a:t>眼镜</a:t>
+            </a:r>
+          </a:p>
+        </p:txBody>
+      </p:sp>
+      <p:sp>
+        <p:nvSpPr>
+          <p:cNvPr id="64" name="文本框 63">
+            <a:extLst>
+              <a:ext uri="{FF2B5EF4-FFF2-40B4-BE49-F238E27FC236}">
+                <a16:creationId xmlns:a16="http://schemas.microsoft.com/office/drawing/2014/main" id="{FF938064-E4AA-4DAD-BADF-D6BDFF1F046A}"/>
+              </a:ext>
+            </a:extLst>
+          </p:cNvPr>
+          <p:cNvSpPr txBox="1"/>
+          <p:nvPr/>
+        </p:nvSpPr>
+        <p:spPr>
+          <a:xfrm>
+            <a:off x="21097849" y="8837562"/>
+            <a:ext cx="3123459" cy="769441"/>
+          </a:xfrm>
+          <a:prstGeom prst="rect">
+            <a:avLst/>
+          </a:prstGeom>
+          <a:noFill/>
+        </p:spPr>
+        <p:txBody>
+          <a:bodyPr wrap="square">
+            <a:spAutoFit/>
+          </a:bodyPr>
+          <a:lstStyle>
+            <a:defPPr>
+              <a:defRPr lang="zh-CN"/>
+            </a:defPPr>
+            <a:lvl1pPr algn="ctr">
+              <a:defRPr sz="1400" b="0" i="0">
+                <a:effectLst/>
+                <a:latin typeface="Times New Roman" panose="02020503050405090304" pitchFamily="18" charset="0"/>
+                <a:cs typeface="Times New Roman" panose="02020503050405090304" pitchFamily="18" charset="0"/>
+              </a:defRPr>
+            </a:lvl1pPr>
+          </a:lstStyle>
+          <a:p>
+            <a:r>
+              <a:rPr lang="en-US" altLang="zh-CN" sz="4400" dirty="0">
+                <a:ea typeface="宋体" panose="02010600030101010101" pitchFamily="2" charset="-122"/>
+              </a:rPr>
+              <a:t>+</a:t>
+            </a:r>
+            <a:r>
+              <a:rPr lang="zh-CN" altLang="en-US" sz="4400" dirty="0">
+                <a:ea typeface="宋体" panose="02010600030101010101" pitchFamily="2" charset="-122"/>
+              </a:rPr>
+              <a:t>胡子</a:t>
+            </a:r>
+          </a:p>
+        </p:txBody>
+      </p:sp>
+      <p:sp>
+        <p:nvSpPr>
+          <p:cNvPr id="65" name="文本框 64">
+            <a:extLst>
+              <a:ext uri="{FF2B5EF4-FFF2-40B4-BE49-F238E27FC236}">
+                <a16:creationId xmlns:a16="http://schemas.microsoft.com/office/drawing/2014/main" id="{B90A595D-A8E9-4949-A8D2-3CA217FB0DB8}"/>
+              </a:ext>
+            </a:extLst>
+          </p:cNvPr>
+          <p:cNvSpPr txBox="1"/>
+          <p:nvPr/>
+        </p:nvSpPr>
+        <p:spPr>
+          <a:xfrm>
+            <a:off x="24882798" y="8837562"/>
+            <a:ext cx="5202447" cy="769441"/>
+          </a:xfrm>
+          <a:prstGeom prst="rect">
+            <a:avLst/>
+          </a:prstGeom>
+          <a:noFill/>
+        </p:spPr>
+        <p:txBody>
+          <a:bodyPr wrap="square">
+            <a:spAutoFit/>
+          </a:bodyPr>
+          <a:lstStyle>
+            <a:defPPr>
+              <a:defRPr lang="zh-CN"/>
+            </a:defPPr>
+            <a:lvl1pPr algn="ctr">
+              <a:defRPr sz="1400" b="0" i="0">
+                <a:effectLst/>
+                <a:latin typeface="Times New Roman" panose="02020503050405090304" pitchFamily="18" charset="0"/>
+                <a:cs typeface="Times New Roman" panose="02020503050405090304" pitchFamily="18" charset="0"/>
+              </a:defRPr>
+            </a:lvl1pPr>
+          </a:lstStyle>
+          <a:p>
+            <a:r>
+              <a:rPr lang="en-US" altLang="zh-CN" sz="4400" dirty="0">
+                <a:ea typeface="宋体" panose="02010600030101010101" pitchFamily="2" charset="-122"/>
+              </a:rPr>
+              <a:t>+</a:t>
+            </a:r>
+            <a:r>
+              <a:rPr lang="zh-CN" altLang="en-US" sz="4400" dirty="0">
+                <a:ea typeface="宋体" panose="02010600030101010101" pitchFamily="2" charset="-122"/>
+              </a:rPr>
+              <a:t>瘦</a:t>
+            </a:r>
+          </a:p>
+        </p:txBody>
+      </p:sp>
+      <p:sp>
+        <p:nvSpPr>
+          <p:cNvPr id="66" name="文本框 65">
+            <a:extLst>
+              <a:ext uri="{FF2B5EF4-FFF2-40B4-BE49-F238E27FC236}">
+                <a16:creationId xmlns:a16="http://schemas.microsoft.com/office/drawing/2014/main" id="{CE2E7EF5-E125-42FA-86BD-7A9A438315C5}"/>
+              </a:ext>
+            </a:extLst>
+          </p:cNvPr>
+          <p:cNvSpPr txBox="1"/>
+          <p:nvPr/>
+        </p:nvSpPr>
+        <p:spPr>
+          <a:xfrm>
+            <a:off x="30180069" y="8837562"/>
+            <a:ext cx="3915450" cy="769441"/>
+          </a:xfrm>
+          <a:prstGeom prst="rect">
+            <a:avLst/>
+          </a:prstGeom>
+          <a:noFill/>
+        </p:spPr>
+        <p:txBody>
+          <a:bodyPr wrap="square">
+            <a:spAutoFit/>
+          </a:bodyPr>
+          <a:lstStyle>
+            <a:defPPr>
+              <a:defRPr lang="zh-CN"/>
+            </a:defPPr>
+            <a:lvl1pPr algn="ctr">
+              <a:defRPr sz="1400" b="0" i="0">
+                <a:effectLst/>
+                <a:latin typeface="Times New Roman" panose="02020503050405090304" pitchFamily="18" charset="0"/>
+                <a:cs typeface="Times New Roman" panose="02020503050405090304" pitchFamily="18" charset="0"/>
+              </a:defRPr>
+            </a:lvl1pPr>
+          </a:lstStyle>
+          <a:p>
+            <a:r>
+              <a:rPr lang="en-US" altLang="zh-CN" sz="4400" dirty="0">
+                <a:ea typeface="宋体" panose="02010600030101010101" pitchFamily="2" charset="-122"/>
+              </a:rPr>
+              <a:t>+</a:t>
+            </a:r>
+            <a:r>
+              <a:rPr lang="zh-CN" altLang="en-US" sz="4400" dirty="0">
+                <a:ea typeface="宋体" panose="02010600030101010101" pitchFamily="2" charset="-122"/>
+              </a:rPr>
+              <a:t>笑容</a:t>
+            </a:r>
+            <a:endParaRPr lang="en-US" altLang="zh-CN" sz="4400" dirty="0">
+              <a:ea typeface="宋体" panose="02010600030101010101" pitchFamily="2" charset="-122"/>
+            </a:endParaRPr>
+          </a:p>
+        </p:txBody>
+      </p:sp>
+      <p:sp>
+        <p:nvSpPr>
+          <p:cNvPr id="67" name="文本框 66">
+            <a:extLst>
+              <a:ext uri="{FF2B5EF4-FFF2-40B4-BE49-F238E27FC236}">
+                <a16:creationId xmlns:a16="http://schemas.microsoft.com/office/drawing/2014/main" id="{28BF5C56-95D5-4B29-B0F2-D044857C072B}"/>
+              </a:ext>
+            </a:extLst>
+          </p:cNvPr>
+          <p:cNvSpPr txBox="1"/>
+          <p:nvPr/>
+        </p:nvSpPr>
+        <p:spPr>
+          <a:xfrm>
+            <a:off x="2312799" y="8837562"/>
+            <a:ext cx="3247191" cy="769441"/>
+          </a:xfrm>
+          <a:prstGeom prst="rect">
+            <a:avLst/>
+          </a:prstGeom>
+          <a:noFill/>
+        </p:spPr>
+        <p:txBody>
+          <a:bodyPr wrap="square">
+            <a:spAutoFit/>
+          </a:bodyPr>
+          <a:lstStyle>
+            <a:defPPr>
+              <a:defRPr lang="zh-CN"/>
+            </a:defPPr>
+            <a:lvl1pPr algn="ctr">
+              <a:defRPr sz="1400" b="0" i="0">
+                <a:effectLst/>
+                <a:latin typeface="Times New Roman" panose="02020503050405090304" pitchFamily="18" charset="0"/>
+                <a:cs typeface="Times New Roman" panose="02020503050405090304" pitchFamily="18" charset="0"/>
+              </a:defRPr>
+            </a:lvl1pPr>
+          </a:lstStyle>
+          <a:p>
+            <a:r>
+              <a:rPr lang="zh-CN" altLang="en-US" sz="4400" dirty="0">
+                <a:ea typeface="宋体" panose="02010600030101010101" pitchFamily="2" charset="-122"/>
+              </a:rPr>
+              <a:t>原图</a:t>
+            </a:r>
+          </a:p>
+        </p:txBody>
+      </p:sp>
+      <p:sp>
+        <p:nvSpPr>
+          <p:cNvPr id="68" name="等腰三角形 67">
+            <a:extLst>
+              <a:ext uri="{FF2B5EF4-FFF2-40B4-BE49-F238E27FC236}">
+                <a16:creationId xmlns:a16="http://schemas.microsoft.com/office/drawing/2014/main" id="{CB6F5E95-BF76-4F0E-AFAC-271FC736722C}"/>
+              </a:ext>
+            </a:extLst>
+          </p:cNvPr>
+          <p:cNvSpPr/>
+          <p:nvPr/>
+        </p:nvSpPr>
+        <p:spPr>
+          <a:xfrm rot="16200000">
+            <a:off x="17949941" y="-6935389"/>
+            <a:ext cx="384412" cy="31306975"/>
+          </a:xfrm>
+          <a:prstGeom prst="triangle">
+            <a:avLst/>
+          </a:prstGeom>
+          <a:ln>
+            <a:noFill/>
+          </a:ln>
+        </p:spPr>
+        <p:style>
+          <a:lnRef idx="2">
+            <a:schemeClr val="accent1">
+              <a:shade val="50000"/>
+            </a:schemeClr>
+          </a:lnRef>
+          <a:fillRef idx="1">
+            <a:schemeClr val="accent1"/>
+          </a:fillRef>
+          <a:effectRef idx="0">
+            <a:schemeClr val="accent1"/>
+          </a:effectRef>
+          <a:fontRef idx="minor">
+            <a:schemeClr val="lt1"/>
+          </a:fontRef>
+        </p:style>
+        <p:txBody>
+          <a:bodyPr rtlCol="0" anchor="ctr"/>
+          <a:lstStyle/>
+          <a:p>
+            <a:pPr algn="ctr"/>
+            <a:endParaRPr lang="zh-CN" altLang="en-US" sz="8651">
+              <a:ea typeface="宋体" panose="02010600030101010101" pitchFamily="2" charset="-122"/>
+            </a:endParaRPr>
+          </a:p>
+        </p:txBody>
+      </p:sp>
+      <p:cxnSp>
+        <p:nvCxnSpPr>
+          <p:cNvPr id="69" name="直接箭头连接符 68">
+            <a:extLst>
+              <a:ext uri="{FF2B5EF4-FFF2-40B4-BE49-F238E27FC236}">
+                <a16:creationId xmlns:a16="http://schemas.microsoft.com/office/drawing/2014/main" id="{C85D708E-9BD3-4F89-9867-31FF15D60E8B}"/>
+              </a:ext>
+            </a:extLst>
+          </p:cNvPr>
+          <p:cNvCxnSpPr>
+            <a:cxnSpLocks/>
+          </p:cNvCxnSpPr>
+          <p:nvPr/>
+        </p:nvCxnSpPr>
+        <p:spPr>
+          <a:xfrm>
+            <a:off x="32650894" y="8716475"/>
+            <a:ext cx="1744197" cy="0"/>
+          </a:xfrm>
+          <a:prstGeom prst="straightConnector1">
+            <a:avLst/>
+          </a:prstGeom>
+          <a:ln w="127000">
+            <a:tailEnd type="triangle" w="lg" len="lg"/>
+          </a:ln>
+        </p:spPr>
+        <p:style>
+          <a:lnRef idx="1">
+            <a:schemeClr val="accent1"/>
+          </a:lnRef>
+          <a:fillRef idx="0">
+            <a:schemeClr val="accent1"/>
+          </a:fillRef>
+          <a:effectRef idx="0">
+            <a:schemeClr val="accent1"/>
+          </a:effectRef>
+          <a:fontRef idx="minor">
+            <a:schemeClr val="tx1"/>
+          </a:fontRef>
+        </p:style>
+      </p:cxnSp>
+      <p:sp>
+        <p:nvSpPr>
+          <p:cNvPr id="36" name="文本框 35">
+            <a:extLst>
+              <a:ext uri="{FF2B5EF4-FFF2-40B4-BE49-F238E27FC236}">
+                <a16:creationId xmlns:a16="http://schemas.microsoft.com/office/drawing/2014/main" id="{56B75B1B-80D2-4392-9CC4-42C0597D75BF}"/>
+              </a:ext>
+            </a:extLst>
+          </p:cNvPr>
+          <p:cNvSpPr txBox="1"/>
+          <p:nvPr/>
+        </p:nvSpPr>
+        <p:spPr>
+          <a:xfrm>
+            <a:off x="6948217" y="14665241"/>
+            <a:ext cx="3247191" cy="769441"/>
+          </a:xfrm>
+          <a:prstGeom prst="rect">
+            <a:avLst/>
+          </a:prstGeom>
+          <a:noFill/>
+        </p:spPr>
+        <p:txBody>
+          <a:bodyPr wrap="square">
+            <a:spAutoFit/>
+          </a:bodyPr>
+          <a:lstStyle>
+            <a:defPPr>
+              <a:defRPr lang="zh-CN"/>
+            </a:defPPr>
+            <a:lvl1pPr algn="ctr">
+              <a:defRPr sz="1400" b="0" i="0">
+                <a:effectLst/>
+                <a:latin typeface="Times New Roman" panose="02020503050405090304" pitchFamily="18" charset="0"/>
+                <a:cs typeface="Times New Roman" panose="02020503050405090304" pitchFamily="18" charset="0"/>
+              </a:defRPr>
+            </a:lvl1pPr>
+          </a:lstStyle>
+          <a:p>
+            <a:r>
+              <a:rPr lang="en-US" altLang="zh-CN" sz="4400" dirty="0">
+                <a:ea typeface="宋体" panose="02010600030101010101" pitchFamily="2" charset="-122"/>
+              </a:rPr>
+              <a:t>+</a:t>
+            </a:r>
+            <a:r>
+              <a:rPr lang="zh-CN" altLang="en-US" sz="4400" dirty="0">
+                <a:ea typeface="宋体" panose="02010600030101010101" pitchFamily="2" charset="-122"/>
+              </a:rPr>
+              <a:t>年龄</a:t>
+            </a:r>
+          </a:p>
+        </p:txBody>
+      </p:sp>
+      <p:sp>
+        <p:nvSpPr>
+          <p:cNvPr id="37" name="文本框 36">
+            <a:extLst>
+              <a:ext uri="{FF2B5EF4-FFF2-40B4-BE49-F238E27FC236}">
+                <a16:creationId xmlns:a16="http://schemas.microsoft.com/office/drawing/2014/main" id="{9DD61A57-4E2D-440D-ABA9-9E73CE37A8D0}"/>
+              </a:ext>
+            </a:extLst>
+          </p:cNvPr>
+          <p:cNvSpPr txBox="1"/>
+          <p:nvPr/>
+        </p:nvSpPr>
+        <p:spPr>
+          <a:xfrm>
+            <a:off x="11020032" y="14665241"/>
+            <a:ext cx="4702094" cy="769441"/>
+          </a:xfrm>
+          <a:prstGeom prst="rect">
+            <a:avLst/>
+          </a:prstGeom>
+          <a:noFill/>
+        </p:spPr>
+        <p:txBody>
+          <a:bodyPr wrap="square">
+            <a:spAutoFit/>
+          </a:bodyPr>
+          <a:lstStyle>
+            <a:defPPr>
+              <a:defRPr lang="zh-CN"/>
+            </a:defPPr>
+            <a:lvl1pPr algn="ctr">
+              <a:defRPr sz="1400" b="0" i="0">
+                <a:effectLst/>
+                <a:latin typeface="Times New Roman" panose="02020503050405090304" pitchFamily="18" charset="0"/>
+                <a:cs typeface="Times New Roman" panose="02020503050405090304" pitchFamily="18" charset="0"/>
+              </a:defRPr>
+            </a:lvl1pPr>
+          </a:lstStyle>
+          <a:p>
+            <a:r>
+              <a:rPr lang="en-US" altLang="zh-CN" sz="4400" dirty="0">
+                <a:ea typeface="宋体" panose="02010600030101010101" pitchFamily="2" charset="-122"/>
+              </a:rPr>
+              <a:t>+</a:t>
+            </a:r>
+            <a:r>
+              <a:rPr lang="zh-CN" altLang="en-US" sz="4400" dirty="0">
+                <a:ea typeface="宋体" panose="02010600030101010101" pitchFamily="2" charset="-122"/>
+              </a:rPr>
+              <a:t>白头发</a:t>
+            </a:r>
+          </a:p>
+        </p:txBody>
+      </p:sp>
+      <p:sp>
+        <p:nvSpPr>
+          <p:cNvPr id="70" name="文本框 69">
+            <a:extLst>
+              <a:ext uri="{FF2B5EF4-FFF2-40B4-BE49-F238E27FC236}">
+                <a16:creationId xmlns:a16="http://schemas.microsoft.com/office/drawing/2014/main" id="{6C931ABA-5835-414B-B822-D70EF40D1193}"/>
+              </a:ext>
+            </a:extLst>
+          </p:cNvPr>
+          <p:cNvSpPr txBox="1"/>
+          <p:nvPr/>
+        </p:nvSpPr>
+        <p:spPr>
+          <a:xfrm>
+            <a:off x="15744301" y="14665241"/>
+            <a:ext cx="4851012" cy="769441"/>
+          </a:xfrm>
+          <a:prstGeom prst="rect">
+            <a:avLst/>
+          </a:prstGeom>
+          <a:noFill/>
+        </p:spPr>
+        <p:txBody>
+          <a:bodyPr wrap="square">
+            <a:spAutoFit/>
+          </a:bodyPr>
+          <a:lstStyle>
+            <a:defPPr>
+              <a:defRPr lang="zh-CN"/>
+            </a:defPPr>
+            <a:lvl1pPr algn="ctr">
+              <a:defRPr sz="1400" b="0" i="0">
+                <a:effectLst/>
+                <a:latin typeface="Times New Roman" panose="02020503050405090304" pitchFamily="18" charset="0"/>
+                <a:cs typeface="Times New Roman" panose="02020503050405090304" pitchFamily="18" charset="0"/>
+              </a:defRPr>
+            </a:lvl1pPr>
+          </a:lstStyle>
+          <a:p>
+            <a:r>
+              <a:rPr lang="en-US" altLang="zh-CN" sz="4400" dirty="0">
+                <a:ea typeface="宋体" panose="02010600030101010101" pitchFamily="2" charset="-122"/>
+              </a:rPr>
+              <a:t>+</a:t>
+            </a:r>
+            <a:r>
+              <a:rPr lang="zh-CN" altLang="en-US" sz="4400" dirty="0">
+                <a:ea typeface="宋体" panose="02010600030101010101" pitchFamily="2" charset="-122"/>
+              </a:rPr>
+              <a:t>眼镜</a:t>
+            </a:r>
+          </a:p>
+        </p:txBody>
+      </p:sp>
+      <p:sp>
+        <p:nvSpPr>
+          <p:cNvPr id="71" name="文本框 70">
+            <a:extLst>
+              <a:ext uri="{FF2B5EF4-FFF2-40B4-BE49-F238E27FC236}">
+                <a16:creationId xmlns:a16="http://schemas.microsoft.com/office/drawing/2014/main" id="{F72601F7-EEBB-4441-B21D-0D7623741A5B}"/>
+              </a:ext>
+            </a:extLst>
+          </p:cNvPr>
+          <p:cNvSpPr txBox="1"/>
+          <p:nvPr/>
+        </p:nvSpPr>
+        <p:spPr>
+          <a:xfrm>
+            <a:off x="21085150" y="14665241"/>
+            <a:ext cx="3123459" cy="769441"/>
+          </a:xfrm>
+          <a:prstGeom prst="rect">
+            <a:avLst/>
+          </a:prstGeom>
+          <a:noFill/>
+        </p:spPr>
+        <p:txBody>
+          <a:bodyPr wrap="square">
+            <a:spAutoFit/>
+          </a:bodyPr>
+          <a:lstStyle>
+            <a:defPPr>
+              <a:defRPr lang="zh-CN"/>
+            </a:defPPr>
+            <a:lvl1pPr algn="ctr">
+              <a:defRPr sz="1400" b="0" i="0">
+                <a:effectLst/>
+                <a:latin typeface="Times New Roman" panose="02020503050405090304" pitchFamily="18" charset="0"/>
+                <a:cs typeface="Times New Roman" panose="02020503050405090304" pitchFamily="18" charset="0"/>
+              </a:defRPr>
+            </a:lvl1pPr>
+          </a:lstStyle>
+          <a:p>
+            <a:r>
+              <a:rPr lang="en-US" altLang="zh-CN" sz="4400" dirty="0">
+                <a:ea typeface="宋体" panose="02010600030101010101" pitchFamily="2" charset="-122"/>
+              </a:rPr>
+              <a:t>+</a:t>
+            </a:r>
+            <a:r>
+              <a:rPr lang="zh-CN" altLang="en-US" sz="4400" dirty="0">
+                <a:ea typeface="宋体" panose="02010600030101010101" pitchFamily="2" charset="-122"/>
+              </a:rPr>
+              <a:t>化妆</a:t>
+            </a:r>
+          </a:p>
+        </p:txBody>
+      </p:sp>
+      <p:sp>
+        <p:nvSpPr>
+          <p:cNvPr id="72" name="文本框 71">
+            <a:extLst>
+              <a:ext uri="{FF2B5EF4-FFF2-40B4-BE49-F238E27FC236}">
+                <a16:creationId xmlns:a16="http://schemas.microsoft.com/office/drawing/2014/main" id="{3F809215-6599-48FD-854C-1C201B64677E}"/>
+              </a:ext>
+            </a:extLst>
+          </p:cNvPr>
+          <p:cNvSpPr txBox="1"/>
+          <p:nvPr/>
+        </p:nvSpPr>
+        <p:spPr>
+          <a:xfrm>
+            <a:off x="24870099" y="14665241"/>
+            <a:ext cx="5202447" cy="769441"/>
+          </a:xfrm>
+          <a:prstGeom prst="rect">
+            <a:avLst/>
+          </a:prstGeom>
+          <a:noFill/>
+        </p:spPr>
+        <p:txBody>
+          <a:bodyPr wrap="square">
+            <a:spAutoFit/>
+          </a:bodyPr>
+          <a:lstStyle>
+            <a:defPPr>
+              <a:defRPr lang="zh-CN"/>
+            </a:defPPr>
+            <a:lvl1pPr algn="ctr">
+              <a:defRPr sz="1400" b="0" i="0">
+                <a:effectLst/>
+                <a:latin typeface="Times New Roman" panose="02020503050405090304" pitchFamily="18" charset="0"/>
+                <a:cs typeface="Times New Roman" panose="02020503050405090304" pitchFamily="18" charset="0"/>
+              </a:defRPr>
+            </a:lvl1pPr>
+          </a:lstStyle>
+          <a:p>
+            <a:r>
+              <a:rPr lang="en-US" altLang="zh-CN" sz="4400" dirty="0">
+                <a:ea typeface="宋体" panose="02010600030101010101" pitchFamily="2" charset="-122"/>
+              </a:rPr>
+              <a:t>+</a:t>
+            </a:r>
+            <a:r>
+              <a:rPr lang="zh-CN" altLang="en-US" sz="4400" dirty="0">
+                <a:ea typeface="宋体" panose="02010600030101010101" pitchFamily="2" charset="-122"/>
+              </a:rPr>
+              <a:t>瘦</a:t>
+            </a:r>
+          </a:p>
+        </p:txBody>
+      </p:sp>
+      <p:sp>
+        <p:nvSpPr>
+          <p:cNvPr id="73" name="文本框 72">
+            <a:extLst>
+              <a:ext uri="{FF2B5EF4-FFF2-40B4-BE49-F238E27FC236}">
+                <a16:creationId xmlns:a16="http://schemas.microsoft.com/office/drawing/2014/main" id="{B83785F9-961C-41BD-92EB-871437829823}"/>
+              </a:ext>
+            </a:extLst>
+          </p:cNvPr>
+          <p:cNvSpPr txBox="1"/>
+          <p:nvPr/>
+        </p:nvSpPr>
+        <p:spPr>
+          <a:xfrm>
+            <a:off x="30167370" y="14665241"/>
+            <a:ext cx="3915450" cy="769441"/>
+          </a:xfrm>
+          <a:prstGeom prst="rect">
+            <a:avLst/>
+          </a:prstGeom>
+          <a:noFill/>
+        </p:spPr>
+        <p:txBody>
+          <a:bodyPr wrap="square">
+            <a:spAutoFit/>
+          </a:bodyPr>
+          <a:lstStyle>
+            <a:defPPr>
+              <a:defRPr lang="zh-CN"/>
+            </a:defPPr>
+            <a:lvl1pPr algn="ctr">
+              <a:defRPr sz="1400" b="0" i="0">
+                <a:effectLst/>
+                <a:latin typeface="Times New Roman" panose="02020503050405090304" pitchFamily="18" charset="0"/>
+                <a:cs typeface="Times New Roman" panose="02020503050405090304" pitchFamily="18" charset="0"/>
+              </a:defRPr>
+            </a:lvl1pPr>
+          </a:lstStyle>
+          <a:p>
+            <a:r>
+              <a:rPr lang="en-US" altLang="zh-CN" sz="4400" dirty="0">
+                <a:ea typeface="宋体" panose="02010600030101010101" pitchFamily="2" charset="-122"/>
+              </a:rPr>
+              <a:t>+</a:t>
+            </a:r>
+            <a:r>
+              <a:rPr lang="zh-CN" altLang="en-US" sz="4400" dirty="0">
+                <a:ea typeface="宋体" panose="02010600030101010101" pitchFamily="2" charset="-122"/>
+              </a:rPr>
+              <a:t>笑容</a:t>
+            </a:r>
+            <a:endParaRPr lang="en-US" altLang="zh-CN" sz="4400" dirty="0">
+              <a:ea typeface="宋体" panose="02010600030101010101" pitchFamily="2" charset="-122"/>
+            </a:endParaRPr>
+          </a:p>
+        </p:txBody>
+      </p:sp>
+      <p:sp>
+        <p:nvSpPr>
+          <p:cNvPr id="74" name="文本框 73">
+            <a:extLst>
+              <a:ext uri="{FF2B5EF4-FFF2-40B4-BE49-F238E27FC236}">
+                <a16:creationId xmlns:a16="http://schemas.microsoft.com/office/drawing/2014/main" id="{5A175A81-3083-4719-80FF-15CAEDFEC405}"/>
+              </a:ext>
+            </a:extLst>
+          </p:cNvPr>
+          <p:cNvSpPr txBox="1"/>
+          <p:nvPr/>
+        </p:nvSpPr>
+        <p:spPr>
+          <a:xfrm>
+            <a:off x="2300100" y="14665241"/>
+            <a:ext cx="3247191" cy="769441"/>
+          </a:xfrm>
+          <a:prstGeom prst="rect">
+            <a:avLst/>
+          </a:prstGeom>
+          <a:noFill/>
+        </p:spPr>
+        <p:txBody>
+          <a:bodyPr wrap="square">
+            <a:spAutoFit/>
+          </a:bodyPr>
+          <a:lstStyle>
+            <a:defPPr>
+              <a:defRPr lang="zh-CN"/>
+            </a:defPPr>
+            <a:lvl1pPr algn="ctr">
+              <a:defRPr sz="1400" b="0" i="0">
+                <a:effectLst/>
+                <a:latin typeface="Times New Roman" panose="02020503050405090304" pitchFamily="18" charset="0"/>
+                <a:cs typeface="Times New Roman" panose="02020503050405090304" pitchFamily="18" charset="0"/>
+              </a:defRPr>
+            </a:lvl1pPr>
+          </a:lstStyle>
+          <a:p>
+            <a:r>
+              <a:rPr lang="zh-CN" altLang="en-US" sz="4400" dirty="0">
+                <a:ea typeface="宋体" panose="02010600030101010101" pitchFamily="2" charset="-122"/>
+              </a:rPr>
+              <a:t>原图</a:t>
+            </a:r>
+          </a:p>
+        </p:txBody>
+      </p:sp>
+      <p:sp>
+        <p:nvSpPr>
+          <p:cNvPr id="75" name="等腰三角形 74">
+            <a:extLst>
+              <a:ext uri="{FF2B5EF4-FFF2-40B4-BE49-F238E27FC236}">
+                <a16:creationId xmlns:a16="http://schemas.microsoft.com/office/drawing/2014/main" id="{C3DE01D8-5C45-4A03-B742-ECE1E0AE3CDC}"/>
+              </a:ext>
+            </a:extLst>
+          </p:cNvPr>
+          <p:cNvSpPr/>
+          <p:nvPr/>
+        </p:nvSpPr>
+        <p:spPr>
+          <a:xfrm rot="16200000">
+            <a:off x="17937242" y="-1107710"/>
+            <a:ext cx="384412" cy="31306975"/>
+          </a:xfrm>
+          <a:prstGeom prst="triangle">
+            <a:avLst/>
+          </a:prstGeom>
+          <a:ln>
+            <a:noFill/>
+          </a:ln>
+        </p:spPr>
+        <p:style>
+          <a:lnRef idx="2">
+            <a:schemeClr val="accent1">
+              <a:shade val="50000"/>
+            </a:schemeClr>
+          </a:lnRef>
+          <a:fillRef idx="1">
+            <a:schemeClr val="accent1"/>
+          </a:fillRef>
+          <a:effectRef idx="0">
+            <a:schemeClr val="accent1"/>
+          </a:effectRef>
+          <a:fontRef idx="minor">
+            <a:schemeClr val="lt1"/>
+          </a:fontRef>
+        </p:style>
+        <p:txBody>
+          <a:bodyPr rtlCol="0" anchor="ctr"/>
+          <a:lstStyle/>
+          <a:p>
+            <a:pPr algn="ctr"/>
+            <a:endParaRPr lang="zh-CN" altLang="en-US" sz="8000">
+              <a:ea typeface="宋体" panose="02010600030101010101" pitchFamily="2" charset="-122"/>
+            </a:endParaRPr>
+          </a:p>
+        </p:txBody>
+      </p:sp>
+      <p:cxnSp>
+        <p:nvCxnSpPr>
+          <p:cNvPr id="76" name="直接箭头连接符 75">
+            <a:extLst>
+              <a:ext uri="{FF2B5EF4-FFF2-40B4-BE49-F238E27FC236}">
+                <a16:creationId xmlns:a16="http://schemas.microsoft.com/office/drawing/2014/main" id="{9383BA44-971C-4749-B514-2AFE34F028D6}"/>
+              </a:ext>
+            </a:extLst>
+          </p:cNvPr>
+          <p:cNvCxnSpPr>
+            <a:cxnSpLocks/>
+          </p:cNvCxnSpPr>
+          <p:nvPr/>
+        </p:nvCxnSpPr>
+        <p:spPr>
+          <a:xfrm>
+            <a:off x="32638195" y="14544154"/>
+            <a:ext cx="1744197" cy="0"/>
+          </a:xfrm>
+          <a:prstGeom prst="straightConnector1">
+            <a:avLst/>
+          </a:prstGeom>
+          <a:ln w="127000">
+            <a:tailEnd type="triangle" w="lg" len="lg"/>
+          </a:ln>
+        </p:spPr>
+        <p:style>
+          <a:lnRef idx="1">
+            <a:schemeClr val="accent1"/>
+          </a:lnRef>
+          <a:fillRef idx="0">
+            <a:schemeClr val="accent1"/>
+          </a:fillRef>
+          <a:effectRef idx="0">
+            <a:schemeClr val="accent1"/>
+          </a:effectRef>
+          <a:fontRef idx="minor">
+            <a:schemeClr val="tx1"/>
+          </a:fontRef>
+        </p:style>
+      </p:cxnSp>
+    </p:spTree>
+    <p:extLst>
+      <p:ext uri="{BB962C8B-B14F-4D97-AF65-F5344CB8AC3E}">
+        <p14:creationId xmlns:p14="http://schemas.microsoft.com/office/powerpoint/2010/main" val="620280272"/>
+      </p:ext>
+    </p:extLst>
+  </p:cSld>
+  <p:clrMapOvr>
+    <a:masterClrMapping/>
+  </p:clrMapOvr>
+</p:sld>
+</file>
+
 <file path=ppt/theme/theme1.xml><?xml version="1.0" encoding="utf-8"?>
 <a:theme xmlns:a="http://schemas.openxmlformats.org/drawingml/2006/main" name="Office 主题​​">
   <a:themeElements>

--- a/figures/ACGAN/画图.pptx
+++ b/figures/ACGAN/画图.pptx
@@ -10,6 +10,8 @@
     <p:sldId id="310" r:id="rId4"/>
     <p:sldId id="311" r:id="rId5"/>
     <p:sldId id="312" r:id="rId6"/>
+    <p:sldId id="313" r:id="rId7"/>
+    <p:sldId id="314" r:id="rId8"/>
   </p:sldIdLst>
   <p:sldSz cx="35661600" cy="20059650"/>
   <p:notesSz cx="6858000" cy="9144000"/>
@@ -247,7 +249,7 @@
           <a:p>
             <a:fld id="{2B0A0654-BC80-4DA9-BF84-0BEA5044695C}" type="datetimeFigureOut">
               <a:rPr lang="zh-CN" altLang="en-US" smtClean="0"/>
-              <a:t>2021/10/12</a:t>
+              <a:t>2021/10/15</a:t>
             </a:fld>
             <a:endParaRPr lang="zh-CN" altLang="en-US"/>
           </a:p>
@@ -417,7 +419,7 @@
           <a:p>
             <a:fld id="{2B0A0654-BC80-4DA9-BF84-0BEA5044695C}" type="datetimeFigureOut">
               <a:rPr lang="zh-CN" altLang="en-US" smtClean="0"/>
-              <a:t>2021/10/12</a:t>
+              <a:t>2021/10/15</a:t>
             </a:fld>
             <a:endParaRPr lang="zh-CN" altLang="en-US"/>
           </a:p>
@@ -597,7 +599,7 @@
           <a:p>
             <a:fld id="{2B0A0654-BC80-4DA9-BF84-0BEA5044695C}" type="datetimeFigureOut">
               <a:rPr lang="zh-CN" altLang="en-US" smtClean="0"/>
-              <a:t>2021/10/12</a:t>
+              <a:t>2021/10/15</a:t>
             </a:fld>
             <a:endParaRPr lang="zh-CN" altLang="en-US"/>
           </a:p>
@@ -767,7 +769,7 @@
           <a:p>
             <a:fld id="{2B0A0654-BC80-4DA9-BF84-0BEA5044695C}" type="datetimeFigureOut">
               <a:rPr lang="zh-CN" altLang="en-US" smtClean="0"/>
-              <a:t>2021/10/12</a:t>
+              <a:t>2021/10/15</a:t>
             </a:fld>
             <a:endParaRPr lang="zh-CN" altLang="en-US"/>
           </a:p>
@@ -1013,7 +1015,7 @@
           <a:p>
             <a:fld id="{2B0A0654-BC80-4DA9-BF84-0BEA5044695C}" type="datetimeFigureOut">
               <a:rPr lang="zh-CN" altLang="en-US" smtClean="0"/>
-              <a:t>2021/10/12</a:t>
+              <a:t>2021/10/15</a:t>
             </a:fld>
             <a:endParaRPr lang="zh-CN" altLang="en-US"/>
           </a:p>
@@ -1245,7 +1247,7 @@
           <a:p>
             <a:fld id="{2B0A0654-BC80-4DA9-BF84-0BEA5044695C}" type="datetimeFigureOut">
               <a:rPr lang="zh-CN" altLang="en-US" smtClean="0"/>
-              <a:t>2021/10/12</a:t>
+              <a:t>2021/10/15</a:t>
             </a:fld>
             <a:endParaRPr lang="zh-CN" altLang="en-US"/>
           </a:p>
@@ -1612,7 +1614,7 @@
           <a:p>
             <a:fld id="{2B0A0654-BC80-4DA9-BF84-0BEA5044695C}" type="datetimeFigureOut">
               <a:rPr lang="zh-CN" altLang="en-US" smtClean="0"/>
-              <a:t>2021/10/12</a:t>
+              <a:t>2021/10/15</a:t>
             </a:fld>
             <a:endParaRPr lang="zh-CN" altLang="en-US"/>
           </a:p>
@@ -1730,7 +1732,7 @@
           <a:p>
             <a:fld id="{2B0A0654-BC80-4DA9-BF84-0BEA5044695C}" type="datetimeFigureOut">
               <a:rPr lang="zh-CN" altLang="en-US" smtClean="0"/>
-              <a:t>2021/10/12</a:t>
+              <a:t>2021/10/15</a:t>
             </a:fld>
             <a:endParaRPr lang="zh-CN" altLang="en-US"/>
           </a:p>
@@ -1825,7 +1827,7 @@
           <a:p>
             <a:fld id="{2B0A0654-BC80-4DA9-BF84-0BEA5044695C}" type="datetimeFigureOut">
               <a:rPr lang="zh-CN" altLang="en-US" smtClean="0"/>
-              <a:t>2021/10/12</a:t>
+              <a:t>2021/10/15</a:t>
             </a:fld>
             <a:endParaRPr lang="zh-CN" altLang="en-US"/>
           </a:p>
@@ -2102,7 +2104,7 @@
           <a:p>
             <a:fld id="{2B0A0654-BC80-4DA9-BF84-0BEA5044695C}" type="datetimeFigureOut">
               <a:rPr lang="zh-CN" altLang="en-US" smtClean="0"/>
-              <a:t>2021/10/12</a:t>
+              <a:t>2021/10/15</a:t>
             </a:fld>
             <a:endParaRPr lang="zh-CN" altLang="en-US"/>
           </a:p>
@@ -2359,7 +2361,7 @@
           <a:p>
             <a:fld id="{2B0A0654-BC80-4DA9-BF84-0BEA5044695C}" type="datetimeFigureOut">
               <a:rPr lang="zh-CN" altLang="en-US" smtClean="0"/>
-              <a:t>2021/10/12</a:t>
+              <a:t>2021/10/15</a:t>
             </a:fld>
             <a:endParaRPr lang="zh-CN" altLang="en-US"/>
           </a:p>
@@ -2572,7 +2574,7 @@
           <a:p>
             <a:fld id="{2B0A0654-BC80-4DA9-BF84-0BEA5044695C}" type="datetimeFigureOut">
               <a:rPr lang="zh-CN" altLang="en-US" smtClean="0"/>
-              <a:t>2021/10/12</a:t>
+              <a:t>2021/10/15</a:t>
             </a:fld>
             <a:endParaRPr lang="zh-CN" altLang="en-US"/>
           </a:p>
@@ -9157,6 +9159,7076 @@
 </p:sld>
 </file>
 
+<file path=ppt/slides/slide6.xml><?xml version="1.0" encoding="utf-8"?>
+<p:sld xmlns:a="http://schemas.openxmlformats.org/drawingml/2006/main" xmlns:r="http://schemas.openxmlformats.org/officeDocument/2006/relationships" xmlns:p="http://schemas.openxmlformats.org/presentationml/2006/main">
+  <p:cSld>
+    <p:spTree>
+      <p:nvGrpSpPr>
+        <p:cNvPr id="1" name=""/>
+        <p:cNvGrpSpPr/>
+        <p:nvPr/>
+      </p:nvGrpSpPr>
+      <p:grpSpPr>
+        <a:xfrm>
+          <a:off x="0" y="0"/>
+          <a:ext cx="0" cy="0"/>
+          <a:chOff x="0" y="0"/>
+          <a:chExt cx="0" cy="0"/>
+        </a:xfrm>
+      </p:grpSpPr>
+      <p:pic>
+        <p:nvPicPr>
+          <p:cNvPr id="4" name="图片 3" descr="男人微笑的头像&#10;&#10;描述已自动生成">
+            <a:extLst>
+              <a:ext uri="{FF2B5EF4-FFF2-40B4-BE49-F238E27FC236}">
+                <a16:creationId xmlns:a16="http://schemas.microsoft.com/office/drawing/2014/main" id="{2062C8C1-426E-45F3-B682-945519F76611}"/>
+              </a:ext>
+            </a:extLst>
+          </p:cNvPr>
+          <p:cNvPicPr>
+            <a:picLocks noChangeAspect="1"/>
+          </p:cNvPicPr>
+          <p:nvPr/>
+        </p:nvPicPr>
+        <p:blipFill>
+          <a:blip r:embed="rId2">
+            <a:extLst>
+              <a:ext uri="{28A0092B-C50C-407E-A947-70E740481C1C}">
+                <a14:useLocalDpi xmlns:a14="http://schemas.microsoft.com/office/drawing/2010/main" val="0"/>
+              </a:ext>
+            </a:extLst>
+          </a:blip>
+          <a:stretch>
+            <a:fillRect/>
+          </a:stretch>
+        </p:blipFill>
+        <p:spPr>
+          <a:xfrm>
+            <a:off x="6425478" y="4534934"/>
+            <a:ext cx="2373449" cy="2373449"/>
+          </a:xfrm>
+          <a:prstGeom prst="rect">
+            <a:avLst/>
+          </a:prstGeom>
+        </p:spPr>
+      </p:pic>
+      <p:pic>
+        <p:nvPicPr>
+          <p:cNvPr id="5" name="图片 4" descr="人微笑的头像&#10;&#10;描述已自动生成">
+            <a:extLst>
+              <a:ext uri="{FF2B5EF4-FFF2-40B4-BE49-F238E27FC236}">
+                <a16:creationId xmlns:a16="http://schemas.microsoft.com/office/drawing/2014/main" id="{7A43DDA1-696C-4A75-841F-A9689941CE50}"/>
+              </a:ext>
+            </a:extLst>
+          </p:cNvPr>
+          <p:cNvPicPr>
+            <a:picLocks noChangeAspect="1"/>
+          </p:cNvPicPr>
+          <p:nvPr/>
+        </p:nvPicPr>
+        <p:blipFill>
+          <a:blip r:embed="rId3">
+            <a:extLst>
+              <a:ext uri="{28A0092B-C50C-407E-A947-70E740481C1C}">
+                <a14:useLocalDpi xmlns:a14="http://schemas.microsoft.com/office/drawing/2010/main" val="0"/>
+              </a:ext>
+            </a:extLst>
+          </a:blip>
+          <a:stretch>
+            <a:fillRect/>
+          </a:stretch>
+        </p:blipFill>
+        <p:spPr>
+          <a:xfrm>
+            <a:off x="9025797" y="4534934"/>
+            <a:ext cx="2373449" cy="2373449"/>
+          </a:xfrm>
+          <a:prstGeom prst="rect">
+            <a:avLst/>
+          </a:prstGeom>
+        </p:spPr>
+      </p:pic>
+      <p:pic>
+        <p:nvPicPr>
+          <p:cNvPr id="6" name="图片 5" descr="男人微笑的头像&#10;&#10;描述已自动生成">
+            <a:extLst>
+              <a:ext uri="{FF2B5EF4-FFF2-40B4-BE49-F238E27FC236}">
+                <a16:creationId xmlns:a16="http://schemas.microsoft.com/office/drawing/2014/main" id="{1BDC494E-ACA2-44D2-A5C5-794A87EDD78A}"/>
+              </a:ext>
+            </a:extLst>
+          </p:cNvPr>
+          <p:cNvPicPr>
+            <a:picLocks noChangeAspect="1"/>
+          </p:cNvPicPr>
+          <p:nvPr/>
+        </p:nvPicPr>
+        <p:blipFill>
+          <a:blip r:embed="rId4">
+            <a:extLst>
+              <a:ext uri="{28A0092B-C50C-407E-A947-70E740481C1C}">
+                <a14:useLocalDpi xmlns:a14="http://schemas.microsoft.com/office/drawing/2010/main" val="0"/>
+              </a:ext>
+            </a:extLst>
+          </a:blip>
+          <a:stretch>
+            <a:fillRect/>
+          </a:stretch>
+        </p:blipFill>
+        <p:spPr>
+          <a:xfrm>
+            <a:off x="14226435" y="4534934"/>
+            <a:ext cx="2373449" cy="2373449"/>
+          </a:xfrm>
+          <a:prstGeom prst="rect">
+            <a:avLst/>
+          </a:prstGeom>
+        </p:spPr>
+      </p:pic>
+      <p:pic>
+        <p:nvPicPr>
+          <p:cNvPr id="7" name="图片 6" descr="小孩在微笑&#10;&#10;描述已自动生成">
+            <a:extLst>
+              <a:ext uri="{FF2B5EF4-FFF2-40B4-BE49-F238E27FC236}">
+                <a16:creationId xmlns:a16="http://schemas.microsoft.com/office/drawing/2014/main" id="{34442745-D179-4B3B-B992-9038BF77FA33}"/>
+              </a:ext>
+            </a:extLst>
+          </p:cNvPr>
+          <p:cNvPicPr>
+            <a:picLocks noChangeAspect="1"/>
+          </p:cNvPicPr>
+          <p:nvPr/>
+        </p:nvPicPr>
+        <p:blipFill>
+          <a:blip r:embed="rId5">
+            <a:extLst>
+              <a:ext uri="{28A0092B-C50C-407E-A947-70E740481C1C}">
+                <a14:useLocalDpi xmlns:a14="http://schemas.microsoft.com/office/drawing/2010/main" val="0"/>
+              </a:ext>
+            </a:extLst>
+          </a:blip>
+          <a:stretch>
+            <a:fillRect/>
+          </a:stretch>
+        </p:blipFill>
+        <p:spPr>
+          <a:xfrm>
+            <a:off x="19427072" y="4534934"/>
+            <a:ext cx="2373449" cy="2373449"/>
+          </a:xfrm>
+          <a:prstGeom prst="rect">
+            <a:avLst/>
+          </a:prstGeom>
+        </p:spPr>
+      </p:pic>
+      <p:pic>
+        <p:nvPicPr>
+          <p:cNvPr id="8" name="图片 7" descr="人微笑的头像&#10;&#10;描述已自动生成">
+            <a:extLst>
+              <a:ext uri="{FF2B5EF4-FFF2-40B4-BE49-F238E27FC236}">
+                <a16:creationId xmlns:a16="http://schemas.microsoft.com/office/drawing/2014/main" id="{C13D81DB-F58F-484F-9AB2-332F3DFBF7EA}"/>
+              </a:ext>
+            </a:extLst>
+          </p:cNvPr>
+          <p:cNvPicPr>
+            <a:picLocks noChangeAspect="1"/>
+          </p:cNvPicPr>
+          <p:nvPr/>
+        </p:nvPicPr>
+        <p:blipFill>
+          <a:blip r:embed="rId6">
+            <a:extLst>
+              <a:ext uri="{28A0092B-C50C-407E-A947-70E740481C1C}">
+                <a14:useLocalDpi xmlns:a14="http://schemas.microsoft.com/office/drawing/2010/main" val="0"/>
+              </a:ext>
+            </a:extLst>
+          </a:blip>
+          <a:stretch>
+            <a:fillRect/>
+          </a:stretch>
+        </p:blipFill>
+        <p:spPr>
+          <a:xfrm>
+            <a:off x="22027388" y="4534934"/>
+            <a:ext cx="2373449" cy="2373449"/>
+          </a:xfrm>
+          <a:prstGeom prst="rect">
+            <a:avLst/>
+          </a:prstGeom>
+        </p:spPr>
+      </p:pic>
+      <p:pic>
+        <p:nvPicPr>
+          <p:cNvPr id="9" name="图片 8" descr="人微笑的头像&#10;&#10;描述已自动生成">
+            <a:extLst>
+              <a:ext uri="{FF2B5EF4-FFF2-40B4-BE49-F238E27FC236}">
+                <a16:creationId xmlns:a16="http://schemas.microsoft.com/office/drawing/2014/main" id="{1F752BD0-E5B8-4BF9-B2EE-667D755AACFE}"/>
+              </a:ext>
+            </a:extLst>
+          </p:cNvPr>
+          <p:cNvPicPr>
+            <a:picLocks noChangeAspect="1"/>
+          </p:cNvPicPr>
+          <p:nvPr/>
+        </p:nvPicPr>
+        <p:blipFill>
+          <a:blip r:embed="rId7">
+            <a:extLst>
+              <a:ext uri="{28A0092B-C50C-407E-A947-70E740481C1C}">
+                <a14:useLocalDpi xmlns:a14="http://schemas.microsoft.com/office/drawing/2010/main" val="0"/>
+              </a:ext>
+            </a:extLst>
+          </a:blip>
+          <a:stretch>
+            <a:fillRect/>
+          </a:stretch>
+        </p:blipFill>
+        <p:spPr>
+          <a:xfrm>
+            <a:off x="24627707" y="4534934"/>
+            <a:ext cx="2373449" cy="2373449"/>
+          </a:xfrm>
+          <a:prstGeom prst="rect">
+            <a:avLst/>
+          </a:prstGeom>
+        </p:spPr>
+      </p:pic>
+      <p:pic>
+        <p:nvPicPr>
+          <p:cNvPr id="10" name="图片 9" descr="微笑的人&#10;&#10;描述已自动生成">
+            <a:extLst>
+              <a:ext uri="{FF2B5EF4-FFF2-40B4-BE49-F238E27FC236}">
+                <a16:creationId xmlns:a16="http://schemas.microsoft.com/office/drawing/2014/main" id="{C2F40A2F-18D3-4741-B786-6894D4BBAA6B}"/>
+              </a:ext>
+            </a:extLst>
+          </p:cNvPr>
+          <p:cNvPicPr>
+            <a:picLocks noChangeAspect="1"/>
+          </p:cNvPicPr>
+          <p:nvPr/>
+        </p:nvPicPr>
+        <p:blipFill>
+          <a:blip r:embed="rId8">
+            <a:extLst>
+              <a:ext uri="{28A0092B-C50C-407E-A947-70E740481C1C}">
+                <a14:useLocalDpi xmlns:a14="http://schemas.microsoft.com/office/drawing/2010/main" val="0"/>
+              </a:ext>
+            </a:extLst>
+          </a:blip>
+          <a:stretch>
+            <a:fillRect/>
+          </a:stretch>
+        </p:blipFill>
+        <p:spPr>
+          <a:xfrm>
+            <a:off x="27228026" y="4534934"/>
+            <a:ext cx="2373449" cy="2373449"/>
+          </a:xfrm>
+          <a:prstGeom prst="rect">
+            <a:avLst/>
+          </a:prstGeom>
+        </p:spPr>
+      </p:pic>
+      <p:pic>
+        <p:nvPicPr>
+          <p:cNvPr id="11" name="图片 10" descr="人露出牙齿微笑&#10;&#10;描述已自动生成">
+            <a:extLst>
+              <a:ext uri="{FF2B5EF4-FFF2-40B4-BE49-F238E27FC236}">
+                <a16:creationId xmlns:a16="http://schemas.microsoft.com/office/drawing/2014/main" id="{A4E866DF-DC30-4ACD-9A66-FA7495C4CF70}"/>
+              </a:ext>
+            </a:extLst>
+          </p:cNvPr>
+          <p:cNvPicPr>
+            <a:picLocks noChangeAspect="1"/>
+          </p:cNvPicPr>
+          <p:nvPr/>
+        </p:nvPicPr>
+        <p:blipFill>
+          <a:blip r:embed="rId9">
+            <a:extLst>
+              <a:ext uri="{28A0092B-C50C-407E-A947-70E740481C1C}">
+                <a14:useLocalDpi xmlns:a14="http://schemas.microsoft.com/office/drawing/2010/main" val="0"/>
+              </a:ext>
+            </a:extLst>
+          </a:blip>
+          <a:stretch>
+            <a:fillRect/>
+          </a:stretch>
+        </p:blipFill>
+        <p:spPr>
+          <a:xfrm>
+            <a:off x="29828355" y="4534934"/>
+            <a:ext cx="2373449" cy="2373449"/>
+          </a:xfrm>
+          <a:prstGeom prst="rect">
+            <a:avLst/>
+          </a:prstGeom>
+        </p:spPr>
+      </p:pic>
+      <p:pic>
+        <p:nvPicPr>
+          <p:cNvPr id="12" name="图片 11" descr="人微笑的头像&#10;&#10;描述已自动生成">
+            <a:extLst>
+              <a:ext uri="{FF2B5EF4-FFF2-40B4-BE49-F238E27FC236}">
+                <a16:creationId xmlns:a16="http://schemas.microsoft.com/office/drawing/2014/main" id="{5C39A908-E7F4-4979-AC8C-C5A8F7095498}"/>
+              </a:ext>
+            </a:extLst>
+          </p:cNvPr>
+          <p:cNvPicPr>
+            <a:picLocks noChangeAspect="1"/>
+          </p:cNvPicPr>
+          <p:nvPr/>
+        </p:nvPicPr>
+        <p:blipFill>
+          <a:blip r:embed="rId10">
+            <a:extLst>
+              <a:ext uri="{28A0092B-C50C-407E-A947-70E740481C1C}">
+                <a14:useLocalDpi xmlns:a14="http://schemas.microsoft.com/office/drawing/2010/main" val="0"/>
+              </a:ext>
+            </a:extLst>
+          </a:blip>
+          <a:stretch>
+            <a:fillRect/>
+          </a:stretch>
+        </p:blipFill>
+        <p:spPr>
+          <a:xfrm>
+            <a:off x="9025797" y="7522575"/>
+            <a:ext cx="2373449" cy="2373449"/>
+          </a:xfrm>
+          <a:prstGeom prst="rect">
+            <a:avLst/>
+          </a:prstGeom>
+        </p:spPr>
+      </p:pic>
+      <p:pic>
+        <p:nvPicPr>
+          <p:cNvPr id="13" name="图片 12" descr="男人微笑的头像&#10;&#10;描述已自动生成">
+            <a:extLst>
+              <a:ext uri="{FF2B5EF4-FFF2-40B4-BE49-F238E27FC236}">
+                <a16:creationId xmlns:a16="http://schemas.microsoft.com/office/drawing/2014/main" id="{A715A1B9-54FC-4519-AC80-9560574F6846}"/>
+              </a:ext>
+            </a:extLst>
+          </p:cNvPr>
+          <p:cNvPicPr>
+            <a:picLocks noChangeAspect="1"/>
+          </p:cNvPicPr>
+          <p:nvPr/>
+        </p:nvPicPr>
+        <p:blipFill>
+          <a:blip r:embed="rId11">
+            <a:extLst>
+              <a:ext uri="{28A0092B-C50C-407E-A947-70E740481C1C}">
+                <a14:useLocalDpi xmlns:a14="http://schemas.microsoft.com/office/drawing/2010/main" val="0"/>
+              </a:ext>
+            </a:extLst>
+          </a:blip>
+          <a:stretch>
+            <a:fillRect/>
+          </a:stretch>
+        </p:blipFill>
+        <p:spPr>
+          <a:xfrm>
+            <a:off x="11626115" y="7522575"/>
+            <a:ext cx="2373449" cy="2373449"/>
+          </a:xfrm>
+          <a:prstGeom prst="rect">
+            <a:avLst/>
+          </a:prstGeom>
+        </p:spPr>
+      </p:pic>
+      <p:pic>
+        <p:nvPicPr>
+          <p:cNvPr id="14" name="图片 13" descr="人微笑的头像&#10;&#10;描述已自动生成">
+            <a:extLst>
+              <a:ext uri="{FF2B5EF4-FFF2-40B4-BE49-F238E27FC236}">
+                <a16:creationId xmlns:a16="http://schemas.microsoft.com/office/drawing/2014/main" id="{AD29FC05-F9FF-4DDA-8991-274E838D11C6}"/>
+              </a:ext>
+            </a:extLst>
+          </p:cNvPr>
+          <p:cNvPicPr>
+            <a:picLocks noChangeAspect="1"/>
+          </p:cNvPicPr>
+          <p:nvPr/>
+        </p:nvPicPr>
+        <p:blipFill>
+          <a:blip r:embed="rId12">
+            <a:extLst>
+              <a:ext uri="{28A0092B-C50C-407E-A947-70E740481C1C}">
+                <a14:useLocalDpi xmlns:a14="http://schemas.microsoft.com/office/drawing/2010/main" val="0"/>
+              </a:ext>
+            </a:extLst>
+          </a:blip>
+          <a:stretch>
+            <a:fillRect/>
+          </a:stretch>
+        </p:blipFill>
+        <p:spPr>
+          <a:xfrm>
+            <a:off x="2845834" y="8454901"/>
+            <a:ext cx="2844071" cy="2844071"/>
+          </a:xfrm>
+          <a:prstGeom prst="rect">
+            <a:avLst/>
+          </a:prstGeom>
+        </p:spPr>
+      </p:pic>
+      <p:pic>
+        <p:nvPicPr>
+          <p:cNvPr id="15" name="图片 14" descr="男人微笑的头像&#10;&#10;描述已自动生成">
+            <a:extLst>
+              <a:ext uri="{FF2B5EF4-FFF2-40B4-BE49-F238E27FC236}">
+                <a16:creationId xmlns:a16="http://schemas.microsoft.com/office/drawing/2014/main" id="{2A648657-AA6F-4D69-88AA-736C8C098038}"/>
+              </a:ext>
+            </a:extLst>
+          </p:cNvPr>
+          <p:cNvPicPr>
+            <a:picLocks noChangeAspect="1"/>
+          </p:cNvPicPr>
+          <p:nvPr/>
+        </p:nvPicPr>
+        <p:blipFill>
+          <a:blip r:embed="rId13">
+            <a:extLst>
+              <a:ext uri="{28A0092B-C50C-407E-A947-70E740481C1C}">
+                <a14:useLocalDpi xmlns:a14="http://schemas.microsoft.com/office/drawing/2010/main" val="0"/>
+              </a:ext>
+            </a:extLst>
+          </a:blip>
+          <a:stretch>
+            <a:fillRect/>
+          </a:stretch>
+        </p:blipFill>
+        <p:spPr>
+          <a:xfrm>
+            <a:off x="14226435" y="7522575"/>
+            <a:ext cx="2373449" cy="2373449"/>
+          </a:xfrm>
+          <a:prstGeom prst="rect">
+            <a:avLst/>
+          </a:prstGeom>
+        </p:spPr>
+      </p:pic>
+      <p:pic>
+        <p:nvPicPr>
+          <p:cNvPr id="16" name="图片 15" descr="男人露出牙齿微笑&#10;&#10;描述已自动生成">
+            <a:extLst>
+              <a:ext uri="{FF2B5EF4-FFF2-40B4-BE49-F238E27FC236}">
+                <a16:creationId xmlns:a16="http://schemas.microsoft.com/office/drawing/2014/main" id="{3AB9FD28-8D5A-4D93-863D-63C8056B5667}"/>
+              </a:ext>
+            </a:extLst>
+          </p:cNvPr>
+          <p:cNvPicPr>
+            <a:picLocks noChangeAspect="1"/>
+          </p:cNvPicPr>
+          <p:nvPr/>
+        </p:nvPicPr>
+        <p:blipFill>
+          <a:blip r:embed="rId14">
+            <a:extLst>
+              <a:ext uri="{28A0092B-C50C-407E-A947-70E740481C1C}">
+                <a14:useLocalDpi xmlns:a14="http://schemas.microsoft.com/office/drawing/2010/main" val="0"/>
+              </a:ext>
+            </a:extLst>
+          </a:blip>
+          <a:stretch>
+            <a:fillRect/>
+          </a:stretch>
+        </p:blipFill>
+        <p:spPr>
+          <a:xfrm>
+            <a:off x="16826753" y="7522575"/>
+            <a:ext cx="2373449" cy="2373449"/>
+          </a:xfrm>
+          <a:prstGeom prst="rect">
+            <a:avLst/>
+          </a:prstGeom>
+        </p:spPr>
+      </p:pic>
+      <p:pic>
+        <p:nvPicPr>
+          <p:cNvPr id="17" name="图片 16" descr="男人戴着眼镜&#10;&#10;描述已自动生成">
+            <a:extLst>
+              <a:ext uri="{FF2B5EF4-FFF2-40B4-BE49-F238E27FC236}">
+                <a16:creationId xmlns:a16="http://schemas.microsoft.com/office/drawing/2014/main" id="{8133BD82-0E72-4E12-A815-10431AE954BD}"/>
+              </a:ext>
+            </a:extLst>
+          </p:cNvPr>
+          <p:cNvPicPr>
+            <a:picLocks noChangeAspect="1"/>
+          </p:cNvPicPr>
+          <p:nvPr/>
+        </p:nvPicPr>
+        <p:blipFill>
+          <a:blip r:embed="rId15">
+            <a:extLst>
+              <a:ext uri="{28A0092B-C50C-407E-A947-70E740481C1C}">
+                <a14:useLocalDpi xmlns:a14="http://schemas.microsoft.com/office/drawing/2010/main" val="0"/>
+              </a:ext>
+            </a:extLst>
+          </a:blip>
+          <a:stretch>
+            <a:fillRect/>
+          </a:stretch>
+        </p:blipFill>
+        <p:spPr>
+          <a:xfrm>
+            <a:off x="19427072" y="7522575"/>
+            <a:ext cx="2373449" cy="2373449"/>
+          </a:xfrm>
+          <a:prstGeom prst="rect">
+            <a:avLst/>
+          </a:prstGeom>
+        </p:spPr>
+      </p:pic>
+      <p:pic>
+        <p:nvPicPr>
+          <p:cNvPr id="18" name="图片 17" descr="人露出牙齿微笑&#10;&#10;描述已自动生成">
+            <a:extLst>
+              <a:ext uri="{FF2B5EF4-FFF2-40B4-BE49-F238E27FC236}">
+                <a16:creationId xmlns:a16="http://schemas.microsoft.com/office/drawing/2014/main" id="{EA38750A-14DC-40BF-ABC2-1E181D7DB00D}"/>
+              </a:ext>
+            </a:extLst>
+          </p:cNvPr>
+          <p:cNvPicPr>
+            <a:picLocks noChangeAspect="1"/>
+          </p:cNvPicPr>
+          <p:nvPr/>
+        </p:nvPicPr>
+        <p:blipFill>
+          <a:blip r:embed="rId16">
+            <a:extLst>
+              <a:ext uri="{28A0092B-C50C-407E-A947-70E740481C1C}">
+                <a14:useLocalDpi xmlns:a14="http://schemas.microsoft.com/office/drawing/2010/main" val="0"/>
+              </a:ext>
+            </a:extLst>
+          </a:blip>
+          <a:stretch>
+            <a:fillRect/>
+          </a:stretch>
+        </p:blipFill>
+        <p:spPr>
+          <a:xfrm>
+            <a:off x="22027388" y="7522575"/>
+            <a:ext cx="2373449" cy="2373449"/>
+          </a:xfrm>
+          <a:prstGeom prst="rect">
+            <a:avLst/>
+          </a:prstGeom>
+        </p:spPr>
+      </p:pic>
+      <p:pic>
+        <p:nvPicPr>
+          <p:cNvPr id="19" name="图片 18" descr="男人露出牙齿微笑&#10;&#10;描述已自动生成">
+            <a:extLst>
+              <a:ext uri="{FF2B5EF4-FFF2-40B4-BE49-F238E27FC236}">
+                <a16:creationId xmlns:a16="http://schemas.microsoft.com/office/drawing/2014/main" id="{AA56838D-8E25-434B-8523-16C4EBD2C470}"/>
+              </a:ext>
+            </a:extLst>
+          </p:cNvPr>
+          <p:cNvPicPr>
+            <a:picLocks noChangeAspect="1"/>
+          </p:cNvPicPr>
+          <p:nvPr/>
+        </p:nvPicPr>
+        <p:blipFill>
+          <a:blip r:embed="rId17">
+            <a:extLst>
+              <a:ext uri="{28A0092B-C50C-407E-A947-70E740481C1C}">
+                <a14:useLocalDpi xmlns:a14="http://schemas.microsoft.com/office/drawing/2010/main" val="0"/>
+              </a:ext>
+            </a:extLst>
+          </a:blip>
+          <a:stretch>
+            <a:fillRect/>
+          </a:stretch>
+        </p:blipFill>
+        <p:spPr>
+          <a:xfrm>
+            <a:off x="24627707" y="7522575"/>
+            <a:ext cx="2373449" cy="2373449"/>
+          </a:xfrm>
+          <a:prstGeom prst="rect">
+            <a:avLst/>
+          </a:prstGeom>
+        </p:spPr>
+      </p:pic>
+      <p:pic>
+        <p:nvPicPr>
+          <p:cNvPr id="20" name="图片 19" descr="人微笑的头像&#10;&#10;描述已自动生成">
+            <a:extLst>
+              <a:ext uri="{FF2B5EF4-FFF2-40B4-BE49-F238E27FC236}">
+                <a16:creationId xmlns:a16="http://schemas.microsoft.com/office/drawing/2014/main" id="{E7B77A41-1CDC-4604-B3AB-049D84364426}"/>
+              </a:ext>
+            </a:extLst>
+          </p:cNvPr>
+          <p:cNvPicPr>
+            <a:picLocks noChangeAspect="1"/>
+          </p:cNvPicPr>
+          <p:nvPr/>
+        </p:nvPicPr>
+        <p:blipFill>
+          <a:blip r:embed="rId18">
+            <a:extLst>
+              <a:ext uri="{28A0092B-C50C-407E-A947-70E740481C1C}">
+                <a14:useLocalDpi xmlns:a14="http://schemas.microsoft.com/office/drawing/2010/main" val="0"/>
+              </a:ext>
+            </a:extLst>
+          </a:blip>
+          <a:stretch>
+            <a:fillRect/>
+          </a:stretch>
+        </p:blipFill>
+        <p:spPr>
+          <a:xfrm>
+            <a:off x="27228026" y="7522575"/>
+            <a:ext cx="2373449" cy="2373449"/>
+          </a:xfrm>
+          <a:prstGeom prst="rect">
+            <a:avLst/>
+          </a:prstGeom>
+        </p:spPr>
+      </p:pic>
+      <p:pic>
+        <p:nvPicPr>
+          <p:cNvPr id="21" name="图片 20" descr="人微笑的头像&#10;&#10;描述已自动生成">
+            <a:extLst>
+              <a:ext uri="{FF2B5EF4-FFF2-40B4-BE49-F238E27FC236}">
+                <a16:creationId xmlns:a16="http://schemas.microsoft.com/office/drawing/2014/main" id="{2E16426E-F325-4F46-8536-AEF9638E8441}"/>
+              </a:ext>
+            </a:extLst>
+          </p:cNvPr>
+          <p:cNvPicPr>
+            <a:picLocks noChangeAspect="1"/>
+          </p:cNvPicPr>
+          <p:nvPr/>
+        </p:nvPicPr>
+        <p:blipFill>
+          <a:blip r:embed="rId19">
+            <a:extLst>
+              <a:ext uri="{28A0092B-C50C-407E-A947-70E740481C1C}">
+                <a14:useLocalDpi xmlns:a14="http://schemas.microsoft.com/office/drawing/2010/main" val="0"/>
+              </a:ext>
+            </a:extLst>
+          </a:blip>
+          <a:stretch>
+            <a:fillRect/>
+          </a:stretch>
+        </p:blipFill>
+        <p:spPr>
+          <a:xfrm>
+            <a:off x="29828355" y="7522575"/>
+            <a:ext cx="2373449" cy="2373449"/>
+          </a:xfrm>
+          <a:prstGeom prst="rect">
+            <a:avLst/>
+          </a:prstGeom>
+        </p:spPr>
+      </p:pic>
+      <p:pic>
+        <p:nvPicPr>
+          <p:cNvPr id="22" name="图片 21" descr="男人微笑的头像&#10;&#10;描述已自动生成">
+            <a:extLst>
+              <a:ext uri="{FF2B5EF4-FFF2-40B4-BE49-F238E27FC236}">
+                <a16:creationId xmlns:a16="http://schemas.microsoft.com/office/drawing/2014/main" id="{0A058A58-B10F-49DA-9D86-BA41A2DD3E96}"/>
+              </a:ext>
+            </a:extLst>
+          </p:cNvPr>
+          <p:cNvPicPr>
+            <a:picLocks noChangeAspect="1"/>
+          </p:cNvPicPr>
+          <p:nvPr/>
+        </p:nvPicPr>
+        <p:blipFill>
+          <a:blip r:embed="rId20">
+            <a:extLst>
+              <a:ext uri="{28A0092B-C50C-407E-A947-70E740481C1C}">
+                <a14:useLocalDpi xmlns:a14="http://schemas.microsoft.com/office/drawing/2010/main" val="0"/>
+              </a:ext>
+            </a:extLst>
+          </a:blip>
+          <a:stretch>
+            <a:fillRect/>
+          </a:stretch>
+        </p:blipFill>
+        <p:spPr>
+          <a:xfrm>
+            <a:off x="6425478" y="10471643"/>
+            <a:ext cx="2373449" cy="2373449"/>
+          </a:xfrm>
+          <a:prstGeom prst="rect">
+            <a:avLst/>
+          </a:prstGeom>
+        </p:spPr>
+      </p:pic>
+      <p:pic>
+        <p:nvPicPr>
+          <p:cNvPr id="23" name="图片 22" descr="人露出牙齿微笑&#10;&#10;描述已自动生成">
+            <a:extLst>
+              <a:ext uri="{FF2B5EF4-FFF2-40B4-BE49-F238E27FC236}">
+                <a16:creationId xmlns:a16="http://schemas.microsoft.com/office/drawing/2014/main" id="{AA1A6A06-DC96-435A-AA41-F667B2424B33}"/>
+              </a:ext>
+            </a:extLst>
+          </p:cNvPr>
+          <p:cNvPicPr>
+            <a:picLocks noChangeAspect="1"/>
+          </p:cNvPicPr>
+          <p:nvPr/>
+        </p:nvPicPr>
+        <p:blipFill>
+          <a:blip r:embed="rId21">
+            <a:extLst>
+              <a:ext uri="{28A0092B-C50C-407E-A947-70E740481C1C}">
+                <a14:useLocalDpi xmlns:a14="http://schemas.microsoft.com/office/drawing/2010/main" val="0"/>
+              </a:ext>
+            </a:extLst>
+          </a:blip>
+          <a:stretch>
+            <a:fillRect/>
+          </a:stretch>
+        </p:blipFill>
+        <p:spPr>
+          <a:xfrm>
+            <a:off x="9025797" y="10471643"/>
+            <a:ext cx="2373449" cy="2373449"/>
+          </a:xfrm>
+          <a:prstGeom prst="rect">
+            <a:avLst/>
+          </a:prstGeom>
+        </p:spPr>
+      </p:pic>
+      <p:sp>
+        <p:nvSpPr>
+          <p:cNvPr id="24" name="文本框 23">
+            <a:extLst>
+              <a:ext uri="{FF2B5EF4-FFF2-40B4-BE49-F238E27FC236}">
+                <a16:creationId xmlns:a16="http://schemas.microsoft.com/office/drawing/2014/main" id="{32A53ED1-1317-4175-8404-00EAFE2A8020}"/>
+              </a:ext>
+            </a:extLst>
+          </p:cNvPr>
+          <p:cNvSpPr txBox="1"/>
+          <p:nvPr/>
+        </p:nvSpPr>
+        <p:spPr>
+          <a:xfrm>
+            <a:off x="6000053" y="6839072"/>
+            <a:ext cx="3125515" cy="538289"/>
+          </a:xfrm>
+          <a:prstGeom prst="rect">
+            <a:avLst/>
+          </a:prstGeom>
+          <a:noFill/>
+        </p:spPr>
+        <p:txBody>
+          <a:bodyPr wrap="square">
+            <a:spAutoFit/>
+          </a:bodyPr>
+          <a:lstStyle/>
+          <a:p>
+            <a:pPr algn="ctr"/>
+            <a:r>
+              <a:rPr lang="en-US" altLang="zh-CN" sz="2898" dirty="0">
+                <a:latin typeface="Times New Roman" panose="02020603050405020304" pitchFamily="18" charset="0"/>
+                <a:cs typeface="Times New Roman" panose="02020603050405020304" pitchFamily="18" charset="0"/>
+              </a:rPr>
+              <a:t>5 o'clock shadow</a:t>
+            </a:r>
+            <a:endParaRPr lang="zh-CN" altLang="en-US" sz="2898" dirty="0">
+              <a:latin typeface="Times New Roman" panose="02020603050405020304" pitchFamily="18" charset="0"/>
+              <a:cs typeface="Times New Roman" panose="02020603050405020304" pitchFamily="18" charset="0"/>
+            </a:endParaRPr>
+          </a:p>
+        </p:txBody>
+      </p:sp>
+      <p:pic>
+        <p:nvPicPr>
+          <p:cNvPr id="25" name="图片 24" descr="男人微笑的头像&#10;&#10;描述已自动生成">
+            <a:extLst>
+              <a:ext uri="{FF2B5EF4-FFF2-40B4-BE49-F238E27FC236}">
+                <a16:creationId xmlns:a16="http://schemas.microsoft.com/office/drawing/2014/main" id="{8C80A51C-A1C8-4C1F-8263-307370C2A921}"/>
+              </a:ext>
+            </a:extLst>
+          </p:cNvPr>
+          <p:cNvPicPr>
+            <a:picLocks noChangeAspect="1"/>
+          </p:cNvPicPr>
+          <p:nvPr/>
+        </p:nvPicPr>
+        <p:blipFill>
+          <a:blip r:embed="rId22">
+            <a:extLst>
+              <a:ext uri="{28A0092B-C50C-407E-A947-70E740481C1C}">
+                <a14:useLocalDpi xmlns:a14="http://schemas.microsoft.com/office/drawing/2010/main" val="0"/>
+              </a:ext>
+            </a:extLst>
+          </a:blip>
+          <a:stretch>
+            <a:fillRect/>
+          </a:stretch>
+        </p:blipFill>
+        <p:spPr>
+          <a:xfrm>
+            <a:off x="16826753" y="4534934"/>
+            <a:ext cx="2373449" cy="2373449"/>
+          </a:xfrm>
+          <a:prstGeom prst="rect">
+            <a:avLst/>
+          </a:prstGeom>
+        </p:spPr>
+      </p:pic>
+      <p:pic>
+        <p:nvPicPr>
+          <p:cNvPr id="26" name="图片 25" descr="人微笑的头像&#10;&#10;描述已自动生成">
+            <a:extLst>
+              <a:ext uri="{FF2B5EF4-FFF2-40B4-BE49-F238E27FC236}">
+                <a16:creationId xmlns:a16="http://schemas.microsoft.com/office/drawing/2014/main" id="{C85079A1-3EA6-441E-B30E-81DD35D2726E}"/>
+              </a:ext>
+            </a:extLst>
+          </p:cNvPr>
+          <p:cNvPicPr>
+            <a:picLocks noChangeAspect="1"/>
+          </p:cNvPicPr>
+          <p:nvPr/>
+        </p:nvPicPr>
+        <p:blipFill>
+          <a:blip r:embed="rId23">
+            <a:extLst>
+              <a:ext uri="{28A0092B-C50C-407E-A947-70E740481C1C}">
+                <a14:useLocalDpi xmlns:a14="http://schemas.microsoft.com/office/drawing/2010/main" val="0"/>
+              </a:ext>
+            </a:extLst>
+          </a:blip>
+          <a:stretch>
+            <a:fillRect/>
+          </a:stretch>
+        </p:blipFill>
+        <p:spPr>
+          <a:xfrm>
+            <a:off x="11626115" y="4534934"/>
+            <a:ext cx="2373449" cy="2373449"/>
+          </a:xfrm>
+          <a:prstGeom prst="rect">
+            <a:avLst/>
+          </a:prstGeom>
+        </p:spPr>
+      </p:pic>
+      <p:pic>
+        <p:nvPicPr>
+          <p:cNvPr id="27" name="图片 26" descr="男人微笑的头像&#10;&#10;描述已自动生成">
+            <a:extLst>
+              <a:ext uri="{FF2B5EF4-FFF2-40B4-BE49-F238E27FC236}">
+                <a16:creationId xmlns:a16="http://schemas.microsoft.com/office/drawing/2014/main" id="{0A98D6A8-33CF-4B5D-AEE7-A37C1D89D43F}"/>
+              </a:ext>
+            </a:extLst>
+          </p:cNvPr>
+          <p:cNvPicPr>
+            <a:picLocks noChangeAspect="1"/>
+          </p:cNvPicPr>
+          <p:nvPr/>
+        </p:nvPicPr>
+        <p:blipFill>
+          <a:blip r:embed="rId24">
+            <a:extLst>
+              <a:ext uri="{28A0092B-C50C-407E-A947-70E740481C1C}">
+                <a14:useLocalDpi xmlns:a14="http://schemas.microsoft.com/office/drawing/2010/main" val="0"/>
+              </a:ext>
+            </a:extLst>
+          </a:blip>
+          <a:stretch>
+            <a:fillRect/>
+          </a:stretch>
+        </p:blipFill>
+        <p:spPr>
+          <a:xfrm>
+            <a:off x="6425478" y="7522575"/>
+            <a:ext cx="2373449" cy="2373449"/>
+          </a:xfrm>
+          <a:prstGeom prst="rect">
+            <a:avLst/>
+          </a:prstGeom>
+        </p:spPr>
+      </p:pic>
+      <p:pic>
+        <p:nvPicPr>
+          <p:cNvPr id="28" name="图片 27" descr="男人微笑的头像&#10;&#10;描述已自动生成">
+            <a:extLst>
+              <a:ext uri="{FF2B5EF4-FFF2-40B4-BE49-F238E27FC236}">
+                <a16:creationId xmlns:a16="http://schemas.microsoft.com/office/drawing/2014/main" id="{63EC2F9E-7C73-48BC-90CD-469B00B3F96E}"/>
+              </a:ext>
+            </a:extLst>
+          </p:cNvPr>
+          <p:cNvPicPr>
+            <a:picLocks noChangeAspect="1"/>
+          </p:cNvPicPr>
+          <p:nvPr/>
+        </p:nvPicPr>
+        <p:blipFill>
+          <a:blip r:embed="rId25">
+            <a:extLst>
+              <a:ext uri="{28A0092B-C50C-407E-A947-70E740481C1C}">
+                <a14:useLocalDpi xmlns:a14="http://schemas.microsoft.com/office/drawing/2010/main" val="0"/>
+              </a:ext>
+            </a:extLst>
+          </a:blip>
+          <a:stretch>
+            <a:fillRect/>
+          </a:stretch>
+        </p:blipFill>
+        <p:spPr>
+          <a:xfrm>
+            <a:off x="11626115" y="10471643"/>
+            <a:ext cx="2373449" cy="2373449"/>
+          </a:xfrm>
+          <a:prstGeom prst="rect">
+            <a:avLst/>
+          </a:prstGeom>
+        </p:spPr>
+      </p:pic>
+      <p:pic>
+        <p:nvPicPr>
+          <p:cNvPr id="29" name="图片 28" descr="人微笑的头像&#10;&#10;描述已自动生成">
+            <a:extLst>
+              <a:ext uri="{FF2B5EF4-FFF2-40B4-BE49-F238E27FC236}">
+                <a16:creationId xmlns:a16="http://schemas.microsoft.com/office/drawing/2014/main" id="{E1F12B04-5302-4DBE-A658-AB830546B25E}"/>
+              </a:ext>
+            </a:extLst>
+          </p:cNvPr>
+          <p:cNvPicPr>
+            <a:picLocks noChangeAspect="1"/>
+          </p:cNvPicPr>
+          <p:nvPr/>
+        </p:nvPicPr>
+        <p:blipFill>
+          <a:blip r:embed="rId26">
+            <a:extLst>
+              <a:ext uri="{28A0092B-C50C-407E-A947-70E740481C1C}">
+                <a14:useLocalDpi xmlns:a14="http://schemas.microsoft.com/office/drawing/2010/main" val="0"/>
+              </a:ext>
+            </a:extLst>
+          </a:blip>
+          <a:stretch>
+            <a:fillRect/>
+          </a:stretch>
+        </p:blipFill>
+        <p:spPr>
+          <a:xfrm>
+            <a:off x="14226435" y="10471643"/>
+            <a:ext cx="2373449" cy="2373449"/>
+          </a:xfrm>
+          <a:prstGeom prst="rect">
+            <a:avLst/>
+          </a:prstGeom>
+        </p:spPr>
+      </p:pic>
+      <p:pic>
+        <p:nvPicPr>
+          <p:cNvPr id="30" name="图片 29" descr="人微笑的头像&#10;&#10;描述已自动生成">
+            <a:extLst>
+              <a:ext uri="{FF2B5EF4-FFF2-40B4-BE49-F238E27FC236}">
+                <a16:creationId xmlns:a16="http://schemas.microsoft.com/office/drawing/2014/main" id="{BE4C05F5-B3EA-4A82-9AAB-E66D8B923040}"/>
+              </a:ext>
+            </a:extLst>
+          </p:cNvPr>
+          <p:cNvPicPr>
+            <a:picLocks noChangeAspect="1"/>
+          </p:cNvPicPr>
+          <p:nvPr/>
+        </p:nvPicPr>
+        <p:blipFill>
+          <a:blip r:embed="rId27">
+            <a:extLst>
+              <a:ext uri="{28A0092B-C50C-407E-A947-70E740481C1C}">
+                <a14:useLocalDpi xmlns:a14="http://schemas.microsoft.com/office/drawing/2010/main" val="0"/>
+              </a:ext>
+            </a:extLst>
+          </a:blip>
+          <a:stretch>
+            <a:fillRect/>
+          </a:stretch>
+        </p:blipFill>
+        <p:spPr>
+          <a:xfrm>
+            <a:off x="16826753" y="10471643"/>
+            <a:ext cx="2373449" cy="2373449"/>
+          </a:xfrm>
+          <a:prstGeom prst="rect">
+            <a:avLst/>
+          </a:prstGeom>
+        </p:spPr>
+      </p:pic>
+      <p:pic>
+        <p:nvPicPr>
+          <p:cNvPr id="31" name="图片 30" descr="男人露出牙齿微笑&#10;&#10;描述已自动生成">
+            <a:extLst>
+              <a:ext uri="{FF2B5EF4-FFF2-40B4-BE49-F238E27FC236}">
+                <a16:creationId xmlns:a16="http://schemas.microsoft.com/office/drawing/2014/main" id="{40CBBA4B-B06E-4C6E-81F3-29D70F7E9D6E}"/>
+              </a:ext>
+            </a:extLst>
+          </p:cNvPr>
+          <p:cNvPicPr>
+            <a:picLocks noChangeAspect="1"/>
+          </p:cNvPicPr>
+          <p:nvPr/>
+        </p:nvPicPr>
+        <p:blipFill>
+          <a:blip r:embed="rId28">
+            <a:extLst>
+              <a:ext uri="{28A0092B-C50C-407E-A947-70E740481C1C}">
+                <a14:useLocalDpi xmlns:a14="http://schemas.microsoft.com/office/drawing/2010/main" val="0"/>
+              </a:ext>
+            </a:extLst>
+          </a:blip>
+          <a:stretch>
+            <a:fillRect/>
+          </a:stretch>
+        </p:blipFill>
+        <p:spPr>
+          <a:xfrm>
+            <a:off x="19427072" y="10471643"/>
+            <a:ext cx="2373449" cy="2373449"/>
+          </a:xfrm>
+          <a:prstGeom prst="rect">
+            <a:avLst/>
+          </a:prstGeom>
+        </p:spPr>
+      </p:pic>
+      <p:pic>
+        <p:nvPicPr>
+          <p:cNvPr id="32" name="图片 31" descr="人微笑的头像&#10;&#10;描述已自动生成">
+            <a:extLst>
+              <a:ext uri="{FF2B5EF4-FFF2-40B4-BE49-F238E27FC236}">
+                <a16:creationId xmlns:a16="http://schemas.microsoft.com/office/drawing/2014/main" id="{885FD048-18DB-4621-837B-0920EE2FE9E7}"/>
+              </a:ext>
+            </a:extLst>
+          </p:cNvPr>
+          <p:cNvPicPr>
+            <a:picLocks noChangeAspect="1"/>
+          </p:cNvPicPr>
+          <p:nvPr/>
+        </p:nvPicPr>
+        <p:blipFill>
+          <a:blip r:embed="rId29">
+            <a:extLst>
+              <a:ext uri="{28A0092B-C50C-407E-A947-70E740481C1C}">
+                <a14:useLocalDpi xmlns:a14="http://schemas.microsoft.com/office/drawing/2010/main" val="0"/>
+              </a:ext>
+            </a:extLst>
+          </a:blip>
+          <a:stretch>
+            <a:fillRect/>
+          </a:stretch>
+        </p:blipFill>
+        <p:spPr>
+          <a:xfrm>
+            <a:off x="22027388" y="10471643"/>
+            <a:ext cx="2373449" cy="2373449"/>
+          </a:xfrm>
+          <a:prstGeom prst="rect">
+            <a:avLst/>
+          </a:prstGeom>
+        </p:spPr>
+      </p:pic>
+      <p:pic>
+        <p:nvPicPr>
+          <p:cNvPr id="33" name="图片 32" descr="人微笑的头像&#10;&#10;描述已自动生成">
+            <a:extLst>
+              <a:ext uri="{FF2B5EF4-FFF2-40B4-BE49-F238E27FC236}">
+                <a16:creationId xmlns:a16="http://schemas.microsoft.com/office/drawing/2014/main" id="{37BAEFED-96BB-4DD2-8541-1ED8DABF4406}"/>
+              </a:ext>
+            </a:extLst>
+          </p:cNvPr>
+          <p:cNvPicPr>
+            <a:picLocks noChangeAspect="1"/>
+          </p:cNvPicPr>
+          <p:nvPr/>
+        </p:nvPicPr>
+        <p:blipFill>
+          <a:blip r:embed="rId30">
+            <a:extLst>
+              <a:ext uri="{28A0092B-C50C-407E-A947-70E740481C1C}">
+                <a14:useLocalDpi xmlns:a14="http://schemas.microsoft.com/office/drawing/2010/main" val="0"/>
+              </a:ext>
+            </a:extLst>
+          </a:blip>
+          <a:stretch>
+            <a:fillRect/>
+          </a:stretch>
+        </p:blipFill>
+        <p:spPr>
+          <a:xfrm>
+            <a:off x="24627707" y="10471643"/>
+            <a:ext cx="2373449" cy="2373449"/>
+          </a:xfrm>
+          <a:prstGeom prst="rect">
+            <a:avLst/>
+          </a:prstGeom>
+        </p:spPr>
+      </p:pic>
+      <p:pic>
+        <p:nvPicPr>
+          <p:cNvPr id="34" name="图片 33" descr="男人微笑的头像&#10;&#10;描述已自动生成">
+            <a:extLst>
+              <a:ext uri="{FF2B5EF4-FFF2-40B4-BE49-F238E27FC236}">
+                <a16:creationId xmlns:a16="http://schemas.microsoft.com/office/drawing/2014/main" id="{5C4EFFD1-DC73-4FB1-A646-AEEDD73D10E8}"/>
+              </a:ext>
+            </a:extLst>
+          </p:cNvPr>
+          <p:cNvPicPr>
+            <a:picLocks noChangeAspect="1"/>
+          </p:cNvPicPr>
+          <p:nvPr/>
+        </p:nvPicPr>
+        <p:blipFill>
+          <a:blip r:embed="rId31">
+            <a:extLst>
+              <a:ext uri="{28A0092B-C50C-407E-A947-70E740481C1C}">
+                <a14:useLocalDpi xmlns:a14="http://schemas.microsoft.com/office/drawing/2010/main" val="0"/>
+              </a:ext>
+            </a:extLst>
+          </a:blip>
+          <a:stretch>
+            <a:fillRect/>
+          </a:stretch>
+        </p:blipFill>
+        <p:spPr>
+          <a:xfrm>
+            <a:off x="27228026" y="10471643"/>
+            <a:ext cx="2373449" cy="2373449"/>
+          </a:xfrm>
+          <a:prstGeom prst="rect">
+            <a:avLst/>
+          </a:prstGeom>
+        </p:spPr>
+      </p:pic>
+      <p:pic>
+        <p:nvPicPr>
+          <p:cNvPr id="35" name="图片 34" descr="人微笑的头像&#10;&#10;描述已自动生成">
+            <a:extLst>
+              <a:ext uri="{FF2B5EF4-FFF2-40B4-BE49-F238E27FC236}">
+                <a16:creationId xmlns:a16="http://schemas.microsoft.com/office/drawing/2014/main" id="{3B909E4A-B53A-4CF0-A7B0-0E3F210D4069}"/>
+              </a:ext>
+            </a:extLst>
+          </p:cNvPr>
+          <p:cNvPicPr>
+            <a:picLocks noChangeAspect="1"/>
+          </p:cNvPicPr>
+          <p:nvPr/>
+        </p:nvPicPr>
+        <p:blipFill>
+          <a:blip r:embed="rId32">
+            <a:extLst>
+              <a:ext uri="{28A0092B-C50C-407E-A947-70E740481C1C}">
+                <a14:useLocalDpi xmlns:a14="http://schemas.microsoft.com/office/drawing/2010/main" val="0"/>
+              </a:ext>
+            </a:extLst>
+          </a:blip>
+          <a:stretch>
+            <a:fillRect/>
+          </a:stretch>
+        </p:blipFill>
+        <p:spPr>
+          <a:xfrm>
+            <a:off x="29828355" y="10471643"/>
+            <a:ext cx="2373449" cy="2373449"/>
+          </a:xfrm>
+          <a:prstGeom prst="rect">
+            <a:avLst/>
+          </a:prstGeom>
+        </p:spPr>
+      </p:pic>
+      <p:pic>
+        <p:nvPicPr>
+          <p:cNvPr id="36" name="图片 35" descr="男人露出牙齿微笑&#10;&#10;描述已自动生成">
+            <a:extLst>
+              <a:ext uri="{FF2B5EF4-FFF2-40B4-BE49-F238E27FC236}">
+                <a16:creationId xmlns:a16="http://schemas.microsoft.com/office/drawing/2014/main" id="{16F74168-7F93-4D40-B4F9-427C9F8E5C54}"/>
+              </a:ext>
+            </a:extLst>
+          </p:cNvPr>
+          <p:cNvPicPr>
+            <a:picLocks noChangeAspect="1"/>
+          </p:cNvPicPr>
+          <p:nvPr/>
+        </p:nvPicPr>
+        <p:blipFill>
+          <a:blip r:embed="rId33">
+            <a:extLst>
+              <a:ext uri="{28A0092B-C50C-407E-A947-70E740481C1C}">
+                <a14:useLocalDpi xmlns:a14="http://schemas.microsoft.com/office/drawing/2010/main" val="0"/>
+              </a:ext>
+            </a:extLst>
+          </a:blip>
+          <a:stretch>
+            <a:fillRect/>
+          </a:stretch>
+        </p:blipFill>
+        <p:spPr>
+          <a:xfrm>
+            <a:off x="6425478" y="13387040"/>
+            <a:ext cx="2373449" cy="2373449"/>
+          </a:xfrm>
+          <a:prstGeom prst="rect">
+            <a:avLst/>
+          </a:prstGeom>
+        </p:spPr>
+      </p:pic>
+      <p:pic>
+        <p:nvPicPr>
+          <p:cNvPr id="37" name="图片 36" descr="人露出牙齿微笑&#10;&#10;描述已自动生成">
+            <a:extLst>
+              <a:ext uri="{FF2B5EF4-FFF2-40B4-BE49-F238E27FC236}">
+                <a16:creationId xmlns:a16="http://schemas.microsoft.com/office/drawing/2014/main" id="{720B6881-E881-46EE-A45A-AB45C9460E93}"/>
+              </a:ext>
+            </a:extLst>
+          </p:cNvPr>
+          <p:cNvPicPr>
+            <a:picLocks noChangeAspect="1"/>
+          </p:cNvPicPr>
+          <p:nvPr/>
+        </p:nvPicPr>
+        <p:blipFill>
+          <a:blip r:embed="rId34">
+            <a:extLst>
+              <a:ext uri="{28A0092B-C50C-407E-A947-70E740481C1C}">
+                <a14:useLocalDpi xmlns:a14="http://schemas.microsoft.com/office/drawing/2010/main" val="0"/>
+              </a:ext>
+            </a:extLst>
+          </a:blip>
+          <a:stretch>
+            <a:fillRect/>
+          </a:stretch>
+        </p:blipFill>
+        <p:spPr>
+          <a:xfrm>
+            <a:off x="9025797" y="13387040"/>
+            <a:ext cx="2373449" cy="2373449"/>
+          </a:xfrm>
+          <a:prstGeom prst="rect">
+            <a:avLst/>
+          </a:prstGeom>
+        </p:spPr>
+      </p:pic>
+      <p:pic>
+        <p:nvPicPr>
+          <p:cNvPr id="38" name="图片 37" descr="人露出牙齿微笑&#10;&#10;描述已自动生成">
+            <a:extLst>
+              <a:ext uri="{FF2B5EF4-FFF2-40B4-BE49-F238E27FC236}">
+                <a16:creationId xmlns:a16="http://schemas.microsoft.com/office/drawing/2014/main" id="{4DEC7A65-FAAA-46A0-A250-A321F13017ED}"/>
+              </a:ext>
+            </a:extLst>
+          </p:cNvPr>
+          <p:cNvPicPr>
+            <a:picLocks noChangeAspect="1"/>
+          </p:cNvPicPr>
+          <p:nvPr/>
+        </p:nvPicPr>
+        <p:blipFill>
+          <a:blip r:embed="rId35">
+            <a:extLst>
+              <a:ext uri="{28A0092B-C50C-407E-A947-70E740481C1C}">
+                <a14:useLocalDpi xmlns:a14="http://schemas.microsoft.com/office/drawing/2010/main" val="0"/>
+              </a:ext>
+            </a:extLst>
+          </a:blip>
+          <a:stretch>
+            <a:fillRect/>
+          </a:stretch>
+        </p:blipFill>
+        <p:spPr>
+          <a:xfrm>
+            <a:off x="11626115" y="13387040"/>
+            <a:ext cx="2373449" cy="2373449"/>
+          </a:xfrm>
+          <a:prstGeom prst="rect">
+            <a:avLst/>
+          </a:prstGeom>
+        </p:spPr>
+      </p:pic>
+      <p:pic>
+        <p:nvPicPr>
+          <p:cNvPr id="39" name="图片 38" descr="微笑的女人&#10;&#10;描述已自动生成">
+            <a:extLst>
+              <a:ext uri="{FF2B5EF4-FFF2-40B4-BE49-F238E27FC236}">
+                <a16:creationId xmlns:a16="http://schemas.microsoft.com/office/drawing/2014/main" id="{C95C9795-429A-42F3-9603-9171C9768670}"/>
+              </a:ext>
+            </a:extLst>
+          </p:cNvPr>
+          <p:cNvPicPr>
+            <a:picLocks noChangeAspect="1"/>
+          </p:cNvPicPr>
+          <p:nvPr/>
+        </p:nvPicPr>
+        <p:blipFill>
+          <a:blip r:embed="rId36">
+            <a:extLst>
+              <a:ext uri="{28A0092B-C50C-407E-A947-70E740481C1C}">
+                <a14:useLocalDpi xmlns:a14="http://schemas.microsoft.com/office/drawing/2010/main" val="0"/>
+              </a:ext>
+            </a:extLst>
+          </a:blip>
+          <a:stretch>
+            <a:fillRect/>
+          </a:stretch>
+        </p:blipFill>
+        <p:spPr>
+          <a:xfrm>
+            <a:off x="14226435" y="13387040"/>
+            <a:ext cx="2373449" cy="2373449"/>
+          </a:xfrm>
+          <a:prstGeom prst="rect">
+            <a:avLst/>
+          </a:prstGeom>
+        </p:spPr>
+      </p:pic>
+      <p:pic>
+        <p:nvPicPr>
+          <p:cNvPr id="40" name="图片 39" descr="男人微笑的头像&#10;&#10;描述已自动生成">
+            <a:extLst>
+              <a:ext uri="{FF2B5EF4-FFF2-40B4-BE49-F238E27FC236}">
+                <a16:creationId xmlns:a16="http://schemas.microsoft.com/office/drawing/2014/main" id="{44BC6AF4-38E1-414D-878A-B3CC07FCDDD2}"/>
+              </a:ext>
+            </a:extLst>
+          </p:cNvPr>
+          <p:cNvPicPr>
+            <a:picLocks noChangeAspect="1"/>
+          </p:cNvPicPr>
+          <p:nvPr/>
+        </p:nvPicPr>
+        <p:blipFill>
+          <a:blip r:embed="rId37">
+            <a:extLst>
+              <a:ext uri="{28A0092B-C50C-407E-A947-70E740481C1C}">
+                <a14:useLocalDpi xmlns:a14="http://schemas.microsoft.com/office/drawing/2010/main" val="0"/>
+              </a:ext>
+            </a:extLst>
+          </a:blip>
+          <a:stretch>
+            <a:fillRect/>
+          </a:stretch>
+        </p:blipFill>
+        <p:spPr>
+          <a:xfrm>
+            <a:off x="16826753" y="13387040"/>
+            <a:ext cx="2373449" cy="2373449"/>
+          </a:xfrm>
+          <a:prstGeom prst="rect">
+            <a:avLst/>
+          </a:prstGeom>
+        </p:spPr>
+      </p:pic>
+      <p:pic>
+        <p:nvPicPr>
+          <p:cNvPr id="41" name="图片 40" descr="人戴着帽子&#10;&#10;描述已自动生成">
+            <a:extLst>
+              <a:ext uri="{FF2B5EF4-FFF2-40B4-BE49-F238E27FC236}">
+                <a16:creationId xmlns:a16="http://schemas.microsoft.com/office/drawing/2014/main" id="{7D53B558-2CB2-4A8E-88A7-3426B6028CEA}"/>
+              </a:ext>
+            </a:extLst>
+          </p:cNvPr>
+          <p:cNvPicPr>
+            <a:picLocks noChangeAspect="1"/>
+          </p:cNvPicPr>
+          <p:nvPr/>
+        </p:nvPicPr>
+        <p:blipFill>
+          <a:blip r:embed="rId38">
+            <a:extLst>
+              <a:ext uri="{28A0092B-C50C-407E-A947-70E740481C1C}">
+                <a14:useLocalDpi xmlns:a14="http://schemas.microsoft.com/office/drawing/2010/main" val="0"/>
+              </a:ext>
+            </a:extLst>
+          </a:blip>
+          <a:stretch>
+            <a:fillRect/>
+          </a:stretch>
+        </p:blipFill>
+        <p:spPr>
+          <a:xfrm>
+            <a:off x="19427072" y="13387040"/>
+            <a:ext cx="2373449" cy="2373449"/>
+          </a:xfrm>
+          <a:prstGeom prst="rect">
+            <a:avLst/>
+          </a:prstGeom>
+        </p:spPr>
+      </p:pic>
+      <p:pic>
+        <p:nvPicPr>
+          <p:cNvPr id="42" name="图片 41" descr="人微笑的头像&#10;&#10;描述已自动生成">
+            <a:extLst>
+              <a:ext uri="{FF2B5EF4-FFF2-40B4-BE49-F238E27FC236}">
+                <a16:creationId xmlns:a16="http://schemas.microsoft.com/office/drawing/2014/main" id="{D2BE2769-A65B-498F-8366-0DF391CBE060}"/>
+              </a:ext>
+            </a:extLst>
+          </p:cNvPr>
+          <p:cNvPicPr>
+            <a:picLocks noChangeAspect="1"/>
+          </p:cNvPicPr>
+          <p:nvPr/>
+        </p:nvPicPr>
+        <p:blipFill>
+          <a:blip r:embed="rId39">
+            <a:extLst>
+              <a:ext uri="{28A0092B-C50C-407E-A947-70E740481C1C}">
+                <a14:useLocalDpi xmlns:a14="http://schemas.microsoft.com/office/drawing/2010/main" val="0"/>
+              </a:ext>
+            </a:extLst>
+          </a:blip>
+          <a:stretch>
+            <a:fillRect/>
+          </a:stretch>
+        </p:blipFill>
+        <p:spPr>
+          <a:xfrm>
+            <a:off x="22027388" y="13387040"/>
+            <a:ext cx="2373449" cy="2373449"/>
+          </a:xfrm>
+          <a:prstGeom prst="rect">
+            <a:avLst/>
+          </a:prstGeom>
+        </p:spPr>
+      </p:pic>
+      <p:pic>
+        <p:nvPicPr>
+          <p:cNvPr id="43" name="图片 42" descr="人微笑的头像&#10;&#10;描述已自动生成">
+            <a:extLst>
+              <a:ext uri="{FF2B5EF4-FFF2-40B4-BE49-F238E27FC236}">
+                <a16:creationId xmlns:a16="http://schemas.microsoft.com/office/drawing/2014/main" id="{671018E7-FA15-410F-A908-501D9B82FDEA}"/>
+              </a:ext>
+            </a:extLst>
+          </p:cNvPr>
+          <p:cNvPicPr>
+            <a:picLocks noChangeAspect="1"/>
+          </p:cNvPicPr>
+          <p:nvPr/>
+        </p:nvPicPr>
+        <p:blipFill>
+          <a:blip r:embed="rId40">
+            <a:extLst>
+              <a:ext uri="{28A0092B-C50C-407E-A947-70E740481C1C}">
+                <a14:useLocalDpi xmlns:a14="http://schemas.microsoft.com/office/drawing/2010/main" val="0"/>
+              </a:ext>
+            </a:extLst>
+          </a:blip>
+          <a:stretch>
+            <a:fillRect/>
+          </a:stretch>
+        </p:blipFill>
+        <p:spPr>
+          <a:xfrm>
+            <a:off x="24627707" y="13387040"/>
+            <a:ext cx="2373449" cy="2373449"/>
+          </a:xfrm>
+          <a:prstGeom prst="rect">
+            <a:avLst/>
+          </a:prstGeom>
+        </p:spPr>
+      </p:pic>
+      <p:pic>
+        <p:nvPicPr>
+          <p:cNvPr id="44" name="图片 43" descr="男人微笑的头像&#10;&#10;描述已自动生成">
+            <a:extLst>
+              <a:ext uri="{FF2B5EF4-FFF2-40B4-BE49-F238E27FC236}">
+                <a16:creationId xmlns:a16="http://schemas.microsoft.com/office/drawing/2014/main" id="{4B0784CA-6F35-4E0F-B3A1-9F2FF7E495EA}"/>
+              </a:ext>
+            </a:extLst>
+          </p:cNvPr>
+          <p:cNvPicPr>
+            <a:picLocks noChangeAspect="1"/>
+          </p:cNvPicPr>
+          <p:nvPr/>
+        </p:nvPicPr>
+        <p:blipFill>
+          <a:blip r:embed="rId41">
+            <a:extLst>
+              <a:ext uri="{28A0092B-C50C-407E-A947-70E740481C1C}">
+                <a14:useLocalDpi xmlns:a14="http://schemas.microsoft.com/office/drawing/2010/main" val="0"/>
+              </a:ext>
+            </a:extLst>
+          </a:blip>
+          <a:stretch>
+            <a:fillRect/>
+          </a:stretch>
+        </p:blipFill>
+        <p:spPr>
+          <a:xfrm>
+            <a:off x="27228026" y="13387040"/>
+            <a:ext cx="2373449" cy="2373449"/>
+          </a:xfrm>
+          <a:prstGeom prst="rect">
+            <a:avLst/>
+          </a:prstGeom>
+        </p:spPr>
+      </p:pic>
+      <p:pic>
+        <p:nvPicPr>
+          <p:cNvPr id="45" name="图片 44" descr="人微笑的头像&#10;&#10;描述已自动生成">
+            <a:extLst>
+              <a:ext uri="{FF2B5EF4-FFF2-40B4-BE49-F238E27FC236}">
+                <a16:creationId xmlns:a16="http://schemas.microsoft.com/office/drawing/2014/main" id="{E0DCDBCF-12FA-4CDB-B827-E3DA1DB29E91}"/>
+              </a:ext>
+            </a:extLst>
+          </p:cNvPr>
+          <p:cNvPicPr>
+            <a:picLocks noChangeAspect="1"/>
+          </p:cNvPicPr>
+          <p:nvPr/>
+        </p:nvPicPr>
+        <p:blipFill>
+          <a:blip r:embed="rId42">
+            <a:extLst>
+              <a:ext uri="{28A0092B-C50C-407E-A947-70E740481C1C}">
+                <a14:useLocalDpi xmlns:a14="http://schemas.microsoft.com/office/drawing/2010/main" val="0"/>
+              </a:ext>
+            </a:extLst>
+          </a:blip>
+          <a:stretch>
+            <a:fillRect/>
+          </a:stretch>
+        </p:blipFill>
+        <p:spPr>
+          <a:xfrm>
+            <a:off x="29828355" y="13387040"/>
+            <a:ext cx="2373449" cy="2373449"/>
+          </a:xfrm>
+          <a:prstGeom prst="rect">
+            <a:avLst/>
+          </a:prstGeom>
+        </p:spPr>
+      </p:pic>
+      <p:sp>
+        <p:nvSpPr>
+          <p:cNvPr id="46" name="文本框 45">
+            <a:extLst>
+              <a:ext uri="{FF2B5EF4-FFF2-40B4-BE49-F238E27FC236}">
+                <a16:creationId xmlns:a16="http://schemas.microsoft.com/office/drawing/2014/main" id="{4ED76AD6-5DEF-4A7E-83B8-057F068101BD}"/>
+              </a:ext>
+            </a:extLst>
+          </p:cNvPr>
+          <p:cNvSpPr txBox="1"/>
+          <p:nvPr/>
+        </p:nvSpPr>
+        <p:spPr>
+          <a:xfrm>
+            <a:off x="8568816" y="6839073"/>
+            <a:ext cx="3337511" cy="538289"/>
+          </a:xfrm>
+          <a:prstGeom prst="rect">
+            <a:avLst/>
+          </a:prstGeom>
+          <a:noFill/>
+        </p:spPr>
+        <p:txBody>
+          <a:bodyPr wrap="square">
+            <a:spAutoFit/>
+          </a:bodyPr>
+          <a:lstStyle/>
+          <a:p>
+            <a:pPr algn="ctr"/>
+            <a:r>
+              <a:rPr lang="zh-CN" altLang="en-US" sz="2898" dirty="0">
+                <a:latin typeface="Times New Roman" panose="02020603050405020304" pitchFamily="18" charset="0"/>
+                <a:cs typeface="Times New Roman" panose="02020603050405020304" pitchFamily="18" charset="0"/>
+              </a:rPr>
+              <a:t>Arched </a:t>
+            </a:r>
+            <a:r>
+              <a:rPr lang="en-US" altLang="zh-CN" sz="2898" dirty="0">
+                <a:latin typeface="Times New Roman" panose="02020603050405020304" pitchFamily="18" charset="0"/>
+                <a:cs typeface="Times New Roman" panose="02020603050405020304" pitchFamily="18" charset="0"/>
+              </a:rPr>
+              <a:t>e</a:t>
+            </a:r>
+            <a:r>
+              <a:rPr lang="zh-CN" altLang="en-US" sz="2898" dirty="0">
+                <a:latin typeface="Times New Roman" panose="02020603050405020304" pitchFamily="18" charset="0"/>
+                <a:cs typeface="Times New Roman" panose="02020603050405020304" pitchFamily="18" charset="0"/>
+              </a:rPr>
+              <a:t>yebrows</a:t>
+            </a:r>
+          </a:p>
+        </p:txBody>
+      </p:sp>
+      <p:sp>
+        <p:nvSpPr>
+          <p:cNvPr id="47" name="文本框 46">
+            <a:extLst>
+              <a:ext uri="{FF2B5EF4-FFF2-40B4-BE49-F238E27FC236}">
+                <a16:creationId xmlns:a16="http://schemas.microsoft.com/office/drawing/2014/main" id="{F4E96B5F-35B0-4580-8AC9-EBE4421D3D5B}"/>
+              </a:ext>
+            </a:extLst>
+          </p:cNvPr>
+          <p:cNvSpPr txBox="1"/>
+          <p:nvPr/>
+        </p:nvSpPr>
+        <p:spPr>
+          <a:xfrm>
+            <a:off x="11469917" y="6839078"/>
+            <a:ext cx="2529200" cy="538289"/>
+          </a:xfrm>
+          <a:prstGeom prst="rect">
+            <a:avLst/>
+          </a:prstGeom>
+          <a:noFill/>
+        </p:spPr>
+        <p:txBody>
+          <a:bodyPr wrap="square">
+            <a:spAutoFit/>
+          </a:bodyPr>
+          <a:lstStyle/>
+          <a:p>
+            <a:pPr algn="ctr"/>
+            <a:r>
+              <a:rPr lang="zh-CN" altLang="en-US" sz="2898" dirty="0">
+                <a:latin typeface="Times New Roman" panose="02020603050405020304" pitchFamily="18" charset="0"/>
+                <a:cs typeface="Times New Roman" panose="02020603050405020304" pitchFamily="18" charset="0"/>
+              </a:rPr>
+              <a:t>Attractive</a:t>
+            </a:r>
+          </a:p>
+        </p:txBody>
+      </p:sp>
+      <p:sp>
+        <p:nvSpPr>
+          <p:cNvPr id="48" name="文本框 47">
+            <a:extLst>
+              <a:ext uri="{FF2B5EF4-FFF2-40B4-BE49-F238E27FC236}">
+                <a16:creationId xmlns:a16="http://schemas.microsoft.com/office/drawing/2014/main" id="{E96C93D4-DDD1-4EB2-B8D4-B39A0E1F1409}"/>
+              </a:ext>
+            </a:extLst>
+          </p:cNvPr>
+          <p:cNvSpPr txBox="1"/>
+          <p:nvPr/>
+        </p:nvSpPr>
+        <p:spPr>
+          <a:xfrm>
+            <a:off x="13923824" y="6839072"/>
+            <a:ext cx="2987119" cy="538289"/>
+          </a:xfrm>
+          <a:prstGeom prst="rect">
+            <a:avLst/>
+          </a:prstGeom>
+          <a:noFill/>
+        </p:spPr>
+        <p:txBody>
+          <a:bodyPr wrap="square">
+            <a:spAutoFit/>
+          </a:bodyPr>
+          <a:lstStyle/>
+          <a:p>
+            <a:pPr algn="ctr"/>
+            <a:r>
+              <a:rPr lang="en-US" altLang="zh-CN" sz="2898" dirty="0">
+                <a:solidFill>
+                  <a:srgbClr val="000000"/>
+                </a:solidFill>
+                <a:latin typeface="Times New Roman" panose="02020603050405020304" pitchFamily="18" charset="0"/>
+                <a:ea typeface="等线" panose="02010600030101010101" pitchFamily="2" charset="-122"/>
+                <a:cs typeface="Times New Roman" panose="02020603050405020304" pitchFamily="18" charset="0"/>
+              </a:rPr>
+              <a:t>Bags under eyes</a:t>
+            </a:r>
+            <a:r>
+              <a:rPr lang="en-US" altLang="zh-CN" sz="2898" dirty="0">
+                <a:latin typeface="Times New Roman" panose="02020603050405020304" pitchFamily="18" charset="0"/>
+                <a:cs typeface="Times New Roman" panose="02020603050405020304" pitchFamily="18" charset="0"/>
+              </a:rPr>
+              <a:t> </a:t>
+            </a:r>
+            <a:endParaRPr lang="zh-CN" altLang="en-US" sz="2898" dirty="0">
+              <a:latin typeface="Times New Roman" panose="02020603050405020304" pitchFamily="18" charset="0"/>
+              <a:cs typeface="Times New Roman" panose="02020603050405020304" pitchFamily="18" charset="0"/>
+            </a:endParaRPr>
+          </a:p>
+        </p:txBody>
+      </p:sp>
+      <p:sp>
+        <p:nvSpPr>
+          <p:cNvPr id="49" name="文本框 48">
+            <a:extLst>
+              <a:ext uri="{FF2B5EF4-FFF2-40B4-BE49-F238E27FC236}">
+                <a16:creationId xmlns:a16="http://schemas.microsoft.com/office/drawing/2014/main" id="{7E520B6F-898F-4ECC-B21B-2DC58220FDCD}"/>
+              </a:ext>
+            </a:extLst>
+          </p:cNvPr>
+          <p:cNvSpPr txBox="1"/>
+          <p:nvPr/>
+        </p:nvSpPr>
+        <p:spPr>
+          <a:xfrm>
+            <a:off x="17225912" y="6839076"/>
+            <a:ext cx="1325198" cy="538289"/>
+          </a:xfrm>
+          <a:prstGeom prst="rect">
+            <a:avLst/>
+          </a:prstGeom>
+          <a:noFill/>
+        </p:spPr>
+        <p:txBody>
+          <a:bodyPr wrap="square">
+            <a:spAutoFit/>
+          </a:bodyPr>
+          <a:lstStyle/>
+          <a:p>
+            <a:pPr algn="ctr"/>
+            <a:r>
+              <a:rPr lang="en-US" altLang="zh-CN" sz="2898" dirty="0">
+                <a:solidFill>
+                  <a:srgbClr val="000000"/>
+                </a:solidFill>
+                <a:latin typeface="Times New Roman" panose="02020603050405020304" pitchFamily="18" charset="0"/>
+                <a:ea typeface="等线" panose="02010600030101010101" pitchFamily="2" charset="-122"/>
+                <a:cs typeface="Times New Roman" panose="02020603050405020304" pitchFamily="18" charset="0"/>
+              </a:rPr>
+              <a:t>Bald</a:t>
+            </a:r>
+            <a:r>
+              <a:rPr lang="en-US" altLang="zh-CN" sz="2898" dirty="0">
+                <a:latin typeface="Times New Roman" panose="02020603050405020304" pitchFamily="18" charset="0"/>
+                <a:cs typeface="Times New Roman" panose="02020603050405020304" pitchFamily="18" charset="0"/>
+              </a:rPr>
+              <a:t> </a:t>
+            </a:r>
+            <a:endParaRPr lang="zh-CN" altLang="en-US" sz="2898" dirty="0">
+              <a:latin typeface="Times New Roman" panose="02020603050405020304" pitchFamily="18" charset="0"/>
+              <a:cs typeface="Times New Roman" panose="02020603050405020304" pitchFamily="18" charset="0"/>
+            </a:endParaRPr>
+          </a:p>
+        </p:txBody>
+      </p:sp>
+      <p:sp>
+        <p:nvSpPr>
+          <p:cNvPr id="50" name="文本框 49">
+            <a:extLst>
+              <a:ext uri="{FF2B5EF4-FFF2-40B4-BE49-F238E27FC236}">
+                <a16:creationId xmlns:a16="http://schemas.microsoft.com/office/drawing/2014/main" id="{BB24A042-F0ED-4DE4-95DD-6D546D2C06EC}"/>
+              </a:ext>
+            </a:extLst>
+          </p:cNvPr>
+          <p:cNvSpPr txBox="1"/>
+          <p:nvPr/>
+        </p:nvSpPr>
+        <p:spPr>
+          <a:xfrm>
+            <a:off x="19413272" y="6839078"/>
+            <a:ext cx="2237622" cy="538289"/>
+          </a:xfrm>
+          <a:prstGeom prst="rect">
+            <a:avLst/>
+          </a:prstGeom>
+          <a:noFill/>
+        </p:spPr>
+        <p:txBody>
+          <a:bodyPr wrap="square">
+            <a:spAutoFit/>
+          </a:bodyPr>
+          <a:lstStyle/>
+          <a:p>
+            <a:pPr algn="ctr"/>
+            <a:r>
+              <a:rPr lang="zh-CN" altLang="en-US" sz="2898" dirty="0">
+                <a:latin typeface="Times New Roman" panose="02020603050405020304" pitchFamily="18" charset="0"/>
+                <a:cs typeface="Times New Roman" panose="02020603050405020304" pitchFamily="18" charset="0"/>
+              </a:rPr>
+              <a:t>Bangs</a:t>
+            </a:r>
+          </a:p>
+        </p:txBody>
+      </p:sp>
+      <p:sp>
+        <p:nvSpPr>
+          <p:cNvPr id="51" name="文本框 50">
+            <a:extLst>
+              <a:ext uri="{FF2B5EF4-FFF2-40B4-BE49-F238E27FC236}">
+                <a16:creationId xmlns:a16="http://schemas.microsoft.com/office/drawing/2014/main" id="{F7D94271-A67C-49CA-8EDD-E763AF7FABCA}"/>
+              </a:ext>
+            </a:extLst>
+          </p:cNvPr>
+          <p:cNvSpPr txBox="1"/>
+          <p:nvPr/>
+        </p:nvSpPr>
+        <p:spPr>
+          <a:xfrm>
+            <a:off x="21893519" y="6839078"/>
+            <a:ext cx="2684616" cy="538289"/>
+          </a:xfrm>
+          <a:prstGeom prst="rect">
+            <a:avLst/>
+          </a:prstGeom>
+          <a:noFill/>
+        </p:spPr>
+        <p:txBody>
+          <a:bodyPr wrap="square">
+            <a:spAutoFit/>
+          </a:bodyPr>
+          <a:lstStyle/>
+          <a:p>
+            <a:pPr algn="ctr"/>
+            <a:r>
+              <a:rPr lang="zh-CN" altLang="en-US" sz="2898" dirty="0">
+                <a:latin typeface="Times New Roman" panose="02020603050405020304" pitchFamily="18" charset="0"/>
+                <a:cs typeface="Times New Roman" panose="02020603050405020304" pitchFamily="18" charset="0"/>
+              </a:rPr>
+              <a:t>Big </a:t>
+            </a:r>
+            <a:r>
+              <a:rPr lang="en-US" altLang="zh-CN" sz="2898" dirty="0">
+                <a:latin typeface="Times New Roman" panose="02020603050405020304" pitchFamily="18" charset="0"/>
+                <a:cs typeface="Times New Roman" panose="02020603050405020304" pitchFamily="18" charset="0"/>
+              </a:rPr>
+              <a:t>l</a:t>
+            </a:r>
+            <a:r>
+              <a:rPr lang="zh-CN" altLang="en-US" sz="2898" dirty="0">
+                <a:latin typeface="Times New Roman" panose="02020603050405020304" pitchFamily="18" charset="0"/>
+                <a:cs typeface="Times New Roman" panose="02020603050405020304" pitchFamily="18" charset="0"/>
+              </a:rPr>
+              <a:t>ips</a:t>
+            </a:r>
+          </a:p>
+        </p:txBody>
+      </p:sp>
+      <p:sp>
+        <p:nvSpPr>
+          <p:cNvPr id="52" name="文本框 51">
+            <a:extLst>
+              <a:ext uri="{FF2B5EF4-FFF2-40B4-BE49-F238E27FC236}">
+                <a16:creationId xmlns:a16="http://schemas.microsoft.com/office/drawing/2014/main" id="{5A5CDEA7-5DC3-445E-A2F2-6AD77FFC4391}"/>
+              </a:ext>
+            </a:extLst>
+          </p:cNvPr>
+          <p:cNvSpPr txBox="1"/>
+          <p:nvPr/>
+        </p:nvSpPr>
+        <p:spPr>
+          <a:xfrm>
+            <a:off x="24566170" y="6839078"/>
+            <a:ext cx="2804174" cy="538289"/>
+          </a:xfrm>
+          <a:prstGeom prst="rect">
+            <a:avLst/>
+          </a:prstGeom>
+          <a:noFill/>
+        </p:spPr>
+        <p:txBody>
+          <a:bodyPr wrap="square">
+            <a:spAutoFit/>
+          </a:bodyPr>
+          <a:lstStyle/>
+          <a:p>
+            <a:pPr algn="ctr"/>
+            <a:r>
+              <a:rPr lang="zh-CN" altLang="en-US" sz="2898" dirty="0">
+                <a:latin typeface="Times New Roman" panose="02020603050405020304" pitchFamily="18" charset="0"/>
+                <a:cs typeface="Times New Roman" panose="02020603050405020304" pitchFamily="18" charset="0"/>
+              </a:rPr>
+              <a:t>Big</a:t>
+            </a:r>
+            <a:r>
+              <a:rPr lang="en-US" altLang="zh-CN" sz="2898" dirty="0">
+                <a:latin typeface="Times New Roman" panose="02020603050405020304" pitchFamily="18" charset="0"/>
+                <a:cs typeface="Times New Roman" panose="02020603050405020304" pitchFamily="18" charset="0"/>
+              </a:rPr>
+              <a:t> n</a:t>
+            </a:r>
+            <a:r>
+              <a:rPr lang="zh-CN" altLang="en-US" sz="2898" dirty="0">
+                <a:latin typeface="Times New Roman" panose="02020603050405020304" pitchFamily="18" charset="0"/>
+                <a:cs typeface="Times New Roman" panose="02020603050405020304" pitchFamily="18" charset="0"/>
+              </a:rPr>
+              <a:t>ose</a:t>
+            </a:r>
+          </a:p>
+        </p:txBody>
+      </p:sp>
+      <p:sp>
+        <p:nvSpPr>
+          <p:cNvPr id="53" name="文本框 52">
+            <a:extLst>
+              <a:ext uri="{FF2B5EF4-FFF2-40B4-BE49-F238E27FC236}">
+                <a16:creationId xmlns:a16="http://schemas.microsoft.com/office/drawing/2014/main" id="{080F3059-E006-4A6E-A0F6-3826A0AF7CEA}"/>
+              </a:ext>
+            </a:extLst>
+          </p:cNvPr>
+          <p:cNvSpPr txBox="1"/>
+          <p:nvPr/>
+        </p:nvSpPr>
+        <p:spPr>
+          <a:xfrm>
+            <a:off x="26664293" y="6839078"/>
+            <a:ext cx="3544365" cy="538289"/>
+          </a:xfrm>
+          <a:prstGeom prst="rect">
+            <a:avLst/>
+          </a:prstGeom>
+          <a:noFill/>
+        </p:spPr>
+        <p:txBody>
+          <a:bodyPr wrap="square">
+            <a:spAutoFit/>
+          </a:bodyPr>
+          <a:lstStyle/>
+          <a:p>
+            <a:pPr algn="ctr"/>
+            <a:r>
+              <a:rPr lang="en-US" altLang="zh-CN" sz="2898" dirty="0">
+                <a:solidFill>
+                  <a:srgbClr val="000000"/>
+                </a:solidFill>
+                <a:latin typeface="Times New Roman" panose="02020603050405020304" pitchFamily="18" charset="0"/>
+                <a:ea typeface="等线" panose="02010600030101010101" pitchFamily="2" charset="-122"/>
+                <a:cs typeface="Times New Roman" panose="02020603050405020304" pitchFamily="18" charset="0"/>
+              </a:rPr>
+              <a:t>Black hair</a:t>
+            </a:r>
+            <a:r>
+              <a:rPr lang="en-US" altLang="zh-CN" sz="2898" dirty="0">
+                <a:latin typeface="Times New Roman" panose="02020603050405020304" pitchFamily="18" charset="0"/>
+                <a:cs typeface="Times New Roman" panose="02020603050405020304" pitchFamily="18" charset="0"/>
+              </a:rPr>
+              <a:t> </a:t>
+            </a:r>
+            <a:endParaRPr lang="zh-CN" altLang="en-US" sz="2898" dirty="0">
+              <a:latin typeface="Times New Roman" panose="02020603050405020304" pitchFamily="18" charset="0"/>
+              <a:cs typeface="Times New Roman" panose="02020603050405020304" pitchFamily="18" charset="0"/>
+            </a:endParaRPr>
+          </a:p>
+        </p:txBody>
+      </p:sp>
+      <p:sp>
+        <p:nvSpPr>
+          <p:cNvPr id="54" name="文本框 53">
+            <a:extLst>
+              <a:ext uri="{FF2B5EF4-FFF2-40B4-BE49-F238E27FC236}">
+                <a16:creationId xmlns:a16="http://schemas.microsoft.com/office/drawing/2014/main" id="{897F4F9B-E7B4-4DEF-9A01-7E54A880CF89}"/>
+              </a:ext>
+            </a:extLst>
+          </p:cNvPr>
+          <p:cNvSpPr txBox="1"/>
+          <p:nvPr/>
+        </p:nvSpPr>
+        <p:spPr>
+          <a:xfrm>
+            <a:off x="29253893" y="6839078"/>
+            <a:ext cx="3565792" cy="538289"/>
+          </a:xfrm>
+          <a:prstGeom prst="rect">
+            <a:avLst/>
+          </a:prstGeom>
+          <a:noFill/>
+        </p:spPr>
+        <p:txBody>
+          <a:bodyPr wrap="square">
+            <a:spAutoFit/>
+          </a:bodyPr>
+          <a:lstStyle/>
+          <a:p>
+            <a:pPr algn="ctr"/>
+            <a:r>
+              <a:rPr lang="zh-CN" altLang="en-US" sz="2898" dirty="0">
+                <a:latin typeface="Times New Roman" panose="02020603050405020304" pitchFamily="18" charset="0"/>
+                <a:cs typeface="Times New Roman" panose="02020603050405020304" pitchFamily="18" charset="0"/>
+              </a:rPr>
+              <a:t>Blond </a:t>
+            </a:r>
+            <a:r>
+              <a:rPr lang="en-US" altLang="zh-CN" sz="2898" dirty="0">
+                <a:latin typeface="Times New Roman" panose="02020603050405020304" pitchFamily="18" charset="0"/>
+                <a:cs typeface="Times New Roman" panose="02020603050405020304" pitchFamily="18" charset="0"/>
+              </a:rPr>
+              <a:t>h</a:t>
+            </a:r>
+            <a:r>
+              <a:rPr lang="zh-CN" altLang="en-US" sz="2898" dirty="0">
+                <a:latin typeface="Times New Roman" panose="02020603050405020304" pitchFamily="18" charset="0"/>
+                <a:cs typeface="Times New Roman" panose="02020603050405020304" pitchFamily="18" charset="0"/>
+              </a:rPr>
+              <a:t>air</a:t>
+            </a:r>
+          </a:p>
+        </p:txBody>
+      </p:sp>
+      <p:sp>
+        <p:nvSpPr>
+          <p:cNvPr id="55" name="文本框 54">
+            <a:extLst>
+              <a:ext uri="{FF2B5EF4-FFF2-40B4-BE49-F238E27FC236}">
+                <a16:creationId xmlns:a16="http://schemas.microsoft.com/office/drawing/2014/main" id="{1DA2C120-BB7F-4B24-824B-81A44E741CFE}"/>
+              </a:ext>
+            </a:extLst>
+          </p:cNvPr>
+          <p:cNvSpPr txBox="1"/>
+          <p:nvPr/>
+        </p:nvSpPr>
+        <p:spPr>
+          <a:xfrm>
+            <a:off x="6299372" y="9802747"/>
+            <a:ext cx="2726428" cy="538289"/>
+          </a:xfrm>
+          <a:prstGeom prst="rect">
+            <a:avLst/>
+          </a:prstGeom>
+          <a:noFill/>
+        </p:spPr>
+        <p:txBody>
+          <a:bodyPr wrap="square">
+            <a:spAutoFit/>
+          </a:bodyPr>
+          <a:lstStyle/>
+          <a:p>
+            <a:pPr algn="ctr"/>
+            <a:r>
+              <a:rPr lang="en-US" altLang="zh-CN" sz="2898" dirty="0">
+                <a:solidFill>
+                  <a:srgbClr val="000000"/>
+                </a:solidFill>
+                <a:latin typeface="Times New Roman" panose="02020603050405020304" pitchFamily="18" charset="0"/>
+                <a:ea typeface="等线" panose="02010600030101010101" pitchFamily="2" charset="-122"/>
+                <a:cs typeface="Times New Roman" panose="02020603050405020304" pitchFamily="18" charset="0"/>
+              </a:rPr>
+              <a:t>Blurry</a:t>
+            </a:r>
+            <a:r>
+              <a:rPr lang="en-US" altLang="zh-CN" sz="2898" dirty="0">
+                <a:latin typeface="Times New Roman" panose="02020603050405020304" pitchFamily="18" charset="0"/>
+                <a:cs typeface="Times New Roman" panose="02020603050405020304" pitchFamily="18" charset="0"/>
+              </a:rPr>
+              <a:t> </a:t>
+            </a:r>
+            <a:endParaRPr lang="zh-CN" altLang="en-US" sz="2898" dirty="0">
+              <a:latin typeface="Times New Roman" panose="02020603050405020304" pitchFamily="18" charset="0"/>
+              <a:cs typeface="Times New Roman" panose="02020603050405020304" pitchFamily="18" charset="0"/>
+            </a:endParaRPr>
+          </a:p>
+        </p:txBody>
+      </p:sp>
+      <p:sp>
+        <p:nvSpPr>
+          <p:cNvPr id="56" name="文本框 55">
+            <a:extLst>
+              <a:ext uri="{FF2B5EF4-FFF2-40B4-BE49-F238E27FC236}">
+                <a16:creationId xmlns:a16="http://schemas.microsoft.com/office/drawing/2014/main" id="{CB9A8421-ACC5-4FC7-8A0C-1163DDFB0B22}"/>
+              </a:ext>
+            </a:extLst>
+          </p:cNvPr>
+          <p:cNvSpPr txBox="1"/>
+          <p:nvPr/>
+        </p:nvSpPr>
+        <p:spPr>
+          <a:xfrm>
+            <a:off x="8370008" y="9802748"/>
+            <a:ext cx="3675459" cy="538289"/>
+          </a:xfrm>
+          <a:prstGeom prst="rect">
+            <a:avLst/>
+          </a:prstGeom>
+          <a:noFill/>
+        </p:spPr>
+        <p:txBody>
+          <a:bodyPr wrap="square">
+            <a:spAutoFit/>
+          </a:bodyPr>
+          <a:lstStyle/>
+          <a:p>
+            <a:pPr algn="ctr"/>
+            <a:r>
+              <a:rPr lang="en-US" altLang="zh-CN" sz="2898" dirty="0">
+                <a:solidFill>
+                  <a:srgbClr val="000000"/>
+                </a:solidFill>
+                <a:latin typeface="Times New Roman" panose="02020603050405020304" pitchFamily="18" charset="0"/>
+                <a:ea typeface="等线" panose="02010600030101010101" pitchFamily="2" charset="-122"/>
+                <a:cs typeface="Times New Roman" panose="02020603050405020304" pitchFamily="18" charset="0"/>
+              </a:rPr>
+              <a:t>Brown hair</a:t>
+            </a:r>
+            <a:r>
+              <a:rPr lang="en-US" altLang="zh-CN" sz="2898" dirty="0">
+                <a:latin typeface="Times New Roman" panose="02020603050405020304" pitchFamily="18" charset="0"/>
+                <a:cs typeface="Times New Roman" panose="02020603050405020304" pitchFamily="18" charset="0"/>
+              </a:rPr>
+              <a:t> </a:t>
+            </a:r>
+            <a:endParaRPr lang="zh-CN" altLang="en-US" sz="2898" dirty="0">
+              <a:latin typeface="Times New Roman" panose="02020603050405020304" pitchFamily="18" charset="0"/>
+              <a:cs typeface="Times New Roman" panose="02020603050405020304" pitchFamily="18" charset="0"/>
+            </a:endParaRPr>
+          </a:p>
+        </p:txBody>
+      </p:sp>
+      <p:sp>
+        <p:nvSpPr>
+          <p:cNvPr id="57" name="文本框 56">
+            <a:extLst>
+              <a:ext uri="{FF2B5EF4-FFF2-40B4-BE49-F238E27FC236}">
+                <a16:creationId xmlns:a16="http://schemas.microsoft.com/office/drawing/2014/main" id="{61406DAC-8EAE-4CCE-A809-55C566477C80}"/>
+              </a:ext>
+            </a:extLst>
+          </p:cNvPr>
+          <p:cNvSpPr txBox="1"/>
+          <p:nvPr/>
+        </p:nvSpPr>
+        <p:spPr>
+          <a:xfrm>
+            <a:off x="10285800" y="9802748"/>
+            <a:ext cx="5007505" cy="538289"/>
+          </a:xfrm>
+          <a:prstGeom prst="rect">
+            <a:avLst/>
+          </a:prstGeom>
+          <a:noFill/>
+        </p:spPr>
+        <p:txBody>
+          <a:bodyPr wrap="square">
+            <a:spAutoFit/>
+          </a:bodyPr>
+          <a:lstStyle/>
+          <a:p>
+            <a:pPr algn="ctr"/>
+            <a:r>
+              <a:rPr lang="en-US" altLang="zh-CN" sz="2898" dirty="0">
+                <a:solidFill>
+                  <a:srgbClr val="000000"/>
+                </a:solidFill>
+                <a:latin typeface="Times New Roman" panose="02020603050405020304" pitchFamily="18" charset="0"/>
+                <a:ea typeface="等线" panose="02010600030101010101" pitchFamily="2" charset="-122"/>
+                <a:cs typeface="Times New Roman" panose="02020603050405020304" pitchFamily="18" charset="0"/>
+              </a:rPr>
+              <a:t>Bushy eyebrows</a:t>
+            </a:r>
+            <a:r>
+              <a:rPr lang="en-US" altLang="zh-CN" sz="2898" dirty="0">
+                <a:latin typeface="Times New Roman" panose="02020603050405020304" pitchFamily="18" charset="0"/>
+                <a:cs typeface="Times New Roman" panose="02020603050405020304" pitchFamily="18" charset="0"/>
+              </a:rPr>
+              <a:t> </a:t>
+            </a:r>
+            <a:endParaRPr lang="zh-CN" altLang="en-US" sz="2898" dirty="0">
+              <a:latin typeface="Times New Roman" panose="02020603050405020304" pitchFamily="18" charset="0"/>
+              <a:cs typeface="Times New Roman" panose="02020603050405020304" pitchFamily="18" charset="0"/>
+            </a:endParaRPr>
+          </a:p>
+        </p:txBody>
+      </p:sp>
+      <p:sp>
+        <p:nvSpPr>
+          <p:cNvPr id="58" name="文本框 57">
+            <a:extLst>
+              <a:ext uri="{FF2B5EF4-FFF2-40B4-BE49-F238E27FC236}">
+                <a16:creationId xmlns:a16="http://schemas.microsoft.com/office/drawing/2014/main" id="{6BBD73CD-8B98-4C9A-A0BC-81AD8F01ABFD}"/>
+              </a:ext>
+            </a:extLst>
+          </p:cNvPr>
+          <p:cNvSpPr txBox="1"/>
+          <p:nvPr/>
+        </p:nvSpPr>
+        <p:spPr>
+          <a:xfrm>
+            <a:off x="13881637" y="9802748"/>
+            <a:ext cx="2987119" cy="538289"/>
+          </a:xfrm>
+          <a:prstGeom prst="rect">
+            <a:avLst/>
+          </a:prstGeom>
+          <a:noFill/>
+        </p:spPr>
+        <p:txBody>
+          <a:bodyPr wrap="square">
+            <a:spAutoFit/>
+          </a:bodyPr>
+          <a:lstStyle/>
+          <a:p>
+            <a:pPr algn="ctr"/>
+            <a:r>
+              <a:rPr lang="en-US" altLang="zh-CN" sz="2898" dirty="0">
+                <a:solidFill>
+                  <a:srgbClr val="000000"/>
+                </a:solidFill>
+                <a:latin typeface="Times New Roman" panose="02020603050405020304" pitchFamily="18" charset="0"/>
+                <a:ea typeface="等线" panose="02010600030101010101" pitchFamily="2" charset="-122"/>
+                <a:cs typeface="Times New Roman" panose="02020603050405020304" pitchFamily="18" charset="0"/>
+              </a:rPr>
+              <a:t>Chubby</a:t>
+            </a:r>
+            <a:r>
+              <a:rPr lang="en-US" altLang="zh-CN" sz="2898" dirty="0">
+                <a:latin typeface="Times New Roman" panose="02020603050405020304" pitchFamily="18" charset="0"/>
+                <a:cs typeface="Times New Roman" panose="02020603050405020304" pitchFamily="18" charset="0"/>
+              </a:rPr>
+              <a:t> </a:t>
+            </a:r>
+            <a:endParaRPr lang="zh-CN" altLang="en-US" sz="2898" dirty="0">
+              <a:latin typeface="Times New Roman" panose="02020603050405020304" pitchFamily="18" charset="0"/>
+              <a:cs typeface="Times New Roman" panose="02020603050405020304" pitchFamily="18" charset="0"/>
+            </a:endParaRPr>
+          </a:p>
+        </p:txBody>
+      </p:sp>
+      <p:sp>
+        <p:nvSpPr>
+          <p:cNvPr id="59" name="文本框 58">
+            <a:extLst>
+              <a:ext uri="{FF2B5EF4-FFF2-40B4-BE49-F238E27FC236}">
+                <a16:creationId xmlns:a16="http://schemas.microsoft.com/office/drawing/2014/main" id="{D8D7721F-4034-4F8C-A482-E6B0B0DE725C}"/>
+              </a:ext>
+            </a:extLst>
+          </p:cNvPr>
+          <p:cNvSpPr txBox="1"/>
+          <p:nvPr/>
+        </p:nvSpPr>
+        <p:spPr>
+          <a:xfrm>
+            <a:off x="15944945" y="9802748"/>
+            <a:ext cx="4008176" cy="538289"/>
+          </a:xfrm>
+          <a:prstGeom prst="rect">
+            <a:avLst/>
+          </a:prstGeom>
+          <a:noFill/>
+        </p:spPr>
+        <p:txBody>
+          <a:bodyPr wrap="square">
+            <a:spAutoFit/>
+          </a:bodyPr>
+          <a:lstStyle/>
+          <a:p>
+            <a:pPr algn="ctr"/>
+            <a:r>
+              <a:rPr lang="en-US" altLang="zh-CN" sz="2898" dirty="0">
+                <a:solidFill>
+                  <a:srgbClr val="000000"/>
+                </a:solidFill>
+                <a:latin typeface="Times New Roman" panose="02020603050405020304" pitchFamily="18" charset="0"/>
+                <a:ea typeface="等线" panose="02010600030101010101" pitchFamily="2" charset="-122"/>
+                <a:cs typeface="Times New Roman" panose="02020603050405020304" pitchFamily="18" charset="0"/>
+              </a:rPr>
+              <a:t>Double chin</a:t>
+            </a:r>
+            <a:r>
+              <a:rPr lang="en-US" altLang="zh-CN" sz="2898" dirty="0">
+                <a:latin typeface="Times New Roman" panose="02020603050405020304" pitchFamily="18" charset="0"/>
+                <a:cs typeface="Times New Roman" panose="02020603050405020304" pitchFamily="18" charset="0"/>
+              </a:rPr>
+              <a:t> </a:t>
+            </a:r>
+            <a:endParaRPr lang="zh-CN" altLang="en-US" sz="2898" dirty="0">
+              <a:latin typeface="Times New Roman" panose="02020603050405020304" pitchFamily="18" charset="0"/>
+              <a:cs typeface="Times New Roman" panose="02020603050405020304" pitchFamily="18" charset="0"/>
+            </a:endParaRPr>
+          </a:p>
+        </p:txBody>
+      </p:sp>
+      <p:sp>
+        <p:nvSpPr>
+          <p:cNvPr id="60" name="文本框 59">
+            <a:extLst>
+              <a:ext uri="{FF2B5EF4-FFF2-40B4-BE49-F238E27FC236}">
+                <a16:creationId xmlns:a16="http://schemas.microsoft.com/office/drawing/2014/main" id="{005CB700-2C7C-4DEC-B497-854C28881E20}"/>
+              </a:ext>
+            </a:extLst>
+          </p:cNvPr>
+          <p:cNvSpPr txBox="1"/>
+          <p:nvPr/>
+        </p:nvSpPr>
+        <p:spPr>
+          <a:xfrm>
+            <a:off x="18454062" y="9802745"/>
+            <a:ext cx="4301458" cy="538289"/>
+          </a:xfrm>
+          <a:prstGeom prst="rect">
+            <a:avLst/>
+          </a:prstGeom>
+          <a:noFill/>
+        </p:spPr>
+        <p:txBody>
+          <a:bodyPr wrap="square">
+            <a:spAutoFit/>
+          </a:bodyPr>
+          <a:lstStyle/>
+          <a:p>
+            <a:pPr algn="ctr"/>
+            <a:r>
+              <a:rPr lang="en-US" altLang="zh-CN" sz="2898" dirty="0">
+                <a:solidFill>
+                  <a:srgbClr val="000000"/>
+                </a:solidFill>
+                <a:latin typeface="Times New Roman" panose="02020603050405020304" pitchFamily="18" charset="0"/>
+                <a:ea typeface="等线" panose="02010600030101010101" pitchFamily="2" charset="-122"/>
+                <a:cs typeface="Times New Roman" panose="02020603050405020304" pitchFamily="18" charset="0"/>
+              </a:rPr>
+              <a:t>Eyeglasses</a:t>
+            </a:r>
+            <a:r>
+              <a:rPr lang="en-US" altLang="zh-CN" sz="2898" dirty="0">
+                <a:latin typeface="Times New Roman" panose="02020603050405020304" pitchFamily="18" charset="0"/>
+                <a:cs typeface="Times New Roman" panose="02020603050405020304" pitchFamily="18" charset="0"/>
+              </a:rPr>
+              <a:t> </a:t>
+            </a:r>
+            <a:endParaRPr lang="zh-CN" altLang="en-US" sz="2898" dirty="0">
+              <a:latin typeface="Times New Roman" panose="02020603050405020304" pitchFamily="18" charset="0"/>
+              <a:cs typeface="Times New Roman" panose="02020603050405020304" pitchFamily="18" charset="0"/>
+            </a:endParaRPr>
+          </a:p>
+        </p:txBody>
+      </p:sp>
+      <p:sp>
+        <p:nvSpPr>
+          <p:cNvPr id="61" name="文本框 60">
+            <a:extLst>
+              <a:ext uri="{FF2B5EF4-FFF2-40B4-BE49-F238E27FC236}">
+                <a16:creationId xmlns:a16="http://schemas.microsoft.com/office/drawing/2014/main" id="{EDBC2143-8823-4AA3-BBE0-5BDC33E3D7D0}"/>
+              </a:ext>
+            </a:extLst>
+          </p:cNvPr>
+          <p:cNvSpPr txBox="1"/>
+          <p:nvPr/>
+        </p:nvSpPr>
+        <p:spPr>
+          <a:xfrm>
+            <a:off x="21538672" y="9802745"/>
+            <a:ext cx="3092613" cy="538289"/>
+          </a:xfrm>
+          <a:prstGeom prst="rect">
+            <a:avLst/>
+          </a:prstGeom>
+          <a:noFill/>
+        </p:spPr>
+        <p:txBody>
+          <a:bodyPr wrap="square">
+            <a:spAutoFit/>
+          </a:bodyPr>
+          <a:lstStyle/>
+          <a:p>
+            <a:pPr algn="ctr"/>
+            <a:r>
+              <a:rPr lang="en-US" altLang="zh-CN" sz="2898" dirty="0">
+                <a:solidFill>
+                  <a:srgbClr val="000000"/>
+                </a:solidFill>
+                <a:latin typeface="Times New Roman" panose="02020603050405020304" pitchFamily="18" charset="0"/>
+                <a:ea typeface="等线" panose="02010600030101010101" pitchFamily="2" charset="-122"/>
+                <a:cs typeface="Times New Roman" panose="02020603050405020304" pitchFamily="18" charset="0"/>
+              </a:rPr>
+              <a:t>Goatee</a:t>
+            </a:r>
+            <a:r>
+              <a:rPr lang="en-US" altLang="zh-CN" sz="2898" dirty="0">
+                <a:latin typeface="Times New Roman" panose="02020603050405020304" pitchFamily="18" charset="0"/>
+                <a:cs typeface="Times New Roman" panose="02020603050405020304" pitchFamily="18" charset="0"/>
+              </a:rPr>
+              <a:t> </a:t>
+            </a:r>
+            <a:endParaRPr lang="zh-CN" altLang="en-US" sz="2898" dirty="0">
+              <a:latin typeface="Times New Roman" panose="02020603050405020304" pitchFamily="18" charset="0"/>
+              <a:cs typeface="Times New Roman" panose="02020603050405020304" pitchFamily="18" charset="0"/>
+            </a:endParaRPr>
+          </a:p>
+        </p:txBody>
+      </p:sp>
+      <p:sp>
+        <p:nvSpPr>
+          <p:cNvPr id="62" name="文本框 61">
+            <a:extLst>
+              <a:ext uri="{FF2B5EF4-FFF2-40B4-BE49-F238E27FC236}">
+                <a16:creationId xmlns:a16="http://schemas.microsoft.com/office/drawing/2014/main" id="{AFAED311-E5A2-4C12-8586-5A529AD20201}"/>
+              </a:ext>
+            </a:extLst>
+          </p:cNvPr>
+          <p:cNvSpPr txBox="1"/>
+          <p:nvPr/>
+        </p:nvSpPr>
+        <p:spPr>
+          <a:xfrm>
+            <a:off x="23781961" y="9802745"/>
+            <a:ext cx="3825370" cy="538289"/>
+          </a:xfrm>
+          <a:prstGeom prst="rect">
+            <a:avLst/>
+          </a:prstGeom>
+          <a:noFill/>
+        </p:spPr>
+        <p:txBody>
+          <a:bodyPr wrap="square">
+            <a:spAutoFit/>
+          </a:bodyPr>
+          <a:lstStyle/>
+          <a:p>
+            <a:pPr algn="ctr"/>
+            <a:r>
+              <a:rPr lang="en-US" altLang="zh-CN" sz="2898" dirty="0">
+                <a:solidFill>
+                  <a:srgbClr val="000000"/>
+                </a:solidFill>
+                <a:latin typeface="Times New Roman" panose="02020603050405020304" pitchFamily="18" charset="0"/>
+                <a:ea typeface="等线" panose="02010600030101010101" pitchFamily="2" charset="-122"/>
+                <a:cs typeface="Times New Roman" panose="02020603050405020304" pitchFamily="18" charset="0"/>
+              </a:rPr>
+              <a:t>Gray hair</a:t>
+            </a:r>
+            <a:r>
+              <a:rPr lang="en-US" altLang="zh-CN" sz="2898" dirty="0">
+                <a:latin typeface="Times New Roman" panose="02020603050405020304" pitchFamily="18" charset="0"/>
+                <a:cs typeface="Times New Roman" panose="02020603050405020304" pitchFamily="18" charset="0"/>
+              </a:rPr>
+              <a:t> </a:t>
+            </a:r>
+            <a:endParaRPr lang="zh-CN" altLang="en-US" sz="2898" dirty="0">
+              <a:latin typeface="Times New Roman" panose="02020603050405020304" pitchFamily="18" charset="0"/>
+              <a:cs typeface="Times New Roman" panose="02020603050405020304" pitchFamily="18" charset="0"/>
+            </a:endParaRPr>
+          </a:p>
+        </p:txBody>
+      </p:sp>
+      <p:sp>
+        <p:nvSpPr>
+          <p:cNvPr id="63" name="文本框 62">
+            <a:extLst>
+              <a:ext uri="{FF2B5EF4-FFF2-40B4-BE49-F238E27FC236}">
+                <a16:creationId xmlns:a16="http://schemas.microsoft.com/office/drawing/2014/main" id="{63D12810-F17C-41E7-85CB-51BC1CBE7C2A}"/>
+              </a:ext>
+            </a:extLst>
+          </p:cNvPr>
+          <p:cNvSpPr txBox="1"/>
+          <p:nvPr/>
+        </p:nvSpPr>
+        <p:spPr>
+          <a:xfrm>
+            <a:off x="26915887" y="9802745"/>
+            <a:ext cx="2994179" cy="538289"/>
+          </a:xfrm>
+          <a:prstGeom prst="rect">
+            <a:avLst/>
+          </a:prstGeom>
+          <a:noFill/>
+        </p:spPr>
+        <p:txBody>
+          <a:bodyPr wrap="square">
+            <a:spAutoFit/>
+          </a:bodyPr>
+          <a:lstStyle/>
+          <a:p>
+            <a:pPr algn="ctr"/>
+            <a:r>
+              <a:rPr lang="en-US" altLang="zh-CN" sz="2898" dirty="0">
+                <a:solidFill>
+                  <a:srgbClr val="000000"/>
+                </a:solidFill>
+                <a:latin typeface="Times New Roman" panose="02020603050405020304" pitchFamily="18" charset="0"/>
+                <a:ea typeface="等线" panose="02010600030101010101" pitchFamily="2" charset="-122"/>
+                <a:cs typeface="Times New Roman" panose="02020603050405020304" pitchFamily="18" charset="0"/>
+              </a:rPr>
+              <a:t>Heavy makeup</a:t>
+            </a:r>
+            <a:r>
+              <a:rPr lang="en-US" altLang="zh-CN" sz="2898" dirty="0">
+                <a:latin typeface="Times New Roman" panose="02020603050405020304" pitchFamily="18" charset="0"/>
+                <a:cs typeface="Times New Roman" panose="02020603050405020304" pitchFamily="18" charset="0"/>
+              </a:rPr>
+              <a:t> </a:t>
+            </a:r>
+            <a:endParaRPr lang="zh-CN" altLang="en-US" sz="2898" dirty="0">
+              <a:latin typeface="Times New Roman" panose="02020603050405020304" pitchFamily="18" charset="0"/>
+              <a:cs typeface="Times New Roman" panose="02020603050405020304" pitchFamily="18" charset="0"/>
+            </a:endParaRPr>
+          </a:p>
+        </p:txBody>
+      </p:sp>
+      <p:sp>
+        <p:nvSpPr>
+          <p:cNvPr id="64" name="文本框 63">
+            <a:extLst>
+              <a:ext uri="{FF2B5EF4-FFF2-40B4-BE49-F238E27FC236}">
+                <a16:creationId xmlns:a16="http://schemas.microsoft.com/office/drawing/2014/main" id="{80DBBB38-D988-4B98-B34E-07A488DFB62E}"/>
+              </a:ext>
+            </a:extLst>
+          </p:cNvPr>
+          <p:cNvSpPr txBox="1"/>
+          <p:nvPr/>
+        </p:nvSpPr>
+        <p:spPr>
+          <a:xfrm>
+            <a:off x="29164099" y="9802745"/>
+            <a:ext cx="4012591" cy="538289"/>
+          </a:xfrm>
+          <a:prstGeom prst="rect">
+            <a:avLst/>
+          </a:prstGeom>
+          <a:noFill/>
+        </p:spPr>
+        <p:txBody>
+          <a:bodyPr wrap="square">
+            <a:spAutoFit/>
+          </a:bodyPr>
+          <a:lstStyle/>
+          <a:p>
+            <a:pPr algn="ctr"/>
+            <a:r>
+              <a:rPr lang="en-US" altLang="zh-CN" sz="2898" dirty="0">
+                <a:solidFill>
+                  <a:srgbClr val="000000"/>
+                </a:solidFill>
+                <a:latin typeface="Times New Roman" panose="02020603050405020304" pitchFamily="18" charset="0"/>
+                <a:ea typeface="等线" panose="02010600030101010101" pitchFamily="2" charset="-122"/>
+                <a:cs typeface="Times New Roman" panose="02020603050405020304" pitchFamily="18" charset="0"/>
+              </a:rPr>
+              <a:t>High cheekbones</a:t>
+            </a:r>
+            <a:r>
+              <a:rPr lang="en-US" altLang="zh-CN" sz="2898" dirty="0">
+                <a:latin typeface="Times New Roman" panose="02020603050405020304" pitchFamily="18" charset="0"/>
+                <a:cs typeface="Times New Roman" panose="02020603050405020304" pitchFamily="18" charset="0"/>
+              </a:rPr>
+              <a:t> </a:t>
+            </a:r>
+            <a:endParaRPr lang="zh-CN" altLang="en-US" sz="2898" dirty="0">
+              <a:latin typeface="Times New Roman" panose="02020603050405020304" pitchFamily="18" charset="0"/>
+              <a:cs typeface="Times New Roman" panose="02020603050405020304" pitchFamily="18" charset="0"/>
+            </a:endParaRPr>
+          </a:p>
+        </p:txBody>
+      </p:sp>
+      <p:sp>
+        <p:nvSpPr>
+          <p:cNvPr id="65" name="文本框 64">
+            <a:extLst>
+              <a:ext uri="{FF2B5EF4-FFF2-40B4-BE49-F238E27FC236}">
+                <a16:creationId xmlns:a16="http://schemas.microsoft.com/office/drawing/2014/main" id="{354C3B7A-1594-4573-85E2-22004F2622B0}"/>
+              </a:ext>
+            </a:extLst>
+          </p:cNvPr>
+          <p:cNvSpPr txBox="1"/>
+          <p:nvPr/>
+        </p:nvSpPr>
+        <p:spPr>
+          <a:xfrm>
+            <a:off x="6745690" y="12740515"/>
+            <a:ext cx="1760859" cy="538289"/>
+          </a:xfrm>
+          <a:prstGeom prst="rect">
+            <a:avLst/>
+          </a:prstGeom>
+          <a:noFill/>
+        </p:spPr>
+        <p:txBody>
+          <a:bodyPr wrap="square">
+            <a:spAutoFit/>
+          </a:bodyPr>
+          <a:lstStyle/>
+          <a:p>
+            <a:pPr algn="ctr"/>
+            <a:r>
+              <a:rPr lang="en-US" altLang="zh-CN" sz="2898" dirty="0">
+                <a:solidFill>
+                  <a:srgbClr val="000000"/>
+                </a:solidFill>
+                <a:latin typeface="Times New Roman" panose="02020603050405020304" pitchFamily="18" charset="0"/>
+                <a:ea typeface="等线" panose="02010600030101010101" pitchFamily="2" charset="-122"/>
+                <a:cs typeface="Times New Roman" panose="02020603050405020304" pitchFamily="18" charset="0"/>
+              </a:rPr>
+              <a:t>Male</a:t>
+            </a:r>
+            <a:r>
+              <a:rPr lang="en-US" altLang="zh-CN" sz="2898" dirty="0">
+                <a:latin typeface="Times New Roman" panose="02020603050405020304" pitchFamily="18" charset="0"/>
+                <a:cs typeface="Times New Roman" panose="02020603050405020304" pitchFamily="18" charset="0"/>
+              </a:rPr>
+              <a:t> </a:t>
+            </a:r>
+            <a:endParaRPr lang="zh-CN" altLang="en-US" sz="2898" dirty="0">
+              <a:latin typeface="Times New Roman" panose="02020603050405020304" pitchFamily="18" charset="0"/>
+              <a:cs typeface="Times New Roman" panose="02020603050405020304" pitchFamily="18" charset="0"/>
+            </a:endParaRPr>
+          </a:p>
+        </p:txBody>
+      </p:sp>
+      <p:sp>
+        <p:nvSpPr>
+          <p:cNvPr id="66" name="文本框 65">
+            <a:extLst>
+              <a:ext uri="{FF2B5EF4-FFF2-40B4-BE49-F238E27FC236}">
+                <a16:creationId xmlns:a16="http://schemas.microsoft.com/office/drawing/2014/main" id="{1F2D9877-B18B-41F3-BD44-2C7032D30492}"/>
+              </a:ext>
+            </a:extLst>
+          </p:cNvPr>
+          <p:cNvSpPr txBox="1"/>
+          <p:nvPr/>
+        </p:nvSpPr>
+        <p:spPr>
+          <a:xfrm>
+            <a:off x="8431774" y="12740508"/>
+            <a:ext cx="3652101" cy="538289"/>
+          </a:xfrm>
+          <a:prstGeom prst="rect">
+            <a:avLst/>
+          </a:prstGeom>
+          <a:noFill/>
+        </p:spPr>
+        <p:txBody>
+          <a:bodyPr wrap="square">
+            <a:spAutoFit/>
+          </a:bodyPr>
+          <a:lstStyle/>
+          <a:p>
+            <a:pPr algn="ctr"/>
+            <a:r>
+              <a:rPr lang="en-US" altLang="zh-CN" sz="2898" dirty="0">
+                <a:solidFill>
+                  <a:srgbClr val="000000"/>
+                </a:solidFill>
+                <a:latin typeface="Times New Roman" panose="02020603050405020304" pitchFamily="18" charset="0"/>
+                <a:ea typeface="等线" panose="02010600030101010101" pitchFamily="2" charset="-122"/>
+                <a:cs typeface="Times New Roman" panose="02020603050405020304" pitchFamily="18" charset="0"/>
+              </a:rPr>
+              <a:t>Mouth slightly open</a:t>
+            </a:r>
+            <a:r>
+              <a:rPr lang="en-US" altLang="zh-CN" sz="2898" dirty="0">
+                <a:latin typeface="Times New Roman" panose="02020603050405020304" pitchFamily="18" charset="0"/>
+                <a:cs typeface="Times New Roman" panose="02020603050405020304" pitchFamily="18" charset="0"/>
+              </a:rPr>
+              <a:t> </a:t>
+            </a:r>
+            <a:endParaRPr lang="zh-CN" altLang="en-US" sz="2898" dirty="0">
+              <a:latin typeface="Times New Roman" panose="02020603050405020304" pitchFamily="18" charset="0"/>
+              <a:cs typeface="Times New Roman" panose="02020603050405020304" pitchFamily="18" charset="0"/>
+            </a:endParaRPr>
+          </a:p>
+        </p:txBody>
+      </p:sp>
+      <p:sp>
+        <p:nvSpPr>
+          <p:cNvPr id="67" name="文本框 66">
+            <a:extLst>
+              <a:ext uri="{FF2B5EF4-FFF2-40B4-BE49-F238E27FC236}">
+                <a16:creationId xmlns:a16="http://schemas.microsoft.com/office/drawing/2014/main" id="{874DD7CC-BEEC-4E67-80C1-5F362DC7323E}"/>
+              </a:ext>
+            </a:extLst>
+          </p:cNvPr>
+          <p:cNvSpPr txBox="1"/>
+          <p:nvPr/>
+        </p:nvSpPr>
+        <p:spPr>
+          <a:xfrm>
+            <a:off x="11721183" y="12740509"/>
+            <a:ext cx="2161590" cy="538289"/>
+          </a:xfrm>
+          <a:prstGeom prst="rect">
+            <a:avLst/>
+          </a:prstGeom>
+          <a:noFill/>
+        </p:spPr>
+        <p:txBody>
+          <a:bodyPr wrap="square">
+            <a:spAutoFit/>
+          </a:bodyPr>
+          <a:lstStyle/>
+          <a:p>
+            <a:pPr algn="ctr"/>
+            <a:r>
+              <a:rPr lang="en-US" altLang="zh-CN" sz="2898" dirty="0">
+                <a:solidFill>
+                  <a:srgbClr val="000000"/>
+                </a:solidFill>
+                <a:latin typeface="Times New Roman" panose="02020603050405020304" pitchFamily="18" charset="0"/>
+                <a:ea typeface="等线" panose="02010600030101010101" pitchFamily="2" charset="-122"/>
+                <a:cs typeface="Times New Roman" panose="02020603050405020304" pitchFamily="18" charset="0"/>
+              </a:rPr>
+              <a:t>Mustache</a:t>
+            </a:r>
+            <a:r>
+              <a:rPr lang="en-US" altLang="zh-CN" sz="2898" dirty="0">
+                <a:latin typeface="Times New Roman" panose="02020603050405020304" pitchFamily="18" charset="0"/>
+                <a:cs typeface="Times New Roman" panose="02020603050405020304" pitchFamily="18" charset="0"/>
+              </a:rPr>
+              <a:t> </a:t>
+            </a:r>
+            <a:endParaRPr lang="zh-CN" altLang="en-US" sz="2898" dirty="0">
+              <a:latin typeface="Times New Roman" panose="02020603050405020304" pitchFamily="18" charset="0"/>
+              <a:cs typeface="Times New Roman" panose="02020603050405020304" pitchFamily="18" charset="0"/>
+            </a:endParaRPr>
+          </a:p>
+        </p:txBody>
+      </p:sp>
+      <p:sp>
+        <p:nvSpPr>
+          <p:cNvPr id="68" name="文本框 67">
+            <a:extLst>
+              <a:ext uri="{FF2B5EF4-FFF2-40B4-BE49-F238E27FC236}">
+                <a16:creationId xmlns:a16="http://schemas.microsoft.com/office/drawing/2014/main" id="{D7356F6C-6882-4FC4-B2D4-B917037934EC}"/>
+              </a:ext>
+            </a:extLst>
+          </p:cNvPr>
+          <p:cNvSpPr txBox="1"/>
+          <p:nvPr/>
+        </p:nvSpPr>
+        <p:spPr>
+          <a:xfrm>
+            <a:off x="14110668" y="12740509"/>
+            <a:ext cx="2716193" cy="538289"/>
+          </a:xfrm>
+          <a:prstGeom prst="rect">
+            <a:avLst/>
+          </a:prstGeom>
+          <a:noFill/>
+        </p:spPr>
+        <p:txBody>
+          <a:bodyPr wrap="square">
+            <a:spAutoFit/>
+          </a:bodyPr>
+          <a:lstStyle/>
+          <a:p>
+            <a:pPr algn="ctr"/>
+            <a:r>
+              <a:rPr lang="en-US" altLang="zh-CN" sz="2898" dirty="0">
+                <a:solidFill>
+                  <a:srgbClr val="000000"/>
+                </a:solidFill>
+                <a:latin typeface="Times New Roman" panose="02020603050405020304" pitchFamily="18" charset="0"/>
+                <a:ea typeface="等线" panose="02010600030101010101" pitchFamily="2" charset="-122"/>
+                <a:cs typeface="Times New Roman" panose="02020603050405020304" pitchFamily="18" charset="0"/>
+              </a:rPr>
+              <a:t>Narrow eyes</a:t>
+            </a:r>
+            <a:r>
+              <a:rPr lang="en-US" altLang="zh-CN" sz="2898" dirty="0">
+                <a:latin typeface="Times New Roman" panose="02020603050405020304" pitchFamily="18" charset="0"/>
+                <a:cs typeface="Times New Roman" panose="02020603050405020304" pitchFamily="18" charset="0"/>
+              </a:rPr>
+              <a:t> </a:t>
+            </a:r>
+            <a:endParaRPr lang="zh-CN" altLang="en-US" sz="2898" dirty="0">
+              <a:latin typeface="Times New Roman" panose="02020603050405020304" pitchFamily="18" charset="0"/>
+              <a:cs typeface="Times New Roman" panose="02020603050405020304" pitchFamily="18" charset="0"/>
+            </a:endParaRPr>
+          </a:p>
+        </p:txBody>
+      </p:sp>
+      <p:sp>
+        <p:nvSpPr>
+          <p:cNvPr id="69" name="文本框 68">
+            <a:extLst>
+              <a:ext uri="{FF2B5EF4-FFF2-40B4-BE49-F238E27FC236}">
+                <a16:creationId xmlns:a16="http://schemas.microsoft.com/office/drawing/2014/main" id="{C09F6F76-2F96-4B69-A78C-E9912B0E5593}"/>
+              </a:ext>
+            </a:extLst>
+          </p:cNvPr>
+          <p:cNvSpPr txBox="1"/>
+          <p:nvPr/>
+        </p:nvSpPr>
+        <p:spPr>
+          <a:xfrm>
+            <a:off x="29866348" y="12740509"/>
+            <a:ext cx="2453841" cy="538289"/>
+          </a:xfrm>
+          <a:prstGeom prst="rect">
+            <a:avLst/>
+          </a:prstGeom>
+          <a:noFill/>
+        </p:spPr>
+        <p:txBody>
+          <a:bodyPr wrap="square">
+            <a:spAutoFit/>
+          </a:bodyPr>
+          <a:lstStyle/>
+          <a:p>
+            <a:pPr algn="ctr"/>
+            <a:r>
+              <a:rPr lang="en-US" altLang="zh-CN" sz="2898" dirty="0">
+                <a:solidFill>
+                  <a:srgbClr val="000000"/>
+                </a:solidFill>
+                <a:latin typeface="Times New Roman" panose="02020603050405020304" pitchFamily="18" charset="0"/>
+                <a:ea typeface="等线" panose="02010600030101010101" pitchFamily="2" charset="-122"/>
+                <a:cs typeface="Times New Roman" panose="02020603050405020304" pitchFamily="18" charset="0"/>
+              </a:rPr>
+              <a:t>Rosy cheeks</a:t>
+            </a:r>
+            <a:r>
+              <a:rPr lang="en-US" altLang="zh-CN" sz="2898" dirty="0">
+                <a:latin typeface="Times New Roman" panose="02020603050405020304" pitchFamily="18" charset="0"/>
+                <a:cs typeface="Times New Roman" panose="02020603050405020304" pitchFamily="18" charset="0"/>
+              </a:rPr>
+              <a:t> </a:t>
+            </a:r>
+            <a:endParaRPr lang="zh-CN" altLang="en-US" sz="2898" dirty="0">
+              <a:latin typeface="Times New Roman" panose="02020603050405020304" pitchFamily="18" charset="0"/>
+              <a:cs typeface="Times New Roman" panose="02020603050405020304" pitchFamily="18" charset="0"/>
+            </a:endParaRPr>
+          </a:p>
+        </p:txBody>
+      </p:sp>
+      <p:sp>
+        <p:nvSpPr>
+          <p:cNvPr id="70" name="文本框 69">
+            <a:extLst>
+              <a:ext uri="{FF2B5EF4-FFF2-40B4-BE49-F238E27FC236}">
+                <a16:creationId xmlns:a16="http://schemas.microsoft.com/office/drawing/2014/main" id="{FB15077B-0D75-46D4-8793-9EB2969EE93E}"/>
+              </a:ext>
+            </a:extLst>
+          </p:cNvPr>
+          <p:cNvSpPr txBox="1"/>
+          <p:nvPr/>
+        </p:nvSpPr>
+        <p:spPr>
+          <a:xfrm>
+            <a:off x="16886256" y="12740509"/>
+            <a:ext cx="2369290" cy="538289"/>
+          </a:xfrm>
+          <a:prstGeom prst="rect">
+            <a:avLst/>
+          </a:prstGeom>
+          <a:noFill/>
+        </p:spPr>
+        <p:txBody>
+          <a:bodyPr wrap="square">
+            <a:spAutoFit/>
+          </a:bodyPr>
+          <a:lstStyle/>
+          <a:p>
+            <a:pPr algn="ctr"/>
+            <a:r>
+              <a:rPr lang="en-US" altLang="zh-CN" sz="2898" dirty="0">
+                <a:solidFill>
+                  <a:srgbClr val="000000"/>
+                </a:solidFill>
+                <a:latin typeface="Times New Roman" panose="02020603050405020304" pitchFamily="18" charset="0"/>
+                <a:ea typeface="等线" panose="02010600030101010101" pitchFamily="2" charset="-122"/>
+                <a:cs typeface="Times New Roman" panose="02020603050405020304" pitchFamily="18" charset="0"/>
+              </a:rPr>
+              <a:t>No beard</a:t>
+            </a:r>
+            <a:r>
+              <a:rPr lang="en-US" altLang="zh-CN" sz="2898" dirty="0">
+                <a:latin typeface="Times New Roman" panose="02020603050405020304" pitchFamily="18" charset="0"/>
+                <a:cs typeface="Times New Roman" panose="02020603050405020304" pitchFamily="18" charset="0"/>
+              </a:rPr>
+              <a:t> </a:t>
+            </a:r>
+            <a:endParaRPr lang="zh-CN" altLang="en-US" sz="2898" dirty="0">
+              <a:latin typeface="Times New Roman" panose="02020603050405020304" pitchFamily="18" charset="0"/>
+              <a:cs typeface="Times New Roman" panose="02020603050405020304" pitchFamily="18" charset="0"/>
+            </a:endParaRPr>
+          </a:p>
+        </p:txBody>
+      </p:sp>
+      <p:sp>
+        <p:nvSpPr>
+          <p:cNvPr id="71" name="文本框 70">
+            <a:extLst>
+              <a:ext uri="{FF2B5EF4-FFF2-40B4-BE49-F238E27FC236}">
+                <a16:creationId xmlns:a16="http://schemas.microsoft.com/office/drawing/2014/main" id="{5889D1D4-3F1B-42A0-9B1B-2DA075634339}"/>
+              </a:ext>
+            </a:extLst>
+          </p:cNvPr>
+          <p:cNvSpPr txBox="1"/>
+          <p:nvPr/>
+        </p:nvSpPr>
+        <p:spPr>
+          <a:xfrm>
+            <a:off x="19410180" y="12740515"/>
+            <a:ext cx="2280958" cy="538289"/>
+          </a:xfrm>
+          <a:prstGeom prst="rect">
+            <a:avLst/>
+          </a:prstGeom>
+          <a:noFill/>
+        </p:spPr>
+        <p:txBody>
+          <a:bodyPr wrap="square">
+            <a:spAutoFit/>
+          </a:bodyPr>
+          <a:lstStyle/>
+          <a:p>
+            <a:pPr algn="ctr"/>
+            <a:r>
+              <a:rPr lang="en-US" altLang="zh-CN" sz="2898" dirty="0">
+                <a:solidFill>
+                  <a:srgbClr val="000000"/>
+                </a:solidFill>
+                <a:latin typeface="Times New Roman" panose="02020603050405020304" pitchFamily="18" charset="0"/>
+                <a:ea typeface="等线" panose="02010600030101010101" pitchFamily="2" charset="-122"/>
+                <a:cs typeface="Times New Roman" panose="02020603050405020304" pitchFamily="18" charset="0"/>
+              </a:rPr>
+              <a:t>Oval face</a:t>
+            </a:r>
+            <a:r>
+              <a:rPr lang="en-US" altLang="zh-CN" sz="2898" dirty="0">
+                <a:latin typeface="Times New Roman" panose="02020603050405020304" pitchFamily="18" charset="0"/>
+                <a:cs typeface="Times New Roman" panose="02020603050405020304" pitchFamily="18" charset="0"/>
+              </a:rPr>
+              <a:t> </a:t>
+            </a:r>
+            <a:endParaRPr lang="zh-CN" altLang="en-US" sz="2898" dirty="0">
+              <a:latin typeface="Times New Roman" panose="02020603050405020304" pitchFamily="18" charset="0"/>
+              <a:cs typeface="Times New Roman" panose="02020603050405020304" pitchFamily="18" charset="0"/>
+            </a:endParaRPr>
+          </a:p>
+        </p:txBody>
+      </p:sp>
+      <p:sp>
+        <p:nvSpPr>
+          <p:cNvPr id="72" name="文本框 71">
+            <a:extLst>
+              <a:ext uri="{FF2B5EF4-FFF2-40B4-BE49-F238E27FC236}">
+                <a16:creationId xmlns:a16="http://schemas.microsoft.com/office/drawing/2014/main" id="{4F2F5E2B-6B80-4202-B5EE-B123ADA8482A}"/>
+              </a:ext>
+            </a:extLst>
+          </p:cNvPr>
+          <p:cNvSpPr txBox="1"/>
+          <p:nvPr/>
+        </p:nvSpPr>
+        <p:spPr>
+          <a:xfrm>
+            <a:off x="22259066" y="12740509"/>
+            <a:ext cx="2092444" cy="538289"/>
+          </a:xfrm>
+          <a:prstGeom prst="rect">
+            <a:avLst/>
+          </a:prstGeom>
+          <a:noFill/>
+        </p:spPr>
+        <p:txBody>
+          <a:bodyPr wrap="square">
+            <a:spAutoFit/>
+          </a:bodyPr>
+          <a:lstStyle/>
+          <a:p>
+            <a:pPr algn="ctr"/>
+            <a:r>
+              <a:rPr lang="en-US" altLang="zh-CN" sz="2898" dirty="0">
+                <a:solidFill>
+                  <a:srgbClr val="000000"/>
+                </a:solidFill>
+                <a:latin typeface="Times New Roman" panose="02020603050405020304" pitchFamily="18" charset="0"/>
+                <a:ea typeface="等线" panose="02010600030101010101" pitchFamily="2" charset="-122"/>
+                <a:cs typeface="Times New Roman" panose="02020603050405020304" pitchFamily="18" charset="0"/>
+              </a:rPr>
+              <a:t>Pale skin</a:t>
+            </a:r>
+            <a:r>
+              <a:rPr lang="en-US" altLang="zh-CN" sz="2898" dirty="0">
+                <a:latin typeface="Times New Roman" panose="02020603050405020304" pitchFamily="18" charset="0"/>
+                <a:cs typeface="Times New Roman" panose="02020603050405020304" pitchFamily="18" charset="0"/>
+              </a:rPr>
+              <a:t> </a:t>
+            </a:r>
+            <a:endParaRPr lang="zh-CN" altLang="en-US" sz="2898" dirty="0">
+              <a:latin typeface="Times New Roman" panose="02020603050405020304" pitchFamily="18" charset="0"/>
+              <a:cs typeface="Times New Roman" panose="02020603050405020304" pitchFamily="18" charset="0"/>
+            </a:endParaRPr>
+          </a:p>
+        </p:txBody>
+      </p:sp>
+      <p:sp>
+        <p:nvSpPr>
+          <p:cNvPr id="73" name="文本框 72">
+            <a:extLst>
+              <a:ext uri="{FF2B5EF4-FFF2-40B4-BE49-F238E27FC236}">
+                <a16:creationId xmlns:a16="http://schemas.microsoft.com/office/drawing/2014/main" id="{6E328F00-9E75-4124-B957-DDD7B1E1F90A}"/>
+              </a:ext>
+            </a:extLst>
+          </p:cNvPr>
+          <p:cNvSpPr txBox="1"/>
+          <p:nvPr/>
+        </p:nvSpPr>
+        <p:spPr>
+          <a:xfrm>
+            <a:off x="24619553" y="12740509"/>
+            <a:ext cx="2453841" cy="538289"/>
+          </a:xfrm>
+          <a:prstGeom prst="rect">
+            <a:avLst/>
+          </a:prstGeom>
+          <a:noFill/>
+        </p:spPr>
+        <p:txBody>
+          <a:bodyPr wrap="square">
+            <a:spAutoFit/>
+          </a:bodyPr>
+          <a:lstStyle/>
+          <a:p>
+            <a:pPr algn="ctr"/>
+            <a:r>
+              <a:rPr lang="en-US" altLang="zh-CN" sz="2898" dirty="0">
+                <a:solidFill>
+                  <a:srgbClr val="000000"/>
+                </a:solidFill>
+                <a:latin typeface="Times New Roman" panose="02020603050405020304" pitchFamily="18" charset="0"/>
+                <a:ea typeface="等线" panose="02010600030101010101" pitchFamily="2" charset="-122"/>
+                <a:cs typeface="Times New Roman" panose="02020603050405020304" pitchFamily="18" charset="0"/>
+              </a:rPr>
+              <a:t>Pointy nose</a:t>
+            </a:r>
+            <a:r>
+              <a:rPr lang="en-US" altLang="zh-CN" sz="2898" dirty="0">
+                <a:latin typeface="Times New Roman" panose="02020603050405020304" pitchFamily="18" charset="0"/>
+                <a:cs typeface="Times New Roman" panose="02020603050405020304" pitchFamily="18" charset="0"/>
+              </a:rPr>
+              <a:t> </a:t>
+            </a:r>
+            <a:endParaRPr lang="zh-CN" altLang="en-US" sz="2898" dirty="0">
+              <a:latin typeface="Times New Roman" panose="02020603050405020304" pitchFamily="18" charset="0"/>
+              <a:cs typeface="Times New Roman" panose="02020603050405020304" pitchFamily="18" charset="0"/>
+            </a:endParaRPr>
+          </a:p>
+        </p:txBody>
+      </p:sp>
+      <p:sp>
+        <p:nvSpPr>
+          <p:cNvPr id="74" name="文本框 73">
+            <a:extLst>
+              <a:ext uri="{FF2B5EF4-FFF2-40B4-BE49-F238E27FC236}">
+                <a16:creationId xmlns:a16="http://schemas.microsoft.com/office/drawing/2014/main" id="{8C25070B-0B2E-4CC8-9C15-5F63C33A8299}"/>
+              </a:ext>
+            </a:extLst>
+          </p:cNvPr>
+          <p:cNvSpPr txBox="1"/>
+          <p:nvPr/>
+        </p:nvSpPr>
+        <p:spPr>
+          <a:xfrm>
+            <a:off x="26790959" y="12740509"/>
+            <a:ext cx="3319813" cy="538289"/>
+          </a:xfrm>
+          <a:prstGeom prst="rect">
+            <a:avLst/>
+          </a:prstGeom>
+          <a:noFill/>
+        </p:spPr>
+        <p:txBody>
+          <a:bodyPr wrap="square">
+            <a:spAutoFit/>
+          </a:bodyPr>
+          <a:lstStyle/>
+          <a:p>
+            <a:pPr algn="ctr"/>
+            <a:r>
+              <a:rPr lang="en-US" altLang="zh-CN" sz="2898" dirty="0">
+                <a:solidFill>
+                  <a:srgbClr val="000000"/>
+                </a:solidFill>
+                <a:latin typeface="Times New Roman" panose="02020603050405020304" pitchFamily="18" charset="0"/>
+                <a:ea typeface="等线" panose="02010600030101010101" pitchFamily="2" charset="-122"/>
+                <a:cs typeface="Times New Roman" panose="02020603050405020304" pitchFamily="18" charset="0"/>
+              </a:rPr>
+              <a:t>Receding hairline</a:t>
+            </a:r>
+            <a:r>
+              <a:rPr lang="en-US" altLang="zh-CN" sz="2898" dirty="0">
+                <a:latin typeface="Times New Roman" panose="02020603050405020304" pitchFamily="18" charset="0"/>
+                <a:cs typeface="Times New Roman" panose="02020603050405020304" pitchFamily="18" charset="0"/>
+              </a:rPr>
+              <a:t> </a:t>
+            </a:r>
+            <a:endParaRPr lang="zh-CN" altLang="en-US" sz="2898" dirty="0">
+              <a:latin typeface="Times New Roman" panose="02020603050405020304" pitchFamily="18" charset="0"/>
+              <a:cs typeface="Times New Roman" panose="02020603050405020304" pitchFamily="18" charset="0"/>
+            </a:endParaRPr>
+          </a:p>
+        </p:txBody>
+      </p:sp>
+      <p:sp>
+        <p:nvSpPr>
+          <p:cNvPr id="75" name="文本框 74">
+            <a:extLst>
+              <a:ext uri="{FF2B5EF4-FFF2-40B4-BE49-F238E27FC236}">
+                <a16:creationId xmlns:a16="http://schemas.microsoft.com/office/drawing/2014/main" id="{B0F9C163-007D-4B24-A33D-53302ACA5CAC}"/>
+              </a:ext>
+            </a:extLst>
+          </p:cNvPr>
+          <p:cNvSpPr txBox="1"/>
+          <p:nvPr/>
+        </p:nvSpPr>
+        <p:spPr>
+          <a:xfrm>
+            <a:off x="29762855" y="15901803"/>
+            <a:ext cx="2324524" cy="538289"/>
+          </a:xfrm>
+          <a:prstGeom prst="rect">
+            <a:avLst/>
+          </a:prstGeom>
+          <a:noFill/>
+        </p:spPr>
+        <p:txBody>
+          <a:bodyPr wrap="square">
+            <a:spAutoFit/>
+          </a:bodyPr>
+          <a:lstStyle/>
+          <a:p>
+            <a:pPr algn="ctr"/>
+            <a:r>
+              <a:rPr lang="en-US" altLang="zh-CN" sz="2898" dirty="0">
+                <a:solidFill>
+                  <a:srgbClr val="000000"/>
+                </a:solidFill>
+                <a:latin typeface="Times New Roman" panose="02020603050405020304" pitchFamily="18" charset="0"/>
+                <a:ea typeface="等线" panose="02010600030101010101" pitchFamily="2" charset="-122"/>
+                <a:cs typeface="Times New Roman" panose="02020603050405020304" pitchFamily="18" charset="0"/>
+              </a:rPr>
+              <a:t>Young</a:t>
+            </a:r>
+            <a:r>
+              <a:rPr lang="en-US" altLang="zh-CN" sz="2898" dirty="0">
+                <a:latin typeface="Times New Roman" panose="02020603050405020304" pitchFamily="18" charset="0"/>
+                <a:cs typeface="Times New Roman" panose="02020603050405020304" pitchFamily="18" charset="0"/>
+              </a:rPr>
+              <a:t> </a:t>
+            </a:r>
+            <a:endParaRPr lang="zh-CN" altLang="en-US" sz="2898" dirty="0">
+              <a:latin typeface="Times New Roman" panose="02020603050405020304" pitchFamily="18" charset="0"/>
+              <a:cs typeface="Times New Roman" panose="02020603050405020304" pitchFamily="18" charset="0"/>
+            </a:endParaRPr>
+          </a:p>
+        </p:txBody>
+      </p:sp>
+      <p:sp>
+        <p:nvSpPr>
+          <p:cNvPr id="76" name="文本框 75">
+            <a:extLst>
+              <a:ext uri="{FF2B5EF4-FFF2-40B4-BE49-F238E27FC236}">
+                <a16:creationId xmlns:a16="http://schemas.microsoft.com/office/drawing/2014/main" id="{B32AA754-99C2-4A85-9B9B-8B78A8AF257A}"/>
+              </a:ext>
+            </a:extLst>
+          </p:cNvPr>
+          <p:cNvSpPr txBox="1"/>
+          <p:nvPr/>
+        </p:nvSpPr>
+        <p:spPr>
+          <a:xfrm>
+            <a:off x="6425474" y="15901797"/>
+            <a:ext cx="2346243" cy="538289"/>
+          </a:xfrm>
+          <a:prstGeom prst="rect">
+            <a:avLst/>
+          </a:prstGeom>
+          <a:noFill/>
+        </p:spPr>
+        <p:txBody>
+          <a:bodyPr wrap="square">
+            <a:spAutoFit/>
+          </a:bodyPr>
+          <a:lstStyle/>
+          <a:p>
+            <a:pPr algn="ctr"/>
+            <a:r>
+              <a:rPr lang="en-US" altLang="zh-CN" sz="2898" dirty="0">
+                <a:solidFill>
+                  <a:srgbClr val="000000"/>
+                </a:solidFill>
+                <a:latin typeface="Times New Roman" panose="02020603050405020304" pitchFamily="18" charset="0"/>
+                <a:ea typeface="等线" panose="02010600030101010101" pitchFamily="2" charset="-122"/>
+                <a:cs typeface="Times New Roman" panose="02020603050405020304" pitchFamily="18" charset="0"/>
+              </a:rPr>
+              <a:t>Sideburns</a:t>
+            </a:r>
+            <a:endParaRPr lang="zh-CN" altLang="en-US" sz="2898" dirty="0">
+              <a:latin typeface="Times New Roman" panose="02020603050405020304" pitchFamily="18" charset="0"/>
+              <a:cs typeface="Times New Roman" panose="02020603050405020304" pitchFamily="18" charset="0"/>
+            </a:endParaRPr>
+          </a:p>
+        </p:txBody>
+      </p:sp>
+      <p:sp>
+        <p:nvSpPr>
+          <p:cNvPr id="77" name="文本框 76">
+            <a:extLst>
+              <a:ext uri="{FF2B5EF4-FFF2-40B4-BE49-F238E27FC236}">
+                <a16:creationId xmlns:a16="http://schemas.microsoft.com/office/drawing/2014/main" id="{5895EE5B-B8E8-4BD9-B0A0-D1DC83BAFD47}"/>
+              </a:ext>
+            </a:extLst>
+          </p:cNvPr>
+          <p:cNvSpPr txBox="1"/>
+          <p:nvPr/>
+        </p:nvSpPr>
+        <p:spPr>
+          <a:xfrm>
+            <a:off x="9078012" y="15901801"/>
+            <a:ext cx="2020380" cy="538289"/>
+          </a:xfrm>
+          <a:prstGeom prst="rect">
+            <a:avLst/>
+          </a:prstGeom>
+          <a:noFill/>
+        </p:spPr>
+        <p:txBody>
+          <a:bodyPr wrap="square">
+            <a:spAutoFit/>
+          </a:bodyPr>
+          <a:lstStyle/>
+          <a:p>
+            <a:pPr algn="ctr"/>
+            <a:r>
+              <a:rPr lang="en-US" altLang="zh-CN" sz="2898" dirty="0">
+                <a:latin typeface="Times New Roman" panose="02020603050405020304" pitchFamily="18" charset="0"/>
+                <a:cs typeface="Times New Roman" panose="02020603050405020304" pitchFamily="18" charset="0"/>
+              </a:rPr>
+              <a:t> </a:t>
+            </a:r>
+            <a:r>
+              <a:rPr lang="en-US" altLang="zh-CN" sz="2898" dirty="0">
+                <a:solidFill>
+                  <a:srgbClr val="000000"/>
+                </a:solidFill>
+                <a:latin typeface="Times New Roman" panose="02020603050405020304" pitchFamily="18" charset="0"/>
+                <a:ea typeface="等线" panose="02010600030101010101" pitchFamily="2" charset="-122"/>
+                <a:cs typeface="Times New Roman" panose="02020603050405020304" pitchFamily="18" charset="0"/>
+              </a:rPr>
+              <a:t>Smiling</a:t>
+            </a:r>
+            <a:r>
+              <a:rPr lang="en-US" altLang="zh-CN" sz="2898" dirty="0">
+                <a:latin typeface="Times New Roman" panose="02020603050405020304" pitchFamily="18" charset="0"/>
+                <a:cs typeface="Times New Roman" panose="02020603050405020304" pitchFamily="18" charset="0"/>
+              </a:rPr>
+              <a:t> </a:t>
+            </a:r>
+            <a:endParaRPr lang="zh-CN" altLang="en-US" sz="2898" dirty="0">
+              <a:latin typeface="Times New Roman" panose="02020603050405020304" pitchFamily="18" charset="0"/>
+              <a:cs typeface="Times New Roman" panose="02020603050405020304" pitchFamily="18" charset="0"/>
+            </a:endParaRPr>
+          </a:p>
+        </p:txBody>
+      </p:sp>
+      <p:sp>
+        <p:nvSpPr>
+          <p:cNvPr id="78" name="文本框 77">
+            <a:extLst>
+              <a:ext uri="{FF2B5EF4-FFF2-40B4-BE49-F238E27FC236}">
+                <a16:creationId xmlns:a16="http://schemas.microsoft.com/office/drawing/2014/main" id="{DD0C5CA1-7331-4C1B-A3A1-46EC3424534C}"/>
+              </a:ext>
+            </a:extLst>
+          </p:cNvPr>
+          <p:cNvSpPr txBox="1"/>
+          <p:nvPr/>
+        </p:nvSpPr>
+        <p:spPr>
+          <a:xfrm>
+            <a:off x="11506177" y="15901797"/>
+            <a:ext cx="2651617" cy="538289"/>
+          </a:xfrm>
+          <a:prstGeom prst="rect">
+            <a:avLst/>
+          </a:prstGeom>
+          <a:noFill/>
+        </p:spPr>
+        <p:txBody>
+          <a:bodyPr wrap="square">
+            <a:spAutoFit/>
+          </a:bodyPr>
+          <a:lstStyle/>
+          <a:p>
+            <a:pPr algn="ctr"/>
+            <a:r>
+              <a:rPr lang="en-US" altLang="zh-CN" sz="2898" dirty="0">
+                <a:solidFill>
+                  <a:srgbClr val="000000"/>
+                </a:solidFill>
+                <a:latin typeface="Times New Roman" panose="02020603050405020304" pitchFamily="18" charset="0"/>
+                <a:ea typeface="等线" panose="02010600030101010101" pitchFamily="2" charset="-122"/>
+                <a:cs typeface="Times New Roman" panose="02020603050405020304" pitchFamily="18" charset="0"/>
+              </a:rPr>
+              <a:t>Straight hair</a:t>
+            </a:r>
+            <a:r>
+              <a:rPr lang="en-US" altLang="zh-CN" sz="2898" dirty="0">
+                <a:latin typeface="Times New Roman" panose="02020603050405020304" pitchFamily="18" charset="0"/>
+                <a:cs typeface="Times New Roman" panose="02020603050405020304" pitchFamily="18" charset="0"/>
+              </a:rPr>
+              <a:t> </a:t>
+            </a:r>
+            <a:endParaRPr lang="zh-CN" altLang="en-US" sz="2898" dirty="0">
+              <a:latin typeface="Times New Roman" panose="02020603050405020304" pitchFamily="18" charset="0"/>
+              <a:cs typeface="Times New Roman" panose="02020603050405020304" pitchFamily="18" charset="0"/>
+            </a:endParaRPr>
+          </a:p>
+        </p:txBody>
+      </p:sp>
+      <p:sp>
+        <p:nvSpPr>
+          <p:cNvPr id="79" name="文本框 78">
+            <a:extLst>
+              <a:ext uri="{FF2B5EF4-FFF2-40B4-BE49-F238E27FC236}">
+                <a16:creationId xmlns:a16="http://schemas.microsoft.com/office/drawing/2014/main" id="{2AD3BD51-2FDC-453B-9E23-FEC620694729}"/>
+              </a:ext>
+            </a:extLst>
+          </p:cNvPr>
+          <p:cNvSpPr txBox="1"/>
+          <p:nvPr/>
+        </p:nvSpPr>
+        <p:spPr>
+          <a:xfrm>
+            <a:off x="14239271" y="15901797"/>
+            <a:ext cx="2216327" cy="538289"/>
+          </a:xfrm>
+          <a:prstGeom prst="rect">
+            <a:avLst/>
+          </a:prstGeom>
+          <a:noFill/>
+        </p:spPr>
+        <p:txBody>
+          <a:bodyPr wrap="square">
+            <a:spAutoFit/>
+          </a:bodyPr>
+          <a:lstStyle/>
+          <a:p>
+            <a:pPr algn="ctr"/>
+            <a:r>
+              <a:rPr lang="en-US" altLang="zh-CN" sz="2898" dirty="0">
+                <a:solidFill>
+                  <a:srgbClr val="000000"/>
+                </a:solidFill>
+                <a:latin typeface="Times New Roman" panose="02020603050405020304" pitchFamily="18" charset="0"/>
+                <a:ea typeface="等线" panose="02010600030101010101" pitchFamily="2" charset="-122"/>
+                <a:cs typeface="Times New Roman" panose="02020603050405020304" pitchFamily="18" charset="0"/>
+              </a:rPr>
+              <a:t>Wavy hair</a:t>
+            </a:r>
+            <a:r>
+              <a:rPr lang="en-US" altLang="zh-CN" sz="2898" dirty="0">
+                <a:latin typeface="Times New Roman" panose="02020603050405020304" pitchFamily="18" charset="0"/>
+                <a:cs typeface="Times New Roman" panose="02020603050405020304" pitchFamily="18" charset="0"/>
+              </a:rPr>
+              <a:t> </a:t>
+            </a:r>
+            <a:endParaRPr lang="zh-CN" altLang="en-US" sz="2898" dirty="0">
+              <a:latin typeface="Times New Roman" panose="02020603050405020304" pitchFamily="18" charset="0"/>
+              <a:cs typeface="Times New Roman" panose="02020603050405020304" pitchFamily="18" charset="0"/>
+            </a:endParaRPr>
+          </a:p>
+        </p:txBody>
+      </p:sp>
+      <p:sp>
+        <p:nvSpPr>
+          <p:cNvPr id="80" name="文本框 79">
+            <a:extLst>
+              <a:ext uri="{FF2B5EF4-FFF2-40B4-BE49-F238E27FC236}">
+                <a16:creationId xmlns:a16="http://schemas.microsoft.com/office/drawing/2014/main" id="{B7687416-5F8C-46DA-A91D-13F364478A02}"/>
+              </a:ext>
+            </a:extLst>
+          </p:cNvPr>
+          <p:cNvSpPr txBox="1"/>
+          <p:nvPr/>
+        </p:nvSpPr>
+        <p:spPr>
+          <a:xfrm>
+            <a:off x="16282271" y="15901803"/>
+            <a:ext cx="3476121" cy="538289"/>
+          </a:xfrm>
+          <a:prstGeom prst="rect">
+            <a:avLst/>
+          </a:prstGeom>
+          <a:noFill/>
+        </p:spPr>
+        <p:txBody>
+          <a:bodyPr wrap="square">
+            <a:spAutoFit/>
+          </a:bodyPr>
+          <a:lstStyle/>
+          <a:p>
+            <a:pPr algn="ctr"/>
+            <a:r>
+              <a:rPr lang="en-US" altLang="zh-CN" sz="2898" dirty="0">
+                <a:solidFill>
+                  <a:srgbClr val="000000"/>
+                </a:solidFill>
+                <a:latin typeface="Times New Roman" panose="02020603050405020304" pitchFamily="18" charset="0"/>
+                <a:ea typeface="等线" panose="02010600030101010101" pitchFamily="2" charset="-122"/>
+                <a:cs typeface="Times New Roman" panose="02020603050405020304" pitchFamily="18" charset="0"/>
+              </a:rPr>
+              <a:t>Wearing earrings</a:t>
+            </a:r>
+            <a:r>
+              <a:rPr lang="en-US" altLang="zh-CN" sz="2898" dirty="0">
+                <a:latin typeface="Times New Roman" panose="02020603050405020304" pitchFamily="18" charset="0"/>
+                <a:cs typeface="Times New Roman" panose="02020603050405020304" pitchFamily="18" charset="0"/>
+              </a:rPr>
+              <a:t> </a:t>
+            </a:r>
+            <a:endParaRPr lang="zh-CN" altLang="en-US" sz="2898" dirty="0">
+              <a:latin typeface="Times New Roman" panose="02020603050405020304" pitchFamily="18" charset="0"/>
+              <a:cs typeface="Times New Roman" panose="02020603050405020304" pitchFamily="18" charset="0"/>
+            </a:endParaRPr>
+          </a:p>
+        </p:txBody>
+      </p:sp>
+      <p:sp>
+        <p:nvSpPr>
+          <p:cNvPr id="81" name="文本框 80">
+            <a:extLst>
+              <a:ext uri="{FF2B5EF4-FFF2-40B4-BE49-F238E27FC236}">
+                <a16:creationId xmlns:a16="http://schemas.microsoft.com/office/drawing/2014/main" id="{3D0781FA-5211-4321-9929-C808747C47B0}"/>
+              </a:ext>
+            </a:extLst>
+          </p:cNvPr>
+          <p:cNvSpPr txBox="1"/>
+          <p:nvPr/>
+        </p:nvSpPr>
+        <p:spPr>
+          <a:xfrm>
+            <a:off x="19263615" y="15901803"/>
+            <a:ext cx="2878500" cy="538289"/>
+          </a:xfrm>
+          <a:prstGeom prst="rect">
+            <a:avLst/>
+          </a:prstGeom>
+          <a:noFill/>
+        </p:spPr>
+        <p:txBody>
+          <a:bodyPr wrap="square">
+            <a:spAutoFit/>
+          </a:bodyPr>
+          <a:lstStyle/>
+          <a:p>
+            <a:pPr algn="ctr"/>
+            <a:r>
+              <a:rPr lang="en-US" altLang="zh-CN" sz="2898" dirty="0">
+                <a:solidFill>
+                  <a:srgbClr val="000000"/>
+                </a:solidFill>
+                <a:latin typeface="Times New Roman" panose="02020603050405020304" pitchFamily="18" charset="0"/>
+                <a:ea typeface="等线" panose="02010600030101010101" pitchFamily="2" charset="-122"/>
+                <a:cs typeface="Times New Roman" panose="02020603050405020304" pitchFamily="18" charset="0"/>
+              </a:rPr>
+              <a:t>Wearing hat</a:t>
+            </a:r>
+            <a:r>
+              <a:rPr lang="en-US" altLang="zh-CN" sz="2898" dirty="0">
+                <a:latin typeface="Times New Roman" panose="02020603050405020304" pitchFamily="18" charset="0"/>
+                <a:cs typeface="Times New Roman" panose="02020603050405020304" pitchFamily="18" charset="0"/>
+              </a:rPr>
+              <a:t> </a:t>
+            </a:r>
+            <a:endParaRPr lang="zh-CN" altLang="en-US" sz="2898" dirty="0">
+              <a:latin typeface="Times New Roman" panose="02020603050405020304" pitchFamily="18" charset="0"/>
+              <a:cs typeface="Times New Roman" panose="02020603050405020304" pitchFamily="18" charset="0"/>
+            </a:endParaRPr>
+          </a:p>
+        </p:txBody>
+      </p:sp>
+      <p:sp>
+        <p:nvSpPr>
+          <p:cNvPr id="82" name="文本框 81">
+            <a:extLst>
+              <a:ext uri="{FF2B5EF4-FFF2-40B4-BE49-F238E27FC236}">
+                <a16:creationId xmlns:a16="http://schemas.microsoft.com/office/drawing/2014/main" id="{4A5B74FA-450C-488E-93DE-9D2F3EDC45A6}"/>
+              </a:ext>
+            </a:extLst>
+          </p:cNvPr>
+          <p:cNvSpPr txBox="1"/>
+          <p:nvPr/>
+        </p:nvSpPr>
+        <p:spPr>
+          <a:xfrm>
+            <a:off x="21561419" y="15901803"/>
+            <a:ext cx="3497645" cy="538289"/>
+          </a:xfrm>
+          <a:prstGeom prst="rect">
+            <a:avLst/>
+          </a:prstGeom>
+          <a:noFill/>
+        </p:spPr>
+        <p:txBody>
+          <a:bodyPr wrap="square">
+            <a:spAutoFit/>
+          </a:bodyPr>
+          <a:lstStyle/>
+          <a:p>
+            <a:pPr algn="ctr"/>
+            <a:r>
+              <a:rPr lang="en-US" altLang="zh-CN" sz="2898" dirty="0">
+                <a:solidFill>
+                  <a:srgbClr val="000000"/>
+                </a:solidFill>
+                <a:latin typeface="Times New Roman" panose="02020603050405020304" pitchFamily="18" charset="0"/>
+                <a:ea typeface="等线" panose="02010600030101010101" pitchFamily="2" charset="-122"/>
+                <a:cs typeface="Times New Roman" panose="02020603050405020304" pitchFamily="18" charset="0"/>
+              </a:rPr>
+              <a:t>Wearing lipstick</a:t>
+            </a:r>
+            <a:r>
+              <a:rPr lang="en-US" altLang="zh-CN" sz="2898" dirty="0">
+                <a:latin typeface="Times New Roman" panose="02020603050405020304" pitchFamily="18" charset="0"/>
+                <a:cs typeface="Times New Roman" panose="02020603050405020304" pitchFamily="18" charset="0"/>
+              </a:rPr>
+              <a:t> </a:t>
+            </a:r>
+            <a:endParaRPr lang="zh-CN" altLang="en-US" sz="2898" dirty="0">
+              <a:latin typeface="Times New Roman" panose="02020603050405020304" pitchFamily="18" charset="0"/>
+              <a:cs typeface="Times New Roman" panose="02020603050405020304" pitchFamily="18" charset="0"/>
+            </a:endParaRPr>
+          </a:p>
+        </p:txBody>
+      </p:sp>
+      <p:sp>
+        <p:nvSpPr>
+          <p:cNvPr id="83" name="文本框 82">
+            <a:extLst>
+              <a:ext uri="{FF2B5EF4-FFF2-40B4-BE49-F238E27FC236}">
+                <a16:creationId xmlns:a16="http://schemas.microsoft.com/office/drawing/2014/main" id="{748A99B1-BDAF-45DB-9806-0D9762D41DF4}"/>
+              </a:ext>
+            </a:extLst>
+          </p:cNvPr>
+          <p:cNvSpPr txBox="1"/>
+          <p:nvPr/>
+        </p:nvSpPr>
+        <p:spPr>
+          <a:xfrm>
+            <a:off x="24519291" y="15678605"/>
+            <a:ext cx="2673104" cy="984244"/>
+          </a:xfrm>
+          <a:prstGeom prst="rect">
+            <a:avLst/>
+          </a:prstGeom>
+          <a:noFill/>
+        </p:spPr>
+        <p:txBody>
+          <a:bodyPr wrap="square">
+            <a:spAutoFit/>
+          </a:bodyPr>
+          <a:lstStyle/>
+          <a:p>
+            <a:pPr algn="ctr"/>
+            <a:r>
+              <a:rPr lang="en-US" altLang="zh-CN" sz="2898" dirty="0">
+                <a:solidFill>
+                  <a:srgbClr val="000000"/>
+                </a:solidFill>
+                <a:latin typeface="Times New Roman" panose="02020603050405020304" pitchFamily="18" charset="0"/>
+                <a:ea typeface="等线" panose="02010600030101010101" pitchFamily="2" charset="-122"/>
+                <a:cs typeface="Times New Roman" panose="02020603050405020304" pitchFamily="18" charset="0"/>
+              </a:rPr>
+              <a:t>Wearing necklace</a:t>
+            </a:r>
+            <a:r>
+              <a:rPr lang="en-US" altLang="zh-CN" sz="2898" dirty="0">
+                <a:latin typeface="Times New Roman" panose="02020603050405020304" pitchFamily="18" charset="0"/>
+                <a:cs typeface="Times New Roman" panose="02020603050405020304" pitchFamily="18" charset="0"/>
+              </a:rPr>
+              <a:t> </a:t>
+            </a:r>
+            <a:endParaRPr lang="zh-CN" altLang="en-US" sz="2898" dirty="0">
+              <a:latin typeface="Times New Roman" panose="02020603050405020304" pitchFamily="18" charset="0"/>
+              <a:cs typeface="Times New Roman" panose="02020603050405020304" pitchFamily="18" charset="0"/>
+            </a:endParaRPr>
+          </a:p>
+        </p:txBody>
+      </p:sp>
+      <p:sp>
+        <p:nvSpPr>
+          <p:cNvPr id="84" name="文本框 83">
+            <a:extLst>
+              <a:ext uri="{FF2B5EF4-FFF2-40B4-BE49-F238E27FC236}">
+                <a16:creationId xmlns:a16="http://schemas.microsoft.com/office/drawing/2014/main" id="{E6D3F1F7-B6F1-489C-8907-2CFDACB99155}"/>
+              </a:ext>
+            </a:extLst>
+          </p:cNvPr>
+          <p:cNvSpPr txBox="1"/>
+          <p:nvPr/>
+        </p:nvSpPr>
+        <p:spPr>
+          <a:xfrm>
+            <a:off x="26989837" y="15678606"/>
+            <a:ext cx="2773003" cy="538289"/>
+          </a:xfrm>
+          <a:prstGeom prst="rect">
+            <a:avLst/>
+          </a:prstGeom>
+          <a:noFill/>
+        </p:spPr>
+        <p:txBody>
+          <a:bodyPr wrap="square">
+            <a:spAutoFit/>
+          </a:bodyPr>
+          <a:lstStyle/>
+          <a:p>
+            <a:pPr algn="ctr"/>
+            <a:r>
+              <a:rPr lang="en-US" altLang="zh-CN" sz="2898" dirty="0">
+                <a:solidFill>
+                  <a:srgbClr val="000000"/>
+                </a:solidFill>
+                <a:latin typeface="Times New Roman" panose="02020603050405020304" pitchFamily="18" charset="0"/>
+                <a:ea typeface="等线" panose="02010600030101010101" pitchFamily="2" charset="-122"/>
+                <a:cs typeface="Times New Roman" panose="02020603050405020304" pitchFamily="18" charset="0"/>
+              </a:rPr>
+              <a:t>Wearing necktie</a:t>
+            </a:r>
+            <a:r>
+              <a:rPr lang="en-US" altLang="zh-CN" sz="2898" dirty="0">
+                <a:latin typeface="Times New Roman" panose="02020603050405020304" pitchFamily="18" charset="0"/>
+                <a:cs typeface="Times New Roman" panose="02020603050405020304" pitchFamily="18" charset="0"/>
+              </a:rPr>
+              <a:t> </a:t>
+            </a:r>
+            <a:endParaRPr lang="zh-CN" altLang="en-US" sz="2898" dirty="0">
+              <a:latin typeface="Times New Roman" panose="02020603050405020304" pitchFamily="18" charset="0"/>
+              <a:cs typeface="Times New Roman" panose="02020603050405020304" pitchFamily="18" charset="0"/>
+            </a:endParaRPr>
+          </a:p>
+        </p:txBody>
+      </p:sp>
+      <p:sp>
+        <p:nvSpPr>
+          <p:cNvPr id="85" name="文本框 84">
+            <a:extLst>
+              <a:ext uri="{FF2B5EF4-FFF2-40B4-BE49-F238E27FC236}">
+                <a16:creationId xmlns:a16="http://schemas.microsoft.com/office/drawing/2014/main" id="{50CB392B-2BC9-454B-A1FF-624CAFBF3045}"/>
+              </a:ext>
+            </a:extLst>
+          </p:cNvPr>
+          <p:cNvSpPr txBox="1"/>
+          <p:nvPr/>
+        </p:nvSpPr>
+        <p:spPr>
+          <a:xfrm>
+            <a:off x="2845829" y="11298971"/>
+            <a:ext cx="2806949" cy="660950"/>
+          </a:xfrm>
+          <a:prstGeom prst="rect">
+            <a:avLst/>
+          </a:prstGeom>
+          <a:noFill/>
+        </p:spPr>
+        <p:txBody>
+          <a:bodyPr wrap="square">
+            <a:spAutoFit/>
+          </a:bodyPr>
+          <a:lstStyle/>
+          <a:p>
+            <a:pPr algn="ctr"/>
+            <a:r>
+              <a:rPr lang="en-US" altLang="zh-CN" sz="3695" dirty="0">
+                <a:latin typeface="Times New Roman" panose="02020603050405020304" pitchFamily="18" charset="0"/>
+                <a:cs typeface="Times New Roman" panose="02020603050405020304" pitchFamily="18" charset="0"/>
+              </a:rPr>
+              <a:t>Original</a:t>
+            </a:r>
+            <a:endParaRPr lang="zh-CN" altLang="en-US" sz="3695" dirty="0">
+              <a:latin typeface="Times New Roman" panose="02020603050405020304" pitchFamily="18" charset="0"/>
+              <a:cs typeface="Times New Roman" panose="02020603050405020304" pitchFamily="18" charset="0"/>
+            </a:endParaRPr>
+          </a:p>
+        </p:txBody>
+      </p:sp>
+    </p:spTree>
+    <p:extLst>
+      <p:ext uri="{BB962C8B-B14F-4D97-AF65-F5344CB8AC3E}">
+        <p14:creationId xmlns:p14="http://schemas.microsoft.com/office/powerpoint/2010/main" val="3854028350"/>
+      </p:ext>
+    </p:extLst>
+  </p:cSld>
+  <p:clrMapOvr>
+    <a:masterClrMapping/>
+  </p:clrMapOvr>
+</p:sld>
+</file>
+
+<file path=ppt/slides/slide7.xml><?xml version="1.0" encoding="utf-8"?>
+<p:sld xmlns:a="http://schemas.openxmlformats.org/drawingml/2006/main" xmlns:r="http://schemas.openxmlformats.org/officeDocument/2006/relationships" xmlns:p="http://schemas.openxmlformats.org/presentationml/2006/main">
+  <p:cSld>
+    <p:spTree>
+      <p:nvGrpSpPr>
+        <p:cNvPr id="1" name=""/>
+        <p:cNvGrpSpPr/>
+        <p:nvPr/>
+      </p:nvGrpSpPr>
+      <p:grpSpPr>
+        <a:xfrm>
+          <a:off x="0" y="0"/>
+          <a:ext cx="0" cy="0"/>
+          <a:chOff x="0" y="0"/>
+          <a:chExt cx="0" cy="0"/>
+        </a:xfrm>
+      </p:grpSpPr>
+      <p:pic>
+        <p:nvPicPr>
+          <p:cNvPr id="4" name="图片 3" descr="男人微笑的头像&#10;&#10;描述已自动生成">
+            <a:extLst>
+              <a:ext uri="{FF2B5EF4-FFF2-40B4-BE49-F238E27FC236}">
+                <a16:creationId xmlns:a16="http://schemas.microsoft.com/office/drawing/2014/main" id="{2062C8C1-426E-45F3-B682-945519F76611}"/>
+              </a:ext>
+            </a:extLst>
+          </p:cNvPr>
+          <p:cNvPicPr>
+            <a:picLocks noChangeAspect="1"/>
+          </p:cNvPicPr>
+          <p:nvPr/>
+        </p:nvPicPr>
+        <p:blipFill>
+          <a:blip r:embed="rId2">
+            <a:extLst>
+              <a:ext uri="{28A0092B-C50C-407E-A947-70E740481C1C}">
+                <a14:useLocalDpi xmlns:a14="http://schemas.microsoft.com/office/drawing/2010/main" val="0"/>
+              </a:ext>
+            </a:extLst>
+          </a:blip>
+          <a:stretch>
+            <a:fillRect/>
+          </a:stretch>
+        </p:blipFill>
+        <p:spPr>
+          <a:xfrm>
+            <a:off x="6425478" y="4534934"/>
+            <a:ext cx="2373449" cy="2373449"/>
+          </a:xfrm>
+          <a:prstGeom prst="rect">
+            <a:avLst/>
+          </a:prstGeom>
+        </p:spPr>
+      </p:pic>
+      <p:pic>
+        <p:nvPicPr>
+          <p:cNvPr id="5" name="图片 4" descr="人微笑的头像&#10;&#10;描述已自动生成">
+            <a:extLst>
+              <a:ext uri="{FF2B5EF4-FFF2-40B4-BE49-F238E27FC236}">
+                <a16:creationId xmlns:a16="http://schemas.microsoft.com/office/drawing/2014/main" id="{7A43DDA1-696C-4A75-841F-A9689941CE50}"/>
+              </a:ext>
+            </a:extLst>
+          </p:cNvPr>
+          <p:cNvPicPr>
+            <a:picLocks noChangeAspect="1"/>
+          </p:cNvPicPr>
+          <p:nvPr/>
+        </p:nvPicPr>
+        <p:blipFill>
+          <a:blip r:embed="rId3">
+            <a:extLst>
+              <a:ext uri="{28A0092B-C50C-407E-A947-70E740481C1C}">
+                <a14:useLocalDpi xmlns:a14="http://schemas.microsoft.com/office/drawing/2010/main" val="0"/>
+              </a:ext>
+            </a:extLst>
+          </a:blip>
+          <a:stretch>
+            <a:fillRect/>
+          </a:stretch>
+        </p:blipFill>
+        <p:spPr>
+          <a:xfrm>
+            <a:off x="9025797" y="4534934"/>
+            <a:ext cx="2373449" cy="2373449"/>
+          </a:xfrm>
+          <a:prstGeom prst="rect">
+            <a:avLst/>
+          </a:prstGeom>
+        </p:spPr>
+      </p:pic>
+      <p:pic>
+        <p:nvPicPr>
+          <p:cNvPr id="6" name="图片 5" descr="男人微笑的头像&#10;&#10;描述已自动生成">
+            <a:extLst>
+              <a:ext uri="{FF2B5EF4-FFF2-40B4-BE49-F238E27FC236}">
+                <a16:creationId xmlns:a16="http://schemas.microsoft.com/office/drawing/2014/main" id="{1BDC494E-ACA2-44D2-A5C5-794A87EDD78A}"/>
+              </a:ext>
+            </a:extLst>
+          </p:cNvPr>
+          <p:cNvPicPr>
+            <a:picLocks noChangeAspect="1"/>
+          </p:cNvPicPr>
+          <p:nvPr/>
+        </p:nvPicPr>
+        <p:blipFill>
+          <a:blip r:embed="rId4">
+            <a:extLst>
+              <a:ext uri="{28A0092B-C50C-407E-A947-70E740481C1C}">
+                <a14:useLocalDpi xmlns:a14="http://schemas.microsoft.com/office/drawing/2010/main" val="0"/>
+              </a:ext>
+            </a:extLst>
+          </a:blip>
+          <a:stretch>
+            <a:fillRect/>
+          </a:stretch>
+        </p:blipFill>
+        <p:spPr>
+          <a:xfrm>
+            <a:off x="14226435" y="4534934"/>
+            <a:ext cx="2373449" cy="2373449"/>
+          </a:xfrm>
+          <a:prstGeom prst="rect">
+            <a:avLst/>
+          </a:prstGeom>
+        </p:spPr>
+      </p:pic>
+      <p:pic>
+        <p:nvPicPr>
+          <p:cNvPr id="7" name="图片 6" descr="小孩在微笑&#10;&#10;描述已自动生成">
+            <a:extLst>
+              <a:ext uri="{FF2B5EF4-FFF2-40B4-BE49-F238E27FC236}">
+                <a16:creationId xmlns:a16="http://schemas.microsoft.com/office/drawing/2014/main" id="{34442745-D179-4B3B-B992-9038BF77FA33}"/>
+              </a:ext>
+            </a:extLst>
+          </p:cNvPr>
+          <p:cNvPicPr>
+            <a:picLocks noChangeAspect="1"/>
+          </p:cNvPicPr>
+          <p:nvPr/>
+        </p:nvPicPr>
+        <p:blipFill>
+          <a:blip r:embed="rId5">
+            <a:extLst>
+              <a:ext uri="{28A0092B-C50C-407E-A947-70E740481C1C}">
+                <a14:useLocalDpi xmlns:a14="http://schemas.microsoft.com/office/drawing/2010/main" val="0"/>
+              </a:ext>
+            </a:extLst>
+          </a:blip>
+          <a:stretch>
+            <a:fillRect/>
+          </a:stretch>
+        </p:blipFill>
+        <p:spPr>
+          <a:xfrm>
+            <a:off x="19427072" y="4534934"/>
+            <a:ext cx="2373449" cy="2373449"/>
+          </a:xfrm>
+          <a:prstGeom prst="rect">
+            <a:avLst/>
+          </a:prstGeom>
+        </p:spPr>
+      </p:pic>
+      <p:pic>
+        <p:nvPicPr>
+          <p:cNvPr id="8" name="图片 7" descr="人微笑的头像&#10;&#10;描述已自动生成">
+            <a:extLst>
+              <a:ext uri="{FF2B5EF4-FFF2-40B4-BE49-F238E27FC236}">
+                <a16:creationId xmlns:a16="http://schemas.microsoft.com/office/drawing/2014/main" id="{C13D81DB-F58F-484F-9AB2-332F3DFBF7EA}"/>
+              </a:ext>
+            </a:extLst>
+          </p:cNvPr>
+          <p:cNvPicPr>
+            <a:picLocks noChangeAspect="1"/>
+          </p:cNvPicPr>
+          <p:nvPr/>
+        </p:nvPicPr>
+        <p:blipFill>
+          <a:blip r:embed="rId6">
+            <a:extLst>
+              <a:ext uri="{28A0092B-C50C-407E-A947-70E740481C1C}">
+                <a14:useLocalDpi xmlns:a14="http://schemas.microsoft.com/office/drawing/2010/main" val="0"/>
+              </a:ext>
+            </a:extLst>
+          </a:blip>
+          <a:stretch>
+            <a:fillRect/>
+          </a:stretch>
+        </p:blipFill>
+        <p:spPr>
+          <a:xfrm>
+            <a:off x="22027388" y="4534934"/>
+            <a:ext cx="2373449" cy="2373449"/>
+          </a:xfrm>
+          <a:prstGeom prst="rect">
+            <a:avLst/>
+          </a:prstGeom>
+        </p:spPr>
+      </p:pic>
+      <p:pic>
+        <p:nvPicPr>
+          <p:cNvPr id="9" name="图片 8" descr="人微笑的头像&#10;&#10;描述已自动生成">
+            <a:extLst>
+              <a:ext uri="{FF2B5EF4-FFF2-40B4-BE49-F238E27FC236}">
+                <a16:creationId xmlns:a16="http://schemas.microsoft.com/office/drawing/2014/main" id="{1F752BD0-E5B8-4BF9-B2EE-667D755AACFE}"/>
+              </a:ext>
+            </a:extLst>
+          </p:cNvPr>
+          <p:cNvPicPr>
+            <a:picLocks noChangeAspect="1"/>
+          </p:cNvPicPr>
+          <p:nvPr/>
+        </p:nvPicPr>
+        <p:blipFill>
+          <a:blip r:embed="rId7">
+            <a:extLst>
+              <a:ext uri="{28A0092B-C50C-407E-A947-70E740481C1C}">
+                <a14:useLocalDpi xmlns:a14="http://schemas.microsoft.com/office/drawing/2010/main" val="0"/>
+              </a:ext>
+            </a:extLst>
+          </a:blip>
+          <a:stretch>
+            <a:fillRect/>
+          </a:stretch>
+        </p:blipFill>
+        <p:spPr>
+          <a:xfrm>
+            <a:off x="24627707" y="4534934"/>
+            <a:ext cx="2373449" cy="2373449"/>
+          </a:xfrm>
+          <a:prstGeom prst="rect">
+            <a:avLst/>
+          </a:prstGeom>
+        </p:spPr>
+      </p:pic>
+      <p:pic>
+        <p:nvPicPr>
+          <p:cNvPr id="10" name="图片 9" descr="微笑的人&#10;&#10;描述已自动生成">
+            <a:extLst>
+              <a:ext uri="{FF2B5EF4-FFF2-40B4-BE49-F238E27FC236}">
+                <a16:creationId xmlns:a16="http://schemas.microsoft.com/office/drawing/2014/main" id="{C2F40A2F-18D3-4741-B786-6894D4BBAA6B}"/>
+              </a:ext>
+            </a:extLst>
+          </p:cNvPr>
+          <p:cNvPicPr>
+            <a:picLocks noChangeAspect="1"/>
+          </p:cNvPicPr>
+          <p:nvPr/>
+        </p:nvPicPr>
+        <p:blipFill>
+          <a:blip r:embed="rId8">
+            <a:extLst>
+              <a:ext uri="{28A0092B-C50C-407E-A947-70E740481C1C}">
+                <a14:useLocalDpi xmlns:a14="http://schemas.microsoft.com/office/drawing/2010/main" val="0"/>
+              </a:ext>
+            </a:extLst>
+          </a:blip>
+          <a:stretch>
+            <a:fillRect/>
+          </a:stretch>
+        </p:blipFill>
+        <p:spPr>
+          <a:xfrm>
+            <a:off x="27228026" y="4534934"/>
+            <a:ext cx="2373449" cy="2373449"/>
+          </a:xfrm>
+          <a:prstGeom prst="rect">
+            <a:avLst/>
+          </a:prstGeom>
+        </p:spPr>
+      </p:pic>
+      <p:pic>
+        <p:nvPicPr>
+          <p:cNvPr id="11" name="图片 10" descr="人露出牙齿微笑&#10;&#10;描述已自动生成">
+            <a:extLst>
+              <a:ext uri="{FF2B5EF4-FFF2-40B4-BE49-F238E27FC236}">
+                <a16:creationId xmlns:a16="http://schemas.microsoft.com/office/drawing/2014/main" id="{A4E866DF-DC30-4ACD-9A66-FA7495C4CF70}"/>
+              </a:ext>
+            </a:extLst>
+          </p:cNvPr>
+          <p:cNvPicPr>
+            <a:picLocks noChangeAspect="1"/>
+          </p:cNvPicPr>
+          <p:nvPr/>
+        </p:nvPicPr>
+        <p:blipFill>
+          <a:blip r:embed="rId9">
+            <a:extLst>
+              <a:ext uri="{28A0092B-C50C-407E-A947-70E740481C1C}">
+                <a14:useLocalDpi xmlns:a14="http://schemas.microsoft.com/office/drawing/2010/main" val="0"/>
+              </a:ext>
+            </a:extLst>
+          </a:blip>
+          <a:stretch>
+            <a:fillRect/>
+          </a:stretch>
+        </p:blipFill>
+        <p:spPr>
+          <a:xfrm>
+            <a:off x="29828355" y="4534934"/>
+            <a:ext cx="2373449" cy="2373449"/>
+          </a:xfrm>
+          <a:prstGeom prst="rect">
+            <a:avLst/>
+          </a:prstGeom>
+        </p:spPr>
+      </p:pic>
+      <p:pic>
+        <p:nvPicPr>
+          <p:cNvPr id="12" name="图片 11" descr="人微笑的头像&#10;&#10;描述已自动生成">
+            <a:extLst>
+              <a:ext uri="{FF2B5EF4-FFF2-40B4-BE49-F238E27FC236}">
+                <a16:creationId xmlns:a16="http://schemas.microsoft.com/office/drawing/2014/main" id="{5C39A908-E7F4-4979-AC8C-C5A8F7095498}"/>
+              </a:ext>
+            </a:extLst>
+          </p:cNvPr>
+          <p:cNvPicPr>
+            <a:picLocks noChangeAspect="1"/>
+          </p:cNvPicPr>
+          <p:nvPr/>
+        </p:nvPicPr>
+        <p:blipFill>
+          <a:blip r:embed="rId10">
+            <a:extLst>
+              <a:ext uri="{28A0092B-C50C-407E-A947-70E740481C1C}">
+                <a14:useLocalDpi xmlns:a14="http://schemas.microsoft.com/office/drawing/2010/main" val="0"/>
+              </a:ext>
+            </a:extLst>
+          </a:blip>
+          <a:stretch>
+            <a:fillRect/>
+          </a:stretch>
+        </p:blipFill>
+        <p:spPr>
+          <a:xfrm>
+            <a:off x="9025797" y="7522575"/>
+            <a:ext cx="2373449" cy="2373449"/>
+          </a:xfrm>
+          <a:prstGeom prst="rect">
+            <a:avLst/>
+          </a:prstGeom>
+        </p:spPr>
+      </p:pic>
+      <p:pic>
+        <p:nvPicPr>
+          <p:cNvPr id="13" name="图片 12" descr="男人微笑的头像&#10;&#10;描述已自动生成">
+            <a:extLst>
+              <a:ext uri="{FF2B5EF4-FFF2-40B4-BE49-F238E27FC236}">
+                <a16:creationId xmlns:a16="http://schemas.microsoft.com/office/drawing/2014/main" id="{A715A1B9-54FC-4519-AC80-9560574F6846}"/>
+              </a:ext>
+            </a:extLst>
+          </p:cNvPr>
+          <p:cNvPicPr>
+            <a:picLocks noChangeAspect="1"/>
+          </p:cNvPicPr>
+          <p:nvPr/>
+        </p:nvPicPr>
+        <p:blipFill>
+          <a:blip r:embed="rId11">
+            <a:extLst>
+              <a:ext uri="{28A0092B-C50C-407E-A947-70E740481C1C}">
+                <a14:useLocalDpi xmlns:a14="http://schemas.microsoft.com/office/drawing/2010/main" val="0"/>
+              </a:ext>
+            </a:extLst>
+          </a:blip>
+          <a:stretch>
+            <a:fillRect/>
+          </a:stretch>
+        </p:blipFill>
+        <p:spPr>
+          <a:xfrm>
+            <a:off x="11626115" y="7522575"/>
+            <a:ext cx="2373449" cy="2373449"/>
+          </a:xfrm>
+          <a:prstGeom prst="rect">
+            <a:avLst/>
+          </a:prstGeom>
+        </p:spPr>
+      </p:pic>
+      <p:pic>
+        <p:nvPicPr>
+          <p:cNvPr id="14" name="图片 13" descr="人微笑的头像&#10;&#10;描述已自动生成">
+            <a:extLst>
+              <a:ext uri="{FF2B5EF4-FFF2-40B4-BE49-F238E27FC236}">
+                <a16:creationId xmlns:a16="http://schemas.microsoft.com/office/drawing/2014/main" id="{AD29FC05-F9FF-4DDA-8991-274E838D11C6}"/>
+              </a:ext>
+            </a:extLst>
+          </p:cNvPr>
+          <p:cNvPicPr>
+            <a:picLocks noChangeAspect="1"/>
+          </p:cNvPicPr>
+          <p:nvPr/>
+        </p:nvPicPr>
+        <p:blipFill>
+          <a:blip r:embed="rId12">
+            <a:extLst>
+              <a:ext uri="{28A0092B-C50C-407E-A947-70E740481C1C}">
+                <a14:useLocalDpi xmlns:a14="http://schemas.microsoft.com/office/drawing/2010/main" val="0"/>
+              </a:ext>
+            </a:extLst>
+          </a:blip>
+          <a:stretch>
+            <a:fillRect/>
+          </a:stretch>
+        </p:blipFill>
+        <p:spPr>
+          <a:xfrm>
+            <a:off x="2845834" y="8454901"/>
+            <a:ext cx="2844071" cy="2844071"/>
+          </a:xfrm>
+          <a:prstGeom prst="rect">
+            <a:avLst/>
+          </a:prstGeom>
+        </p:spPr>
+      </p:pic>
+      <p:pic>
+        <p:nvPicPr>
+          <p:cNvPr id="15" name="图片 14" descr="男人微笑的头像&#10;&#10;描述已自动生成">
+            <a:extLst>
+              <a:ext uri="{FF2B5EF4-FFF2-40B4-BE49-F238E27FC236}">
+                <a16:creationId xmlns:a16="http://schemas.microsoft.com/office/drawing/2014/main" id="{2A648657-AA6F-4D69-88AA-736C8C098038}"/>
+              </a:ext>
+            </a:extLst>
+          </p:cNvPr>
+          <p:cNvPicPr>
+            <a:picLocks noChangeAspect="1"/>
+          </p:cNvPicPr>
+          <p:nvPr/>
+        </p:nvPicPr>
+        <p:blipFill>
+          <a:blip r:embed="rId13">
+            <a:extLst>
+              <a:ext uri="{28A0092B-C50C-407E-A947-70E740481C1C}">
+                <a14:useLocalDpi xmlns:a14="http://schemas.microsoft.com/office/drawing/2010/main" val="0"/>
+              </a:ext>
+            </a:extLst>
+          </a:blip>
+          <a:stretch>
+            <a:fillRect/>
+          </a:stretch>
+        </p:blipFill>
+        <p:spPr>
+          <a:xfrm>
+            <a:off x="14226435" y="7522575"/>
+            <a:ext cx="2373449" cy="2373449"/>
+          </a:xfrm>
+          <a:prstGeom prst="rect">
+            <a:avLst/>
+          </a:prstGeom>
+        </p:spPr>
+      </p:pic>
+      <p:pic>
+        <p:nvPicPr>
+          <p:cNvPr id="16" name="图片 15" descr="男人露出牙齿微笑&#10;&#10;描述已自动生成">
+            <a:extLst>
+              <a:ext uri="{FF2B5EF4-FFF2-40B4-BE49-F238E27FC236}">
+                <a16:creationId xmlns:a16="http://schemas.microsoft.com/office/drawing/2014/main" id="{3AB9FD28-8D5A-4D93-863D-63C8056B5667}"/>
+              </a:ext>
+            </a:extLst>
+          </p:cNvPr>
+          <p:cNvPicPr>
+            <a:picLocks noChangeAspect="1"/>
+          </p:cNvPicPr>
+          <p:nvPr/>
+        </p:nvPicPr>
+        <p:blipFill>
+          <a:blip r:embed="rId14">
+            <a:extLst>
+              <a:ext uri="{28A0092B-C50C-407E-A947-70E740481C1C}">
+                <a14:useLocalDpi xmlns:a14="http://schemas.microsoft.com/office/drawing/2010/main" val="0"/>
+              </a:ext>
+            </a:extLst>
+          </a:blip>
+          <a:stretch>
+            <a:fillRect/>
+          </a:stretch>
+        </p:blipFill>
+        <p:spPr>
+          <a:xfrm>
+            <a:off x="16826753" y="7522575"/>
+            <a:ext cx="2373449" cy="2373449"/>
+          </a:xfrm>
+          <a:prstGeom prst="rect">
+            <a:avLst/>
+          </a:prstGeom>
+        </p:spPr>
+      </p:pic>
+      <p:pic>
+        <p:nvPicPr>
+          <p:cNvPr id="17" name="图片 16" descr="男人戴着眼镜&#10;&#10;描述已自动生成">
+            <a:extLst>
+              <a:ext uri="{FF2B5EF4-FFF2-40B4-BE49-F238E27FC236}">
+                <a16:creationId xmlns:a16="http://schemas.microsoft.com/office/drawing/2014/main" id="{8133BD82-0E72-4E12-A815-10431AE954BD}"/>
+              </a:ext>
+            </a:extLst>
+          </p:cNvPr>
+          <p:cNvPicPr>
+            <a:picLocks noChangeAspect="1"/>
+          </p:cNvPicPr>
+          <p:nvPr/>
+        </p:nvPicPr>
+        <p:blipFill>
+          <a:blip r:embed="rId15">
+            <a:extLst>
+              <a:ext uri="{28A0092B-C50C-407E-A947-70E740481C1C}">
+                <a14:useLocalDpi xmlns:a14="http://schemas.microsoft.com/office/drawing/2010/main" val="0"/>
+              </a:ext>
+            </a:extLst>
+          </a:blip>
+          <a:stretch>
+            <a:fillRect/>
+          </a:stretch>
+        </p:blipFill>
+        <p:spPr>
+          <a:xfrm>
+            <a:off x="19427072" y="7522575"/>
+            <a:ext cx="2373449" cy="2373449"/>
+          </a:xfrm>
+          <a:prstGeom prst="rect">
+            <a:avLst/>
+          </a:prstGeom>
+        </p:spPr>
+      </p:pic>
+      <p:pic>
+        <p:nvPicPr>
+          <p:cNvPr id="18" name="图片 17" descr="人露出牙齿微笑&#10;&#10;描述已自动生成">
+            <a:extLst>
+              <a:ext uri="{FF2B5EF4-FFF2-40B4-BE49-F238E27FC236}">
+                <a16:creationId xmlns:a16="http://schemas.microsoft.com/office/drawing/2014/main" id="{EA38750A-14DC-40BF-ABC2-1E181D7DB00D}"/>
+              </a:ext>
+            </a:extLst>
+          </p:cNvPr>
+          <p:cNvPicPr>
+            <a:picLocks noChangeAspect="1"/>
+          </p:cNvPicPr>
+          <p:nvPr/>
+        </p:nvPicPr>
+        <p:blipFill>
+          <a:blip r:embed="rId16">
+            <a:extLst>
+              <a:ext uri="{28A0092B-C50C-407E-A947-70E740481C1C}">
+                <a14:useLocalDpi xmlns:a14="http://schemas.microsoft.com/office/drawing/2010/main" val="0"/>
+              </a:ext>
+            </a:extLst>
+          </a:blip>
+          <a:stretch>
+            <a:fillRect/>
+          </a:stretch>
+        </p:blipFill>
+        <p:spPr>
+          <a:xfrm>
+            <a:off x="22027388" y="7522575"/>
+            <a:ext cx="2373449" cy="2373449"/>
+          </a:xfrm>
+          <a:prstGeom prst="rect">
+            <a:avLst/>
+          </a:prstGeom>
+        </p:spPr>
+      </p:pic>
+      <p:pic>
+        <p:nvPicPr>
+          <p:cNvPr id="19" name="图片 18" descr="男人露出牙齿微笑&#10;&#10;描述已自动生成">
+            <a:extLst>
+              <a:ext uri="{FF2B5EF4-FFF2-40B4-BE49-F238E27FC236}">
+                <a16:creationId xmlns:a16="http://schemas.microsoft.com/office/drawing/2014/main" id="{AA56838D-8E25-434B-8523-16C4EBD2C470}"/>
+              </a:ext>
+            </a:extLst>
+          </p:cNvPr>
+          <p:cNvPicPr>
+            <a:picLocks noChangeAspect="1"/>
+          </p:cNvPicPr>
+          <p:nvPr/>
+        </p:nvPicPr>
+        <p:blipFill>
+          <a:blip r:embed="rId17">
+            <a:extLst>
+              <a:ext uri="{28A0092B-C50C-407E-A947-70E740481C1C}">
+                <a14:useLocalDpi xmlns:a14="http://schemas.microsoft.com/office/drawing/2010/main" val="0"/>
+              </a:ext>
+            </a:extLst>
+          </a:blip>
+          <a:stretch>
+            <a:fillRect/>
+          </a:stretch>
+        </p:blipFill>
+        <p:spPr>
+          <a:xfrm>
+            <a:off x="24627707" y="7522575"/>
+            <a:ext cx="2373449" cy="2373449"/>
+          </a:xfrm>
+          <a:prstGeom prst="rect">
+            <a:avLst/>
+          </a:prstGeom>
+        </p:spPr>
+      </p:pic>
+      <p:pic>
+        <p:nvPicPr>
+          <p:cNvPr id="20" name="图片 19" descr="人微笑的头像&#10;&#10;描述已自动生成">
+            <a:extLst>
+              <a:ext uri="{FF2B5EF4-FFF2-40B4-BE49-F238E27FC236}">
+                <a16:creationId xmlns:a16="http://schemas.microsoft.com/office/drawing/2014/main" id="{E7B77A41-1CDC-4604-B3AB-049D84364426}"/>
+              </a:ext>
+            </a:extLst>
+          </p:cNvPr>
+          <p:cNvPicPr>
+            <a:picLocks noChangeAspect="1"/>
+          </p:cNvPicPr>
+          <p:nvPr/>
+        </p:nvPicPr>
+        <p:blipFill>
+          <a:blip r:embed="rId18">
+            <a:extLst>
+              <a:ext uri="{28A0092B-C50C-407E-A947-70E740481C1C}">
+                <a14:useLocalDpi xmlns:a14="http://schemas.microsoft.com/office/drawing/2010/main" val="0"/>
+              </a:ext>
+            </a:extLst>
+          </a:blip>
+          <a:stretch>
+            <a:fillRect/>
+          </a:stretch>
+        </p:blipFill>
+        <p:spPr>
+          <a:xfrm>
+            <a:off x="27228026" y="7522575"/>
+            <a:ext cx="2373449" cy="2373449"/>
+          </a:xfrm>
+          <a:prstGeom prst="rect">
+            <a:avLst/>
+          </a:prstGeom>
+        </p:spPr>
+      </p:pic>
+      <p:pic>
+        <p:nvPicPr>
+          <p:cNvPr id="21" name="图片 20" descr="人微笑的头像&#10;&#10;描述已自动生成">
+            <a:extLst>
+              <a:ext uri="{FF2B5EF4-FFF2-40B4-BE49-F238E27FC236}">
+                <a16:creationId xmlns:a16="http://schemas.microsoft.com/office/drawing/2014/main" id="{2E16426E-F325-4F46-8536-AEF9638E8441}"/>
+              </a:ext>
+            </a:extLst>
+          </p:cNvPr>
+          <p:cNvPicPr>
+            <a:picLocks noChangeAspect="1"/>
+          </p:cNvPicPr>
+          <p:nvPr/>
+        </p:nvPicPr>
+        <p:blipFill>
+          <a:blip r:embed="rId19">
+            <a:extLst>
+              <a:ext uri="{28A0092B-C50C-407E-A947-70E740481C1C}">
+                <a14:useLocalDpi xmlns:a14="http://schemas.microsoft.com/office/drawing/2010/main" val="0"/>
+              </a:ext>
+            </a:extLst>
+          </a:blip>
+          <a:stretch>
+            <a:fillRect/>
+          </a:stretch>
+        </p:blipFill>
+        <p:spPr>
+          <a:xfrm>
+            <a:off x="29828355" y="7522575"/>
+            <a:ext cx="2373449" cy="2373449"/>
+          </a:xfrm>
+          <a:prstGeom prst="rect">
+            <a:avLst/>
+          </a:prstGeom>
+        </p:spPr>
+      </p:pic>
+      <p:pic>
+        <p:nvPicPr>
+          <p:cNvPr id="22" name="图片 21" descr="男人微笑的头像&#10;&#10;描述已自动生成">
+            <a:extLst>
+              <a:ext uri="{FF2B5EF4-FFF2-40B4-BE49-F238E27FC236}">
+                <a16:creationId xmlns:a16="http://schemas.microsoft.com/office/drawing/2014/main" id="{0A058A58-B10F-49DA-9D86-BA41A2DD3E96}"/>
+              </a:ext>
+            </a:extLst>
+          </p:cNvPr>
+          <p:cNvPicPr>
+            <a:picLocks noChangeAspect="1"/>
+          </p:cNvPicPr>
+          <p:nvPr/>
+        </p:nvPicPr>
+        <p:blipFill>
+          <a:blip r:embed="rId20">
+            <a:extLst>
+              <a:ext uri="{28A0092B-C50C-407E-A947-70E740481C1C}">
+                <a14:useLocalDpi xmlns:a14="http://schemas.microsoft.com/office/drawing/2010/main" val="0"/>
+              </a:ext>
+            </a:extLst>
+          </a:blip>
+          <a:stretch>
+            <a:fillRect/>
+          </a:stretch>
+        </p:blipFill>
+        <p:spPr>
+          <a:xfrm>
+            <a:off x="6425478" y="10471643"/>
+            <a:ext cx="2373449" cy="2373449"/>
+          </a:xfrm>
+          <a:prstGeom prst="rect">
+            <a:avLst/>
+          </a:prstGeom>
+        </p:spPr>
+      </p:pic>
+      <p:pic>
+        <p:nvPicPr>
+          <p:cNvPr id="23" name="图片 22" descr="人露出牙齿微笑&#10;&#10;描述已自动生成">
+            <a:extLst>
+              <a:ext uri="{FF2B5EF4-FFF2-40B4-BE49-F238E27FC236}">
+                <a16:creationId xmlns:a16="http://schemas.microsoft.com/office/drawing/2014/main" id="{AA1A6A06-DC96-435A-AA41-F667B2424B33}"/>
+              </a:ext>
+            </a:extLst>
+          </p:cNvPr>
+          <p:cNvPicPr>
+            <a:picLocks noChangeAspect="1"/>
+          </p:cNvPicPr>
+          <p:nvPr/>
+        </p:nvPicPr>
+        <p:blipFill>
+          <a:blip r:embed="rId21">
+            <a:extLst>
+              <a:ext uri="{28A0092B-C50C-407E-A947-70E740481C1C}">
+                <a14:useLocalDpi xmlns:a14="http://schemas.microsoft.com/office/drawing/2010/main" val="0"/>
+              </a:ext>
+            </a:extLst>
+          </a:blip>
+          <a:stretch>
+            <a:fillRect/>
+          </a:stretch>
+        </p:blipFill>
+        <p:spPr>
+          <a:xfrm>
+            <a:off x="9025797" y="10471643"/>
+            <a:ext cx="2373449" cy="2373449"/>
+          </a:xfrm>
+          <a:prstGeom prst="rect">
+            <a:avLst/>
+          </a:prstGeom>
+        </p:spPr>
+      </p:pic>
+      <p:sp>
+        <p:nvSpPr>
+          <p:cNvPr id="24" name="文本框 23">
+            <a:extLst>
+              <a:ext uri="{FF2B5EF4-FFF2-40B4-BE49-F238E27FC236}">
+                <a16:creationId xmlns:a16="http://schemas.microsoft.com/office/drawing/2014/main" id="{32A53ED1-1317-4175-8404-00EAFE2A8020}"/>
+              </a:ext>
+            </a:extLst>
+          </p:cNvPr>
+          <p:cNvSpPr txBox="1"/>
+          <p:nvPr/>
+        </p:nvSpPr>
+        <p:spPr>
+          <a:xfrm>
+            <a:off x="6000053" y="6839075"/>
+            <a:ext cx="3125515" cy="584775"/>
+          </a:xfrm>
+          <a:prstGeom prst="rect">
+            <a:avLst/>
+          </a:prstGeom>
+          <a:noFill/>
+        </p:spPr>
+        <p:txBody>
+          <a:bodyPr wrap="square">
+            <a:spAutoFit/>
+          </a:bodyPr>
+          <a:lstStyle/>
+          <a:p>
+            <a:pPr algn="ctr"/>
+            <a:r>
+              <a:rPr lang="zh-CN" altLang="en-US" sz="3200" dirty="0">
+                <a:solidFill>
+                  <a:srgbClr val="222222"/>
+                </a:solidFill>
+                <a:latin typeface="Arial" panose="020B0604020202020204" pitchFamily="34" charset="0"/>
+                <a:cs typeface="Times New Roman" panose="02020603050405020304" pitchFamily="18" charset="0"/>
+              </a:rPr>
+              <a:t>短胡子</a:t>
+            </a:r>
+            <a:endParaRPr lang="zh-CN" altLang="en-US" sz="3200" dirty="0">
+              <a:latin typeface="Times New Roman" panose="02020603050405020304" pitchFamily="18" charset="0"/>
+              <a:cs typeface="Times New Roman" panose="02020603050405020304" pitchFamily="18" charset="0"/>
+            </a:endParaRPr>
+          </a:p>
+        </p:txBody>
+      </p:sp>
+      <p:pic>
+        <p:nvPicPr>
+          <p:cNvPr id="25" name="图片 24" descr="男人微笑的头像&#10;&#10;描述已自动生成">
+            <a:extLst>
+              <a:ext uri="{FF2B5EF4-FFF2-40B4-BE49-F238E27FC236}">
+                <a16:creationId xmlns:a16="http://schemas.microsoft.com/office/drawing/2014/main" id="{8C80A51C-A1C8-4C1F-8263-307370C2A921}"/>
+              </a:ext>
+            </a:extLst>
+          </p:cNvPr>
+          <p:cNvPicPr>
+            <a:picLocks noChangeAspect="1"/>
+          </p:cNvPicPr>
+          <p:nvPr/>
+        </p:nvPicPr>
+        <p:blipFill>
+          <a:blip r:embed="rId22">
+            <a:extLst>
+              <a:ext uri="{28A0092B-C50C-407E-A947-70E740481C1C}">
+                <a14:useLocalDpi xmlns:a14="http://schemas.microsoft.com/office/drawing/2010/main" val="0"/>
+              </a:ext>
+            </a:extLst>
+          </a:blip>
+          <a:stretch>
+            <a:fillRect/>
+          </a:stretch>
+        </p:blipFill>
+        <p:spPr>
+          <a:xfrm>
+            <a:off x="16826753" y="4534934"/>
+            <a:ext cx="2373449" cy="2373449"/>
+          </a:xfrm>
+          <a:prstGeom prst="rect">
+            <a:avLst/>
+          </a:prstGeom>
+        </p:spPr>
+      </p:pic>
+      <p:pic>
+        <p:nvPicPr>
+          <p:cNvPr id="26" name="图片 25" descr="人微笑的头像&#10;&#10;描述已自动生成">
+            <a:extLst>
+              <a:ext uri="{FF2B5EF4-FFF2-40B4-BE49-F238E27FC236}">
+                <a16:creationId xmlns:a16="http://schemas.microsoft.com/office/drawing/2014/main" id="{C85079A1-3EA6-441E-B30E-81DD35D2726E}"/>
+              </a:ext>
+            </a:extLst>
+          </p:cNvPr>
+          <p:cNvPicPr>
+            <a:picLocks noChangeAspect="1"/>
+          </p:cNvPicPr>
+          <p:nvPr/>
+        </p:nvPicPr>
+        <p:blipFill>
+          <a:blip r:embed="rId23">
+            <a:extLst>
+              <a:ext uri="{28A0092B-C50C-407E-A947-70E740481C1C}">
+                <a14:useLocalDpi xmlns:a14="http://schemas.microsoft.com/office/drawing/2010/main" val="0"/>
+              </a:ext>
+            </a:extLst>
+          </a:blip>
+          <a:stretch>
+            <a:fillRect/>
+          </a:stretch>
+        </p:blipFill>
+        <p:spPr>
+          <a:xfrm>
+            <a:off x="11626115" y="4534934"/>
+            <a:ext cx="2373449" cy="2373449"/>
+          </a:xfrm>
+          <a:prstGeom prst="rect">
+            <a:avLst/>
+          </a:prstGeom>
+        </p:spPr>
+      </p:pic>
+      <p:pic>
+        <p:nvPicPr>
+          <p:cNvPr id="27" name="图片 26" descr="男人微笑的头像&#10;&#10;描述已自动生成">
+            <a:extLst>
+              <a:ext uri="{FF2B5EF4-FFF2-40B4-BE49-F238E27FC236}">
+                <a16:creationId xmlns:a16="http://schemas.microsoft.com/office/drawing/2014/main" id="{0A98D6A8-33CF-4B5D-AEE7-A37C1D89D43F}"/>
+              </a:ext>
+            </a:extLst>
+          </p:cNvPr>
+          <p:cNvPicPr>
+            <a:picLocks noChangeAspect="1"/>
+          </p:cNvPicPr>
+          <p:nvPr/>
+        </p:nvPicPr>
+        <p:blipFill>
+          <a:blip r:embed="rId24">
+            <a:extLst>
+              <a:ext uri="{28A0092B-C50C-407E-A947-70E740481C1C}">
+                <a14:useLocalDpi xmlns:a14="http://schemas.microsoft.com/office/drawing/2010/main" val="0"/>
+              </a:ext>
+            </a:extLst>
+          </a:blip>
+          <a:stretch>
+            <a:fillRect/>
+          </a:stretch>
+        </p:blipFill>
+        <p:spPr>
+          <a:xfrm>
+            <a:off x="6425478" y="7522575"/>
+            <a:ext cx="2373449" cy="2373449"/>
+          </a:xfrm>
+          <a:prstGeom prst="rect">
+            <a:avLst/>
+          </a:prstGeom>
+        </p:spPr>
+      </p:pic>
+      <p:pic>
+        <p:nvPicPr>
+          <p:cNvPr id="28" name="图片 27" descr="男人微笑的头像&#10;&#10;描述已自动生成">
+            <a:extLst>
+              <a:ext uri="{FF2B5EF4-FFF2-40B4-BE49-F238E27FC236}">
+                <a16:creationId xmlns:a16="http://schemas.microsoft.com/office/drawing/2014/main" id="{63EC2F9E-7C73-48BC-90CD-469B00B3F96E}"/>
+              </a:ext>
+            </a:extLst>
+          </p:cNvPr>
+          <p:cNvPicPr>
+            <a:picLocks noChangeAspect="1"/>
+          </p:cNvPicPr>
+          <p:nvPr/>
+        </p:nvPicPr>
+        <p:blipFill>
+          <a:blip r:embed="rId25">
+            <a:extLst>
+              <a:ext uri="{28A0092B-C50C-407E-A947-70E740481C1C}">
+                <a14:useLocalDpi xmlns:a14="http://schemas.microsoft.com/office/drawing/2010/main" val="0"/>
+              </a:ext>
+            </a:extLst>
+          </a:blip>
+          <a:stretch>
+            <a:fillRect/>
+          </a:stretch>
+        </p:blipFill>
+        <p:spPr>
+          <a:xfrm>
+            <a:off x="11626115" y="10471643"/>
+            <a:ext cx="2373449" cy="2373449"/>
+          </a:xfrm>
+          <a:prstGeom prst="rect">
+            <a:avLst/>
+          </a:prstGeom>
+        </p:spPr>
+      </p:pic>
+      <p:pic>
+        <p:nvPicPr>
+          <p:cNvPr id="29" name="图片 28" descr="人微笑的头像&#10;&#10;描述已自动生成">
+            <a:extLst>
+              <a:ext uri="{FF2B5EF4-FFF2-40B4-BE49-F238E27FC236}">
+                <a16:creationId xmlns:a16="http://schemas.microsoft.com/office/drawing/2014/main" id="{E1F12B04-5302-4DBE-A658-AB830546B25E}"/>
+              </a:ext>
+            </a:extLst>
+          </p:cNvPr>
+          <p:cNvPicPr>
+            <a:picLocks noChangeAspect="1"/>
+          </p:cNvPicPr>
+          <p:nvPr/>
+        </p:nvPicPr>
+        <p:blipFill>
+          <a:blip r:embed="rId26">
+            <a:extLst>
+              <a:ext uri="{28A0092B-C50C-407E-A947-70E740481C1C}">
+                <a14:useLocalDpi xmlns:a14="http://schemas.microsoft.com/office/drawing/2010/main" val="0"/>
+              </a:ext>
+            </a:extLst>
+          </a:blip>
+          <a:stretch>
+            <a:fillRect/>
+          </a:stretch>
+        </p:blipFill>
+        <p:spPr>
+          <a:xfrm>
+            <a:off x="14226435" y="10471643"/>
+            <a:ext cx="2373449" cy="2373449"/>
+          </a:xfrm>
+          <a:prstGeom prst="rect">
+            <a:avLst/>
+          </a:prstGeom>
+        </p:spPr>
+      </p:pic>
+      <p:pic>
+        <p:nvPicPr>
+          <p:cNvPr id="30" name="图片 29" descr="人微笑的头像&#10;&#10;描述已自动生成">
+            <a:extLst>
+              <a:ext uri="{FF2B5EF4-FFF2-40B4-BE49-F238E27FC236}">
+                <a16:creationId xmlns:a16="http://schemas.microsoft.com/office/drawing/2014/main" id="{BE4C05F5-B3EA-4A82-9AAB-E66D8B923040}"/>
+              </a:ext>
+            </a:extLst>
+          </p:cNvPr>
+          <p:cNvPicPr>
+            <a:picLocks noChangeAspect="1"/>
+          </p:cNvPicPr>
+          <p:nvPr/>
+        </p:nvPicPr>
+        <p:blipFill>
+          <a:blip r:embed="rId27">
+            <a:extLst>
+              <a:ext uri="{28A0092B-C50C-407E-A947-70E740481C1C}">
+                <a14:useLocalDpi xmlns:a14="http://schemas.microsoft.com/office/drawing/2010/main" val="0"/>
+              </a:ext>
+            </a:extLst>
+          </a:blip>
+          <a:stretch>
+            <a:fillRect/>
+          </a:stretch>
+        </p:blipFill>
+        <p:spPr>
+          <a:xfrm>
+            <a:off x="16826753" y="10471643"/>
+            <a:ext cx="2373449" cy="2373449"/>
+          </a:xfrm>
+          <a:prstGeom prst="rect">
+            <a:avLst/>
+          </a:prstGeom>
+        </p:spPr>
+      </p:pic>
+      <p:pic>
+        <p:nvPicPr>
+          <p:cNvPr id="31" name="图片 30" descr="男人露出牙齿微笑&#10;&#10;描述已自动生成">
+            <a:extLst>
+              <a:ext uri="{FF2B5EF4-FFF2-40B4-BE49-F238E27FC236}">
+                <a16:creationId xmlns:a16="http://schemas.microsoft.com/office/drawing/2014/main" id="{40CBBA4B-B06E-4C6E-81F3-29D70F7E9D6E}"/>
+              </a:ext>
+            </a:extLst>
+          </p:cNvPr>
+          <p:cNvPicPr>
+            <a:picLocks noChangeAspect="1"/>
+          </p:cNvPicPr>
+          <p:nvPr/>
+        </p:nvPicPr>
+        <p:blipFill>
+          <a:blip r:embed="rId28">
+            <a:extLst>
+              <a:ext uri="{28A0092B-C50C-407E-A947-70E740481C1C}">
+                <a14:useLocalDpi xmlns:a14="http://schemas.microsoft.com/office/drawing/2010/main" val="0"/>
+              </a:ext>
+            </a:extLst>
+          </a:blip>
+          <a:stretch>
+            <a:fillRect/>
+          </a:stretch>
+        </p:blipFill>
+        <p:spPr>
+          <a:xfrm>
+            <a:off x="19427072" y="10471643"/>
+            <a:ext cx="2373449" cy="2373449"/>
+          </a:xfrm>
+          <a:prstGeom prst="rect">
+            <a:avLst/>
+          </a:prstGeom>
+        </p:spPr>
+      </p:pic>
+      <p:pic>
+        <p:nvPicPr>
+          <p:cNvPr id="32" name="图片 31" descr="人微笑的头像&#10;&#10;描述已自动生成">
+            <a:extLst>
+              <a:ext uri="{FF2B5EF4-FFF2-40B4-BE49-F238E27FC236}">
+                <a16:creationId xmlns:a16="http://schemas.microsoft.com/office/drawing/2014/main" id="{885FD048-18DB-4621-837B-0920EE2FE9E7}"/>
+              </a:ext>
+            </a:extLst>
+          </p:cNvPr>
+          <p:cNvPicPr>
+            <a:picLocks noChangeAspect="1"/>
+          </p:cNvPicPr>
+          <p:nvPr/>
+        </p:nvPicPr>
+        <p:blipFill>
+          <a:blip r:embed="rId29">
+            <a:extLst>
+              <a:ext uri="{28A0092B-C50C-407E-A947-70E740481C1C}">
+                <a14:useLocalDpi xmlns:a14="http://schemas.microsoft.com/office/drawing/2010/main" val="0"/>
+              </a:ext>
+            </a:extLst>
+          </a:blip>
+          <a:stretch>
+            <a:fillRect/>
+          </a:stretch>
+        </p:blipFill>
+        <p:spPr>
+          <a:xfrm>
+            <a:off x="22027388" y="10471643"/>
+            <a:ext cx="2373449" cy="2373449"/>
+          </a:xfrm>
+          <a:prstGeom prst="rect">
+            <a:avLst/>
+          </a:prstGeom>
+        </p:spPr>
+      </p:pic>
+      <p:pic>
+        <p:nvPicPr>
+          <p:cNvPr id="33" name="图片 32" descr="人微笑的头像&#10;&#10;描述已自动生成">
+            <a:extLst>
+              <a:ext uri="{FF2B5EF4-FFF2-40B4-BE49-F238E27FC236}">
+                <a16:creationId xmlns:a16="http://schemas.microsoft.com/office/drawing/2014/main" id="{37BAEFED-96BB-4DD2-8541-1ED8DABF4406}"/>
+              </a:ext>
+            </a:extLst>
+          </p:cNvPr>
+          <p:cNvPicPr>
+            <a:picLocks noChangeAspect="1"/>
+          </p:cNvPicPr>
+          <p:nvPr/>
+        </p:nvPicPr>
+        <p:blipFill>
+          <a:blip r:embed="rId30">
+            <a:extLst>
+              <a:ext uri="{28A0092B-C50C-407E-A947-70E740481C1C}">
+                <a14:useLocalDpi xmlns:a14="http://schemas.microsoft.com/office/drawing/2010/main" val="0"/>
+              </a:ext>
+            </a:extLst>
+          </a:blip>
+          <a:stretch>
+            <a:fillRect/>
+          </a:stretch>
+        </p:blipFill>
+        <p:spPr>
+          <a:xfrm>
+            <a:off x="24627707" y="10471643"/>
+            <a:ext cx="2373449" cy="2373449"/>
+          </a:xfrm>
+          <a:prstGeom prst="rect">
+            <a:avLst/>
+          </a:prstGeom>
+        </p:spPr>
+      </p:pic>
+      <p:pic>
+        <p:nvPicPr>
+          <p:cNvPr id="34" name="图片 33" descr="男人微笑的头像&#10;&#10;描述已自动生成">
+            <a:extLst>
+              <a:ext uri="{FF2B5EF4-FFF2-40B4-BE49-F238E27FC236}">
+                <a16:creationId xmlns:a16="http://schemas.microsoft.com/office/drawing/2014/main" id="{5C4EFFD1-DC73-4FB1-A646-AEEDD73D10E8}"/>
+              </a:ext>
+            </a:extLst>
+          </p:cNvPr>
+          <p:cNvPicPr>
+            <a:picLocks noChangeAspect="1"/>
+          </p:cNvPicPr>
+          <p:nvPr/>
+        </p:nvPicPr>
+        <p:blipFill>
+          <a:blip r:embed="rId31">
+            <a:extLst>
+              <a:ext uri="{28A0092B-C50C-407E-A947-70E740481C1C}">
+                <a14:useLocalDpi xmlns:a14="http://schemas.microsoft.com/office/drawing/2010/main" val="0"/>
+              </a:ext>
+            </a:extLst>
+          </a:blip>
+          <a:stretch>
+            <a:fillRect/>
+          </a:stretch>
+        </p:blipFill>
+        <p:spPr>
+          <a:xfrm>
+            <a:off x="27228026" y="10471643"/>
+            <a:ext cx="2373449" cy="2373449"/>
+          </a:xfrm>
+          <a:prstGeom prst="rect">
+            <a:avLst/>
+          </a:prstGeom>
+        </p:spPr>
+      </p:pic>
+      <p:pic>
+        <p:nvPicPr>
+          <p:cNvPr id="35" name="图片 34" descr="人微笑的头像&#10;&#10;描述已自动生成">
+            <a:extLst>
+              <a:ext uri="{FF2B5EF4-FFF2-40B4-BE49-F238E27FC236}">
+                <a16:creationId xmlns:a16="http://schemas.microsoft.com/office/drawing/2014/main" id="{3B909E4A-B53A-4CF0-A7B0-0E3F210D4069}"/>
+              </a:ext>
+            </a:extLst>
+          </p:cNvPr>
+          <p:cNvPicPr>
+            <a:picLocks noChangeAspect="1"/>
+          </p:cNvPicPr>
+          <p:nvPr/>
+        </p:nvPicPr>
+        <p:blipFill>
+          <a:blip r:embed="rId32">
+            <a:extLst>
+              <a:ext uri="{28A0092B-C50C-407E-A947-70E740481C1C}">
+                <a14:useLocalDpi xmlns:a14="http://schemas.microsoft.com/office/drawing/2010/main" val="0"/>
+              </a:ext>
+            </a:extLst>
+          </a:blip>
+          <a:stretch>
+            <a:fillRect/>
+          </a:stretch>
+        </p:blipFill>
+        <p:spPr>
+          <a:xfrm>
+            <a:off x="29828355" y="10471643"/>
+            <a:ext cx="2373449" cy="2373449"/>
+          </a:xfrm>
+          <a:prstGeom prst="rect">
+            <a:avLst/>
+          </a:prstGeom>
+        </p:spPr>
+      </p:pic>
+      <p:pic>
+        <p:nvPicPr>
+          <p:cNvPr id="36" name="图片 35" descr="男人露出牙齿微笑&#10;&#10;描述已自动生成">
+            <a:extLst>
+              <a:ext uri="{FF2B5EF4-FFF2-40B4-BE49-F238E27FC236}">
+                <a16:creationId xmlns:a16="http://schemas.microsoft.com/office/drawing/2014/main" id="{16F74168-7F93-4D40-B4F9-427C9F8E5C54}"/>
+              </a:ext>
+            </a:extLst>
+          </p:cNvPr>
+          <p:cNvPicPr>
+            <a:picLocks noChangeAspect="1"/>
+          </p:cNvPicPr>
+          <p:nvPr/>
+        </p:nvPicPr>
+        <p:blipFill>
+          <a:blip r:embed="rId33">
+            <a:extLst>
+              <a:ext uri="{28A0092B-C50C-407E-A947-70E740481C1C}">
+                <a14:useLocalDpi xmlns:a14="http://schemas.microsoft.com/office/drawing/2010/main" val="0"/>
+              </a:ext>
+            </a:extLst>
+          </a:blip>
+          <a:stretch>
+            <a:fillRect/>
+          </a:stretch>
+        </p:blipFill>
+        <p:spPr>
+          <a:xfrm>
+            <a:off x="6425478" y="13387040"/>
+            <a:ext cx="2373449" cy="2373449"/>
+          </a:xfrm>
+          <a:prstGeom prst="rect">
+            <a:avLst/>
+          </a:prstGeom>
+        </p:spPr>
+      </p:pic>
+      <p:pic>
+        <p:nvPicPr>
+          <p:cNvPr id="37" name="图片 36" descr="人露出牙齿微笑&#10;&#10;描述已自动生成">
+            <a:extLst>
+              <a:ext uri="{FF2B5EF4-FFF2-40B4-BE49-F238E27FC236}">
+                <a16:creationId xmlns:a16="http://schemas.microsoft.com/office/drawing/2014/main" id="{720B6881-E881-46EE-A45A-AB45C9460E93}"/>
+              </a:ext>
+            </a:extLst>
+          </p:cNvPr>
+          <p:cNvPicPr>
+            <a:picLocks noChangeAspect="1"/>
+          </p:cNvPicPr>
+          <p:nvPr/>
+        </p:nvPicPr>
+        <p:blipFill>
+          <a:blip r:embed="rId34">
+            <a:extLst>
+              <a:ext uri="{28A0092B-C50C-407E-A947-70E740481C1C}">
+                <a14:useLocalDpi xmlns:a14="http://schemas.microsoft.com/office/drawing/2010/main" val="0"/>
+              </a:ext>
+            </a:extLst>
+          </a:blip>
+          <a:stretch>
+            <a:fillRect/>
+          </a:stretch>
+        </p:blipFill>
+        <p:spPr>
+          <a:xfrm>
+            <a:off x="9025797" y="13387040"/>
+            <a:ext cx="2373449" cy="2373449"/>
+          </a:xfrm>
+          <a:prstGeom prst="rect">
+            <a:avLst/>
+          </a:prstGeom>
+        </p:spPr>
+      </p:pic>
+      <p:pic>
+        <p:nvPicPr>
+          <p:cNvPr id="38" name="图片 37" descr="人露出牙齿微笑&#10;&#10;描述已自动生成">
+            <a:extLst>
+              <a:ext uri="{FF2B5EF4-FFF2-40B4-BE49-F238E27FC236}">
+                <a16:creationId xmlns:a16="http://schemas.microsoft.com/office/drawing/2014/main" id="{4DEC7A65-FAAA-46A0-A250-A321F13017ED}"/>
+              </a:ext>
+            </a:extLst>
+          </p:cNvPr>
+          <p:cNvPicPr>
+            <a:picLocks noChangeAspect="1"/>
+          </p:cNvPicPr>
+          <p:nvPr/>
+        </p:nvPicPr>
+        <p:blipFill>
+          <a:blip r:embed="rId35">
+            <a:extLst>
+              <a:ext uri="{28A0092B-C50C-407E-A947-70E740481C1C}">
+                <a14:useLocalDpi xmlns:a14="http://schemas.microsoft.com/office/drawing/2010/main" val="0"/>
+              </a:ext>
+            </a:extLst>
+          </a:blip>
+          <a:stretch>
+            <a:fillRect/>
+          </a:stretch>
+        </p:blipFill>
+        <p:spPr>
+          <a:xfrm>
+            <a:off x="11626115" y="13387040"/>
+            <a:ext cx="2373449" cy="2373449"/>
+          </a:xfrm>
+          <a:prstGeom prst="rect">
+            <a:avLst/>
+          </a:prstGeom>
+        </p:spPr>
+      </p:pic>
+      <p:pic>
+        <p:nvPicPr>
+          <p:cNvPr id="39" name="图片 38" descr="微笑的女人&#10;&#10;描述已自动生成">
+            <a:extLst>
+              <a:ext uri="{FF2B5EF4-FFF2-40B4-BE49-F238E27FC236}">
+                <a16:creationId xmlns:a16="http://schemas.microsoft.com/office/drawing/2014/main" id="{C95C9795-429A-42F3-9603-9171C9768670}"/>
+              </a:ext>
+            </a:extLst>
+          </p:cNvPr>
+          <p:cNvPicPr>
+            <a:picLocks noChangeAspect="1"/>
+          </p:cNvPicPr>
+          <p:nvPr/>
+        </p:nvPicPr>
+        <p:blipFill>
+          <a:blip r:embed="rId36">
+            <a:extLst>
+              <a:ext uri="{28A0092B-C50C-407E-A947-70E740481C1C}">
+                <a14:useLocalDpi xmlns:a14="http://schemas.microsoft.com/office/drawing/2010/main" val="0"/>
+              </a:ext>
+            </a:extLst>
+          </a:blip>
+          <a:stretch>
+            <a:fillRect/>
+          </a:stretch>
+        </p:blipFill>
+        <p:spPr>
+          <a:xfrm>
+            <a:off x="14226435" y="13387040"/>
+            <a:ext cx="2373449" cy="2373449"/>
+          </a:xfrm>
+          <a:prstGeom prst="rect">
+            <a:avLst/>
+          </a:prstGeom>
+        </p:spPr>
+      </p:pic>
+      <p:pic>
+        <p:nvPicPr>
+          <p:cNvPr id="40" name="图片 39" descr="男人微笑的头像&#10;&#10;描述已自动生成">
+            <a:extLst>
+              <a:ext uri="{FF2B5EF4-FFF2-40B4-BE49-F238E27FC236}">
+                <a16:creationId xmlns:a16="http://schemas.microsoft.com/office/drawing/2014/main" id="{44BC6AF4-38E1-414D-878A-B3CC07FCDDD2}"/>
+              </a:ext>
+            </a:extLst>
+          </p:cNvPr>
+          <p:cNvPicPr>
+            <a:picLocks noChangeAspect="1"/>
+          </p:cNvPicPr>
+          <p:nvPr/>
+        </p:nvPicPr>
+        <p:blipFill>
+          <a:blip r:embed="rId37">
+            <a:extLst>
+              <a:ext uri="{28A0092B-C50C-407E-A947-70E740481C1C}">
+                <a14:useLocalDpi xmlns:a14="http://schemas.microsoft.com/office/drawing/2010/main" val="0"/>
+              </a:ext>
+            </a:extLst>
+          </a:blip>
+          <a:stretch>
+            <a:fillRect/>
+          </a:stretch>
+        </p:blipFill>
+        <p:spPr>
+          <a:xfrm>
+            <a:off x="16826753" y="13387040"/>
+            <a:ext cx="2373449" cy="2373449"/>
+          </a:xfrm>
+          <a:prstGeom prst="rect">
+            <a:avLst/>
+          </a:prstGeom>
+        </p:spPr>
+      </p:pic>
+      <p:pic>
+        <p:nvPicPr>
+          <p:cNvPr id="41" name="图片 40" descr="人戴着帽子&#10;&#10;描述已自动生成">
+            <a:extLst>
+              <a:ext uri="{FF2B5EF4-FFF2-40B4-BE49-F238E27FC236}">
+                <a16:creationId xmlns:a16="http://schemas.microsoft.com/office/drawing/2014/main" id="{7D53B558-2CB2-4A8E-88A7-3426B6028CEA}"/>
+              </a:ext>
+            </a:extLst>
+          </p:cNvPr>
+          <p:cNvPicPr>
+            <a:picLocks noChangeAspect="1"/>
+          </p:cNvPicPr>
+          <p:nvPr/>
+        </p:nvPicPr>
+        <p:blipFill>
+          <a:blip r:embed="rId38">
+            <a:extLst>
+              <a:ext uri="{28A0092B-C50C-407E-A947-70E740481C1C}">
+                <a14:useLocalDpi xmlns:a14="http://schemas.microsoft.com/office/drawing/2010/main" val="0"/>
+              </a:ext>
+            </a:extLst>
+          </a:blip>
+          <a:stretch>
+            <a:fillRect/>
+          </a:stretch>
+        </p:blipFill>
+        <p:spPr>
+          <a:xfrm>
+            <a:off x="19427072" y="13387040"/>
+            <a:ext cx="2373449" cy="2373449"/>
+          </a:xfrm>
+          <a:prstGeom prst="rect">
+            <a:avLst/>
+          </a:prstGeom>
+        </p:spPr>
+      </p:pic>
+      <p:pic>
+        <p:nvPicPr>
+          <p:cNvPr id="42" name="图片 41" descr="人微笑的头像&#10;&#10;描述已自动生成">
+            <a:extLst>
+              <a:ext uri="{FF2B5EF4-FFF2-40B4-BE49-F238E27FC236}">
+                <a16:creationId xmlns:a16="http://schemas.microsoft.com/office/drawing/2014/main" id="{D2BE2769-A65B-498F-8366-0DF391CBE060}"/>
+              </a:ext>
+            </a:extLst>
+          </p:cNvPr>
+          <p:cNvPicPr>
+            <a:picLocks noChangeAspect="1"/>
+          </p:cNvPicPr>
+          <p:nvPr/>
+        </p:nvPicPr>
+        <p:blipFill>
+          <a:blip r:embed="rId39">
+            <a:extLst>
+              <a:ext uri="{28A0092B-C50C-407E-A947-70E740481C1C}">
+                <a14:useLocalDpi xmlns:a14="http://schemas.microsoft.com/office/drawing/2010/main" val="0"/>
+              </a:ext>
+            </a:extLst>
+          </a:blip>
+          <a:stretch>
+            <a:fillRect/>
+          </a:stretch>
+        </p:blipFill>
+        <p:spPr>
+          <a:xfrm>
+            <a:off x="22027388" y="13387040"/>
+            <a:ext cx="2373449" cy="2373449"/>
+          </a:xfrm>
+          <a:prstGeom prst="rect">
+            <a:avLst/>
+          </a:prstGeom>
+        </p:spPr>
+      </p:pic>
+      <p:pic>
+        <p:nvPicPr>
+          <p:cNvPr id="43" name="图片 42" descr="人微笑的头像&#10;&#10;描述已自动生成">
+            <a:extLst>
+              <a:ext uri="{FF2B5EF4-FFF2-40B4-BE49-F238E27FC236}">
+                <a16:creationId xmlns:a16="http://schemas.microsoft.com/office/drawing/2014/main" id="{671018E7-FA15-410F-A908-501D9B82FDEA}"/>
+              </a:ext>
+            </a:extLst>
+          </p:cNvPr>
+          <p:cNvPicPr>
+            <a:picLocks noChangeAspect="1"/>
+          </p:cNvPicPr>
+          <p:nvPr/>
+        </p:nvPicPr>
+        <p:blipFill>
+          <a:blip r:embed="rId40">
+            <a:extLst>
+              <a:ext uri="{28A0092B-C50C-407E-A947-70E740481C1C}">
+                <a14:useLocalDpi xmlns:a14="http://schemas.microsoft.com/office/drawing/2010/main" val="0"/>
+              </a:ext>
+            </a:extLst>
+          </a:blip>
+          <a:stretch>
+            <a:fillRect/>
+          </a:stretch>
+        </p:blipFill>
+        <p:spPr>
+          <a:xfrm>
+            <a:off x="24627707" y="13387040"/>
+            <a:ext cx="2373449" cy="2373449"/>
+          </a:xfrm>
+          <a:prstGeom prst="rect">
+            <a:avLst/>
+          </a:prstGeom>
+        </p:spPr>
+      </p:pic>
+      <p:pic>
+        <p:nvPicPr>
+          <p:cNvPr id="44" name="图片 43" descr="男人微笑的头像&#10;&#10;描述已自动生成">
+            <a:extLst>
+              <a:ext uri="{FF2B5EF4-FFF2-40B4-BE49-F238E27FC236}">
+                <a16:creationId xmlns:a16="http://schemas.microsoft.com/office/drawing/2014/main" id="{4B0784CA-6F35-4E0F-B3A1-9F2FF7E495EA}"/>
+              </a:ext>
+            </a:extLst>
+          </p:cNvPr>
+          <p:cNvPicPr>
+            <a:picLocks noChangeAspect="1"/>
+          </p:cNvPicPr>
+          <p:nvPr/>
+        </p:nvPicPr>
+        <p:blipFill>
+          <a:blip r:embed="rId41">
+            <a:extLst>
+              <a:ext uri="{28A0092B-C50C-407E-A947-70E740481C1C}">
+                <a14:useLocalDpi xmlns:a14="http://schemas.microsoft.com/office/drawing/2010/main" val="0"/>
+              </a:ext>
+            </a:extLst>
+          </a:blip>
+          <a:stretch>
+            <a:fillRect/>
+          </a:stretch>
+        </p:blipFill>
+        <p:spPr>
+          <a:xfrm>
+            <a:off x="27228026" y="13387040"/>
+            <a:ext cx="2373449" cy="2373449"/>
+          </a:xfrm>
+          <a:prstGeom prst="rect">
+            <a:avLst/>
+          </a:prstGeom>
+        </p:spPr>
+      </p:pic>
+      <p:pic>
+        <p:nvPicPr>
+          <p:cNvPr id="45" name="图片 44" descr="人微笑的头像&#10;&#10;描述已自动生成">
+            <a:extLst>
+              <a:ext uri="{FF2B5EF4-FFF2-40B4-BE49-F238E27FC236}">
+                <a16:creationId xmlns:a16="http://schemas.microsoft.com/office/drawing/2014/main" id="{E0DCDBCF-12FA-4CDB-B827-E3DA1DB29E91}"/>
+              </a:ext>
+            </a:extLst>
+          </p:cNvPr>
+          <p:cNvPicPr>
+            <a:picLocks noChangeAspect="1"/>
+          </p:cNvPicPr>
+          <p:nvPr/>
+        </p:nvPicPr>
+        <p:blipFill>
+          <a:blip r:embed="rId42">
+            <a:extLst>
+              <a:ext uri="{28A0092B-C50C-407E-A947-70E740481C1C}">
+                <a14:useLocalDpi xmlns:a14="http://schemas.microsoft.com/office/drawing/2010/main" val="0"/>
+              </a:ext>
+            </a:extLst>
+          </a:blip>
+          <a:stretch>
+            <a:fillRect/>
+          </a:stretch>
+        </p:blipFill>
+        <p:spPr>
+          <a:xfrm>
+            <a:off x="29828355" y="13387040"/>
+            <a:ext cx="2373449" cy="2373449"/>
+          </a:xfrm>
+          <a:prstGeom prst="rect">
+            <a:avLst/>
+          </a:prstGeom>
+        </p:spPr>
+      </p:pic>
+      <p:sp>
+        <p:nvSpPr>
+          <p:cNvPr id="46" name="文本框 45">
+            <a:extLst>
+              <a:ext uri="{FF2B5EF4-FFF2-40B4-BE49-F238E27FC236}">
+                <a16:creationId xmlns:a16="http://schemas.microsoft.com/office/drawing/2014/main" id="{4ED76AD6-5DEF-4A7E-83B8-057F068101BD}"/>
+              </a:ext>
+            </a:extLst>
+          </p:cNvPr>
+          <p:cNvSpPr txBox="1"/>
+          <p:nvPr/>
+        </p:nvSpPr>
+        <p:spPr>
+          <a:xfrm>
+            <a:off x="8568816" y="6839075"/>
+            <a:ext cx="3337511" cy="584775"/>
+          </a:xfrm>
+          <a:prstGeom prst="rect">
+            <a:avLst/>
+          </a:prstGeom>
+          <a:noFill/>
+        </p:spPr>
+        <p:txBody>
+          <a:bodyPr wrap="square">
+            <a:spAutoFit/>
+          </a:bodyPr>
+          <a:lstStyle/>
+          <a:p>
+            <a:pPr algn="ctr"/>
+            <a:r>
+              <a:rPr lang="zh-CN" altLang="en-US" sz="3200" b="0" i="0" u="none" strike="noStrike" dirty="0">
+                <a:solidFill>
+                  <a:srgbClr val="000000"/>
+                </a:solidFill>
+                <a:effectLst/>
+                <a:latin typeface="宋体" panose="02010600030101010101" pitchFamily="2" charset="-122"/>
+                <a:ea typeface="宋体" panose="02010600030101010101" pitchFamily="2" charset="-122"/>
+              </a:rPr>
+              <a:t>柳叶眉</a:t>
+            </a:r>
+            <a:r>
+              <a:rPr lang="zh-CN" altLang="en-US" sz="3200" dirty="0"/>
+              <a:t> </a:t>
+            </a:r>
+            <a:endParaRPr lang="zh-CN" altLang="en-US" sz="3200" dirty="0">
+              <a:latin typeface="Times New Roman" panose="02020603050405020304" pitchFamily="18" charset="0"/>
+              <a:cs typeface="Times New Roman" panose="02020603050405020304" pitchFamily="18" charset="0"/>
+            </a:endParaRPr>
+          </a:p>
+        </p:txBody>
+      </p:sp>
+      <p:sp>
+        <p:nvSpPr>
+          <p:cNvPr id="47" name="文本框 46">
+            <a:extLst>
+              <a:ext uri="{FF2B5EF4-FFF2-40B4-BE49-F238E27FC236}">
+                <a16:creationId xmlns:a16="http://schemas.microsoft.com/office/drawing/2014/main" id="{F4E96B5F-35B0-4580-8AC9-EBE4421D3D5B}"/>
+              </a:ext>
+            </a:extLst>
+          </p:cNvPr>
+          <p:cNvSpPr txBox="1"/>
+          <p:nvPr/>
+        </p:nvSpPr>
+        <p:spPr>
+          <a:xfrm>
+            <a:off x="11469917" y="6839075"/>
+            <a:ext cx="2529200" cy="584775"/>
+          </a:xfrm>
+          <a:prstGeom prst="rect">
+            <a:avLst/>
+          </a:prstGeom>
+          <a:noFill/>
+        </p:spPr>
+        <p:txBody>
+          <a:bodyPr wrap="square">
+            <a:spAutoFit/>
+          </a:bodyPr>
+          <a:lstStyle/>
+          <a:p>
+            <a:pPr algn="ctr"/>
+            <a:r>
+              <a:rPr lang="zh-CN" altLang="en-US" sz="3200" b="0" i="0" u="none" strike="noStrike" dirty="0">
+                <a:solidFill>
+                  <a:srgbClr val="000000"/>
+                </a:solidFill>
+                <a:effectLst/>
+                <a:latin typeface="宋体" panose="02010600030101010101" pitchFamily="2" charset="-122"/>
+                <a:ea typeface="宋体" panose="02010600030101010101" pitchFamily="2" charset="-122"/>
+              </a:rPr>
+              <a:t>迷人的</a:t>
+            </a:r>
+            <a:r>
+              <a:rPr lang="zh-CN" altLang="en-US" sz="3200" dirty="0"/>
+              <a:t> </a:t>
+            </a:r>
+            <a:endParaRPr lang="zh-CN" altLang="en-US" sz="3200" dirty="0">
+              <a:latin typeface="Times New Roman" panose="02020603050405020304" pitchFamily="18" charset="0"/>
+              <a:cs typeface="Times New Roman" panose="02020603050405020304" pitchFamily="18" charset="0"/>
+            </a:endParaRPr>
+          </a:p>
+        </p:txBody>
+      </p:sp>
+      <p:sp>
+        <p:nvSpPr>
+          <p:cNvPr id="48" name="文本框 47">
+            <a:extLst>
+              <a:ext uri="{FF2B5EF4-FFF2-40B4-BE49-F238E27FC236}">
+                <a16:creationId xmlns:a16="http://schemas.microsoft.com/office/drawing/2014/main" id="{E96C93D4-DDD1-4EB2-B8D4-B39A0E1F1409}"/>
+              </a:ext>
+            </a:extLst>
+          </p:cNvPr>
+          <p:cNvSpPr txBox="1"/>
+          <p:nvPr/>
+        </p:nvSpPr>
+        <p:spPr>
+          <a:xfrm>
+            <a:off x="13923824" y="6839075"/>
+            <a:ext cx="2987119" cy="584775"/>
+          </a:xfrm>
+          <a:prstGeom prst="rect">
+            <a:avLst/>
+          </a:prstGeom>
+          <a:noFill/>
+        </p:spPr>
+        <p:txBody>
+          <a:bodyPr wrap="square">
+            <a:spAutoFit/>
+          </a:bodyPr>
+          <a:lstStyle/>
+          <a:p>
+            <a:pPr algn="ctr"/>
+            <a:r>
+              <a:rPr lang="zh-CN" altLang="en-US" sz="3200" b="0" i="0" u="none" strike="noStrike" dirty="0">
+                <a:solidFill>
+                  <a:srgbClr val="000000"/>
+                </a:solidFill>
+                <a:effectLst/>
+                <a:latin typeface="宋体" panose="02010600030101010101" pitchFamily="2" charset="-122"/>
+                <a:ea typeface="宋体" panose="02010600030101010101" pitchFamily="2" charset="-122"/>
+              </a:rPr>
+              <a:t>眼袋</a:t>
+            </a:r>
+            <a:r>
+              <a:rPr lang="zh-CN" altLang="en-US" sz="3200" dirty="0"/>
+              <a:t> </a:t>
+            </a:r>
+            <a:endParaRPr lang="zh-CN" altLang="en-US" sz="3200" dirty="0">
+              <a:latin typeface="Times New Roman" panose="02020603050405020304" pitchFamily="18" charset="0"/>
+              <a:cs typeface="Times New Roman" panose="02020603050405020304" pitchFamily="18" charset="0"/>
+            </a:endParaRPr>
+          </a:p>
+        </p:txBody>
+      </p:sp>
+      <p:sp>
+        <p:nvSpPr>
+          <p:cNvPr id="49" name="文本框 48">
+            <a:extLst>
+              <a:ext uri="{FF2B5EF4-FFF2-40B4-BE49-F238E27FC236}">
+                <a16:creationId xmlns:a16="http://schemas.microsoft.com/office/drawing/2014/main" id="{7E520B6F-898F-4ECC-B21B-2DC58220FDCD}"/>
+              </a:ext>
+            </a:extLst>
+          </p:cNvPr>
+          <p:cNvSpPr txBox="1"/>
+          <p:nvPr/>
+        </p:nvSpPr>
+        <p:spPr>
+          <a:xfrm>
+            <a:off x="17225912" y="6839075"/>
+            <a:ext cx="1325198" cy="584775"/>
+          </a:xfrm>
+          <a:prstGeom prst="rect">
+            <a:avLst/>
+          </a:prstGeom>
+          <a:noFill/>
+        </p:spPr>
+        <p:txBody>
+          <a:bodyPr wrap="square">
+            <a:spAutoFit/>
+          </a:bodyPr>
+          <a:lstStyle/>
+          <a:p>
+            <a:pPr algn="ctr"/>
+            <a:r>
+              <a:rPr lang="zh-CN" altLang="en-US" sz="3200" b="0" i="0" u="none" strike="noStrike" dirty="0">
+                <a:solidFill>
+                  <a:srgbClr val="000000"/>
+                </a:solidFill>
+                <a:effectLst/>
+                <a:latin typeface="宋体" panose="02010600030101010101" pitchFamily="2" charset="-122"/>
+                <a:ea typeface="宋体" panose="02010600030101010101" pitchFamily="2" charset="-122"/>
+              </a:rPr>
+              <a:t>野性</a:t>
+            </a:r>
+            <a:r>
+              <a:rPr lang="zh-CN" altLang="en-US" sz="3200" dirty="0"/>
+              <a:t> </a:t>
+            </a:r>
+            <a:endParaRPr lang="zh-CN" altLang="en-US" sz="3200" dirty="0">
+              <a:latin typeface="Times New Roman" panose="02020603050405020304" pitchFamily="18" charset="0"/>
+              <a:cs typeface="Times New Roman" panose="02020603050405020304" pitchFamily="18" charset="0"/>
+            </a:endParaRPr>
+          </a:p>
+        </p:txBody>
+      </p:sp>
+      <p:sp>
+        <p:nvSpPr>
+          <p:cNvPr id="50" name="文本框 49">
+            <a:extLst>
+              <a:ext uri="{FF2B5EF4-FFF2-40B4-BE49-F238E27FC236}">
+                <a16:creationId xmlns:a16="http://schemas.microsoft.com/office/drawing/2014/main" id="{BB24A042-F0ED-4DE4-95DD-6D546D2C06EC}"/>
+              </a:ext>
+            </a:extLst>
+          </p:cNvPr>
+          <p:cNvSpPr txBox="1"/>
+          <p:nvPr/>
+        </p:nvSpPr>
+        <p:spPr>
+          <a:xfrm>
+            <a:off x="19413272" y="6839075"/>
+            <a:ext cx="2237622" cy="584775"/>
+          </a:xfrm>
+          <a:prstGeom prst="rect">
+            <a:avLst/>
+          </a:prstGeom>
+          <a:noFill/>
+        </p:spPr>
+        <p:txBody>
+          <a:bodyPr wrap="square">
+            <a:spAutoFit/>
+          </a:bodyPr>
+          <a:lstStyle/>
+          <a:p>
+            <a:pPr algn="ctr"/>
+            <a:r>
+              <a:rPr lang="zh-CN" altLang="en-US" sz="3200" dirty="0">
+                <a:latin typeface="Times New Roman" panose="02020603050405020304" pitchFamily="18" charset="0"/>
+                <a:cs typeface="Times New Roman" panose="02020603050405020304" pitchFamily="18" charset="0"/>
+              </a:rPr>
+              <a:t>刘海</a:t>
+            </a:r>
+          </a:p>
+        </p:txBody>
+      </p:sp>
+      <p:sp>
+        <p:nvSpPr>
+          <p:cNvPr id="51" name="文本框 50">
+            <a:extLst>
+              <a:ext uri="{FF2B5EF4-FFF2-40B4-BE49-F238E27FC236}">
+                <a16:creationId xmlns:a16="http://schemas.microsoft.com/office/drawing/2014/main" id="{F7D94271-A67C-49CA-8EDD-E763AF7FABCA}"/>
+              </a:ext>
+            </a:extLst>
+          </p:cNvPr>
+          <p:cNvSpPr txBox="1"/>
+          <p:nvPr/>
+        </p:nvSpPr>
+        <p:spPr>
+          <a:xfrm>
+            <a:off x="21893519" y="6839075"/>
+            <a:ext cx="2684616" cy="584775"/>
+          </a:xfrm>
+          <a:prstGeom prst="rect">
+            <a:avLst/>
+          </a:prstGeom>
+          <a:noFill/>
+        </p:spPr>
+        <p:txBody>
+          <a:bodyPr wrap="square">
+            <a:spAutoFit/>
+          </a:bodyPr>
+          <a:lstStyle/>
+          <a:p>
+            <a:pPr algn="ctr"/>
+            <a:r>
+              <a:rPr lang="zh-CN" altLang="en-US" sz="3200" dirty="0">
+                <a:latin typeface="Times New Roman" panose="02020603050405020304" pitchFamily="18" charset="0"/>
+                <a:cs typeface="Times New Roman" panose="02020603050405020304" pitchFamily="18" charset="0"/>
+              </a:rPr>
+              <a:t>厚嘴唇</a:t>
+            </a:r>
+          </a:p>
+        </p:txBody>
+      </p:sp>
+      <p:sp>
+        <p:nvSpPr>
+          <p:cNvPr id="52" name="文本框 51">
+            <a:extLst>
+              <a:ext uri="{FF2B5EF4-FFF2-40B4-BE49-F238E27FC236}">
+                <a16:creationId xmlns:a16="http://schemas.microsoft.com/office/drawing/2014/main" id="{5A5CDEA7-5DC3-445E-A2F2-6AD77FFC4391}"/>
+              </a:ext>
+            </a:extLst>
+          </p:cNvPr>
+          <p:cNvSpPr txBox="1"/>
+          <p:nvPr/>
+        </p:nvSpPr>
+        <p:spPr>
+          <a:xfrm>
+            <a:off x="24566170" y="6839075"/>
+            <a:ext cx="2804174" cy="584775"/>
+          </a:xfrm>
+          <a:prstGeom prst="rect">
+            <a:avLst/>
+          </a:prstGeom>
+          <a:noFill/>
+        </p:spPr>
+        <p:txBody>
+          <a:bodyPr wrap="square">
+            <a:spAutoFit/>
+          </a:bodyPr>
+          <a:lstStyle/>
+          <a:p>
+            <a:pPr algn="ctr"/>
+            <a:r>
+              <a:rPr lang="zh-CN" altLang="en-US" sz="3200" dirty="0">
+                <a:latin typeface="Times New Roman" panose="02020603050405020304" pitchFamily="18" charset="0"/>
+                <a:cs typeface="Times New Roman" panose="02020603050405020304" pitchFamily="18" charset="0"/>
+              </a:rPr>
+              <a:t>大鼻子</a:t>
+            </a:r>
+          </a:p>
+        </p:txBody>
+      </p:sp>
+      <p:sp>
+        <p:nvSpPr>
+          <p:cNvPr id="53" name="文本框 52">
+            <a:extLst>
+              <a:ext uri="{FF2B5EF4-FFF2-40B4-BE49-F238E27FC236}">
+                <a16:creationId xmlns:a16="http://schemas.microsoft.com/office/drawing/2014/main" id="{080F3059-E006-4A6E-A0F6-3826A0AF7CEA}"/>
+              </a:ext>
+            </a:extLst>
+          </p:cNvPr>
+          <p:cNvSpPr txBox="1"/>
+          <p:nvPr/>
+        </p:nvSpPr>
+        <p:spPr>
+          <a:xfrm>
+            <a:off x="26664293" y="6839075"/>
+            <a:ext cx="3544365" cy="584775"/>
+          </a:xfrm>
+          <a:prstGeom prst="rect">
+            <a:avLst/>
+          </a:prstGeom>
+          <a:noFill/>
+        </p:spPr>
+        <p:txBody>
+          <a:bodyPr wrap="square">
+            <a:spAutoFit/>
+          </a:bodyPr>
+          <a:lstStyle/>
+          <a:p>
+            <a:pPr algn="ctr"/>
+            <a:r>
+              <a:rPr lang="zh-CN" altLang="en-US" sz="3200" dirty="0">
+                <a:solidFill>
+                  <a:srgbClr val="000000"/>
+                </a:solidFill>
+                <a:latin typeface="Times New Roman" panose="02020603050405020304" pitchFamily="18" charset="0"/>
+                <a:ea typeface="等线" panose="02010600030101010101" pitchFamily="2" charset="-122"/>
+                <a:cs typeface="Times New Roman" panose="02020603050405020304" pitchFamily="18" charset="0"/>
+              </a:rPr>
+              <a:t>黑发</a:t>
+            </a:r>
+            <a:endParaRPr lang="zh-CN" altLang="en-US" sz="3200" dirty="0">
+              <a:latin typeface="Times New Roman" panose="02020603050405020304" pitchFamily="18" charset="0"/>
+              <a:cs typeface="Times New Roman" panose="02020603050405020304" pitchFamily="18" charset="0"/>
+            </a:endParaRPr>
+          </a:p>
+        </p:txBody>
+      </p:sp>
+      <p:sp>
+        <p:nvSpPr>
+          <p:cNvPr id="54" name="文本框 53">
+            <a:extLst>
+              <a:ext uri="{FF2B5EF4-FFF2-40B4-BE49-F238E27FC236}">
+                <a16:creationId xmlns:a16="http://schemas.microsoft.com/office/drawing/2014/main" id="{897F4F9B-E7B4-4DEF-9A01-7E54A880CF89}"/>
+              </a:ext>
+            </a:extLst>
+          </p:cNvPr>
+          <p:cNvSpPr txBox="1"/>
+          <p:nvPr/>
+        </p:nvSpPr>
+        <p:spPr>
+          <a:xfrm>
+            <a:off x="29253893" y="6839075"/>
+            <a:ext cx="3565792" cy="584775"/>
+          </a:xfrm>
+          <a:prstGeom prst="rect">
+            <a:avLst/>
+          </a:prstGeom>
+          <a:noFill/>
+        </p:spPr>
+        <p:txBody>
+          <a:bodyPr wrap="square">
+            <a:spAutoFit/>
+          </a:bodyPr>
+          <a:lstStyle/>
+          <a:p>
+            <a:pPr algn="ctr"/>
+            <a:r>
+              <a:rPr lang="zh-CN" altLang="en-US" sz="3200" dirty="0">
+                <a:latin typeface="Times New Roman" panose="02020603050405020304" pitchFamily="18" charset="0"/>
+                <a:cs typeface="Times New Roman" panose="02020603050405020304" pitchFamily="18" charset="0"/>
+              </a:rPr>
+              <a:t>金发</a:t>
+            </a:r>
+          </a:p>
+        </p:txBody>
+      </p:sp>
+      <p:sp>
+        <p:nvSpPr>
+          <p:cNvPr id="55" name="文本框 54">
+            <a:extLst>
+              <a:ext uri="{FF2B5EF4-FFF2-40B4-BE49-F238E27FC236}">
+                <a16:creationId xmlns:a16="http://schemas.microsoft.com/office/drawing/2014/main" id="{1DA2C120-BB7F-4B24-824B-81A44E741CFE}"/>
+              </a:ext>
+            </a:extLst>
+          </p:cNvPr>
+          <p:cNvSpPr txBox="1"/>
+          <p:nvPr/>
+        </p:nvSpPr>
+        <p:spPr>
+          <a:xfrm>
+            <a:off x="6299372" y="9802747"/>
+            <a:ext cx="2726428" cy="584775"/>
+          </a:xfrm>
+          <a:prstGeom prst="rect">
+            <a:avLst/>
+          </a:prstGeom>
+          <a:noFill/>
+        </p:spPr>
+        <p:txBody>
+          <a:bodyPr wrap="square">
+            <a:spAutoFit/>
+          </a:bodyPr>
+          <a:lstStyle/>
+          <a:p>
+            <a:pPr algn="ctr"/>
+            <a:r>
+              <a:rPr lang="zh-CN" altLang="en-US" sz="3200" dirty="0">
+                <a:solidFill>
+                  <a:srgbClr val="000000"/>
+                </a:solidFill>
+                <a:latin typeface="Times New Roman" panose="02020603050405020304" pitchFamily="18" charset="0"/>
+                <a:ea typeface="等线" panose="02010600030101010101" pitchFamily="2" charset="-122"/>
+                <a:cs typeface="Times New Roman" panose="02020603050405020304" pitchFamily="18" charset="0"/>
+              </a:rPr>
+              <a:t>模糊</a:t>
+            </a:r>
+            <a:endParaRPr lang="zh-CN" altLang="en-US" sz="3200" dirty="0">
+              <a:latin typeface="Times New Roman" panose="02020603050405020304" pitchFamily="18" charset="0"/>
+              <a:cs typeface="Times New Roman" panose="02020603050405020304" pitchFamily="18" charset="0"/>
+            </a:endParaRPr>
+          </a:p>
+        </p:txBody>
+      </p:sp>
+      <p:sp>
+        <p:nvSpPr>
+          <p:cNvPr id="56" name="文本框 55">
+            <a:extLst>
+              <a:ext uri="{FF2B5EF4-FFF2-40B4-BE49-F238E27FC236}">
+                <a16:creationId xmlns:a16="http://schemas.microsoft.com/office/drawing/2014/main" id="{CB9A8421-ACC5-4FC7-8A0C-1163DDFB0B22}"/>
+              </a:ext>
+            </a:extLst>
+          </p:cNvPr>
+          <p:cNvSpPr txBox="1"/>
+          <p:nvPr/>
+        </p:nvSpPr>
+        <p:spPr>
+          <a:xfrm>
+            <a:off x="8370008" y="9802748"/>
+            <a:ext cx="3675459" cy="584775"/>
+          </a:xfrm>
+          <a:prstGeom prst="rect">
+            <a:avLst/>
+          </a:prstGeom>
+          <a:noFill/>
+        </p:spPr>
+        <p:txBody>
+          <a:bodyPr wrap="square">
+            <a:spAutoFit/>
+          </a:bodyPr>
+          <a:lstStyle/>
+          <a:p>
+            <a:pPr algn="ctr"/>
+            <a:r>
+              <a:rPr lang="zh-CN" altLang="en-US" sz="3200" dirty="0">
+                <a:solidFill>
+                  <a:srgbClr val="000000"/>
+                </a:solidFill>
+                <a:latin typeface="Times New Roman" panose="02020603050405020304" pitchFamily="18" charset="0"/>
+                <a:ea typeface="等线" panose="02010600030101010101" pitchFamily="2" charset="-122"/>
+                <a:cs typeface="Times New Roman" panose="02020603050405020304" pitchFamily="18" charset="0"/>
+              </a:rPr>
+              <a:t>棕发</a:t>
+            </a:r>
+            <a:endParaRPr lang="zh-CN" altLang="en-US" sz="3200" dirty="0">
+              <a:latin typeface="Times New Roman" panose="02020603050405020304" pitchFamily="18" charset="0"/>
+              <a:cs typeface="Times New Roman" panose="02020603050405020304" pitchFamily="18" charset="0"/>
+            </a:endParaRPr>
+          </a:p>
+        </p:txBody>
+      </p:sp>
+      <p:sp>
+        <p:nvSpPr>
+          <p:cNvPr id="57" name="文本框 56">
+            <a:extLst>
+              <a:ext uri="{FF2B5EF4-FFF2-40B4-BE49-F238E27FC236}">
+                <a16:creationId xmlns:a16="http://schemas.microsoft.com/office/drawing/2014/main" id="{61406DAC-8EAE-4CCE-A809-55C566477C80}"/>
+              </a:ext>
+            </a:extLst>
+          </p:cNvPr>
+          <p:cNvSpPr txBox="1"/>
+          <p:nvPr/>
+        </p:nvSpPr>
+        <p:spPr>
+          <a:xfrm>
+            <a:off x="10285800" y="9802748"/>
+            <a:ext cx="5007505" cy="584775"/>
+          </a:xfrm>
+          <a:prstGeom prst="rect">
+            <a:avLst/>
+          </a:prstGeom>
+          <a:noFill/>
+        </p:spPr>
+        <p:txBody>
+          <a:bodyPr wrap="square">
+            <a:spAutoFit/>
+          </a:bodyPr>
+          <a:lstStyle/>
+          <a:p>
+            <a:pPr algn="ctr"/>
+            <a:r>
+              <a:rPr lang="zh-CN" altLang="en-US" sz="3200" b="0" i="0" u="none" strike="noStrike" dirty="0">
+                <a:solidFill>
+                  <a:srgbClr val="000000"/>
+                </a:solidFill>
+                <a:effectLst/>
+                <a:latin typeface="宋体" panose="02010600030101010101" pitchFamily="2" charset="-122"/>
+                <a:ea typeface="宋体" panose="02010600030101010101" pitchFamily="2" charset="-122"/>
+              </a:rPr>
+              <a:t>浓眉</a:t>
+            </a:r>
+            <a:endParaRPr lang="zh-CN" altLang="en-US" sz="3200" dirty="0">
+              <a:latin typeface="Times New Roman" panose="02020603050405020304" pitchFamily="18" charset="0"/>
+              <a:cs typeface="Times New Roman" panose="02020603050405020304" pitchFamily="18" charset="0"/>
+            </a:endParaRPr>
+          </a:p>
+        </p:txBody>
+      </p:sp>
+      <p:sp>
+        <p:nvSpPr>
+          <p:cNvPr id="58" name="文本框 57">
+            <a:extLst>
+              <a:ext uri="{FF2B5EF4-FFF2-40B4-BE49-F238E27FC236}">
+                <a16:creationId xmlns:a16="http://schemas.microsoft.com/office/drawing/2014/main" id="{6BBD73CD-8B98-4C9A-A0BC-81AD8F01ABFD}"/>
+              </a:ext>
+            </a:extLst>
+          </p:cNvPr>
+          <p:cNvSpPr txBox="1"/>
+          <p:nvPr/>
+        </p:nvSpPr>
+        <p:spPr>
+          <a:xfrm>
+            <a:off x="13881637" y="9802748"/>
+            <a:ext cx="2987119" cy="584775"/>
+          </a:xfrm>
+          <a:prstGeom prst="rect">
+            <a:avLst/>
+          </a:prstGeom>
+          <a:noFill/>
+        </p:spPr>
+        <p:txBody>
+          <a:bodyPr wrap="square">
+            <a:spAutoFit/>
+          </a:bodyPr>
+          <a:lstStyle/>
+          <a:p>
+            <a:pPr algn="ctr"/>
+            <a:r>
+              <a:rPr lang="zh-CN" altLang="en-US" sz="3200" dirty="0">
+                <a:solidFill>
+                  <a:srgbClr val="000000"/>
+                </a:solidFill>
+                <a:latin typeface="Times New Roman" panose="02020603050405020304" pitchFamily="18" charset="0"/>
+                <a:ea typeface="等线" panose="02010600030101010101" pitchFamily="2" charset="-122"/>
+                <a:cs typeface="Times New Roman" panose="02020603050405020304" pitchFamily="18" charset="0"/>
+              </a:rPr>
+              <a:t>胖</a:t>
+            </a:r>
+            <a:endParaRPr lang="zh-CN" altLang="en-US" sz="3200" dirty="0">
+              <a:latin typeface="Times New Roman" panose="02020603050405020304" pitchFamily="18" charset="0"/>
+              <a:cs typeface="Times New Roman" panose="02020603050405020304" pitchFamily="18" charset="0"/>
+            </a:endParaRPr>
+          </a:p>
+        </p:txBody>
+      </p:sp>
+      <p:sp>
+        <p:nvSpPr>
+          <p:cNvPr id="59" name="文本框 58">
+            <a:extLst>
+              <a:ext uri="{FF2B5EF4-FFF2-40B4-BE49-F238E27FC236}">
+                <a16:creationId xmlns:a16="http://schemas.microsoft.com/office/drawing/2014/main" id="{D8D7721F-4034-4F8C-A482-E6B0B0DE725C}"/>
+              </a:ext>
+            </a:extLst>
+          </p:cNvPr>
+          <p:cNvSpPr txBox="1"/>
+          <p:nvPr/>
+        </p:nvSpPr>
+        <p:spPr>
+          <a:xfrm>
+            <a:off x="15945190" y="9802744"/>
+            <a:ext cx="4008176" cy="584775"/>
+          </a:xfrm>
+          <a:prstGeom prst="rect">
+            <a:avLst/>
+          </a:prstGeom>
+          <a:noFill/>
+        </p:spPr>
+        <p:txBody>
+          <a:bodyPr wrap="square">
+            <a:spAutoFit/>
+          </a:bodyPr>
+          <a:lstStyle/>
+          <a:p>
+            <a:pPr algn="ctr"/>
+            <a:r>
+              <a:rPr lang="zh-CN" altLang="en-US" sz="3200" dirty="0">
+                <a:solidFill>
+                  <a:srgbClr val="000000"/>
+                </a:solidFill>
+                <a:latin typeface="Times New Roman" panose="02020603050405020304" pitchFamily="18" charset="0"/>
+                <a:ea typeface="等线" panose="02010600030101010101" pitchFamily="2" charset="-122"/>
+                <a:cs typeface="Times New Roman" panose="02020603050405020304" pitchFamily="18" charset="0"/>
+              </a:rPr>
+              <a:t>双下巴</a:t>
+            </a:r>
+            <a:endParaRPr lang="zh-CN" altLang="en-US" sz="3200" dirty="0">
+              <a:latin typeface="Times New Roman" panose="02020603050405020304" pitchFamily="18" charset="0"/>
+              <a:cs typeface="Times New Roman" panose="02020603050405020304" pitchFamily="18" charset="0"/>
+            </a:endParaRPr>
+          </a:p>
+        </p:txBody>
+      </p:sp>
+      <p:sp>
+        <p:nvSpPr>
+          <p:cNvPr id="60" name="文本框 59">
+            <a:extLst>
+              <a:ext uri="{FF2B5EF4-FFF2-40B4-BE49-F238E27FC236}">
+                <a16:creationId xmlns:a16="http://schemas.microsoft.com/office/drawing/2014/main" id="{005CB700-2C7C-4DEC-B497-854C28881E20}"/>
+              </a:ext>
+            </a:extLst>
+          </p:cNvPr>
+          <p:cNvSpPr txBox="1"/>
+          <p:nvPr/>
+        </p:nvSpPr>
+        <p:spPr>
+          <a:xfrm>
+            <a:off x="18454062" y="9802745"/>
+            <a:ext cx="4301458" cy="584775"/>
+          </a:xfrm>
+          <a:prstGeom prst="rect">
+            <a:avLst/>
+          </a:prstGeom>
+          <a:noFill/>
+        </p:spPr>
+        <p:txBody>
+          <a:bodyPr wrap="square">
+            <a:spAutoFit/>
+          </a:bodyPr>
+          <a:lstStyle/>
+          <a:p>
+            <a:pPr algn="ctr"/>
+            <a:r>
+              <a:rPr lang="zh-CN" altLang="en-US" sz="3200" dirty="0">
+                <a:solidFill>
+                  <a:srgbClr val="000000"/>
+                </a:solidFill>
+                <a:latin typeface="Times New Roman" panose="02020603050405020304" pitchFamily="18" charset="0"/>
+                <a:ea typeface="等线" panose="02010600030101010101" pitchFamily="2" charset="-122"/>
+                <a:cs typeface="Times New Roman" panose="02020603050405020304" pitchFamily="18" charset="0"/>
+              </a:rPr>
+              <a:t>眼镜</a:t>
+            </a:r>
+            <a:endParaRPr lang="zh-CN" altLang="en-US" sz="3200" dirty="0">
+              <a:latin typeface="Times New Roman" panose="02020603050405020304" pitchFamily="18" charset="0"/>
+              <a:cs typeface="Times New Roman" panose="02020603050405020304" pitchFamily="18" charset="0"/>
+            </a:endParaRPr>
+          </a:p>
+        </p:txBody>
+      </p:sp>
+      <p:sp>
+        <p:nvSpPr>
+          <p:cNvPr id="61" name="文本框 60">
+            <a:extLst>
+              <a:ext uri="{FF2B5EF4-FFF2-40B4-BE49-F238E27FC236}">
+                <a16:creationId xmlns:a16="http://schemas.microsoft.com/office/drawing/2014/main" id="{EDBC2143-8823-4AA3-BBE0-5BDC33E3D7D0}"/>
+              </a:ext>
+            </a:extLst>
+          </p:cNvPr>
+          <p:cNvSpPr txBox="1"/>
+          <p:nvPr/>
+        </p:nvSpPr>
+        <p:spPr>
+          <a:xfrm>
+            <a:off x="21538672" y="9802745"/>
+            <a:ext cx="3092613" cy="584775"/>
+          </a:xfrm>
+          <a:prstGeom prst="rect">
+            <a:avLst/>
+          </a:prstGeom>
+          <a:noFill/>
+        </p:spPr>
+        <p:txBody>
+          <a:bodyPr wrap="square">
+            <a:spAutoFit/>
+          </a:bodyPr>
+          <a:lstStyle/>
+          <a:p>
+            <a:pPr algn="ctr"/>
+            <a:r>
+              <a:rPr lang="zh-CN" altLang="en-US" sz="3200" dirty="0">
+                <a:solidFill>
+                  <a:srgbClr val="000000"/>
+                </a:solidFill>
+                <a:latin typeface="Times New Roman" panose="02020603050405020304" pitchFamily="18" charset="0"/>
+                <a:ea typeface="等线" panose="02010600030101010101" pitchFamily="2" charset="-122"/>
+                <a:cs typeface="Times New Roman" panose="02020603050405020304" pitchFamily="18" charset="0"/>
+              </a:rPr>
+              <a:t>山羊胡</a:t>
+            </a:r>
+            <a:endParaRPr lang="zh-CN" altLang="en-US" sz="3200" dirty="0">
+              <a:latin typeface="Times New Roman" panose="02020603050405020304" pitchFamily="18" charset="0"/>
+              <a:cs typeface="Times New Roman" panose="02020603050405020304" pitchFamily="18" charset="0"/>
+            </a:endParaRPr>
+          </a:p>
+        </p:txBody>
+      </p:sp>
+      <p:sp>
+        <p:nvSpPr>
+          <p:cNvPr id="62" name="文本框 61">
+            <a:extLst>
+              <a:ext uri="{FF2B5EF4-FFF2-40B4-BE49-F238E27FC236}">
+                <a16:creationId xmlns:a16="http://schemas.microsoft.com/office/drawing/2014/main" id="{AFAED311-E5A2-4C12-8586-5A529AD20201}"/>
+              </a:ext>
+            </a:extLst>
+          </p:cNvPr>
+          <p:cNvSpPr txBox="1"/>
+          <p:nvPr/>
+        </p:nvSpPr>
+        <p:spPr>
+          <a:xfrm>
+            <a:off x="23781961" y="9802745"/>
+            <a:ext cx="3825370" cy="584775"/>
+          </a:xfrm>
+          <a:prstGeom prst="rect">
+            <a:avLst/>
+          </a:prstGeom>
+          <a:noFill/>
+        </p:spPr>
+        <p:txBody>
+          <a:bodyPr wrap="square">
+            <a:spAutoFit/>
+          </a:bodyPr>
+          <a:lstStyle/>
+          <a:p>
+            <a:pPr algn="ctr"/>
+            <a:r>
+              <a:rPr lang="zh-CN" altLang="en-US" sz="3200" dirty="0">
+                <a:solidFill>
+                  <a:srgbClr val="000000"/>
+                </a:solidFill>
+                <a:latin typeface="Times New Roman" panose="02020603050405020304" pitchFamily="18" charset="0"/>
+                <a:ea typeface="等线" panose="02010600030101010101" pitchFamily="2" charset="-122"/>
+                <a:cs typeface="Times New Roman" panose="02020603050405020304" pitchFamily="18" charset="0"/>
+              </a:rPr>
+              <a:t>灰发</a:t>
+            </a:r>
+            <a:endParaRPr lang="zh-CN" altLang="en-US" sz="3200" dirty="0">
+              <a:latin typeface="Times New Roman" panose="02020603050405020304" pitchFamily="18" charset="0"/>
+              <a:cs typeface="Times New Roman" panose="02020603050405020304" pitchFamily="18" charset="0"/>
+            </a:endParaRPr>
+          </a:p>
+        </p:txBody>
+      </p:sp>
+      <p:sp>
+        <p:nvSpPr>
+          <p:cNvPr id="63" name="文本框 62">
+            <a:extLst>
+              <a:ext uri="{FF2B5EF4-FFF2-40B4-BE49-F238E27FC236}">
+                <a16:creationId xmlns:a16="http://schemas.microsoft.com/office/drawing/2014/main" id="{63D12810-F17C-41E7-85CB-51BC1CBE7C2A}"/>
+              </a:ext>
+            </a:extLst>
+          </p:cNvPr>
+          <p:cNvSpPr txBox="1"/>
+          <p:nvPr/>
+        </p:nvSpPr>
+        <p:spPr>
+          <a:xfrm>
+            <a:off x="26915887" y="9802745"/>
+            <a:ext cx="2994179" cy="584775"/>
+          </a:xfrm>
+          <a:prstGeom prst="rect">
+            <a:avLst/>
+          </a:prstGeom>
+          <a:noFill/>
+        </p:spPr>
+        <p:txBody>
+          <a:bodyPr wrap="square">
+            <a:spAutoFit/>
+          </a:bodyPr>
+          <a:lstStyle/>
+          <a:p>
+            <a:pPr algn="ctr"/>
+            <a:r>
+              <a:rPr lang="zh-CN" altLang="en-US" sz="3200" dirty="0">
+                <a:latin typeface="Times New Roman" panose="02020603050405020304" pitchFamily="18" charset="0"/>
+                <a:cs typeface="Times New Roman" panose="02020603050405020304" pitchFamily="18" charset="0"/>
+              </a:rPr>
+              <a:t>浓妆</a:t>
+            </a:r>
+          </a:p>
+        </p:txBody>
+      </p:sp>
+      <p:sp>
+        <p:nvSpPr>
+          <p:cNvPr id="64" name="文本框 63">
+            <a:extLst>
+              <a:ext uri="{FF2B5EF4-FFF2-40B4-BE49-F238E27FC236}">
+                <a16:creationId xmlns:a16="http://schemas.microsoft.com/office/drawing/2014/main" id="{80DBBB38-D988-4B98-B34E-07A488DFB62E}"/>
+              </a:ext>
+            </a:extLst>
+          </p:cNvPr>
+          <p:cNvSpPr txBox="1"/>
+          <p:nvPr/>
+        </p:nvSpPr>
+        <p:spPr>
+          <a:xfrm>
+            <a:off x="29164099" y="9802745"/>
+            <a:ext cx="4012591" cy="584775"/>
+          </a:xfrm>
+          <a:prstGeom prst="rect">
+            <a:avLst/>
+          </a:prstGeom>
+          <a:noFill/>
+        </p:spPr>
+        <p:txBody>
+          <a:bodyPr wrap="square">
+            <a:spAutoFit/>
+          </a:bodyPr>
+          <a:lstStyle/>
+          <a:p>
+            <a:pPr algn="ctr"/>
+            <a:r>
+              <a:rPr lang="zh-CN" altLang="en-US" sz="3200" b="0" i="0" u="none" strike="noStrike" dirty="0">
+                <a:solidFill>
+                  <a:srgbClr val="000000"/>
+                </a:solidFill>
+                <a:effectLst/>
+                <a:latin typeface="宋体" panose="02010600030101010101" pitchFamily="2" charset="-122"/>
+                <a:ea typeface="宋体" panose="02010600030101010101" pitchFamily="2" charset="-122"/>
+              </a:rPr>
+              <a:t>高颧骨</a:t>
+            </a:r>
+            <a:endParaRPr lang="zh-CN" altLang="en-US" sz="3200" dirty="0">
+              <a:latin typeface="Times New Roman" panose="02020603050405020304" pitchFamily="18" charset="0"/>
+              <a:cs typeface="Times New Roman" panose="02020603050405020304" pitchFamily="18" charset="0"/>
+            </a:endParaRPr>
+          </a:p>
+        </p:txBody>
+      </p:sp>
+      <p:sp>
+        <p:nvSpPr>
+          <p:cNvPr id="65" name="文本框 64">
+            <a:extLst>
+              <a:ext uri="{FF2B5EF4-FFF2-40B4-BE49-F238E27FC236}">
+                <a16:creationId xmlns:a16="http://schemas.microsoft.com/office/drawing/2014/main" id="{354C3B7A-1594-4573-85E2-22004F2622B0}"/>
+              </a:ext>
+            </a:extLst>
+          </p:cNvPr>
+          <p:cNvSpPr txBox="1"/>
+          <p:nvPr/>
+        </p:nvSpPr>
+        <p:spPr>
+          <a:xfrm>
+            <a:off x="6745690" y="12740512"/>
+            <a:ext cx="1760859" cy="584775"/>
+          </a:xfrm>
+          <a:prstGeom prst="rect">
+            <a:avLst/>
+          </a:prstGeom>
+          <a:noFill/>
+        </p:spPr>
+        <p:txBody>
+          <a:bodyPr wrap="square">
+            <a:spAutoFit/>
+          </a:bodyPr>
+          <a:lstStyle/>
+          <a:p>
+            <a:pPr algn="ctr"/>
+            <a:r>
+              <a:rPr lang="zh-CN" altLang="en-US" sz="3200" dirty="0">
+                <a:solidFill>
+                  <a:srgbClr val="000000"/>
+                </a:solidFill>
+                <a:latin typeface="Times New Roman" panose="02020603050405020304" pitchFamily="18" charset="0"/>
+                <a:ea typeface="等线" panose="02010600030101010101" pitchFamily="2" charset="-122"/>
+                <a:cs typeface="Times New Roman" panose="02020603050405020304" pitchFamily="18" charset="0"/>
+              </a:rPr>
+              <a:t>男性</a:t>
+            </a:r>
+            <a:endParaRPr lang="zh-CN" altLang="en-US" sz="3200" dirty="0">
+              <a:latin typeface="Times New Roman" panose="02020603050405020304" pitchFamily="18" charset="0"/>
+              <a:cs typeface="Times New Roman" panose="02020603050405020304" pitchFamily="18" charset="0"/>
+            </a:endParaRPr>
+          </a:p>
+        </p:txBody>
+      </p:sp>
+      <p:sp>
+        <p:nvSpPr>
+          <p:cNvPr id="66" name="文本框 65">
+            <a:extLst>
+              <a:ext uri="{FF2B5EF4-FFF2-40B4-BE49-F238E27FC236}">
+                <a16:creationId xmlns:a16="http://schemas.microsoft.com/office/drawing/2014/main" id="{1F2D9877-B18B-41F3-BD44-2C7032D30492}"/>
+              </a:ext>
+            </a:extLst>
+          </p:cNvPr>
+          <p:cNvSpPr txBox="1"/>
+          <p:nvPr/>
+        </p:nvSpPr>
+        <p:spPr>
+          <a:xfrm>
+            <a:off x="8431774" y="12740512"/>
+            <a:ext cx="3652101" cy="584775"/>
+          </a:xfrm>
+          <a:prstGeom prst="rect">
+            <a:avLst/>
+          </a:prstGeom>
+          <a:noFill/>
+        </p:spPr>
+        <p:txBody>
+          <a:bodyPr wrap="square">
+            <a:spAutoFit/>
+          </a:bodyPr>
+          <a:lstStyle/>
+          <a:p>
+            <a:pPr algn="ctr"/>
+            <a:r>
+              <a:rPr lang="zh-CN" altLang="en-US" sz="3200" dirty="0">
+                <a:solidFill>
+                  <a:srgbClr val="000000"/>
+                </a:solidFill>
+                <a:latin typeface="Times New Roman" panose="02020603050405020304" pitchFamily="18" charset="0"/>
+                <a:ea typeface="等线" panose="02010600030101010101" pitchFamily="2" charset="-122"/>
+                <a:cs typeface="Times New Roman" panose="02020603050405020304" pitchFamily="18" charset="0"/>
+              </a:rPr>
+              <a:t>嘴微张</a:t>
+            </a:r>
+            <a:endParaRPr lang="zh-CN" altLang="en-US" sz="3200" dirty="0">
+              <a:latin typeface="Times New Roman" panose="02020603050405020304" pitchFamily="18" charset="0"/>
+              <a:cs typeface="Times New Roman" panose="02020603050405020304" pitchFamily="18" charset="0"/>
+            </a:endParaRPr>
+          </a:p>
+        </p:txBody>
+      </p:sp>
+      <p:sp>
+        <p:nvSpPr>
+          <p:cNvPr id="67" name="文本框 66">
+            <a:extLst>
+              <a:ext uri="{FF2B5EF4-FFF2-40B4-BE49-F238E27FC236}">
+                <a16:creationId xmlns:a16="http://schemas.microsoft.com/office/drawing/2014/main" id="{874DD7CC-BEEC-4E67-80C1-5F362DC7323E}"/>
+              </a:ext>
+            </a:extLst>
+          </p:cNvPr>
+          <p:cNvSpPr txBox="1"/>
+          <p:nvPr/>
+        </p:nvSpPr>
+        <p:spPr>
+          <a:xfrm>
+            <a:off x="11721183" y="12740512"/>
+            <a:ext cx="2161590" cy="584775"/>
+          </a:xfrm>
+          <a:prstGeom prst="rect">
+            <a:avLst/>
+          </a:prstGeom>
+          <a:noFill/>
+        </p:spPr>
+        <p:txBody>
+          <a:bodyPr wrap="square">
+            <a:spAutoFit/>
+          </a:bodyPr>
+          <a:lstStyle/>
+          <a:p>
+            <a:pPr algn="ctr"/>
+            <a:r>
+              <a:rPr lang="zh-CN" altLang="en-US" sz="3200" dirty="0">
+                <a:solidFill>
+                  <a:srgbClr val="000000"/>
+                </a:solidFill>
+                <a:latin typeface="Times New Roman" panose="02020603050405020304" pitchFamily="18" charset="0"/>
+                <a:ea typeface="等线" panose="02010600030101010101" pitchFamily="2" charset="-122"/>
+                <a:cs typeface="Times New Roman" panose="02020603050405020304" pitchFamily="18" charset="0"/>
+              </a:rPr>
+              <a:t>八字胡</a:t>
+            </a:r>
+            <a:endParaRPr lang="zh-CN" altLang="en-US" sz="3200" dirty="0">
+              <a:latin typeface="Times New Roman" panose="02020603050405020304" pitchFamily="18" charset="0"/>
+              <a:cs typeface="Times New Roman" panose="02020603050405020304" pitchFamily="18" charset="0"/>
+            </a:endParaRPr>
+          </a:p>
+        </p:txBody>
+      </p:sp>
+      <p:sp>
+        <p:nvSpPr>
+          <p:cNvPr id="68" name="文本框 67">
+            <a:extLst>
+              <a:ext uri="{FF2B5EF4-FFF2-40B4-BE49-F238E27FC236}">
+                <a16:creationId xmlns:a16="http://schemas.microsoft.com/office/drawing/2014/main" id="{D7356F6C-6882-4FC4-B2D4-B917037934EC}"/>
+              </a:ext>
+            </a:extLst>
+          </p:cNvPr>
+          <p:cNvSpPr txBox="1"/>
+          <p:nvPr/>
+        </p:nvSpPr>
+        <p:spPr>
+          <a:xfrm>
+            <a:off x="14110668" y="12740512"/>
+            <a:ext cx="2716193" cy="584775"/>
+          </a:xfrm>
+          <a:prstGeom prst="rect">
+            <a:avLst/>
+          </a:prstGeom>
+          <a:noFill/>
+        </p:spPr>
+        <p:txBody>
+          <a:bodyPr wrap="square">
+            <a:spAutoFit/>
+          </a:bodyPr>
+          <a:lstStyle/>
+          <a:p>
+            <a:pPr algn="ctr"/>
+            <a:r>
+              <a:rPr lang="zh-CN" altLang="en-US" sz="3200" dirty="0">
+                <a:solidFill>
+                  <a:srgbClr val="000000"/>
+                </a:solidFill>
+                <a:latin typeface="Times New Roman" panose="02020603050405020304" pitchFamily="18" charset="0"/>
+                <a:ea typeface="等线" panose="02010600030101010101" pitchFamily="2" charset="-122"/>
+                <a:cs typeface="Times New Roman" panose="02020603050405020304" pitchFamily="18" charset="0"/>
+              </a:rPr>
+              <a:t>皱眉</a:t>
+            </a:r>
+            <a:endParaRPr lang="zh-CN" altLang="en-US" sz="3200" dirty="0">
+              <a:latin typeface="Times New Roman" panose="02020603050405020304" pitchFamily="18" charset="0"/>
+              <a:cs typeface="Times New Roman" panose="02020603050405020304" pitchFamily="18" charset="0"/>
+            </a:endParaRPr>
+          </a:p>
+        </p:txBody>
+      </p:sp>
+      <p:sp>
+        <p:nvSpPr>
+          <p:cNvPr id="69" name="文本框 68">
+            <a:extLst>
+              <a:ext uri="{FF2B5EF4-FFF2-40B4-BE49-F238E27FC236}">
+                <a16:creationId xmlns:a16="http://schemas.microsoft.com/office/drawing/2014/main" id="{C09F6F76-2F96-4B69-A78C-E9912B0E5593}"/>
+              </a:ext>
+            </a:extLst>
+          </p:cNvPr>
+          <p:cNvSpPr txBox="1"/>
+          <p:nvPr/>
+        </p:nvSpPr>
+        <p:spPr>
+          <a:xfrm>
+            <a:off x="29866348" y="12740512"/>
+            <a:ext cx="2453841" cy="584775"/>
+          </a:xfrm>
+          <a:prstGeom prst="rect">
+            <a:avLst/>
+          </a:prstGeom>
+          <a:noFill/>
+        </p:spPr>
+        <p:txBody>
+          <a:bodyPr wrap="square">
+            <a:spAutoFit/>
+          </a:bodyPr>
+          <a:lstStyle/>
+          <a:p>
+            <a:pPr algn="ctr"/>
+            <a:r>
+              <a:rPr lang="zh-CN" altLang="en-US" sz="3200" dirty="0">
+                <a:solidFill>
+                  <a:srgbClr val="000000"/>
+                </a:solidFill>
+                <a:latin typeface="Times New Roman" panose="02020603050405020304" pitchFamily="18" charset="0"/>
+                <a:ea typeface="等线" panose="02010600030101010101" pitchFamily="2" charset="-122"/>
+                <a:cs typeface="Times New Roman" panose="02020603050405020304" pitchFamily="18" charset="0"/>
+              </a:rPr>
+              <a:t>脸红</a:t>
+            </a:r>
+            <a:endParaRPr lang="zh-CN" altLang="en-US" sz="3200" dirty="0">
+              <a:latin typeface="Times New Roman" panose="02020603050405020304" pitchFamily="18" charset="0"/>
+              <a:cs typeface="Times New Roman" panose="02020603050405020304" pitchFamily="18" charset="0"/>
+            </a:endParaRPr>
+          </a:p>
+        </p:txBody>
+      </p:sp>
+      <p:sp>
+        <p:nvSpPr>
+          <p:cNvPr id="70" name="文本框 69">
+            <a:extLst>
+              <a:ext uri="{FF2B5EF4-FFF2-40B4-BE49-F238E27FC236}">
+                <a16:creationId xmlns:a16="http://schemas.microsoft.com/office/drawing/2014/main" id="{FB15077B-0D75-46D4-8793-9EB2969EE93E}"/>
+              </a:ext>
+            </a:extLst>
+          </p:cNvPr>
+          <p:cNvSpPr txBox="1"/>
+          <p:nvPr/>
+        </p:nvSpPr>
+        <p:spPr>
+          <a:xfrm>
+            <a:off x="16886256" y="12740512"/>
+            <a:ext cx="2369290" cy="584775"/>
+          </a:xfrm>
+          <a:prstGeom prst="rect">
+            <a:avLst/>
+          </a:prstGeom>
+          <a:noFill/>
+        </p:spPr>
+        <p:txBody>
+          <a:bodyPr wrap="square">
+            <a:spAutoFit/>
+          </a:bodyPr>
+          <a:lstStyle/>
+          <a:p>
+            <a:pPr algn="ctr"/>
+            <a:r>
+              <a:rPr lang="zh-CN" altLang="en-US" sz="3200" dirty="0">
+                <a:solidFill>
+                  <a:srgbClr val="000000"/>
+                </a:solidFill>
+                <a:latin typeface="Times New Roman" panose="02020603050405020304" pitchFamily="18" charset="0"/>
+                <a:ea typeface="等线" panose="02010600030101010101" pitchFamily="2" charset="-122"/>
+                <a:cs typeface="Times New Roman" panose="02020603050405020304" pitchFamily="18" charset="0"/>
+              </a:rPr>
+              <a:t>没胡子</a:t>
+            </a:r>
+            <a:endParaRPr lang="zh-CN" altLang="en-US" sz="3200" dirty="0">
+              <a:latin typeface="Times New Roman" panose="02020603050405020304" pitchFamily="18" charset="0"/>
+              <a:cs typeface="Times New Roman" panose="02020603050405020304" pitchFamily="18" charset="0"/>
+            </a:endParaRPr>
+          </a:p>
+        </p:txBody>
+      </p:sp>
+      <p:sp>
+        <p:nvSpPr>
+          <p:cNvPr id="71" name="文本框 70">
+            <a:extLst>
+              <a:ext uri="{FF2B5EF4-FFF2-40B4-BE49-F238E27FC236}">
+                <a16:creationId xmlns:a16="http://schemas.microsoft.com/office/drawing/2014/main" id="{5889D1D4-3F1B-42A0-9B1B-2DA075634339}"/>
+              </a:ext>
+            </a:extLst>
+          </p:cNvPr>
+          <p:cNvSpPr txBox="1"/>
+          <p:nvPr/>
+        </p:nvSpPr>
+        <p:spPr>
+          <a:xfrm>
+            <a:off x="19410180" y="12740512"/>
+            <a:ext cx="2280958" cy="584775"/>
+          </a:xfrm>
+          <a:prstGeom prst="rect">
+            <a:avLst/>
+          </a:prstGeom>
+          <a:noFill/>
+        </p:spPr>
+        <p:txBody>
+          <a:bodyPr wrap="square">
+            <a:spAutoFit/>
+          </a:bodyPr>
+          <a:lstStyle/>
+          <a:p>
+            <a:pPr algn="ctr"/>
+            <a:r>
+              <a:rPr lang="zh-CN" altLang="en-US" sz="3200" b="0" i="0" u="none" strike="noStrike" dirty="0">
+                <a:solidFill>
+                  <a:srgbClr val="000000"/>
+                </a:solidFill>
+                <a:effectLst/>
+                <a:latin typeface="宋体" panose="02010600030101010101" pitchFamily="2" charset="-122"/>
+                <a:ea typeface="宋体" panose="02010600030101010101" pitchFamily="2" charset="-122"/>
+              </a:rPr>
+              <a:t>圆脸</a:t>
+            </a:r>
+            <a:endParaRPr lang="zh-CN" altLang="en-US" sz="3200" dirty="0">
+              <a:latin typeface="Times New Roman" panose="02020603050405020304" pitchFamily="18" charset="0"/>
+              <a:cs typeface="Times New Roman" panose="02020603050405020304" pitchFamily="18" charset="0"/>
+            </a:endParaRPr>
+          </a:p>
+        </p:txBody>
+      </p:sp>
+      <p:sp>
+        <p:nvSpPr>
+          <p:cNvPr id="72" name="文本框 71">
+            <a:extLst>
+              <a:ext uri="{FF2B5EF4-FFF2-40B4-BE49-F238E27FC236}">
+                <a16:creationId xmlns:a16="http://schemas.microsoft.com/office/drawing/2014/main" id="{4F2F5E2B-6B80-4202-B5EE-B123ADA8482A}"/>
+              </a:ext>
+            </a:extLst>
+          </p:cNvPr>
+          <p:cNvSpPr txBox="1"/>
+          <p:nvPr/>
+        </p:nvSpPr>
+        <p:spPr>
+          <a:xfrm>
+            <a:off x="22259066" y="12740512"/>
+            <a:ext cx="2092444" cy="584775"/>
+          </a:xfrm>
+          <a:prstGeom prst="rect">
+            <a:avLst/>
+          </a:prstGeom>
+          <a:noFill/>
+        </p:spPr>
+        <p:txBody>
+          <a:bodyPr wrap="square">
+            <a:spAutoFit/>
+          </a:bodyPr>
+          <a:lstStyle/>
+          <a:p>
+            <a:pPr algn="ctr"/>
+            <a:r>
+              <a:rPr lang="zh-CN" altLang="en-US" sz="3200" dirty="0">
+                <a:latin typeface="Times New Roman" panose="02020603050405020304" pitchFamily="18" charset="0"/>
+                <a:cs typeface="Times New Roman" panose="02020603050405020304" pitchFamily="18" charset="0"/>
+              </a:rPr>
+              <a:t>白皮肤</a:t>
+            </a:r>
+          </a:p>
+        </p:txBody>
+      </p:sp>
+      <p:sp>
+        <p:nvSpPr>
+          <p:cNvPr id="73" name="文本框 72">
+            <a:extLst>
+              <a:ext uri="{FF2B5EF4-FFF2-40B4-BE49-F238E27FC236}">
+                <a16:creationId xmlns:a16="http://schemas.microsoft.com/office/drawing/2014/main" id="{6E328F00-9E75-4124-B957-DDD7B1E1F90A}"/>
+              </a:ext>
+            </a:extLst>
+          </p:cNvPr>
+          <p:cNvSpPr txBox="1"/>
+          <p:nvPr/>
+        </p:nvSpPr>
+        <p:spPr>
+          <a:xfrm>
+            <a:off x="24619553" y="12740512"/>
+            <a:ext cx="2453841" cy="584775"/>
+          </a:xfrm>
+          <a:prstGeom prst="rect">
+            <a:avLst/>
+          </a:prstGeom>
+          <a:noFill/>
+        </p:spPr>
+        <p:txBody>
+          <a:bodyPr wrap="square">
+            <a:spAutoFit/>
+          </a:bodyPr>
+          <a:lstStyle/>
+          <a:p>
+            <a:pPr algn="ctr"/>
+            <a:r>
+              <a:rPr lang="zh-CN" altLang="en-US" sz="3200" dirty="0">
+                <a:solidFill>
+                  <a:srgbClr val="000000"/>
+                </a:solidFill>
+                <a:latin typeface="Times New Roman" panose="02020603050405020304" pitchFamily="18" charset="0"/>
+                <a:ea typeface="等线" panose="02010600030101010101" pitchFamily="2" charset="-122"/>
+                <a:cs typeface="Times New Roman" panose="02020603050405020304" pitchFamily="18" charset="0"/>
+              </a:rPr>
+              <a:t>尖鼻子</a:t>
+            </a:r>
+            <a:endParaRPr lang="zh-CN" altLang="en-US" sz="3200" dirty="0">
+              <a:latin typeface="Times New Roman" panose="02020603050405020304" pitchFamily="18" charset="0"/>
+              <a:cs typeface="Times New Roman" panose="02020603050405020304" pitchFamily="18" charset="0"/>
+            </a:endParaRPr>
+          </a:p>
+        </p:txBody>
+      </p:sp>
+      <p:sp>
+        <p:nvSpPr>
+          <p:cNvPr id="74" name="文本框 73">
+            <a:extLst>
+              <a:ext uri="{FF2B5EF4-FFF2-40B4-BE49-F238E27FC236}">
+                <a16:creationId xmlns:a16="http://schemas.microsoft.com/office/drawing/2014/main" id="{8C25070B-0B2E-4CC8-9C15-5F63C33A8299}"/>
+              </a:ext>
+            </a:extLst>
+          </p:cNvPr>
+          <p:cNvSpPr txBox="1"/>
+          <p:nvPr/>
+        </p:nvSpPr>
+        <p:spPr>
+          <a:xfrm>
+            <a:off x="26790959" y="12740512"/>
+            <a:ext cx="3319813" cy="584775"/>
+          </a:xfrm>
+          <a:prstGeom prst="rect">
+            <a:avLst/>
+          </a:prstGeom>
+          <a:noFill/>
+        </p:spPr>
+        <p:txBody>
+          <a:bodyPr wrap="square">
+            <a:spAutoFit/>
+          </a:bodyPr>
+          <a:lstStyle/>
+          <a:p>
+            <a:pPr algn="ctr"/>
+            <a:r>
+              <a:rPr lang="zh-CN" altLang="en-US" sz="3200" dirty="0">
+                <a:solidFill>
+                  <a:srgbClr val="000000"/>
+                </a:solidFill>
+                <a:latin typeface="Times New Roman" panose="02020603050405020304" pitchFamily="18" charset="0"/>
+                <a:ea typeface="等线" panose="02010600030101010101" pitchFamily="2" charset="-122"/>
+                <a:cs typeface="Times New Roman" panose="02020603050405020304" pitchFamily="18" charset="0"/>
+              </a:rPr>
+              <a:t>秃顶</a:t>
+            </a:r>
+            <a:endParaRPr lang="zh-CN" altLang="en-US" sz="3200" dirty="0">
+              <a:latin typeface="Times New Roman" panose="02020603050405020304" pitchFamily="18" charset="0"/>
+              <a:cs typeface="Times New Roman" panose="02020603050405020304" pitchFamily="18" charset="0"/>
+            </a:endParaRPr>
+          </a:p>
+        </p:txBody>
+      </p:sp>
+      <p:sp>
+        <p:nvSpPr>
+          <p:cNvPr id="75" name="文本框 74">
+            <a:extLst>
+              <a:ext uri="{FF2B5EF4-FFF2-40B4-BE49-F238E27FC236}">
+                <a16:creationId xmlns:a16="http://schemas.microsoft.com/office/drawing/2014/main" id="{B0F9C163-007D-4B24-A33D-53302ACA5CAC}"/>
+              </a:ext>
+            </a:extLst>
+          </p:cNvPr>
+          <p:cNvSpPr txBox="1"/>
+          <p:nvPr/>
+        </p:nvSpPr>
+        <p:spPr>
+          <a:xfrm>
+            <a:off x="29762855" y="15790204"/>
+            <a:ext cx="2324524" cy="584775"/>
+          </a:xfrm>
+          <a:prstGeom prst="rect">
+            <a:avLst/>
+          </a:prstGeom>
+          <a:noFill/>
+        </p:spPr>
+        <p:txBody>
+          <a:bodyPr wrap="square">
+            <a:spAutoFit/>
+          </a:bodyPr>
+          <a:lstStyle/>
+          <a:p>
+            <a:pPr algn="ctr"/>
+            <a:r>
+              <a:rPr lang="zh-CN" altLang="en-US" sz="3200" dirty="0">
+                <a:solidFill>
+                  <a:srgbClr val="000000"/>
+                </a:solidFill>
+                <a:latin typeface="Times New Roman" panose="02020603050405020304" pitchFamily="18" charset="0"/>
+                <a:ea typeface="等线" panose="02010600030101010101" pitchFamily="2" charset="-122"/>
+                <a:cs typeface="Times New Roman" panose="02020603050405020304" pitchFamily="18" charset="0"/>
+              </a:rPr>
+              <a:t>年轻</a:t>
+            </a:r>
+            <a:endParaRPr lang="zh-CN" altLang="en-US" sz="3200" dirty="0">
+              <a:latin typeface="Times New Roman" panose="02020603050405020304" pitchFamily="18" charset="0"/>
+              <a:cs typeface="Times New Roman" panose="02020603050405020304" pitchFamily="18" charset="0"/>
+            </a:endParaRPr>
+          </a:p>
+        </p:txBody>
+      </p:sp>
+      <p:sp>
+        <p:nvSpPr>
+          <p:cNvPr id="76" name="文本框 75">
+            <a:extLst>
+              <a:ext uri="{FF2B5EF4-FFF2-40B4-BE49-F238E27FC236}">
+                <a16:creationId xmlns:a16="http://schemas.microsoft.com/office/drawing/2014/main" id="{B32AA754-99C2-4A85-9B9B-8B78A8AF257A}"/>
+              </a:ext>
+            </a:extLst>
+          </p:cNvPr>
+          <p:cNvSpPr txBox="1"/>
+          <p:nvPr/>
+        </p:nvSpPr>
+        <p:spPr>
+          <a:xfrm>
+            <a:off x="6425474" y="15790204"/>
+            <a:ext cx="2346243" cy="584775"/>
+          </a:xfrm>
+          <a:prstGeom prst="rect">
+            <a:avLst/>
+          </a:prstGeom>
+          <a:noFill/>
+        </p:spPr>
+        <p:txBody>
+          <a:bodyPr wrap="square">
+            <a:spAutoFit/>
+          </a:bodyPr>
+          <a:lstStyle/>
+          <a:p>
+            <a:pPr algn="ctr"/>
+            <a:r>
+              <a:rPr lang="zh-CN" altLang="en-US" sz="3200" dirty="0">
+                <a:solidFill>
+                  <a:srgbClr val="000000"/>
+                </a:solidFill>
+                <a:latin typeface="Times New Roman" panose="02020603050405020304" pitchFamily="18" charset="0"/>
+                <a:ea typeface="等线" panose="02010600030101010101" pitchFamily="2" charset="-122"/>
+                <a:cs typeface="Times New Roman" panose="02020603050405020304" pitchFamily="18" charset="0"/>
+              </a:rPr>
+              <a:t>鬓角</a:t>
+            </a:r>
+            <a:endParaRPr lang="zh-CN" altLang="en-US" sz="3200" dirty="0">
+              <a:latin typeface="Times New Roman" panose="02020603050405020304" pitchFamily="18" charset="0"/>
+              <a:cs typeface="Times New Roman" panose="02020603050405020304" pitchFamily="18" charset="0"/>
+            </a:endParaRPr>
+          </a:p>
+        </p:txBody>
+      </p:sp>
+      <p:sp>
+        <p:nvSpPr>
+          <p:cNvPr id="77" name="文本框 76">
+            <a:extLst>
+              <a:ext uri="{FF2B5EF4-FFF2-40B4-BE49-F238E27FC236}">
+                <a16:creationId xmlns:a16="http://schemas.microsoft.com/office/drawing/2014/main" id="{5895EE5B-B8E8-4BD9-B0A0-D1DC83BAFD47}"/>
+              </a:ext>
+            </a:extLst>
+          </p:cNvPr>
+          <p:cNvSpPr txBox="1"/>
+          <p:nvPr/>
+        </p:nvSpPr>
+        <p:spPr>
+          <a:xfrm>
+            <a:off x="9078012" y="15790204"/>
+            <a:ext cx="2020380" cy="584775"/>
+          </a:xfrm>
+          <a:prstGeom prst="rect">
+            <a:avLst/>
+          </a:prstGeom>
+          <a:noFill/>
+        </p:spPr>
+        <p:txBody>
+          <a:bodyPr wrap="square">
+            <a:spAutoFit/>
+          </a:bodyPr>
+          <a:lstStyle/>
+          <a:p>
+            <a:pPr algn="ctr"/>
+            <a:r>
+              <a:rPr lang="en-US" altLang="zh-CN" sz="3200" dirty="0">
+                <a:latin typeface="Times New Roman" panose="02020603050405020304" pitchFamily="18" charset="0"/>
+                <a:cs typeface="Times New Roman" panose="02020603050405020304" pitchFamily="18" charset="0"/>
+              </a:rPr>
+              <a:t> </a:t>
+            </a:r>
+            <a:r>
+              <a:rPr lang="zh-CN" altLang="en-US" sz="3200" dirty="0">
+                <a:solidFill>
+                  <a:srgbClr val="000000"/>
+                </a:solidFill>
+                <a:latin typeface="Times New Roman" panose="02020603050405020304" pitchFamily="18" charset="0"/>
+                <a:ea typeface="等线" panose="02010600030101010101" pitchFamily="2" charset="-122"/>
+                <a:cs typeface="Times New Roman" panose="02020603050405020304" pitchFamily="18" charset="0"/>
+              </a:rPr>
+              <a:t>笑</a:t>
+            </a:r>
+            <a:r>
+              <a:rPr lang="en-US" altLang="zh-CN" sz="3200" dirty="0">
+                <a:latin typeface="Times New Roman" panose="02020603050405020304" pitchFamily="18" charset="0"/>
+                <a:cs typeface="Times New Roman" panose="02020603050405020304" pitchFamily="18" charset="0"/>
+              </a:rPr>
+              <a:t> </a:t>
+            </a:r>
+            <a:endParaRPr lang="zh-CN" altLang="en-US" sz="3200" dirty="0">
+              <a:latin typeface="Times New Roman" panose="02020603050405020304" pitchFamily="18" charset="0"/>
+              <a:cs typeface="Times New Roman" panose="02020603050405020304" pitchFamily="18" charset="0"/>
+            </a:endParaRPr>
+          </a:p>
+        </p:txBody>
+      </p:sp>
+      <p:sp>
+        <p:nvSpPr>
+          <p:cNvPr id="78" name="文本框 77">
+            <a:extLst>
+              <a:ext uri="{FF2B5EF4-FFF2-40B4-BE49-F238E27FC236}">
+                <a16:creationId xmlns:a16="http://schemas.microsoft.com/office/drawing/2014/main" id="{DD0C5CA1-7331-4C1B-A3A1-46EC3424534C}"/>
+              </a:ext>
+            </a:extLst>
+          </p:cNvPr>
+          <p:cNvSpPr txBox="1"/>
+          <p:nvPr/>
+        </p:nvSpPr>
+        <p:spPr>
+          <a:xfrm>
+            <a:off x="11506177" y="15790204"/>
+            <a:ext cx="2651617" cy="584775"/>
+          </a:xfrm>
+          <a:prstGeom prst="rect">
+            <a:avLst/>
+          </a:prstGeom>
+          <a:noFill/>
+        </p:spPr>
+        <p:txBody>
+          <a:bodyPr wrap="square">
+            <a:spAutoFit/>
+          </a:bodyPr>
+          <a:lstStyle/>
+          <a:p>
+            <a:pPr algn="ctr"/>
+            <a:r>
+              <a:rPr lang="zh-CN" altLang="en-US" sz="3200" dirty="0">
+                <a:solidFill>
+                  <a:srgbClr val="000000"/>
+                </a:solidFill>
+                <a:latin typeface="Times New Roman" panose="02020603050405020304" pitchFamily="18" charset="0"/>
+                <a:ea typeface="等线" panose="02010600030101010101" pitchFamily="2" charset="-122"/>
+                <a:cs typeface="Times New Roman" panose="02020603050405020304" pitchFamily="18" charset="0"/>
+              </a:rPr>
+              <a:t>直发</a:t>
+            </a:r>
+            <a:endParaRPr lang="zh-CN" altLang="en-US" sz="3200" dirty="0">
+              <a:latin typeface="Times New Roman" panose="02020603050405020304" pitchFamily="18" charset="0"/>
+              <a:cs typeface="Times New Roman" panose="02020603050405020304" pitchFamily="18" charset="0"/>
+            </a:endParaRPr>
+          </a:p>
+        </p:txBody>
+      </p:sp>
+      <p:sp>
+        <p:nvSpPr>
+          <p:cNvPr id="79" name="文本框 78">
+            <a:extLst>
+              <a:ext uri="{FF2B5EF4-FFF2-40B4-BE49-F238E27FC236}">
+                <a16:creationId xmlns:a16="http://schemas.microsoft.com/office/drawing/2014/main" id="{2AD3BD51-2FDC-453B-9E23-FEC620694729}"/>
+              </a:ext>
+            </a:extLst>
+          </p:cNvPr>
+          <p:cNvSpPr txBox="1"/>
+          <p:nvPr/>
+        </p:nvSpPr>
+        <p:spPr>
+          <a:xfrm>
+            <a:off x="14239271" y="15790204"/>
+            <a:ext cx="2216327" cy="584775"/>
+          </a:xfrm>
+          <a:prstGeom prst="rect">
+            <a:avLst/>
+          </a:prstGeom>
+          <a:noFill/>
+        </p:spPr>
+        <p:txBody>
+          <a:bodyPr wrap="square">
+            <a:spAutoFit/>
+          </a:bodyPr>
+          <a:lstStyle/>
+          <a:p>
+            <a:pPr algn="ctr"/>
+            <a:r>
+              <a:rPr lang="zh-CN" altLang="en-US" sz="3200" dirty="0">
+                <a:solidFill>
+                  <a:srgbClr val="000000"/>
+                </a:solidFill>
+                <a:latin typeface="Times New Roman" panose="02020603050405020304" pitchFamily="18" charset="0"/>
+                <a:ea typeface="等线" panose="02010600030101010101" pitchFamily="2" charset="-122"/>
+                <a:cs typeface="Times New Roman" panose="02020603050405020304" pitchFamily="18" charset="0"/>
+              </a:rPr>
+              <a:t>卷发</a:t>
+            </a:r>
+            <a:endParaRPr lang="zh-CN" altLang="en-US" sz="3200" dirty="0">
+              <a:latin typeface="Times New Roman" panose="02020603050405020304" pitchFamily="18" charset="0"/>
+              <a:cs typeface="Times New Roman" panose="02020603050405020304" pitchFamily="18" charset="0"/>
+            </a:endParaRPr>
+          </a:p>
+        </p:txBody>
+      </p:sp>
+      <p:sp>
+        <p:nvSpPr>
+          <p:cNvPr id="80" name="文本框 79">
+            <a:extLst>
+              <a:ext uri="{FF2B5EF4-FFF2-40B4-BE49-F238E27FC236}">
+                <a16:creationId xmlns:a16="http://schemas.microsoft.com/office/drawing/2014/main" id="{B7687416-5F8C-46DA-A91D-13F364478A02}"/>
+              </a:ext>
+            </a:extLst>
+          </p:cNvPr>
+          <p:cNvSpPr txBox="1"/>
+          <p:nvPr/>
+        </p:nvSpPr>
+        <p:spPr>
+          <a:xfrm>
+            <a:off x="16282271" y="15790204"/>
+            <a:ext cx="3476121" cy="584775"/>
+          </a:xfrm>
+          <a:prstGeom prst="rect">
+            <a:avLst/>
+          </a:prstGeom>
+          <a:noFill/>
+        </p:spPr>
+        <p:txBody>
+          <a:bodyPr wrap="square">
+            <a:spAutoFit/>
+          </a:bodyPr>
+          <a:lstStyle/>
+          <a:p>
+            <a:pPr algn="ctr"/>
+            <a:r>
+              <a:rPr lang="zh-CN" altLang="en-US" sz="3200" dirty="0">
+                <a:solidFill>
+                  <a:srgbClr val="000000"/>
+                </a:solidFill>
+                <a:latin typeface="Times New Roman" panose="02020603050405020304" pitchFamily="18" charset="0"/>
+                <a:ea typeface="等线" panose="02010600030101010101" pitchFamily="2" charset="-122"/>
+                <a:cs typeface="Times New Roman" panose="02020603050405020304" pitchFamily="18" charset="0"/>
+              </a:rPr>
+              <a:t>戴耳环</a:t>
+            </a:r>
+            <a:endParaRPr lang="zh-CN" altLang="en-US" sz="3200" dirty="0">
+              <a:latin typeface="Times New Roman" panose="02020603050405020304" pitchFamily="18" charset="0"/>
+              <a:cs typeface="Times New Roman" panose="02020603050405020304" pitchFamily="18" charset="0"/>
+            </a:endParaRPr>
+          </a:p>
+        </p:txBody>
+      </p:sp>
+      <p:sp>
+        <p:nvSpPr>
+          <p:cNvPr id="81" name="文本框 80">
+            <a:extLst>
+              <a:ext uri="{FF2B5EF4-FFF2-40B4-BE49-F238E27FC236}">
+                <a16:creationId xmlns:a16="http://schemas.microsoft.com/office/drawing/2014/main" id="{3D0781FA-5211-4321-9929-C808747C47B0}"/>
+              </a:ext>
+            </a:extLst>
+          </p:cNvPr>
+          <p:cNvSpPr txBox="1"/>
+          <p:nvPr/>
+        </p:nvSpPr>
+        <p:spPr>
+          <a:xfrm>
+            <a:off x="19263615" y="15790204"/>
+            <a:ext cx="2878500" cy="584775"/>
+          </a:xfrm>
+          <a:prstGeom prst="rect">
+            <a:avLst/>
+          </a:prstGeom>
+          <a:noFill/>
+        </p:spPr>
+        <p:txBody>
+          <a:bodyPr wrap="square">
+            <a:spAutoFit/>
+          </a:bodyPr>
+          <a:lstStyle/>
+          <a:p>
+            <a:pPr algn="ctr"/>
+            <a:r>
+              <a:rPr lang="zh-CN" altLang="en-US" sz="3200" dirty="0">
+                <a:solidFill>
+                  <a:srgbClr val="000000"/>
+                </a:solidFill>
+                <a:latin typeface="Times New Roman" panose="02020603050405020304" pitchFamily="18" charset="0"/>
+                <a:ea typeface="等线" panose="02010600030101010101" pitchFamily="2" charset="-122"/>
+                <a:cs typeface="Times New Roman" panose="02020603050405020304" pitchFamily="18" charset="0"/>
+              </a:rPr>
+              <a:t>戴帽子</a:t>
+            </a:r>
+            <a:endParaRPr lang="zh-CN" altLang="en-US" sz="3200" dirty="0">
+              <a:latin typeface="Times New Roman" panose="02020603050405020304" pitchFamily="18" charset="0"/>
+              <a:cs typeface="Times New Roman" panose="02020603050405020304" pitchFamily="18" charset="0"/>
+            </a:endParaRPr>
+          </a:p>
+        </p:txBody>
+      </p:sp>
+      <p:sp>
+        <p:nvSpPr>
+          <p:cNvPr id="82" name="文本框 81">
+            <a:extLst>
+              <a:ext uri="{FF2B5EF4-FFF2-40B4-BE49-F238E27FC236}">
+                <a16:creationId xmlns:a16="http://schemas.microsoft.com/office/drawing/2014/main" id="{4A5B74FA-450C-488E-93DE-9D2F3EDC45A6}"/>
+              </a:ext>
+            </a:extLst>
+          </p:cNvPr>
+          <p:cNvSpPr txBox="1"/>
+          <p:nvPr/>
+        </p:nvSpPr>
+        <p:spPr>
+          <a:xfrm>
+            <a:off x="21561419" y="15790204"/>
+            <a:ext cx="3497645" cy="584775"/>
+          </a:xfrm>
+          <a:prstGeom prst="rect">
+            <a:avLst/>
+          </a:prstGeom>
+          <a:noFill/>
+        </p:spPr>
+        <p:txBody>
+          <a:bodyPr wrap="square">
+            <a:spAutoFit/>
+          </a:bodyPr>
+          <a:lstStyle/>
+          <a:p>
+            <a:pPr algn="ctr"/>
+            <a:r>
+              <a:rPr lang="zh-CN" altLang="en-US" sz="3200" dirty="0">
+                <a:solidFill>
+                  <a:srgbClr val="000000"/>
+                </a:solidFill>
+                <a:latin typeface="Times New Roman" panose="02020603050405020304" pitchFamily="18" charset="0"/>
+                <a:ea typeface="等线" panose="02010600030101010101" pitchFamily="2" charset="-122"/>
+                <a:cs typeface="Times New Roman" panose="02020603050405020304" pitchFamily="18" charset="0"/>
+              </a:rPr>
+              <a:t>涂口红</a:t>
+            </a:r>
+            <a:endParaRPr lang="zh-CN" altLang="en-US" sz="3200" dirty="0">
+              <a:latin typeface="Times New Roman" panose="02020603050405020304" pitchFamily="18" charset="0"/>
+              <a:cs typeface="Times New Roman" panose="02020603050405020304" pitchFamily="18" charset="0"/>
+            </a:endParaRPr>
+          </a:p>
+        </p:txBody>
+      </p:sp>
+      <p:sp>
+        <p:nvSpPr>
+          <p:cNvPr id="83" name="文本框 82">
+            <a:extLst>
+              <a:ext uri="{FF2B5EF4-FFF2-40B4-BE49-F238E27FC236}">
+                <a16:creationId xmlns:a16="http://schemas.microsoft.com/office/drawing/2014/main" id="{748A99B1-BDAF-45DB-9806-0D9762D41DF4}"/>
+              </a:ext>
+            </a:extLst>
+          </p:cNvPr>
+          <p:cNvSpPr txBox="1"/>
+          <p:nvPr/>
+        </p:nvSpPr>
+        <p:spPr>
+          <a:xfrm>
+            <a:off x="24519291" y="15790204"/>
+            <a:ext cx="2673104" cy="584775"/>
+          </a:xfrm>
+          <a:prstGeom prst="rect">
+            <a:avLst/>
+          </a:prstGeom>
+          <a:noFill/>
+        </p:spPr>
+        <p:txBody>
+          <a:bodyPr wrap="square">
+            <a:spAutoFit/>
+          </a:bodyPr>
+          <a:lstStyle/>
+          <a:p>
+            <a:pPr algn="ctr"/>
+            <a:r>
+              <a:rPr lang="zh-CN" altLang="en-US" sz="3200" dirty="0">
+                <a:solidFill>
+                  <a:srgbClr val="000000"/>
+                </a:solidFill>
+                <a:latin typeface="Times New Roman" panose="02020603050405020304" pitchFamily="18" charset="0"/>
+                <a:ea typeface="等线" panose="02010600030101010101" pitchFamily="2" charset="-122"/>
+                <a:cs typeface="Times New Roman" panose="02020603050405020304" pitchFamily="18" charset="0"/>
+              </a:rPr>
+              <a:t>戴项链</a:t>
+            </a:r>
+            <a:endParaRPr lang="zh-CN" altLang="en-US" sz="3200" dirty="0">
+              <a:latin typeface="Times New Roman" panose="02020603050405020304" pitchFamily="18" charset="0"/>
+              <a:cs typeface="Times New Roman" panose="02020603050405020304" pitchFamily="18" charset="0"/>
+            </a:endParaRPr>
+          </a:p>
+        </p:txBody>
+      </p:sp>
+      <p:sp>
+        <p:nvSpPr>
+          <p:cNvPr id="84" name="文本框 83">
+            <a:extLst>
+              <a:ext uri="{FF2B5EF4-FFF2-40B4-BE49-F238E27FC236}">
+                <a16:creationId xmlns:a16="http://schemas.microsoft.com/office/drawing/2014/main" id="{E6D3F1F7-B6F1-489C-8907-2CFDACB99155}"/>
+              </a:ext>
+            </a:extLst>
+          </p:cNvPr>
+          <p:cNvSpPr txBox="1"/>
+          <p:nvPr/>
+        </p:nvSpPr>
+        <p:spPr>
+          <a:xfrm>
+            <a:off x="26989852" y="15790204"/>
+            <a:ext cx="2773003" cy="584775"/>
+          </a:xfrm>
+          <a:prstGeom prst="rect">
+            <a:avLst/>
+          </a:prstGeom>
+          <a:noFill/>
+        </p:spPr>
+        <p:txBody>
+          <a:bodyPr wrap="square">
+            <a:spAutoFit/>
+          </a:bodyPr>
+          <a:lstStyle/>
+          <a:p>
+            <a:pPr algn="ctr"/>
+            <a:r>
+              <a:rPr lang="zh-CN" altLang="en-US" sz="3200" dirty="0">
+                <a:solidFill>
+                  <a:srgbClr val="000000"/>
+                </a:solidFill>
+                <a:latin typeface="Times New Roman" panose="02020603050405020304" pitchFamily="18" charset="0"/>
+                <a:ea typeface="等线" panose="02010600030101010101" pitchFamily="2" charset="-122"/>
+                <a:cs typeface="Times New Roman" panose="02020603050405020304" pitchFamily="18" charset="0"/>
+              </a:rPr>
+              <a:t>戴领带</a:t>
+            </a:r>
+            <a:endParaRPr lang="zh-CN" altLang="en-US" sz="3200" dirty="0">
+              <a:latin typeface="Times New Roman" panose="02020603050405020304" pitchFamily="18" charset="0"/>
+              <a:cs typeface="Times New Roman" panose="02020603050405020304" pitchFamily="18" charset="0"/>
+            </a:endParaRPr>
+          </a:p>
+        </p:txBody>
+      </p:sp>
+      <p:sp>
+        <p:nvSpPr>
+          <p:cNvPr id="85" name="文本框 84">
+            <a:extLst>
+              <a:ext uri="{FF2B5EF4-FFF2-40B4-BE49-F238E27FC236}">
+                <a16:creationId xmlns:a16="http://schemas.microsoft.com/office/drawing/2014/main" id="{50CB392B-2BC9-454B-A1FF-624CAFBF3045}"/>
+              </a:ext>
+            </a:extLst>
+          </p:cNvPr>
+          <p:cNvSpPr txBox="1"/>
+          <p:nvPr/>
+        </p:nvSpPr>
+        <p:spPr>
+          <a:xfrm>
+            <a:off x="2845829" y="11298971"/>
+            <a:ext cx="2806949" cy="584775"/>
+          </a:xfrm>
+          <a:prstGeom prst="rect">
+            <a:avLst/>
+          </a:prstGeom>
+          <a:noFill/>
+        </p:spPr>
+        <p:txBody>
+          <a:bodyPr wrap="square">
+            <a:spAutoFit/>
+          </a:bodyPr>
+          <a:lstStyle/>
+          <a:p>
+            <a:pPr algn="ctr"/>
+            <a:r>
+              <a:rPr lang="zh-CN" altLang="en-US" sz="3200" dirty="0">
+                <a:latin typeface="Times New Roman" panose="02020603050405020304" pitchFamily="18" charset="0"/>
+                <a:cs typeface="Times New Roman" panose="02020603050405020304" pitchFamily="18" charset="0"/>
+              </a:rPr>
+              <a:t>原图</a:t>
+            </a:r>
+          </a:p>
+        </p:txBody>
+      </p:sp>
+    </p:spTree>
+    <p:extLst>
+      <p:ext uri="{BB962C8B-B14F-4D97-AF65-F5344CB8AC3E}">
+        <p14:creationId xmlns:p14="http://schemas.microsoft.com/office/powerpoint/2010/main" val="1672981135"/>
+      </p:ext>
+    </p:extLst>
+  </p:cSld>
+  <p:clrMapOvr>
+    <a:masterClrMapping/>
+  </p:clrMapOvr>
+</p:sld>
+</file>
+
 <file path=ppt/theme/theme1.xml><?xml version="1.0" encoding="utf-8"?>
 <a:theme xmlns:a="http://schemas.openxmlformats.org/drawingml/2006/main" name="Office 主题​​">
   <a:themeElements>
